--- a/Document/graphic.pptx
+++ b/Document/graphic.pptx
@@ -123,7 +123,7 @@
 </file>
 
 <file path=ppt/charts/chart1.xml><?xml version="1.0" encoding="utf-8"?>
-<c:chartSpace xmlns:c="http://schemas.openxmlformats.org/drawingml/2006/chart" xmlns:a="http://schemas.openxmlformats.org/drawingml/2006/main" xmlns:r="http://schemas.openxmlformats.org/officeDocument/2006/relationships" xmlns:c16r2="http://schemas.microsoft.com/office/drawing/2015/06/chart">
+<c:chartSpace xmlns:c="http://schemas.openxmlformats.org/drawingml/2006/chart" xmlns:a="http://schemas.openxmlformats.org/drawingml/2006/main" xmlns:r="http://schemas.openxmlformats.org/officeDocument/2006/relationships">
   <c:date1904 val="0"/>
   <c:lang val="en-US"/>
   <c:roundedCorners val="0"/>
@@ -175,64 +175,64 @@
                 <c:formatCode>General</c:formatCode>
                 <c:ptCount val="20"/>
                 <c:pt idx="0">
-                  <c:v>1</c:v>
+                  <c:v>1.0</c:v>
                 </c:pt>
                 <c:pt idx="1">
-                  <c:v>2</c:v>
+                  <c:v>2.0</c:v>
                 </c:pt>
                 <c:pt idx="2">
-                  <c:v>3</c:v>
+                  <c:v>3.0</c:v>
                 </c:pt>
                 <c:pt idx="3">
-                  <c:v>4</c:v>
+                  <c:v>4.0</c:v>
                 </c:pt>
                 <c:pt idx="4">
-                  <c:v>5</c:v>
+                  <c:v>5.0</c:v>
                 </c:pt>
                 <c:pt idx="5">
-                  <c:v>6</c:v>
+                  <c:v>6.0</c:v>
                 </c:pt>
                 <c:pt idx="6">
-                  <c:v>7</c:v>
+                  <c:v>7.0</c:v>
                 </c:pt>
                 <c:pt idx="7">
-                  <c:v>8</c:v>
+                  <c:v>8.0</c:v>
                 </c:pt>
                 <c:pt idx="8">
-                  <c:v>9</c:v>
+                  <c:v>9.0</c:v>
                 </c:pt>
                 <c:pt idx="9">
-                  <c:v>10</c:v>
+                  <c:v>10.0</c:v>
                 </c:pt>
                 <c:pt idx="10">
-                  <c:v>11</c:v>
+                  <c:v>11.0</c:v>
                 </c:pt>
                 <c:pt idx="11">
-                  <c:v>12</c:v>
+                  <c:v>12.0</c:v>
                 </c:pt>
                 <c:pt idx="12">
-                  <c:v>13</c:v>
+                  <c:v>13.0</c:v>
                 </c:pt>
                 <c:pt idx="13">
-                  <c:v>14</c:v>
+                  <c:v>14.0</c:v>
                 </c:pt>
                 <c:pt idx="14">
-                  <c:v>15</c:v>
+                  <c:v>15.0</c:v>
                 </c:pt>
                 <c:pt idx="15">
-                  <c:v>16</c:v>
+                  <c:v>16.0</c:v>
                 </c:pt>
                 <c:pt idx="16">
-                  <c:v>17</c:v>
+                  <c:v>17.0</c:v>
                 </c:pt>
                 <c:pt idx="17">
-                  <c:v>18</c:v>
+                  <c:v>18.0</c:v>
                 </c:pt>
                 <c:pt idx="18">
-                  <c:v>19</c:v>
+                  <c:v>19.0</c:v>
                 </c:pt>
                 <c:pt idx="19">
-                  <c:v>20</c:v>
+                  <c:v>20.0</c:v>
                 </c:pt>
               </c:numCache>
             </c:numRef>
@@ -274,7 +274,7 @@
             </c:numRef>
           </c:val>
           <c:smooth val="0"/>
-          <c:extLst>
+          <c:extLst xmlns:c16r2="http://schemas.microsoft.com/office/drawing/2015/06/chart">
             <c:ext xmlns:c16="http://schemas.microsoft.com/office/drawing/2014/chart" uri="{C3380CC4-5D6E-409C-BE32-E72D297353CC}">
               <c16:uniqueId val="{00000000-0505-4674-88D6-32E912049685}"/>
             </c:ext>
@@ -313,64 +313,64 @@
                 <c:formatCode>General</c:formatCode>
                 <c:ptCount val="20"/>
                 <c:pt idx="0">
-                  <c:v>1</c:v>
+                  <c:v>1.0</c:v>
                 </c:pt>
                 <c:pt idx="1">
-                  <c:v>2</c:v>
+                  <c:v>2.0</c:v>
                 </c:pt>
                 <c:pt idx="2">
-                  <c:v>3</c:v>
+                  <c:v>3.0</c:v>
                 </c:pt>
                 <c:pt idx="3">
-                  <c:v>4</c:v>
+                  <c:v>4.0</c:v>
                 </c:pt>
                 <c:pt idx="4">
-                  <c:v>5</c:v>
+                  <c:v>5.0</c:v>
                 </c:pt>
                 <c:pt idx="5">
-                  <c:v>6</c:v>
+                  <c:v>6.0</c:v>
                 </c:pt>
                 <c:pt idx="6">
-                  <c:v>7</c:v>
+                  <c:v>7.0</c:v>
                 </c:pt>
                 <c:pt idx="7">
-                  <c:v>8</c:v>
+                  <c:v>8.0</c:v>
                 </c:pt>
                 <c:pt idx="8">
-                  <c:v>9</c:v>
+                  <c:v>9.0</c:v>
                 </c:pt>
                 <c:pt idx="9">
-                  <c:v>10</c:v>
+                  <c:v>10.0</c:v>
                 </c:pt>
                 <c:pt idx="10">
-                  <c:v>11</c:v>
+                  <c:v>11.0</c:v>
                 </c:pt>
                 <c:pt idx="11">
-                  <c:v>12</c:v>
+                  <c:v>12.0</c:v>
                 </c:pt>
                 <c:pt idx="12">
-                  <c:v>13</c:v>
+                  <c:v>13.0</c:v>
                 </c:pt>
                 <c:pt idx="13">
-                  <c:v>14</c:v>
+                  <c:v>14.0</c:v>
                 </c:pt>
                 <c:pt idx="14">
-                  <c:v>15</c:v>
+                  <c:v>15.0</c:v>
                 </c:pt>
                 <c:pt idx="15">
-                  <c:v>16</c:v>
+                  <c:v>16.0</c:v>
                 </c:pt>
                 <c:pt idx="16">
-                  <c:v>17</c:v>
+                  <c:v>17.0</c:v>
                 </c:pt>
                 <c:pt idx="17">
-                  <c:v>18</c:v>
+                  <c:v>18.0</c:v>
                 </c:pt>
                 <c:pt idx="18">
-                  <c:v>19</c:v>
+                  <c:v>19.0</c:v>
                 </c:pt>
                 <c:pt idx="19">
-                  <c:v>20</c:v>
+                  <c:v>20.0</c:v>
                 </c:pt>
               </c:numCache>
             </c:numRef>
@@ -409,7 +409,7 @@
             </c:numRef>
           </c:val>
           <c:smooth val="0"/>
-          <c:extLst>
+          <c:extLst xmlns:c16r2="http://schemas.microsoft.com/office/drawing/2015/06/chart">
             <c:ext xmlns:c16="http://schemas.microsoft.com/office/drawing/2014/chart" uri="{C3380CC4-5D6E-409C-BE32-E72D297353CC}">
               <c16:uniqueId val="{00000001-0505-4674-88D6-32E912049685}"/>
             </c:ext>
@@ -448,64 +448,64 @@
                 <c:formatCode>General</c:formatCode>
                 <c:ptCount val="20"/>
                 <c:pt idx="0">
-                  <c:v>1</c:v>
+                  <c:v>1.0</c:v>
                 </c:pt>
                 <c:pt idx="1">
-                  <c:v>2</c:v>
+                  <c:v>2.0</c:v>
                 </c:pt>
                 <c:pt idx="2">
-                  <c:v>3</c:v>
+                  <c:v>3.0</c:v>
                 </c:pt>
                 <c:pt idx="3">
-                  <c:v>4</c:v>
+                  <c:v>4.0</c:v>
                 </c:pt>
                 <c:pt idx="4">
-                  <c:v>5</c:v>
+                  <c:v>5.0</c:v>
                 </c:pt>
                 <c:pt idx="5">
-                  <c:v>6</c:v>
+                  <c:v>6.0</c:v>
                 </c:pt>
                 <c:pt idx="6">
-                  <c:v>7</c:v>
+                  <c:v>7.0</c:v>
                 </c:pt>
                 <c:pt idx="7">
-                  <c:v>8</c:v>
+                  <c:v>8.0</c:v>
                 </c:pt>
                 <c:pt idx="8">
-                  <c:v>9</c:v>
+                  <c:v>9.0</c:v>
                 </c:pt>
                 <c:pt idx="9">
-                  <c:v>10</c:v>
+                  <c:v>10.0</c:v>
                 </c:pt>
                 <c:pt idx="10">
-                  <c:v>11</c:v>
+                  <c:v>11.0</c:v>
                 </c:pt>
                 <c:pt idx="11">
-                  <c:v>12</c:v>
+                  <c:v>12.0</c:v>
                 </c:pt>
                 <c:pt idx="12">
-                  <c:v>13</c:v>
+                  <c:v>13.0</c:v>
                 </c:pt>
                 <c:pt idx="13">
-                  <c:v>14</c:v>
+                  <c:v>14.0</c:v>
                 </c:pt>
                 <c:pt idx="14">
-                  <c:v>15</c:v>
+                  <c:v>15.0</c:v>
                 </c:pt>
                 <c:pt idx="15">
-                  <c:v>16</c:v>
+                  <c:v>16.0</c:v>
                 </c:pt>
                 <c:pt idx="16">
-                  <c:v>17</c:v>
+                  <c:v>17.0</c:v>
                 </c:pt>
                 <c:pt idx="17">
-                  <c:v>18</c:v>
+                  <c:v>18.0</c:v>
                 </c:pt>
                 <c:pt idx="18">
-                  <c:v>19</c:v>
+                  <c:v>19.0</c:v>
                 </c:pt>
                 <c:pt idx="19">
-                  <c:v>20</c:v>
+                  <c:v>20.0</c:v>
                 </c:pt>
               </c:numCache>
             </c:numRef>
@@ -544,7 +544,7 @@
             </c:numRef>
           </c:val>
           <c:smooth val="0"/>
-          <c:extLst>
+          <c:extLst xmlns:c16r2="http://schemas.microsoft.com/office/drawing/2015/06/chart">
             <c:ext xmlns:c16="http://schemas.microsoft.com/office/drawing/2014/chart" uri="{C3380CC4-5D6E-409C-BE32-E72D297353CC}">
               <c16:uniqueId val="{00000003-0505-4674-88D6-32E912049685}"/>
             </c:ext>
@@ -572,11 +572,11 @@
           </c:spPr>
         </c:hiLowLines>
         <c:smooth val="0"/>
-        <c:axId val="403497496"/>
-        <c:axId val="403294568"/>
+        <c:axId val="1326243728"/>
+        <c:axId val="1332277168"/>
       </c:lineChart>
       <c:catAx>
-        <c:axId val="403497496"/>
+        <c:axId val="1326243728"/>
         <c:scaling>
           <c:orientation val="minMax"/>
         </c:scaling>
@@ -600,7 +600,7 @@
         <c:majorTickMark val="none"/>
         <c:minorTickMark val="none"/>
         <c:tickLblPos val="nextTo"/>
-        <c:crossAx val="403294568"/>
+        <c:crossAx val="1332277168"/>
         <c:crosses val="autoZero"/>
         <c:auto val="1"/>
         <c:lblAlgn val="ctr"/>
@@ -608,11 +608,11 @@
         <c:noMultiLvlLbl val="0"/>
       </c:catAx>
       <c:valAx>
-        <c:axId val="403294568"/>
+        <c:axId val="1332277168"/>
         <c:scaling>
           <c:orientation val="minMax"/>
-          <c:max val="4"/>
-          <c:min val="1"/>
+          <c:max val="4.0"/>
+          <c:min val="1.0"/>
         </c:scaling>
         <c:delete val="1"/>
         <c:axPos val="l"/>
@@ -620,7 +620,7 @@
         <c:majorTickMark val="none"/>
         <c:minorTickMark val="none"/>
         <c:tickLblPos val="nextTo"/>
-        <c:crossAx val="403497496"/>
+        <c:crossAx val="1326243728"/>
         <c:crosses val="autoZero"/>
         <c:crossBetween val="between"/>
       </c:valAx>
@@ -634,6 +634,7 @@
     </c:plotArea>
     <c:legend>
       <c:legendPos val="b"/>
+      <c:layout/>
       <c:overlay val="0"/>
       <c:spPr>
         <a:noFill/>
@@ -691,7 +692,7 @@
 </file>
 
 <file path=ppt/charts/chart2.xml><?xml version="1.0" encoding="utf-8"?>
-<c:chartSpace xmlns:c="http://schemas.openxmlformats.org/drawingml/2006/chart" xmlns:a="http://schemas.openxmlformats.org/drawingml/2006/main" xmlns:r="http://schemas.openxmlformats.org/officeDocument/2006/relationships" xmlns:c16r2="http://schemas.microsoft.com/office/drawing/2015/06/chart">
+<c:chartSpace xmlns:c="http://schemas.openxmlformats.org/drawingml/2006/chart" xmlns:a="http://schemas.openxmlformats.org/drawingml/2006/main" xmlns:r="http://schemas.openxmlformats.org/officeDocument/2006/relationships">
   <c:date1904 val="0"/>
   <c:lang val="en-US"/>
   <c:roundedCorners val="0"/>
@@ -756,34 +757,34 @@
                 <c:formatCode>General</c:formatCode>
                 <c:ptCount val="10"/>
                 <c:pt idx="0">
-                  <c:v>1</c:v>
+                  <c:v>1.0</c:v>
                 </c:pt>
                 <c:pt idx="1">
-                  <c:v>2</c:v>
+                  <c:v>2.0</c:v>
                 </c:pt>
                 <c:pt idx="2">
-                  <c:v>3</c:v>
+                  <c:v>3.0</c:v>
                 </c:pt>
                 <c:pt idx="3">
-                  <c:v>4</c:v>
+                  <c:v>4.0</c:v>
                 </c:pt>
                 <c:pt idx="4">
-                  <c:v>5</c:v>
+                  <c:v>5.0</c:v>
                 </c:pt>
                 <c:pt idx="5">
-                  <c:v>6</c:v>
+                  <c:v>6.0</c:v>
                 </c:pt>
                 <c:pt idx="6">
-                  <c:v>7</c:v>
+                  <c:v>7.0</c:v>
                 </c:pt>
                 <c:pt idx="7">
-                  <c:v>8</c:v>
+                  <c:v>8.0</c:v>
                 </c:pt>
                 <c:pt idx="8">
-                  <c:v>9</c:v>
+                  <c:v>9.0</c:v>
                 </c:pt>
                 <c:pt idx="9">
-                  <c:v>10</c:v>
+                  <c:v>10.0</c:v>
                 </c:pt>
               </c:numCache>
             </c:numRef>
@@ -795,10 +796,10 @@
                 <c:formatCode>General</c:formatCode>
                 <c:ptCount val="10"/>
                 <c:pt idx="0">
-                  <c:v>2</c:v>
+                  <c:v>2.0</c:v>
                 </c:pt>
                 <c:pt idx="1">
-                  <c:v>4</c:v>
+                  <c:v>4.0</c:v>
                 </c:pt>
                 <c:pt idx="2">
                   <c:v>2.7</c:v>
@@ -816,10 +817,10 @@
                   <c:v>1.3</c:v>
                 </c:pt>
                 <c:pt idx="7">
-                  <c:v>3</c:v>
+                  <c:v>3.0</c:v>
                 </c:pt>
                 <c:pt idx="8">
-                  <c:v>2</c:v>
+                  <c:v>2.0</c:v>
                 </c:pt>
                 <c:pt idx="9">
                   <c:v>1.2</c:v>
@@ -828,7 +829,7 @@
             </c:numRef>
           </c:val>
           <c:smooth val="0"/>
-          <c:extLst>
+          <c:extLst xmlns:c16r2="http://schemas.microsoft.com/office/drawing/2015/06/chart">
             <c:ext xmlns:c16="http://schemas.microsoft.com/office/drawing/2014/chart" uri="{C3380CC4-5D6E-409C-BE32-E72D297353CC}">
               <c16:uniqueId val="{00000000-EAD8-46E6-BD23-9DE1EB8525AE}"/>
             </c:ext>
@@ -857,11 +858,11 @@
         </c:hiLowLines>
         <c:marker val="1"/>
         <c:smooth val="0"/>
-        <c:axId val="403497496"/>
-        <c:axId val="403294568"/>
+        <c:axId val="1333100112"/>
+        <c:axId val="1333108544"/>
       </c:lineChart>
       <c:catAx>
-        <c:axId val="403497496"/>
+        <c:axId val="1333100112"/>
         <c:scaling>
           <c:orientation val="minMax"/>
         </c:scaling>
@@ -885,7 +886,7 @@
         <c:majorTickMark val="none"/>
         <c:minorTickMark val="none"/>
         <c:tickLblPos val="nextTo"/>
-        <c:crossAx val="403294568"/>
+        <c:crossAx val="1333108544"/>
         <c:crosses val="autoZero"/>
         <c:auto val="1"/>
         <c:lblAlgn val="ctr"/>
@@ -893,11 +894,11 @@
         <c:noMultiLvlLbl val="0"/>
       </c:catAx>
       <c:valAx>
-        <c:axId val="403294568"/>
+        <c:axId val="1333108544"/>
         <c:scaling>
           <c:orientation val="minMax"/>
-          <c:max val="4"/>
-          <c:min val="1"/>
+          <c:max val="4.0"/>
+          <c:min val="1.0"/>
         </c:scaling>
         <c:delete val="1"/>
         <c:axPos val="l"/>
@@ -905,7 +906,7 @@
         <c:majorTickMark val="none"/>
         <c:minorTickMark val="none"/>
         <c:tickLblPos val="nextTo"/>
-        <c:crossAx val="403497496"/>
+        <c:crossAx val="1333100112"/>
         <c:crosses val="autoZero"/>
         <c:crossBetween val="between"/>
       </c:valAx>
@@ -945,7 +946,7 @@
 </file>
 
 <file path=ppt/charts/chart3.xml><?xml version="1.0" encoding="utf-8"?>
-<c:chartSpace xmlns:c="http://schemas.openxmlformats.org/drawingml/2006/chart" xmlns:a="http://schemas.openxmlformats.org/drawingml/2006/main" xmlns:r="http://schemas.openxmlformats.org/officeDocument/2006/relationships" xmlns:c16r2="http://schemas.microsoft.com/office/drawing/2015/06/chart">
+<c:chartSpace xmlns:c="http://schemas.openxmlformats.org/drawingml/2006/chart" xmlns:a="http://schemas.openxmlformats.org/drawingml/2006/main" xmlns:r="http://schemas.openxmlformats.org/officeDocument/2006/relationships">
   <c:date1904 val="0"/>
   <c:lang val="en-US"/>
   <c:roundedCorners val="0"/>
@@ -992,330 +993,240 @@
           </c:marker>
           <c:cat>
             <c:numRef>
-              <c:f>Sheet1!$A$2:$A$52</c:f>
+              <c:f>Sheet1!$A$2:$A$37</c:f>
               <c:numCache>
                 <c:formatCode>General</c:formatCode>
-                <c:ptCount val="51"/>
+                <c:ptCount val="36"/>
                 <c:pt idx="0">
-                  <c:v>1890</c:v>
+                  <c:v>1890.0</c:v>
                 </c:pt>
                 <c:pt idx="1">
-                  <c:v>1891</c:v>
+                  <c:v>1891.0</c:v>
                 </c:pt>
                 <c:pt idx="2">
-                  <c:v>1892</c:v>
+                  <c:v>1892.0</c:v>
                 </c:pt>
                 <c:pt idx="3">
-                  <c:v>1893</c:v>
+                  <c:v>1893.0</c:v>
                 </c:pt>
                 <c:pt idx="4">
-                  <c:v>1894</c:v>
+                  <c:v>1894.0</c:v>
                 </c:pt>
                 <c:pt idx="5">
-                  <c:v>1895</c:v>
+                  <c:v>1895.0</c:v>
                 </c:pt>
                 <c:pt idx="6">
-                  <c:v>1896</c:v>
+                  <c:v>1896.0</c:v>
                 </c:pt>
                 <c:pt idx="7">
-                  <c:v>1897</c:v>
+                  <c:v>1897.0</c:v>
                 </c:pt>
                 <c:pt idx="8">
-                  <c:v>1898</c:v>
+                  <c:v>1898.0</c:v>
                 </c:pt>
                 <c:pt idx="9">
-                  <c:v>1899</c:v>
+                  <c:v>1899.0</c:v>
                 </c:pt>
                 <c:pt idx="10">
-                  <c:v>1900</c:v>
+                  <c:v>1900.0</c:v>
                 </c:pt>
                 <c:pt idx="11">
-                  <c:v>1901</c:v>
+                  <c:v>1901.0</c:v>
                 </c:pt>
                 <c:pt idx="12">
-                  <c:v>1902</c:v>
+                  <c:v>1902.0</c:v>
                 </c:pt>
                 <c:pt idx="13">
-                  <c:v>1903</c:v>
+                  <c:v>1903.0</c:v>
                 </c:pt>
                 <c:pt idx="14">
-                  <c:v>1904</c:v>
+                  <c:v>1904.0</c:v>
                 </c:pt>
                 <c:pt idx="15">
-                  <c:v>1905</c:v>
+                  <c:v>1905.0</c:v>
                 </c:pt>
                 <c:pt idx="16">
-                  <c:v>1906</c:v>
+                  <c:v>1906.0</c:v>
                 </c:pt>
                 <c:pt idx="17">
-                  <c:v>1907</c:v>
+                  <c:v>1907.0</c:v>
                 </c:pt>
                 <c:pt idx="18">
-                  <c:v>1908</c:v>
+                  <c:v>1908.0</c:v>
                 </c:pt>
                 <c:pt idx="19">
-                  <c:v>1909</c:v>
+                  <c:v>1909.0</c:v>
                 </c:pt>
                 <c:pt idx="20">
-                  <c:v>1910</c:v>
+                  <c:v>1910.0</c:v>
                 </c:pt>
                 <c:pt idx="21">
-                  <c:v>1911</c:v>
+                  <c:v>1911.0</c:v>
                 </c:pt>
                 <c:pt idx="22">
-                  <c:v>1912</c:v>
+                  <c:v>1912.0</c:v>
                 </c:pt>
                 <c:pt idx="23">
-                  <c:v>1913</c:v>
+                  <c:v>1913.0</c:v>
                 </c:pt>
                 <c:pt idx="24">
-                  <c:v>1914</c:v>
+                  <c:v>1914.0</c:v>
                 </c:pt>
                 <c:pt idx="25">
-                  <c:v>1915</c:v>
+                  <c:v>1915.0</c:v>
                 </c:pt>
                 <c:pt idx="26">
-                  <c:v>1916</c:v>
+                  <c:v>1916.0</c:v>
                 </c:pt>
                 <c:pt idx="27">
-                  <c:v>1917</c:v>
+                  <c:v>1917.0</c:v>
                 </c:pt>
                 <c:pt idx="28">
-                  <c:v>1918</c:v>
+                  <c:v>1918.0</c:v>
                 </c:pt>
                 <c:pt idx="29">
-                  <c:v>1919</c:v>
+                  <c:v>1919.0</c:v>
                 </c:pt>
                 <c:pt idx="30">
-                  <c:v>1920</c:v>
+                  <c:v>1920.0</c:v>
                 </c:pt>
                 <c:pt idx="31">
-                  <c:v>1921</c:v>
+                  <c:v>1921.0</c:v>
                 </c:pt>
                 <c:pt idx="32">
-                  <c:v>1922</c:v>
+                  <c:v>1922.0</c:v>
                 </c:pt>
                 <c:pt idx="33">
-                  <c:v>1923</c:v>
+                  <c:v>1923.0</c:v>
                 </c:pt>
                 <c:pt idx="34">
-                  <c:v>1924</c:v>
+                  <c:v>1924.0</c:v>
                 </c:pt>
                 <c:pt idx="35">
-                  <c:v>1925</c:v>
-                </c:pt>
-                <c:pt idx="36">
-                  <c:v>1926</c:v>
-                </c:pt>
-                <c:pt idx="37">
-                  <c:v>1927</c:v>
-                </c:pt>
-                <c:pt idx="38">
-                  <c:v>1928</c:v>
-                </c:pt>
-                <c:pt idx="39">
-                  <c:v>1929</c:v>
-                </c:pt>
-                <c:pt idx="40">
-                  <c:v>1930</c:v>
-                </c:pt>
-                <c:pt idx="41">
-                  <c:v>1931</c:v>
-                </c:pt>
-                <c:pt idx="42">
-                  <c:v>1932</c:v>
-                </c:pt>
-                <c:pt idx="43">
-                  <c:v>1933</c:v>
-                </c:pt>
-                <c:pt idx="44">
-                  <c:v>1934</c:v>
-                </c:pt>
-                <c:pt idx="45">
-                  <c:v>1935</c:v>
-                </c:pt>
-                <c:pt idx="46">
-                  <c:v>1936</c:v>
-                </c:pt>
-                <c:pt idx="47">
-                  <c:v>1937</c:v>
-                </c:pt>
-                <c:pt idx="48">
-                  <c:v>1938</c:v>
-                </c:pt>
-                <c:pt idx="49">
-                  <c:v>1939</c:v>
-                </c:pt>
-                <c:pt idx="50">
-                  <c:v>1940</c:v>
+                  <c:v>1925.0</c:v>
                 </c:pt>
               </c:numCache>
             </c:numRef>
           </c:cat>
           <c:val>
             <c:numRef>
-              <c:f>Sheet1!$B$2:$B$52</c:f>
+              <c:f>Sheet1!$B$2:$B$37</c:f>
               <c:numCache>
                 <c:formatCode>General</c:formatCode>
-                <c:ptCount val="51"/>
+                <c:ptCount val="36"/>
                 <c:pt idx="0">
-                  <c:v>1140</c:v>
+                  <c:v>1140.0</c:v>
                 </c:pt>
                 <c:pt idx="1">
-                  <c:v>1100</c:v>
+                  <c:v>1100.0</c:v>
                 </c:pt>
                 <c:pt idx="2">
-                  <c:v>1210</c:v>
+                  <c:v>1210.0</c:v>
                 </c:pt>
                 <c:pt idx="3">
-                  <c:v>1150</c:v>
+                  <c:v>1150.0</c:v>
                 </c:pt>
                 <c:pt idx="4">
-                  <c:v>1250</c:v>
+                  <c:v>1250.0</c:v>
                 </c:pt>
                 <c:pt idx="5">
-                  <c:v>1260</c:v>
+                  <c:v>1260.0</c:v>
                 </c:pt>
                 <c:pt idx="6">
-                  <c:v>1220</c:v>
+                  <c:v>1220.0</c:v>
                 </c:pt>
                 <c:pt idx="7">
-                  <c:v>1030</c:v>
+                  <c:v>1030.0</c:v>
                 </c:pt>
                 <c:pt idx="8">
-                  <c:v>1100</c:v>
+                  <c:v>1100.0</c:v>
                 </c:pt>
                 <c:pt idx="9">
-                  <c:v>774</c:v>
+                  <c:v>774.0</c:v>
                 </c:pt>
                 <c:pt idx="10">
-                  <c:v>840</c:v>
+                  <c:v>840.0</c:v>
                 </c:pt>
                 <c:pt idx="11">
-                  <c:v>874</c:v>
+                  <c:v>874.0</c:v>
                 </c:pt>
                 <c:pt idx="12">
-                  <c:v>694</c:v>
+                  <c:v>694.0</c:v>
                 </c:pt>
                 <c:pt idx="13">
-                  <c:v>700</c:v>
+                  <c:v>700.0</c:v>
                 </c:pt>
                 <c:pt idx="14">
-                  <c:v>833</c:v>
+                  <c:v>833.0</c:v>
                 </c:pt>
                 <c:pt idx="15">
-                  <c:v>701</c:v>
+                  <c:v>701.0</c:v>
                 </c:pt>
                 <c:pt idx="16">
-                  <c:v>800</c:v>
+                  <c:v>800.0</c:v>
                 </c:pt>
                 <c:pt idx="17">
-                  <c:v>850</c:v>
+                  <c:v>850.0</c:v>
                 </c:pt>
                 <c:pt idx="18">
-                  <c:v>1020</c:v>
+                  <c:v>1020.0</c:v>
                 </c:pt>
                 <c:pt idx="19">
-                  <c:v>1050</c:v>
+                  <c:v>1050.0</c:v>
                 </c:pt>
                 <c:pt idx="20">
-                  <c:v>969</c:v>
+                  <c:v>969.0</c:v>
                 </c:pt>
                 <c:pt idx="21">
-                  <c:v>831</c:v>
+                  <c:v>831.0</c:v>
                 </c:pt>
                 <c:pt idx="22">
-                  <c:v>726</c:v>
+                  <c:v>726.0</c:v>
                 </c:pt>
                 <c:pt idx="23">
-                  <c:v>650</c:v>
+                  <c:v>650.0</c:v>
                 </c:pt>
                 <c:pt idx="24">
-                  <c:v>500</c:v>
+                  <c:v>500.0</c:v>
                 </c:pt>
                 <c:pt idx="25">
-                  <c:v>520</c:v>
+                  <c:v>520.0</c:v>
                 </c:pt>
                 <c:pt idx="26">
-                  <c:v>480</c:v>
+                  <c:v>480.0</c:v>
                 </c:pt>
                 <c:pt idx="27">
-                  <c:v>560</c:v>
+                  <c:v>560.0</c:v>
                 </c:pt>
                 <c:pt idx="28">
-                  <c:v>832</c:v>
+                  <c:v>832.0</c:v>
                 </c:pt>
                 <c:pt idx="29">
-                  <c:v>764</c:v>
+                  <c:v>764.0</c:v>
                 </c:pt>
                 <c:pt idx="30">
-                  <c:v>821</c:v>
+                  <c:v>800.0</c:v>
                 </c:pt>
                 <c:pt idx="31">
-                  <c:v>768</c:v>
+                  <c:v>850.0</c:v>
                 </c:pt>
                 <c:pt idx="32">
-                  <c:v>845</c:v>
+                  <c:v>845.0</c:v>
                 </c:pt>
                 <c:pt idx="33">
-                  <c:v>950</c:v>
+                  <c:v>950.0</c:v>
                 </c:pt>
                 <c:pt idx="34">
-                  <c:v>862</c:v>
+                  <c:v>862.0</c:v>
                 </c:pt>
                 <c:pt idx="35">
-                  <c:v>698</c:v>
-                </c:pt>
-                <c:pt idx="36">
-                  <c:v>845</c:v>
-                </c:pt>
-                <c:pt idx="37">
-                  <c:v>744</c:v>
-                </c:pt>
-                <c:pt idx="38">
-                  <c:v>796</c:v>
-                </c:pt>
-                <c:pt idx="39">
-                  <c:v>1040</c:v>
-                </c:pt>
-                <c:pt idx="40">
-                  <c:v>759</c:v>
-                </c:pt>
-                <c:pt idx="41">
-                  <c:v>781</c:v>
-                </c:pt>
-                <c:pt idx="42">
-                  <c:v>865</c:v>
-                </c:pt>
-                <c:pt idx="43">
-                  <c:v>845</c:v>
-                </c:pt>
-                <c:pt idx="44">
-                  <c:v>944</c:v>
-                </c:pt>
-                <c:pt idx="45">
-                  <c:v>984</c:v>
-                </c:pt>
-                <c:pt idx="46">
-                  <c:v>897</c:v>
-                </c:pt>
-                <c:pt idx="47">
-                  <c:v>850</c:v>
-                </c:pt>
-                <c:pt idx="48">
-                  <c:v>900</c:v>
-                </c:pt>
-                <c:pt idx="49">
-                  <c:v>771</c:v>
-                </c:pt>
-                <c:pt idx="50">
-                  <c:v>676</c:v>
+                  <c:v>698.0</c:v>
                 </c:pt>
               </c:numCache>
             </c:numRef>
           </c:val>
           <c:smooth val="0"/>
-          <c:extLst>
+          <c:extLst xmlns:c16r2="http://schemas.microsoft.com/office/drawing/2015/06/chart">
             <c:ext xmlns:c16="http://schemas.microsoft.com/office/drawing/2014/chart" uri="{C3380CC4-5D6E-409C-BE32-E72D297353CC}">
               <c16:uniqueId val="{00000000-1D80-4542-8972-0DC6CB6CD929}"/>
             </c:ext>
@@ -1330,11 +1241,11 @@
           <c:showBubbleSize val="0"/>
         </c:dLbls>
         <c:smooth val="0"/>
-        <c:axId val="370637408"/>
-        <c:axId val="370637736"/>
+        <c:axId val="1393840208"/>
+        <c:axId val="1393842528"/>
       </c:lineChart>
       <c:catAx>
-        <c:axId val="370637408"/>
+        <c:axId val="1393840208"/>
         <c:scaling>
           <c:orientation val="minMax"/>
         </c:scaling>
@@ -1377,7 +1288,7 @@
             <a:endParaRPr lang="en-US"/>
           </a:p>
         </c:txPr>
-        <c:crossAx val="370637736"/>
+        <c:crossAx val="1393842528"/>
         <c:crosses val="autoZero"/>
         <c:auto val="1"/>
         <c:lblAlgn val="ctr"/>
@@ -1385,7 +1296,7 @@
         <c:noMultiLvlLbl val="0"/>
       </c:catAx>
       <c:valAx>
-        <c:axId val="370637736"/>
+        <c:axId val="1393842528"/>
         <c:scaling>
           <c:orientation val="minMax"/>
         </c:scaling>
@@ -1436,7 +1347,589 @@
             <a:endParaRPr lang="en-US"/>
           </a:p>
         </c:txPr>
-        <c:crossAx val="370637408"/>
+        <c:crossAx val="1393840208"/>
+        <c:crosses val="autoZero"/>
+        <c:crossBetween val="between"/>
+      </c:valAx>
+      <c:spPr>
+        <a:noFill/>
+        <a:ln>
+          <a:noFill/>
+        </a:ln>
+        <a:effectLst/>
+      </c:spPr>
+    </c:plotArea>
+    <c:plotVisOnly val="1"/>
+    <c:dispBlanksAs val="gap"/>
+    <c:showDLblsOverMax val="0"/>
+  </c:chart>
+  <c:spPr>
+    <a:noFill/>
+    <a:ln>
+      <a:noFill/>
+    </a:ln>
+    <a:effectLst/>
+  </c:spPr>
+  <c:txPr>
+    <a:bodyPr/>
+    <a:lstStyle/>
+    <a:p>
+      <a:pPr>
+        <a:defRPr/>
+      </a:pPr>
+      <a:endParaRPr lang="en-US"/>
+    </a:p>
+  </c:txPr>
+  <c:externalData r:id="rId3">
+    <c:autoUpdate val="0"/>
+  </c:externalData>
+</c:chartSpace>
+</file>
+
+<file path=ppt/charts/chart4.xml><?xml version="1.0" encoding="utf-8"?>
+<c:chartSpace xmlns:c="http://schemas.openxmlformats.org/drawingml/2006/chart" xmlns:a="http://schemas.openxmlformats.org/drawingml/2006/main" xmlns:r="http://schemas.openxmlformats.org/officeDocument/2006/relationships">
+  <c:date1904 val="0"/>
+  <c:lang val="en-US"/>
+  <c:roundedCorners val="0"/>
+  <mc:AlternateContent xmlns:mc="http://schemas.openxmlformats.org/markup-compatibility/2006">
+    <mc:Choice xmlns:c14="http://schemas.microsoft.com/office/drawing/2007/8/2/chart" Requires="c14">
+      <c14:style val="102"/>
+    </mc:Choice>
+    <mc:Fallback>
+      <c:style val="2"/>
+    </mc:Fallback>
+  </mc:AlternateContent>
+  <c:chart>
+    <c:autoTitleDeleted val="0"/>
+    <c:plotArea>
+      <c:layout/>
+      <c:lineChart>
+        <c:grouping val="standard"/>
+        <c:varyColors val="0"/>
+        <c:ser>
+          <c:idx val="0"/>
+          <c:order val="0"/>
+          <c:tx>
+            <c:strRef>
+              <c:f>Sheet1!$B$1</c:f>
+              <c:strCache>
+                <c:ptCount val="1"/>
+                <c:pt idx="0">
+                  <c:v>State 1</c:v>
+                </c:pt>
+              </c:strCache>
+            </c:strRef>
+          </c:tx>
+          <c:spPr>
+            <a:ln w="38100" cap="rnd">
+              <a:solidFill>
+                <a:schemeClr val="accent1"/>
+              </a:solidFill>
+              <a:round/>
+            </a:ln>
+            <a:effectLst/>
+          </c:spPr>
+          <c:marker>
+            <c:symbol val="none"/>
+          </c:marker>
+          <c:cat>
+            <c:numRef>
+              <c:f>Sheet1!$A$2:$A$37</c:f>
+              <c:numCache>
+                <c:formatCode>General</c:formatCode>
+                <c:ptCount val="36"/>
+                <c:pt idx="0">
+                  <c:v>1890.0</c:v>
+                </c:pt>
+                <c:pt idx="1">
+                  <c:v>1891.0</c:v>
+                </c:pt>
+                <c:pt idx="2">
+                  <c:v>1892.0</c:v>
+                </c:pt>
+                <c:pt idx="3">
+                  <c:v>1893.0</c:v>
+                </c:pt>
+                <c:pt idx="4">
+                  <c:v>1894.0</c:v>
+                </c:pt>
+                <c:pt idx="5">
+                  <c:v>1895.0</c:v>
+                </c:pt>
+                <c:pt idx="6">
+                  <c:v>1896.0</c:v>
+                </c:pt>
+                <c:pt idx="7">
+                  <c:v>1897.0</c:v>
+                </c:pt>
+                <c:pt idx="8">
+                  <c:v>1898.0</c:v>
+                </c:pt>
+                <c:pt idx="9">
+                  <c:v>1899.0</c:v>
+                </c:pt>
+                <c:pt idx="10">
+                  <c:v>1900.0</c:v>
+                </c:pt>
+                <c:pt idx="11">
+                  <c:v>1901.0</c:v>
+                </c:pt>
+                <c:pt idx="12">
+                  <c:v>1902.0</c:v>
+                </c:pt>
+                <c:pt idx="13">
+                  <c:v>1903.0</c:v>
+                </c:pt>
+                <c:pt idx="14">
+                  <c:v>1904.0</c:v>
+                </c:pt>
+                <c:pt idx="15">
+                  <c:v>1905.0</c:v>
+                </c:pt>
+                <c:pt idx="16">
+                  <c:v>1906.0</c:v>
+                </c:pt>
+                <c:pt idx="17">
+                  <c:v>1907.0</c:v>
+                </c:pt>
+                <c:pt idx="18">
+                  <c:v>1908.0</c:v>
+                </c:pt>
+                <c:pt idx="19">
+                  <c:v>1909.0</c:v>
+                </c:pt>
+                <c:pt idx="20">
+                  <c:v>1910.0</c:v>
+                </c:pt>
+                <c:pt idx="21">
+                  <c:v>1911.0</c:v>
+                </c:pt>
+                <c:pt idx="22">
+                  <c:v>1912.0</c:v>
+                </c:pt>
+                <c:pt idx="23">
+                  <c:v>1913.0</c:v>
+                </c:pt>
+                <c:pt idx="24">
+                  <c:v>1914.0</c:v>
+                </c:pt>
+                <c:pt idx="25">
+                  <c:v>1915.0</c:v>
+                </c:pt>
+                <c:pt idx="26">
+                  <c:v>1916.0</c:v>
+                </c:pt>
+                <c:pt idx="27">
+                  <c:v>1917.0</c:v>
+                </c:pt>
+                <c:pt idx="28">
+                  <c:v>1918.0</c:v>
+                </c:pt>
+                <c:pt idx="29">
+                  <c:v>1919.0</c:v>
+                </c:pt>
+                <c:pt idx="30">
+                  <c:v>1920.0</c:v>
+                </c:pt>
+                <c:pt idx="31">
+                  <c:v>1921.0</c:v>
+                </c:pt>
+                <c:pt idx="32">
+                  <c:v>1922.0</c:v>
+                </c:pt>
+                <c:pt idx="33">
+                  <c:v>1923.0</c:v>
+                </c:pt>
+                <c:pt idx="34">
+                  <c:v>1924.0</c:v>
+                </c:pt>
+                <c:pt idx="35">
+                  <c:v>1925.0</c:v>
+                </c:pt>
+              </c:numCache>
+            </c:numRef>
+          </c:cat>
+          <c:val>
+            <c:numRef>
+              <c:f>Sheet1!$B$2:$B$37</c:f>
+              <c:numCache>
+                <c:formatCode>General</c:formatCode>
+                <c:ptCount val="36"/>
+                <c:pt idx="0">
+                  <c:v>3.0</c:v>
+                </c:pt>
+                <c:pt idx="1">
+                  <c:v>3.0</c:v>
+                </c:pt>
+                <c:pt idx="2">
+                  <c:v>3.0</c:v>
+                </c:pt>
+                <c:pt idx="3">
+                  <c:v>3.0</c:v>
+                </c:pt>
+                <c:pt idx="4">
+                  <c:v>3.0</c:v>
+                </c:pt>
+                <c:pt idx="5">
+                  <c:v>3.0</c:v>
+                </c:pt>
+                <c:pt idx="14">
+                  <c:v>3.0</c:v>
+                </c:pt>
+                <c:pt idx="15">
+                  <c:v>3.0</c:v>
+                </c:pt>
+                <c:pt idx="16">
+                  <c:v>3.0</c:v>
+                </c:pt>
+                <c:pt idx="17">
+                  <c:v>3.0</c:v>
+                </c:pt>
+                <c:pt idx="18">
+                  <c:v>3.0</c:v>
+                </c:pt>
+                <c:pt idx="19">
+                  <c:v>3.0</c:v>
+                </c:pt>
+                <c:pt idx="26">
+                  <c:v>3.0</c:v>
+                </c:pt>
+                <c:pt idx="27">
+                  <c:v>3.0</c:v>
+                </c:pt>
+                <c:pt idx="28">
+                  <c:v>3.0</c:v>
+                </c:pt>
+                <c:pt idx="29">
+                  <c:v>3.0</c:v>
+                </c:pt>
+                <c:pt idx="30">
+                  <c:v>3.0</c:v>
+                </c:pt>
+                <c:pt idx="31">
+                  <c:v>3.0</c:v>
+                </c:pt>
+                <c:pt idx="32">
+                  <c:v>3.0</c:v>
+                </c:pt>
+                <c:pt idx="33">
+                  <c:v>3.0</c:v>
+                </c:pt>
+              </c:numCache>
+            </c:numRef>
+          </c:val>
+          <c:smooth val="0"/>
+        </c:ser>
+        <c:ser>
+          <c:idx val="1"/>
+          <c:order val="1"/>
+          <c:tx>
+            <c:strRef>
+              <c:f>Sheet1!$C$1</c:f>
+              <c:strCache>
+                <c:ptCount val="1"/>
+                <c:pt idx="0">
+                  <c:v>State 2</c:v>
+                </c:pt>
+              </c:strCache>
+            </c:strRef>
+          </c:tx>
+          <c:spPr>
+            <a:ln w="38100" cap="rnd">
+              <a:solidFill>
+                <a:schemeClr val="accent2"/>
+              </a:solidFill>
+              <a:round/>
+            </a:ln>
+            <a:effectLst/>
+          </c:spPr>
+          <c:marker>
+            <c:symbol val="none"/>
+          </c:marker>
+          <c:cat>
+            <c:numRef>
+              <c:f>Sheet1!$A$2:$A$37</c:f>
+              <c:numCache>
+                <c:formatCode>General</c:formatCode>
+                <c:ptCount val="36"/>
+                <c:pt idx="0">
+                  <c:v>1890.0</c:v>
+                </c:pt>
+                <c:pt idx="1">
+                  <c:v>1891.0</c:v>
+                </c:pt>
+                <c:pt idx="2">
+                  <c:v>1892.0</c:v>
+                </c:pt>
+                <c:pt idx="3">
+                  <c:v>1893.0</c:v>
+                </c:pt>
+                <c:pt idx="4">
+                  <c:v>1894.0</c:v>
+                </c:pt>
+                <c:pt idx="5">
+                  <c:v>1895.0</c:v>
+                </c:pt>
+                <c:pt idx="6">
+                  <c:v>1896.0</c:v>
+                </c:pt>
+                <c:pt idx="7">
+                  <c:v>1897.0</c:v>
+                </c:pt>
+                <c:pt idx="8">
+                  <c:v>1898.0</c:v>
+                </c:pt>
+                <c:pt idx="9">
+                  <c:v>1899.0</c:v>
+                </c:pt>
+                <c:pt idx="10">
+                  <c:v>1900.0</c:v>
+                </c:pt>
+                <c:pt idx="11">
+                  <c:v>1901.0</c:v>
+                </c:pt>
+                <c:pt idx="12">
+                  <c:v>1902.0</c:v>
+                </c:pt>
+                <c:pt idx="13">
+                  <c:v>1903.0</c:v>
+                </c:pt>
+                <c:pt idx="14">
+                  <c:v>1904.0</c:v>
+                </c:pt>
+                <c:pt idx="15">
+                  <c:v>1905.0</c:v>
+                </c:pt>
+                <c:pt idx="16">
+                  <c:v>1906.0</c:v>
+                </c:pt>
+                <c:pt idx="17">
+                  <c:v>1907.0</c:v>
+                </c:pt>
+                <c:pt idx="18">
+                  <c:v>1908.0</c:v>
+                </c:pt>
+                <c:pt idx="19">
+                  <c:v>1909.0</c:v>
+                </c:pt>
+                <c:pt idx="20">
+                  <c:v>1910.0</c:v>
+                </c:pt>
+                <c:pt idx="21">
+                  <c:v>1911.0</c:v>
+                </c:pt>
+                <c:pt idx="22">
+                  <c:v>1912.0</c:v>
+                </c:pt>
+                <c:pt idx="23">
+                  <c:v>1913.0</c:v>
+                </c:pt>
+                <c:pt idx="24">
+                  <c:v>1914.0</c:v>
+                </c:pt>
+                <c:pt idx="25">
+                  <c:v>1915.0</c:v>
+                </c:pt>
+                <c:pt idx="26">
+                  <c:v>1916.0</c:v>
+                </c:pt>
+                <c:pt idx="27">
+                  <c:v>1917.0</c:v>
+                </c:pt>
+                <c:pt idx="28">
+                  <c:v>1918.0</c:v>
+                </c:pt>
+                <c:pt idx="29">
+                  <c:v>1919.0</c:v>
+                </c:pt>
+                <c:pt idx="30">
+                  <c:v>1920.0</c:v>
+                </c:pt>
+                <c:pt idx="31">
+                  <c:v>1921.0</c:v>
+                </c:pt>
+                <c:pt idx="32">
+                  <c:v>1922.0</c:v>
+                </c:pt>
+                <c:pt idx="33">
+                  <c:v>1923.0</c:v>
+                </c:pt>
+                <c:pt idx="34">
+                  <c:v>1924.0</c:v>
+                </c:pt>
+                <c:pt idx="35">
+                  <c:v>1925.0</c:v>
+                </c:pt>
+              </c:numCache>
+            </c:numRef>
+          </c:cat>
+          <c:val>
+            <c:numRef>
+              <c:f>Sheet1!$C$2:$C$37</c:f>
+              <c:numCache>
+                <c:formatCode>General</c:formatCode>
+                <c:ptCount val="36"/>
+                <c:pt idx="5">
+                  <c:v>1.0</c:v>
+                </c:pt>
+                <c:pt idx="6">
+                  <c:v>1.0</c:v>
+                </c:pt>
+                <c:pt idx="7">
+                  <c:v>1.0</c:v>
+                </c:pt>
+                <c:pt idx="8">
+                  <c:v>1.0</c:v>
+                </c:pt>
+                <c:pt idx="9">
+                  <c:v>1.0</c:v>
+                </c:pt>
+                <c:pt idx="10">
+                  <c:v>1.0</c:v>
+                </c:pt>
+                <c:pt idx="11">
+                  <c:v>1.0</c:v>
+                </c:pt>
+                <c:pt idx="12">
+                  <c:v>1.0</c:v>
+                </c:pt>
+                <c:pt idx="13">
+                  <c:v>1.0</c:v>
+                </c:pt>
+                <c:pt idx="14">
+                  <c:v>1.0</c:v>
+                </c:pt>
+                <c:pt idx="19">
+                  <c:v>1.0</c:v>
+                </c:pt>
+                <c:pt idx="20">
+                  <c:v>1.0</c:v>
+                </c:pt>
+                <c:pt idx="21">
+                  <c:v>1.0</c:v>
+                </c:pt>
+                <c:pt idx="22">
+                  <c:v>1.0</c:v>
+                </c:pt>
+                <c:pt idx="23">
+                  <c:v>1.0</c:v>
+                </c:pt>
+                <c:pt idx="24">
+                  <c:v>1.0</c:v>
+                </c:pt>
+                <c:pt idx="25">
+                  <c:v>1.0</c:v>
+                </c:pt>
+                <c:pt idx="26">
+                  <c:v>1.0</c:v>
+                </c:pt>
+                <c:pt idx="33">
+                  <c:v>1.0</c:v>
+                </c:pt>
+                <c:pt idx="34">
+                  <c:v>1.0</c:v>
+                </c:pt>
+                <c:pt idx="35">
+                  <c:v>1.0</c:v>
+                </c:pt>
+              </c:numCache>
+            </c:numRef>
+          </c:val>
+          <c:smooth val="0"/>
+        </c:ser>
+        <c:dLbls>
+          <c:showLegendKey val="0"/>
+          <c:showVal val="0"/>
+          <c:showCatName val="0"/>
+          <c:showSerName val="0"/>
+          <c:showPercent val="0"/>
+          <c:showBubbleSize val="0"/>
+        </c:dLbls>
+        <c:upDownBars>
+          <c:gapWidth val="300"/>
+          <c:upBars>
+            <c:spPr>
+              <a:solidFill>
+                <a:schemeClr val="lt1"/>
+              </a:solidFill>
+              <a:ln w="9525">
+                <a:solidFill>
+                  <a:schemeClr val="tx1">
+                    <a:lumMod val="15000"/>
+                    <a:lumOff val="85000"/>
+                  </a:schemeClr>
+                </a:solidFill>
+              </a:ln>
+              <a:effectLst/>
+            </c:spPr>
+          </c:upBars>
+          <c:downBars>
+            <c:spPr>
+              <a:solidFill>
+                <a:schemeClr val="dk1">
+                  <a:lumMod val="65000"/>
+                  <a:lumOff val="35000"/>
+                </a:schemeClr>
+              </a:solidFill>
+              <a:ln w="3175" cap="flat" cmpd="dbl">
+                <a:solidFill>
+                  <a:schemeClr val="bg1">
+                    <a:lumMod val="95000"/>
+                  </a:schemeClr>
+                </a:solidFill>
+                <a:prstDash val="sysDash"/>
+              </a:ln>
+              <a:effectLst/>
+            </c:spPr>
+          </c:downBars>
+        </c:upDownBars>
+        <c:smooth val="0"/>
+        <c:axId val="1332798608"/>
+        <c:axId val="1273939184"/>
+      </c:lineChart>
+      <c:catAx>
+        <c:axId val="1332798608"/>
+        <c:scaling>
+          <c:orientation val="minMax"/>
+        </c:scaling>
+        <c:delete val="1"/>
+        <c:axPos val="b"/>
+        <c:numFmt formatCode="General" sourceLinked="1"/>
+        <c:majorTickMark val="none"/>
+        <c:minorTickMark val="none"/>
+        <c:tickLblPos val="nextTo"/>
+        <c:crossAx val="1273939184"/>
+        <c:crosses val="autoZero"/>
+        <c:auto val="1"/>
+        <c:lblAlgn val="ctr"/>
+        <c:lblOffset val="100"/>
+        <c:noMultiLvlLbl val="0"/>
+      </c:catAx>
+      <c:valAx>
+        <c:axId val="1273939184"/>
+        <c:scaling>
+          <c:orientation val="minMax"/>
+        </c:scaling>
+        <c:delete val="1"/>
+        <c:axPos val="l"/>
+        <c:majorGridlines>
+          <c:spPr>
+            <a:ln w="9525" cap="flat" cmpd="sng" algn="ctr">
+              <a:solidFill>
+                <a:schemeClr val="tx1">
+                  <a:lumMod val="15000"/>
+                  <a:lumOff val="85000"/>
+                </a:schemeClr>
+              </a:solidFill>
+              <a:round/>
+            </a:ln>
+            <a:effectLst/>
+          </c:spPr>
+        </c:majorGridlines>
+        <c:majorTickMark val="out"/>
+        <c:minorTickMark val="none"/>
+        <c:tickLblPos val="nextTo"/>
+        <c:crossAx val="1332798608"/>
         <c:crosses val="autoZero"/>
         <c:crossBetween val="between"/>
       </c:valAx>
@@ -1556,6 +2049,46 @@
 </file>
 
 <file path=ppt/charts/colors3.xml><?xml version="1.0" encoding="utf-8"?>
+<cs:colorStyle xmlns:cs="http://schemas.microsoft.com/office/drawing/2012/chartStyle" xmlns:a="http://schemas.openxmlformats.org/drawingml/2006/main" meth="cycle" id="10">
+  <a:schemeClr val="accent1"/>
+  <a:schemeClr val="accent2"/>
+  <a:schemeClr val="accent3"/>
+  <a:schemeClr val="accent4"/>
+  <a:schemeClr val="accent5"/>
+  <a:schemeClr val="accent6"/>
+  <cs:variation/>
+  <cs:variation>
+    <a:lumMod val="60000"/>
+  </cs:variation>
+  <cs:variation>
+    <a:lumMod val="80000"/>
+    <a:lumOff val="20000"/>
+  </cs:variation>
+  <cs:variation>
+    <a:lumMod val="80000"/>
+  </cs:variation>
+  <cs:variation>
+    <a:lumMod val="60000"/>
+    <a:lumOff val="40000"/>
+  </cs:variation>
+  <cs:variation>
+    <a:lumMod val="50000"/>
+  </cs:variation>
+  <cs:variation>
+    <a:lumMod val="70000"/>
+    <a:lumOff val="30000"/>
+  </cs:variation>
+  <cs:variation>
+    <a:lumMod val="70000"/>
+  </cs:variation>
+  <cs:variation>
+    <a:lumMod val="50000"/>
+    <a:lumOff val="50000"/>
+  </cs:variation>
+</cs:colorStyle>
+</file>
+
+<file path=ppt/charts/colors4.xml><?xml version="1.0" encoding="utf-8"?>
 <cs:colorStyle xmlns:cs="http://schemas.microsoft.com/office/drawing/2012/chartStyle" xmlns:a="http://schemas.openxmlformats.org/drawingml/2006/main" meth="cycle" id="10">
   <a:schemeClr val="accent1"/>
   <a:schemeClr val="accent2"/>
@@ -3148,6 +3681,522 @@
 </cs:chartStyle>
 </file>
 
+<file path=ppt/charts/style4.xml><?xml version="1.0" encoding="utf-8"?>
+<cs:chartStyle xmlns:cs="http://schemas.microsoft.com/office/drawing/2012/chartStyle" xmlns:a="http://schemas.openxmlformats.org/drawingml/2006/main" id="227">
+  <cs:axisTitle>
+    <cs:lnRef idx="0"/>
+    <cs:fillRef idx="0"/>
+    <cs:effectRef idx="0"/>
+    <cs:fontRef idx="minor">
+      <a:schemeClr val="tx1">
+        <a:lumMod val="65000"/>
+        <a:lumOff val="35000"/>
+      </a:schemeClr>
+    </cs:fontRef>
+    <cs:defRPr sz="1330" kern="1200"/>
+  </cs:axisTitle>
+  <cs:categoryAxis>
+    <cs:lnRef idx="0"/>
+    <cs:fillRef idx="0"/>
+    <cs:effectRef idx="0"/>
+    <cs:fontRef idx="minor">
+      <a:schemeClr val="tx1">
+        <a:lumMod val="65000"/>
+        <a:lumOff val="35000"/>
+      </a:schemeClr>
+    </cs:fontRef>
+    <cs:spPr>
+      <a:ln w="9525" cap="flat" cmpd="sng" algn="ctr">
+        <a:solidFill>
+          <a:schemeClr val="tx1">
+            <a:lumMod val="15000"/>
+            <a:lumOff val="85000"/>
+          </a:schemeClr>
+        </a:solidFill>
+        <a:round/>
+      </a:ln>
+    </cs:spPr>
+    <cs:defRPr sz="1197" kern="1200"/>
+  </cs:categoryAxis>
+  <cs:chartArea mods="allowNoFillOverride allowNoLineOverride">
+    <cs:lnRef idx="0"/>
+    <cs:fillRef idx="0"/>
+    <cs:effectRef idx="0"/>
+    <cs:fontRef idx="minor">
+      <a:schemeClr val="tx1"/>
+    </cs:fontRef>
+    <cs:spPr>
+      <a:solidFill>
+        <a:schemeClr val="bg1"/>
+      </a:solidFill>
+      <a:ln w="9525" cap="flat" cmpd="sng" algn="ctr">
+        <a:solidFill>
+          <a:schemeClr val="tx1">
+            <a:lumMod val="15000"/>
+            <a:lumOff val="85000"/>
+          </a:schemeClr>
+        </a:solidFill>
+        <a:round/>
+      </a:ln>
+    </cs:spPr>
+    <cs:defRPr sz="1330" kern="1200"/>
+  </cs:chartArea>
+  <cs:dataLabel>
+    <cs:lnRef idx="0"/>
+    <cs:fillRef idx="0"/>
+    <cs:effectRef idx="0"/>
+    <cs:fontRef idx="minor">
+      <a:schemeClr val="tx1">
+        <a:lumMod val="75000"/>
+        <a:lumOff val="25000"/>
+      </a:schemeClr>
+    </cs:fontRef>
+    <cs:defRPr sz="1197" kern="1200"/>
+  </cs:dataLabel>
+  <cs:dataLabelCallout>
+    <cs:lnRef idx="0"/>
+    <cs:fillRef idx="0"/>
+    <cs:effectRef idx="0"/>
+    <cs:fontRef idx="minor">
+      <a:schemeClr val="dk1">
+        <a:lumMod val="65000"/>
+        <a:lumOff val="35000"/>
+      </a:schemeClr>
+    </cs:fontRef>
+    <cs:spPr>
+      <a:solidFill>
+        <a:schemeClr val="lt1"/>
+      </a:solidFill>
+      <a:ln>
+        <a:solidFill>
+          <a:schemeClr val="dk1">
+            <a:lumMod val="25000"/>
+            <a:lumOff val="75000"/>
+          </a:schemeClr>
+        </a:solidFill>
+      </a:ln>
+    </cs:spPr>
+    <cs:defRPr sz="1197" kern="1200"/>
+    <cs:bodyPr rot="0" spcFirstLastPara="1" vertOverflow="clip" horzOverflow="clip" vert="horz" wrap="square" lIns="36576" tIns="18288" rIns="36576" bIns="18288" anchor="ctr" anchorCtr="1">
+      <a:spAutoFit/>
+    </cs:bodyPr>
+  </cs:dataLabelCallout>
+  <cs:dataPoint>
+    <cs:lnRef idx="0"/>
+    <cs:fillRef idx="1">
+      <cs:styleClr val="auto"/>
+    </cs:fillRef>
+    <cs:effectRef idx="0"/>
+    <cs:fontRef idx="minor">
+      <a:schemeClr val="tx1"/>
+    </cs:fontRef>
+    <cs:spPr>
+      <a:solidFill>
+        <a:schemeClr val="phClr"/>
+      </a:solidFill>
+    </cs:spPr>
+  </cs:dataPoint>
+  <cs:dataPoint3D>
+    <cs:lnRef idx="0"/>
+    <cs:fillRef idx="1">
+      <cs:styleClr val="auto"/>
+    </cs:fillRef>
+    <cs:effectRef idx="0"/>
+    <cs:fontRef idx="minor">
+      <a:schemeClr val="tx1"/>
+    </cs:fontRef>
+    <cs:spPr>
+      <a:solidFill>
+        <a:schemeClr val="phClr"/>
+      </a:solidFill>
+    </cs:spPr>
+  </cs:dataPoint3D>
+  <cs:dataPointLine>
+    <cs:lnRef idx="0">
+      <cs:styleClr val="auto"/>
+    </cs:lnRef>
+    <cs:fillRef idx="1"/>
+    <cs:effectRef idx="0"/>
+    <cs:fontRef idx="minor">
+      <a:schemeClr val="tx1"/>
+    </cs:fontRef>
+    <cs:spPr>
+      <a:ln w="28575" cap="rnd">
+        <a:solidFill>
+          <a:schemeClr val="phClr"/>
+        </a:solidFill>
+        <a:round/>
+      </a:ln>
+    </cs:spPr>
+  </cs:dataPointLine>
+  <cs:dataPointMarker>
+    <cs:lnRef idx="0">
+      <cs:styleClr val="auto"/>
+    </cs:lnRef>
+    <cs:fillRef idx="1">
+      <cs:styleClr val="auto"/>
+    </cs:fillRef>
+    <cs:effectRef idx="0"/>
+    <cs:fontRef idx="minor">
+      <a:schemeClr val="tx1"/>
+    </cs:fontRef>
+    <cs:spPr>
+      <a:solidFill>
+        <a:schemeClr val="phClr"/>
+      </a:solidFill>
+      <a:ln w="9525">
+        <a:solidFill>
+          <a:schemeClr val="phClr"/>
+        </a:solidFill>
+      </a:ln>
+    </cs:spPr>
+  </cs:dataPointMarker>
+  <cs:dataPointMarkerLayout symbol="circle" size="5"/>
+  <cs:dataPointWireframe>
+    <cs:lnRef idx="0">
+      <cs:styleClr val="auto"/>
+    </cs:lnRef>
+    <cs:fillRef idx="1"/>
+    <cs:effectRef idx="0"/>
+    <cs:fontRef idx="minor">
+      <a:schemeClr val="tx1"/>
+    </cs:fontRef>
+    <cs:spPr>
+      <a:ln w="9525" cap="rnd">
+        <a:solidFill>
+          <a:schemeClr val="phClr"/>
+        </a:solidFill>
+        <a:round/>
+      </a:ln>
+    </cs:spPr>
+  </cs:dataPointWireframe>
+  <cs:dataTable>
+    <cs:lnRef idx="0"/>
+    <cs:fillRef idx="0"/>
+    <cs:effectRef idx="0"/>
+    <cs:fontRef idx="minor">
+      <a:schemeClr val="tx1">
+        <a:lumMod val="65000"/>
+        <a:lumOff val="35000"/>
+      </a:schemeClr>
+    </cs:fontRef>
+    <cs:spPr>
+      <a:noFill/>
+      <a:ln w="9525" cap="flat" cmpd="sng" algn="ctr">
+        <a:solidFill>
+          <a:schemeClr val="tx1">
+            <a:lumMod val="15000"/>
+            <a:lumOff val="85000"/>
+          </a:schemeClr>
+        </a:solidFill>
+        <a:round/>
+      </a:ln>
+    </cs:spPr>
+    <cs:defRPr sz="1197" kern="1200"/>
+  </cs:dataTable>
+  <cs:downBar>
+    <cs:lnRef idx="0"/>
+    <cs:fillRef idx="0"/>
+    <cs:effectRef idx="0"/>
+    <cs:fontRef idx="minor">
+      <a:schemeClr val="dk1"/>
+    </cs:fontRef>
+    <cs:spPr>
+      <a:solidFill>
+        <a:schemeClr val="dk1">
+          <a:lumMod val="65000"/>
+          <a:lumOff val="35000"/>
+        </a:schemeClr>
+      </a:solidFill>
+      <a:ln w="9525">
+        <a:solidFill>
+          <a:schemeClr val="tx1">
+            <a:lumMod val="65000"/>
+            <a:lumOff val="35000"/>
+          </a:schemeClr>
+        </a:solidFill>
+      </a:ln>
+    </cs:spPr>
+  </cs:downBar>
+  <cs:dropLine>
+    <cs:lnRef idx="0"/>
+    <cs:fillRef idx="0"/>
+    <cs:effectRef idx="0"/>
+    <cs:fontRef idx="minor">
+      <a:schemeClr val="tx1"/>
+    </cs:fontRef>
+    <cs:spPr>
+      <a:ln w="9525" cap="flat" cmpd="sng" algn="ctr">
+        <a:solidFill>
+          <a:schemeClr val="tx1">
+            <a:lumMod val="35000"/>
+            <a:lumOff val="65000"/>
+          </a:schemeClr>
+        </a:solidFill>
+        <a:round/>
+      </a:ln>
+    </cs:spPr>
+  </cs:dropLine>
+  <cs:errorBar>
+    <cs:lnRef idx="0"/>
+    <cs:fillRef idx="0"/>
+    <cs:effectRef idx="0"/>
+    <cs:fontRef idx="minor">
+      <a:schemeClr val="tx1"/>
+    </cs:fontRef>
+    <cs:spPr>
+      <a:ln w="9525" cap="flat" cmpd="sng" algn="ctr">
+        <a:solidFill>
+          <a:schemeClr val="tx1">
+            <a:lumMod val="65000"/>
+            <a:lumOff val="35000"/>
+          </a:schemeClr>
+        </a:solidFill>
+        <a:round/>
+      </a:ln>
+    </cs:spPr>
+  </cs:errorBar>
+  <cs:floor>
+    <cs:lnRef idx="0"/>
+    <cs:fillRef idx="0"/>
+    <cs:effectRef idx="0"/>
+    <cs:fontRef idx="minor">
+      <a:schemeClr val="tx1"/>
+    </cs:fontRef>
+    <cs:spPr>
+      <a:noFill/>
+      <a:ln>
+        <a:noFill/>
+      </a:ln>
+    </cs:spPr>
+  </cs:floor>
+  <cs:gridlineMajor>
+    <cs:lnRef idx="0"/>
+    <cs:fillRef idx="0"/>
+    <cs:effectRef idx="0"/>
+    <cs:fontRef idx="minor">
+      <a:schemeClr val="tx1"/>
+    </cs:fontRef>
+    <cs:spPr>
+      <a:ln w="9525" cap="flat" cmpd="sng" algn="ctr">
+        <a:solidFill>
+          <a:schemeClr val="tx1">
+            <a:lumMod val="15000"/>
+            <a:lumOff val="85000"/>
+          </a:schemeClr>
+        </a:solidFill>
+        <a:round/>
+      </a:ln>
+    </cs:spPr>
+  </cs:gridlineMajor>
+  <cs:gridlineMinor>
+    <cs:lnRef idx="0"/>
+    <cs:fillRef idx="0"/>
+    <cs:effectRef idx="0"/>
+    <cs:fontRef idx="minor">
+      <a:schemeClr val="tx1"/>
+    </cs:fontRef>
+    <cs:spPr>
+      <a:ln w="9525" cap="flat" cmpd="sng" algn="ctr">
+        <a:solidFill>
+          <a:schemeClr val="tx1">
+            <a:lumMod val="5000"/>
+            <a:lumOff val="95000"/>
+          </a:schemeClr>
+        </a:solidFill>
+        <a:round/>
+      </a:ln>
+    </cs:spPr>
+  </cs:gridlineMinor>
+  <cs:hiLoLine>
+    <cs:lnRef idx="0"/>
+    <cs:fillRef idx="0"/>
+    <cs:effectRef idx="0"/>
+    <cs:fontRef idx="minor">
+      <a:schemeClr val="tx1"/>
+    </cs:fontRef>
+    <cs:spPr>
+      <a:ln w="9525" cap="flat" cmpd="sng" algn="ctr">
+        <a:solidFill>
+          <a:schemeClr val="tx1">
+            <a:lumMod val="75000"/>
+            <a:lumOff val="25000"/>
+          </a:schemeClr>
+        </a:solidFill>
+        <a:round/>
+      </a:ln>
+    </cs:spPr>
+  </cs:hiLoLine>
+  <cs:leaderLine>
+    <cs:lnRef idx="0"/>
+    <cs:fillRef idx="0"/>
+    <cs:effectRef idx="0"/>
+    <cs:fontRef idx="minor">
+      <a:schemeClr val="tx1"/>
+    </cs:fontRef>
+    <cs:spPr>
+      <a:ln w="9525" cap="flat" cmpd="sng" algn="ctr">
+        <a:solidFill>
+          <a:schemeClr val="tx1">
+            <a:lumMod val="35000"/>
+            <a:lumOff val="65000"/>
+          </a:schemeClr>
+        </a:solidFill>
+        <a:round/>
+      </a:ln>
+    </cs:spPr>
+  </cs:leaderLine>
+  <cs:legend>
+    <cs:lnRef idx="0"/>
+    <cs:fillRef idx="0"/>
+    <cs:effectRef idx="0"/>
+    <cs:fontRef idx="minor">
+      <a:schemeClr val="tx1">
+        <a:lumMod val="65000"/>
+        <a:lumOff val="35000"/>
+      </a:schemeClr>
+    </cs:fontRef>
+    <cs:defRPr sz="1197" kern="1200"/>
+  </cs:legend>
+  <cs:plotArea mods="allowNoFillOverride allowNoLineOverride">
+    <cs:lnRef idx="0"/>
+    <cs:fillRef idx="0"/>
+    <cs:effectRef idx="0"/>
+    <cs:fontRef idx="minor">
+      <a:schemeClr val="tx1"/>
+    </cs:fontRef>
+  </cs:plotArea>
+  <cs:plotArea3D mods="allowNoFillOverride allowNoLineOverride">
+    <cs:lnRef idx="0"/>
+    <cs:fillRef idx="0"/>
+    <cs:effectRef idx="0"/>
+    <cs:fontRef idx="minor">
+      <a:schemeClr val="tx1"/>
+    </cs:fontRef>
+  </cs:plotArea3D>
+  <cs:seriesAxis>
+    <cs:lnRef idx="0"/>
+    <cs:fillRef idx="0"/>
+    <cs:effectRef idx="0"/>
+    <cs:fontRef idx="minor">
+      <a:schemeClr val="tx1">
+        <a:lumMod val="65000"/>
+        <a:lumOff val="35000"/>
+      </a:schemeClr>
+    </cs:fontRef>
+    <cs:defRPr sz="1197" kern="1200"/>
+  </cs:seriesAxis>
+  <cs:seriesLine>
+    <cs:lnRef idx="0"/>
+    <cs:fillRef idx="0"/>
+    <cs:effectRef idx="0"/>
+    <cs:fontRef idx="minor">
+      <a:schemeClr val="tx1"/>
+    </cs:fontRef>
+    <cs:spPr>
+      <a:ln w="9525" cap="flat" cmpd="sng" algn="ctr">
+        <a:solidFill>
+          <a:schemeClr val="tx1">
+            <a:lumMod val="35000"/>
+            <a:lumOff val="65000"/>
+          </a:schemeClr>
+        </a:solidFill>
+        <a:round/>
+      </a:ln>
+    </cs:spPr>
+  </cs:seriesLine>
+  <cs:title>
+    <cs:lnRef idx="0"/>
+    <cs:fillRef idx="0"/>
+    <cs:effectRef idx="0"/>
+    <cs:fontRef idx="minor">
+      <a:schemeClr val="tx1">
+        <a:lumMod val="65000"/>
+        <a:lumOff val="35000"/>
+      </a:schemeClr>
+    </cs:fontRef>
+    <cs:defRPr sz="1862" b="0" kern="1200" spc="0" baseline="0"/>
+  </cs:title>
+  <cs:trendline>
+    <cs:lnRef idx="0">
+      <cs:styleClr val="auto"/>
+    </cs:lnRef>
+    <cs:fillRef idx="0"/>
+    <cs:effectRef idx="0"/>
+    <cs:fontRef idx="minor">
+      <a:schemeClr val="tx1"/>
+    </cs:fontRef>
+    <cs:spPr>
+      <a:ln w="19050" cap="rnd">
+        <a:solidFill>
+          <a:schemeClr val="phClr"/>
+        </a:solidFill>
+        <a:prstDash val="sysDot"/>
+      </a:ln>
+    </cs:spPr>
+  </cs:trendline>
+  <cs:trendlineLabel>
+    <cs:lnRef idx="0"/>
+    <cs:fillRef idx="0"/>
+    <cs:effectRef idx="0"/>
+    <cs:fontRef idx="minor">
+      <a:schemeClr val="tx1">
+        <a:lumMod val="65000"/>
+        <a:lumOff val="35000"/>
+      </a:schemeClr>
+    </cs:fontRef>
+    <cs:defRPr sz="1197" kern="1200"/>
+  </cs:trendlineLabel>
+  <cs:upBar>
+    <cs:lnRef idx="0"/>
+    <cs:fillRef idx="0"/>
+    <cs:effectRef idx="0"/>
+    <cs:fontRef idx="minor">
+      <a:schemeClr val="dk1"/>
+    </cs:fontRef>
+    <cs:spPr>
+      <a:solidFill>
+        <a:schemeClr val="lt1"/>
+      </a:solidFill>
+      <a:ln w="9525">
+        <a:solidFill>
+          <a:schemeClr val="tx1">
+            <a:lumMod val="15000"/>
+            <a:lumOff val="85000"/>
+          </a:schemeClr>
+        </a:solidFill>
+      </a:ln>
+    </cs:spPr>
+  </cs:upBar>
+  <cs:valueAxis>
+    <cs:lnRef idx="0"/>
+    <cs:fillRef idx="0"/>
+    <cs:effectRef idx="0"/>
+    <cs:fontRef idx="minor">
+      <a:schemeClr val="tx1">
+        <a:lumMod val="65000"/>
+        <a:lumOff val="35000"/>
+      </a:schemeClr>
+    </cs:fontRef>
+    <cs:defRPr sz="1197" kern="1200"/>
+  </cs:valueAxis>
+  <cs:wall>
+    <cs:lnRef idx="0"/>
+    <cs:fillRef idx="0"/>
+    <cs:effectRef idx="0"/>
+    <cs:fontRef idx="minor">
+      <a:schemeClr val="tx1"/>
+    </cs:fontRef>
+    <cs:spPr>
+      <a:noFill/>
+      <a:ln>
+        <a:noFill/>
+      </a:ln>
+    </cs:spPr>
+  </cs:wall>
+</cs:chartStyle>
+</file>
+
 <file path=ppt/slideLayouts/slideLayout1.xml><?xml version="1.0" encoding="utf-8"?>
 <p:sldLayout xmlns:a="http://schemas.openxmlformats.org/drawingml/2006/main" xmlns:r="http://schemas.openxmlformats.org/officeDocument/2006/relationships" xmlns:p="http://schemas.openxmlformats.org/presentationml/2006/main" type="title" preserve="1">
   <p:cSld name="Title Slide">
@@ -3277,7 +4326,7 @@
           <a:p>
             <a:fld id="{7AB7A67C-34C4-4220-9C1B-5040709E815C}" type="datetimeFigureOut">
               <a:rPr lang="en-US" smtClean="0"/>
-              <a:t>2017-05-04</a:t>
+              <a:t>5/4/17</a:t>
             </a:fld>
             <a:endParaRPr lang="en-US"/>
           </a:p>
@@ -3445,7 +4494,7 @@
           <a:p>
             <a:fld id="{7AB7A67C-34C4-4220-9C1B-5040709E815C}" type="datetimeFigureOut">
               <a:rPr lang="en-US" smtClean="0"/>
-              <a:t>2017-05-04</a:t>
+              <a:t>5/4/17</a:t>
             </a:fld>
             <a:endParaRPr lang="en-US"/>
           </a:p>
@@ -3623,7 +4672,7 @@
           <a:p>
             <a:fld id="{7AB7A67C-34C4-4220-9C1B-5040709E815C}" type="datetimeFigureOut">
               <a:rPr lang="en-US" smtClean="0"/>
-              <a:t>2017-05-04</a:t>
+              <a:t>5/4/17</a:t>
             </a:fld>
             <a:endParaRPr lang="en-US"/>
           </a:p>
@@ -3791,7 +4840,7 @@
           <a:p>
             <a:fld id="{7AB7A67C-34C4-4220-9C1B-5040709E815C}" type="datetimeFigureOut">
               <a:rPr lang="en-US" smtClean="0"/>
-              <a:t>2017-05-04</a:t>
+              <a:t>5/4/17</a:t>
             </a:fld>
             <a:endParaRPr lang="en-US"/>
           </a:p>
@@ -4036,7 +5085,7 @@
           <a:p>
             <a:fld id="{7AB7A67C-34C4-4220-9C1B-5040709E815C}" type="datetimeFigureOut">
               <a:rPr lang="en-US" smtClean="0"/>
-              <a:t>2017-05-04</a:t>
+              <a:t>5/4/17</a:t>
             </a:fld>
             <a:endParaRPr lang="en-US"/>
           </a:p>
@@ -4265,7 +5314,7 @@
           <a:p>
             <a:fld id="{7AB7A67C-34C4-4220-9C1B-5040709E815C}" type="datetimeFigureOut">
               <a:rPr lang="en-US" smtClean="0"/>
-              <a:t>2017-05-04</a:t>
+              <a:t>5/4/17</a:t>
             </a:fld>
             <a:endParaRPr lang="en-US"/>
           </a:p>
@@ -4629,7 +5678,7 @@
           <a:p>
             <a:fld id="{7AB7A67C-34C4-4220-9C1B-5040709E815C}" type="datetimeFigureOut">
               <a:rPr lang="en-US" smtClean="0"/>
-              <a:t>2017-05-04</a:t>
+              <a:t>5/4/17</a:t>
             </a:fld>
             <a:endParaRPr lang="en-US"/>
           </a:p>
@@ -4746,7 +5795,7 @@
           <a:p>
             <a:fld id="{7AB7A67C-34C4-4220-9C1B-5040709E815C}" type="datetimeFigureOut">
               <a:rPr lang="en-US" smtClean="0"/>
-              <a:t>2017-05-04</a:t>
+              <a:t>5/4/17</a:t>
             </a:fld>
             <a:endParaRPr lang="en-US"/>
           </a:p>
@@ -4841,7 +5890,7 @@
           <a:p>
             <a:fld id="{7AB7A67C-34C4-4220-9C1B-5040709E815C}" type="datetimeFigureOut">
               <a:rPr lang="en-US" smtClean="0"/>
-              <a:t>2017-05-04</a:t>
+              <a:t>5/4/17</a:t>
             </a:fld>
             <a:endParaRPr lang="en-US"/>
           </a:p>
@@ -5116,7 +6165,7 @@
           <a:p>
             <a:fld id="{7AB7A67C-34C4-4220-9C1B-5040709E815C}" type="datetimeFigureOut">
               <a:rPr lang="en-US" smtClean="0"/>
-              <a:t>2017-05-04</a:t>
+              <a:t>5/4/17</a:t>
             </a:fld>
             <a:endParaRPr lang="en-US"/>
           </a:p>
@@ -5368,7 +6417,7 @@
           <a:p>
             <a:fld id="{7AB7A67C-34C4-4220-9C1B-5040709E815C}" type="datetimeFigureOut">
               <a:rPr lang="en-US" smtClean="0"/>
-              <a:t>2017-05-04</a:t>
+              <a:t>5/4/17</a:t>
             </a:fld>
             <a:endParaRPr lang="en-US"/>
           </a:p>
@@ -5579,7 +6628,7 @@
           <a:p>
             <a:fld id="{7AB7A67C-34C4-4220-9C1B-5040709E815C}" type="datetimeFigureOut">
               <a:rPr lang="en-US" smtClean="0"/>
-              <a:t>2017-05-04</a:t>
+              <a:t>5/4/17</a:t>
             </a:fld>
             <a:endParaRPr lang="en-US"/>
           </a:p>
@@ -6130,7 +7179,7 @@
 </file>
 
 <file path=ppt/slides/slide10.xml><?xml version="1.0" encoding="utf-8"?>
-<p:sld xmlns:a="http://schemas.openxmlformats.org/drawingml/2006/main" xmlns:r="http://schemas.openxmlformats.org/officeDocument/2006/relationships" xmlns:p="http://schemas.openxmlformats.org/presentationml/2006/main">
+<p:sld xmlns:a="http://schemas.openxmlformats.org/drawingml/2006/main" xmlns:r="http://schemas.openxmlformats.org/officeDocument/2006/relationships" xmlns:p="http://schemas.openxmlformats.org/presentationml/2006/main" showMasterSp="0">
   <p:cSld>
     <p:spTree>
       <p:nvGrpSpPr>
@@ -6153,14 +7202,14 @@
           <p:nvPr>
             <p:extLst>
               <p:ext uri="{D42A27DB-BD31-4B8C-83A1-F6EECF244321}">
-                <p14:modId xmlns:p14="http://schemas.microsoft.com/office/powerpoint/2010/main" val="3131913010"/>
+                <p14:modId xmlns:p14="http://schemas.microsoft.com/office/powerpoint/2010/main" val="1657455325"/>
               </p:ext>
             </p:extLst>
           </p:nvPr>
         </p:nvGraphicFramePr>
         <p:xfrm>
-          <a:off x="2247900" y="1735667"/>
-          <a:ext cx="6248400" cy="3420533"/>
+          <a:off x="2261754" y="1424763"/>
+          <a:ext cx="5551157" cy="2807926"/>
         </p:xfrm>
         <a:graphic>
           <a:graphicData uri="http://schemas.openxmlformats.org/drawingml/2006/chart">
@@ -6168,6 +7217,644 @@
           </a:graphicData>
         </a:graphic>
       </p:graphicFrame>
+      <mc:AlternateContent xmlns:mc="http://schemas.openxmlformats.org/markup-compatibility/2006">
+        <mc:Choice xmlns:a14="http://schemas.microsoft.com/office/drawing/2010/main" Requires="a14">
+          <p:sp>
+            <p:nvSpPr>
+              <p:cNvPr id="2" name="TextBox 1"/>
+              <p:cNvSpPr txBox="1"/>
+              <p:nvPr/>
+            </p:nvSpPr>
+            <p:spPr>
+              <a:xfrm>
+                <a:off x="3090787" y="1055431"/>
+                <a:ext cx="2039982" cy="369332"/>
+              </a:xfrm>
+              <a:prstGeom prst="rect">
+                <a:avLst/>
+              </a:prstGeom>
+              <a:noFill/>
+            </p:spPr>
+            <p:txBody>
+              <a:bodyPr wrap="none" rtlCol="0">
+                <a:spAutoFit/>
+              </a:bodyPr>
+              <a:lstStyle/>
+              <a:p>
+                <a:r>
+                  <a:rPr lang="en-US" dirty="0" smtClean="0"/>
+                  <a:t>Upward trends </a:t>
+                </a:r>
+                <a14:m>
+                  <m:oMath xmlns:m="http://schemas.openxmlformats.org/officeDocument/2006/math">
+                    <m:r>
+                      <a:rPr lang="en-US" b="0" i="0" smtClean="0">
+                        <a:latin typeface="Cambria Math" charset="0"/>
+                      </a:rPr>
+                      <m:t>(</m:t>
+                    </m:r>
+                    <m:sSub>
+                      <m:sSubPr>
+                        <m:ctrlPr>
+                          <a:rPr lang="en-US" i="1" smtClean="0">
+                            <a:latin typeface="Cambria Math" charset="0"/>
+                          </a:rPr>
+                        </m:ctrlPr>
+                      </m:sSubPr>
+                      <m:e>
+                        <m:r>
+                          <a:rPr lang="en-US" b="0" i="1" smtClean="0">
+                            <a:latin typeface="Cambria Math" charset="0"/>
+                          </a:rPr>
+                          <m:t>𝑆</m:t>
+                        </m:r>
+                      </m:e>
+                      <m:sub>
+                        <m:r>
+                          <a:rPr lang="en-US" b="0" i="1" smtClean="0">
+                            <a:latin typeface="Cambria Math" charset="0"/>
+                          </a:rPr>
+                          <m:t>1</m:t>
+                        </m:r>
+                      </m:sub>
+                    </m:sSub>
+                    <m:r>
+                      <a:rPr lang="en-US" b="0" i="1" smtClean="0">
+                        <a:latin typeface="Cambria Math" charset="0"/>
+                      </a:rPr>
+                      <m:t>)</m:t>
+                    </m:r>
+                  </m:oMath>
+                </a14:m>
+                <a:endParaRPr lang="en-US" dirty="0"/>
+              </a:p>
+            </p:txBody>
+          </p:sp>
+        </mc:Choice>
+        <mc:Fallback>
+          <p:sp>
+            <p:nvSpPr>
+              <p:cNvPr id="2" name="TextBox 1"/>
+              <p:cNvSpPr txBox="1">
+                <a:spLocks noRot="1" noChangeAspect="1" noMove="1" noResize="1" noEditPoints="1" noAdjustHandles="1" noChangeArrowheads="1" noChangeShapeType="1" noTextEdit="1"/>
+              </p:cNvSpPr>
+              <p:nvPr/>
+            </p:nvSpPr>
+            <p:spPr>
+              <a:xfrm>
+                <a:off x="3090787" y="1055431"/>
+                <a:ext cx="2039982" cy="369332"/>
+              </a:xfrm>
+              <a:prstGeom prst="rect">
+                <a:avLst/>
+              </a:prstGeom>
+              <a:blipFill rotWithShape="0">
+                <a:blip r:embed="rId3"/>
+                <a:stretch>
+                  <a:fillRect l="-2388" t="-8197" b="-24590"/>
+                </a:stretch>
+              </a:blipFill>
+            </p:spPr>
+            <p:txBody>
+              <a:bodyPr/>
+              <a:lstStyle/>
+              <a:p>
+                <a:r>
+                  <a:rPr lang="en-US">
+                    <a:noFill/>
+                  </a:rPr>
+                  <a:t> </a:t>
+                </a:r>
+              </a:p>
+            </p:txBody>
+          </p:sp>
+        </mc:Fallback>
+      </mc:AlternateContent>
+      <mc:AlternateContent xmlns:mc="http://schemas.openxmlformats.org/markup-compatibility/2006">
+        <mc:Choice xmlns:a14="http://schemas.microsoft.com/office/drawing/2010/main" Requires="a14">
+          <p:sp>
+            <p:nvSpPr>
+              <p:cNvPr id="4" name="TextBox 3"/>
+              <p:cNvSpPr txBox="1"/>
+              <p:nvPr/>
+            </p:nvSpPr>
+            <p:spPr>
+              <a:xfrm>
+                <a:off x="5310787" y="1055431"/>
+                <a:ext cx="2394053" cy="369332"/>
+              </a:xfrm>
+              <a:prstGeom prst="rect">
+                <a:avLst/>
+              </a:prstGeom>
+              <a:noFill/>
+            </p:spPr>
+            <p:txBody>
+              <a:bodyPr wrap="none" rtlCol="0">
+                <a:spAutoFit/>
+              </a:bodyPr>
+              <a:lstStyle/>
+              <a:p>
+                <a:r>
+                  <a:rPr lang="en-US" dirty="0" smtClean="0"/>
+                  <a:t>Downward trends </a:t>
+                </a:r>
+                <a14:m>
+                  <m:oMath xmlns:m="http://schemas.openxmlformats.org/officeDocument/2006/math">
+                    <m:r>
+                      <a:rPr lang="en-US" b="0" i="0" smtClean="0">
+                        <a:latin typeface="Cambria Math" charset="0"/>
+                      </a:rPr>
+                      <m:t>(</m:t>
+                    </m:r>
+                    <m:sSub>
+                      <m:sSubPr>
+                        <m:ctrlPr>
+                          <a:rPr lang="en-US" i="1" smtClean="0">
+                            <a:latin typeface="Cambria Math" charset="0"/>
+                          </a:rPr>
+                        </m:ctrlPr>
+                      </m:sSubPr>
+                      <m:e>
+                        <m:r>
+                          <a:rPr lang="en-US" b="0" i="1" smtClean="0">
+                            <a:latin typeface="Cambria Math" charset="0"/>
+                          </a:rPr>
+                          <m:t>𝑆</m:t>
+                        </m:r>
+                      </m:e>
+                      <m:sub>
+                        <m:r>
+                          <a:rPr lang="en-US" b="0" i="1" smtClean="0">
+                            <a:latin typeface="Cambria Math" charset="0"/>
+                          </a:rPr>
+                          <m:t>2</m:t>
+                        </m:r>
+                      </m:sub>
+                    </m:sSub>
+                    <m:r>
+                      <a:rPr lang="en-US" b="0" i="1" smtClean="0">
+                        <a:latin typeface="Cambria Math" charset="0"/>
+                      </a:rPr>
+                      <m:t>)</m:t>
+                    </m:r>
+                  </m:oMath>
+                </a14:m>
+                <a:endParaRPr lang="en-US" dirty="0"/>
+              </a:p>
+            </p:txBody>
+          </p:sp>
+        </mc:Choice>
+        <mc:Fallback>
+          <p:sp>
+            <p:nvSpPr>
+              <p:cNvPr id="4" name="TextBox 3"/>
+              <p:cNvSpPr txBox="1">
+                <a:spLocks noRot="1" noChangeAspect="1" noMove="1" noResize="1" noEditPoints="1" noAdjustHandles="1" noChangeArrowheads="1" noChangeShapeType="1" noTextEdit="1"/>
+              </p:cNvSpPr>
+              <p:nvPr/>
+            </p:nvSpPr>
+            <p:spPr>
+              <a:xfrm>
+                <a:off x="5310787" y="1055431"/>
+                <a:ext cx="2394053" cy="369332"/>
+              </a:xfrm>
+              <a:prstGeom prst="rect">
+                <a:avLst/>
+              </a:prstGeom>
+              <a:blipFill rotWithShape="0">
+                <a:blip r:embed="rId4"/>
+                <a:stretch>
+                  <a:fillRect l="-2036" t="-8197" b="-24590"/>
+                </a:stretch>
+              </a:blipFill>
+            </p:spPr>
+            <p:txBody>
+              <a:bodyPr/>
+              <a:lstStyle/>
+              <a:p>
+                <a:r>
+                  <a:rPr lang="en-US">
+                    <a:noFill/>
+                  </a:rPr>
+                  <a:t> </a:t>
+                </a:r>
+              </a:p>
+            </p:txBody>
+          </p:sp>
+        </mc:Fallback>
+      </mc:AlternateContent>
+      <p:graphicFrame>
+        <p:nvGraphicFramePr>
+          <p:cNvPr id="3" name="Chart 2"/>
+          <p:cNvGraphicFramePr/>
+          <p:nvPr>
+            <p:extLst>
+              <p:ext uri="{D42A27DB-BD31-4B8C-83A1-F6EECF244321}">
+                <p14:modId xmlns:p14="http://schemas.microsoft.com/office/powerpoint/2010/main" val="359758476"/>
+              </p:ext>
+            </p:extLst>
+          </p:nvPr>
+        </p:nvGraphicFramePr>
+        <p:xfrm>
+          <a:off x="2576945" y="4232689"/>
+          <a:ext cx="5268892" cy="1543078"/>
+        </p:xfrm>
+        <a:graphic>
+          <a:graphicData uri="http://schemas.openxmlformats.org/drawingml/2006/chart">
+            <c:chart xmlns:c="http://schemas.openxmlformats.org/drawingml/2006/chart" xmlns:r="http://schemas.openxmlformats.org/officeDocument/2006/relationships" r:id="rId5"/>
+          </a:graphicData>
+        </a:graphic>
+      </p:graphicFrame>
+      <mc:AlternateContent xmlns:mc="http://schemas.openxmlformats.org/markup-compatibility/2006">
+        <mc:Choice xmlns:a14="http://schemas.microsoft.com/office/drawing/2010/main" Requires="a14">
+          <p:sp>
+            <p:nvSpPr>
+              <p:cNvPr id="7" name="TextBox 6"/>
+              <p:cNvSpPr txBox="1"/>
+              <p:nvPr/>
+            </p:nvSpPr>
+            <p:spPr>
+              <a:xfrm>
+                <a:off x="2397741" y="4548524"/>
+                <a:ext cx="351374" cy="307777"/>
+              </a:xfrm>
+              <a:prstGeom prst="rect">
+                <a:avLst/>
+              </a:prstGeom>
+              <a:noFill/>
+            </p:spPr>
+            <p:txBody>
+              <a:bodyPr wrap="square" rtlCol="0">
+                <a:spAutoFit/>
+              </a:bodyPr>
+              <a:lstStyle/>
+              <a:p>
+                <a14:m>
+                  <m:oMathPara xmlns:m="http://schemas.openxmlformats.org/officeDocument/2006/math">
+                    <m:oMathParaPr>
+                      <m:jc m:val="centerGroup"/>
+                    </m:oMathParaPr>
+                    <m:oMath xmlns:m="http://schemas.openxmlformats.org/officeDocument/2006/math">
+                      <m:sSub>
+                        <m:sSubPr>
+                          <m:ctrlPr>
+                            <a:rPr lang="en-US" sz="1400" i="1" smtClean="0">
+                              <a:solidFill>
+                                <a:schemeClr val="tx1">
+                                  <a:lumMod val="65000"/>
+                                  <a:lumOff val="35000"/>
+                                </a:schemeClr>
+                              </a:solidFill>
+                              <a:latin typeface="Cambria Math" charset="0"/>
+                            </a:rPr>
+                          </m:ctrlPr>
+                        </m:sSubPr>
+                        <m:e>
+                          <m:r>
+                            <a:rPr lang="en-US" sz="1400" i="1">
+                              <a:solidFill>
+                                <a:schemeClr val="tx1">
+                                  <a:lumMod val="65000"/>
+                                  <a:lumOff val="35000"/>
+                                </a:schemeClr>
+                              </a:solidFill>
+                              <a:latin typeface="Cambria Math" charset="0"/>
+                            </a:rPr>
+                            <m:t>𝑆</m:t>
+                          </m:r>
+                        </m:e>
+                        <m:sub>
+                          <m:r>
+                            <a:rPr lang="en-US" sz="1400" i="1">
+                              <a:solidFill>
+                                <a:schemeClr val="tx1">
+                                  <a:lumMod val="65000"/>
+                                  <a:lumOff val="35000"/>
+                                </a:schemeClr>
+                              </a:solidFill>
+                              <a:latin typeface="Cambria Math" charset="0"/>
+                            </a:rPr>
+                            <m:t>1</m:t>
+                          </m:r>
+                        </m:sub>
+                      </m:sSub>
+                    </m:oMath>
+                  </m:oMathPara>
+                </a14:m>
+                <a:endParaRPr lang="en-US" sz="1400" dirty="0">
+                  <a:solidFill>
+                    <a:schemeClr val="tx1">
+                      <a:lumMod val="65000"/>
+                      <a:lumOff val="35000"/>
+                    </a:schemeClr>
+                  </a:solidFill>
+                </a:endParaRPr>
+              </a:p>
+            </p:txBody>
+          </p:sp>
+        </mc:Choice>
+        <mc:Fallback>
+          <p:sp>
+            <p:nvSpPr>
+              <p:cNvPr id="7" name="TextBox 6"/>
+              <p:cNvSpPr txBox="1">
+                <a:spLocks noRot="1" noChangeAspect="1" noMove="1" noResize="1" noEditPoints="1" noAdjustHandles="1" noChangeArrowheads="1" noChangeShapeType="1" noTextEdit="1"/>
+              </p:cNvSpPr>
+              <p:nvPr/>
+            </p:nvSpPr>
+            <p:spPr>
+              <a:xfrm>
+                <a:off x="2397741" y="4548524"/>
+                <a:ext cx="351374" cy="307777"/>
+              </a:xfrm>
+              <a:prstGeom prst="rect">
+                <a:avLst/>
+              </a:prstGeom>
+              <a:blipFill rotWithShape="0">
+                <a:blip r:embed="rId6"/>
+                <a:stretch>
+                  <a:fillRect/>
+                </a:stretch>
+              </a:blipFill>
+            </p:spPr>
+            <p:txBody>
+              <a:bodyPr/>
+              <a:lstStyle/>
+              <a:p>
+                <a:r>
+                  <a:rPr lang="en-US">
+                    <a:noFill/>
+                  </a:rPr>
+                  <a:t> </a:t>
+                </a:r>
+              </a:p>
+            </p:txBody>
+          </p:sp>
+        </mc:Fallback>
+      </mc:AlternateContent>
+      <mc:AlternateContent xmlns:mc="http://schemas.openxmlformats.org/markup-compatibility/2006">
+        <mc:Choice xmlns:a14="http://schemas.microsoft.com/office/drawing/2010/main" Requires="a14">
+          <p:sp>
+            <p:nvSpPr>
+              <p:cNvPr id="9" name="TextBox 8"/>
+              <p:cNvSpPr txBox="1"/>
+              <p:nvPr/>
+            </p:nvSpPr>
+            <p:spPr>
+              <a:xfrm>
+                <a:off x="2392419" y="5140037"/>
+                <a:ext cx="355518" cy="307777"/>
+              </a:xfrm>
+              <a:prstGeom prst="rect">
+                <a:avLst/>
+              </a:prstGeom>
+              <a:noFill/>
+            </p:spPr>
+            <p:txBody>
+              <a:bodyPr wrap="square" rtlCol="0">
+                <a:spAutoFit/>
+              </a:bodyPr>
+              <a:lstStyle/>
+              <a:p>
+                <a14:m>
+                  <m:oMathPara xmlns:m="http://schemas.openxmlformats.org/officeDocument/2006/math">
+                    <m:oMathParaPr>
+                      <m:jc m:val="centerGroup"/>
+                    </m:oMathParaPr>
+                    <m:oMath xmlns:m="http://schemas.openxmlformats.org/officeDocument/2006/math">
+                      <m:sSub>
+                        <m:sSubPr>
+                          <m:ctrlPr>
+                            <a:rPr lang="en-US" sz="1400" i="1" smtClean="0">
+                              <a:solidFill>
+                                <a:schemeClr val="tx1">
+                                  <a:lumMod val="65000"/>
+                                  <a:lumOff val="35000"/>
+                                </a:schemeClr>
+                              </a:solidFill>
+                              <a:latin typeface="Cambria Math" charset="0"/>
+                            </a:rPr>
+                          </m:ctrlPr>
+                        </m:sSubPr>
+                        <m:e>
+                          <m:r>
+                            <a:rPr lang="en-US" sz="1400" i="1">
+                              <a:solidFill>
+                                <a:schemeClr val="tx1">
+                                  <a:lumMod val="65000"/>
+                                  <a:lumOff val="35000"/>
+                                </a:schemeClr>
+                              </a:solidFill>
+                              <a:latin typeface="Cambria Math" charset="0"/>
+                            </a:rPr>
+                            <m:t>𝑆</m:t>
+                          </m:r>
+                        </m:e>
+                        <m:sub>
+                          <m:r>
+                            <a:rPr lang="en-US" sz="1400" b="0" i="1" smtClean="0">
+                              <a:solidFill>
+                                <a:schemeClr val="tx1">
+                                  <a:lumMod val="65000"/>
+                                  <a:lumOff val="35000"/>
+                                </a:schemeClr>
+                              </a:solidFill>
+                              <a:latin typeface="Cambria Math" charset="0"/>
+                            </a:rPr>
+                            <m:t>2</m:t>
+                          </m:r>
+                        </m:sub>
+                      </m:sSub>
+                    </m:oMath>
+                  </m:oMathPara>
+                </a14:m>
+                <a:endParaRPr lang="en-US" sz="1400" dirty="0">
+                  <a:solidFill>
+                    <a:schemeClr val="tx1">
+                      <a:lumMod val="65000"/>
+                      <a:lumOff val="35000"/>
+                    </a:schemeClr>
+                  </a:solidFill>
+                </a:endParaRPr>
+              </a:p>
+            </p:txBody>
+          </p:sp>
+        </mc:Choice>
+        <mc:Fallback>
+          <p:sp>
+            <p:nvSpPr>
+              <p:cNvPr id="9" name="TextBox 8"/>
+              <p:cNvSpPr txBox="1">
+                <a:spLocks noRot="1" noChangeAspect="1" noMove="1" noResize="1" noEditPoints="1" noAdjustHandles="1" noChangeArrowheads="1" noChangeShapeType="1" noTextEdit="1"/>
+              </p:cNvSpPr>
+              <p:nvPr/>
+            </p:nvSpPr>
+            <p:spPr>
+              <a:xfrm>
+                <a:off x="2392419" y="5140037"/>
+                <a:ext cx="355518" cy="307777"/>
+              </a:xfrm>
+              <a:prstGeom prst="rect">
+                <a:avLst/>
+              </a:prstGeom>
+              <a:blipFill rotWithShape="0">
+                <a:blip r:embed="rId7"/>
+                <a:stretch>
+                  <a:fillRect/>
+                </a:stretch>
+              </a:blipFill>
+            </p:spPr>
+            <p:txBody>
+              <a:bodyPr/>
+              <a:lstStyle/>
+              <a:p>
+                <a:r>
+                  <a:rPr lang="en-US">
+                    <a:noFill/>
+                  </a:rPr>
+                  <a:t> </a:t>
+                </a:r>
+              </a:p>
+            </p:txBody>
+          </p:sp>
+        </mc:Fallback>
+      </mc:AlternateContent>
+      <p:cxnSp>
+        <p:nvCxnSpPr>
+          <p:cNvPr id="10" name="Curved Connector 9"/>
+          <p:cNvCxnSpPr>
+            <a:stCxn id="2" idx="1"/>
+          </p:cNvCxnSpPr>
+          <p:nvPr/>
+        </p:nvCxnSpPr>
+        <p:spPr>
+          <a:xfrm rot="10800000" flipV="1">
+            <a:off x="2858943" y="1240097"/>
+            <a:ext cx="231844" cy="588702"/>
+          </a:xfrm>
+          <a:prstGeom prst="curvedConnector2">
+            <a:avLst/>
+          </a:prstGeom>
+          <a:ln w="19050">
+            <a:tailEnd type="triangle"/>
+          </a:ln>
+        </p:spPr>
+        <p:style>
+          <a:lnRef idx="1">
+            <a:schemeClr val="accent1"/>
+          </a:lnRef>
+          <a:fillRef idx="0">
+            <a:schemeClr val="accent1"/>
+          </a:fillRef>
+          <a:effectRef idx="0">
+            <a:schemeClr val="accent1"/>
+          </a:effectRef>
+          <a:fontRef idx="minor">
+            <a:schemeClr val="tx1"/>
+          </a:fontRef>
+        </p:style>
+      </p:cxnSp>
+      <p:cxnSp>
+        <p:nvCxnSpPr>
+          <p:cNvPr id="12" name="Curved Connector 11"/>
+          <p:cNvCxnSpPr/>
+          <p:nvPr/>
+        </p:nvCxnSpPr>
+        <p:spPr>
+          <a:xfrm rot="16200000" flipH="1">
+            <a:off x="4140172" y="1466422"/>
+            <a:ext cx="855452" cy="772129"/>
+          </a:xfrm>
+          <a:prstGeom prst="curvedConnector3">
+            <a:avLst>
+              <a:gd name="adj1" fmla="val 50000"/>
+            </a:avLst>
+          </a:prstGeom>
+          <a:ln w="19050">
+            <a:tailEnd type="triangle"/>
+          </a:ln>
+        </p:spPr>
+        <p:style>
+          <a:lnRef idx="1">
+            <a:schemeClr val="accent1"/>
+          </a:lnRef>
+          <a:fillRef idx="0">
+            <a:schemeClr val="accent1"/>
+          </a:fillRef>
+          <a:effectRef idx="0">
+            <a:schemeClr val="accent1"/>
+          </a:effectRef>
+          <a:fontRef idx="minor">
+            <a:schemeClr val="tx1"/>
+          </a:fontRef>
+        </p:style>
+      </p:cxnSp>
+      <p:cxnSp>
+        <p:nvCxnSpPr>
+          <p:cNvPr id="18" name="Curved Connector 17"/>
+          <p:cNvCxnSpPr/>
+          <p:nvPr/>
+        </p:nvCxnSpPr>
+        <p:spPr>
+          <a:xfrm rot="10800000" flipV="1">
+            <a:off x="5775767" y="1424761"/>
+            <a:ext cx="983848" cy="976239"/>
+          </a:xfrm>
+          <a:prstGeom prst="curvedConnector3">
+            <a:avLst/>
+          </a:prstGeom>
+          <a:ln w="19050">
+            <a:tailEnd type="triangle"/>
+          </a:ln>
+        </p:spPr>
+        <p:style>
+          <a:lnRef idx="1">
+            <a:schemeClr val="accent2"/>
+          </a:lnRef>
+          <a:fillRef idx="0">
+            <a:schemeClr val="accent2"/>
+          </a:fillRef>
+          <a:effectRef idx="0">
+            <a:schemeClr val="accent2"/>
+          </a:effectRef>
+          <a:fontRef idx="minor">
+            <a:schemeClr val="tx1"/>
+          </a:fontRef>
+        </p:style>
+      </p:cxnSp>
+      <p:cxnSp>
+        <p:nvCxnSpPr>
+          <p:cNvPr id="21" name="Curved Connector 20"/>
+          <p:cNvCxnSpPr/>
+          <p:nvPr/>
+        </p:nvCxnSpPr>
+        <p:spPr>
+          <a:xfrm>
+            <a:off x="7281132" y="1424761"/>
+            <a:ext cx="246962" cy="1040116"/>
+          </a:xfrm>
+          <a:prstGeom prst="curvedConnector2">
+            <a:avLst/>
+          </a:prstGeom>
+          <a:ln w="19050">
+            <a:tailEnd type="triangle"/>
+          </a:ln>
+        </p:spPr>
+        <p:style>
+          <a:lnRef idx="1">
+            <a:schemeClr val="accent2"/>
+          </a:lnRef>
+          <a:fillRef idx="0">
+            <a:schemeClr val="accent2"/>
+          </a:fillRef>
+          <a:effectRef idx="0">
+            <a:schemeClr val="accent2"/>
+          </a:effectRef>
+          <a:fontRef idx="minor">
+            <a:schemeClr val="tx1"/>
+          </a:fontRef>
+        </p:style>
+      </p:cxnSp>
     </p:spTree>
     <p:extLst>
       <p:ext uri="{BB962C8B-B14F-4D97-AF65-F5344CB8AC3E}">
@@ -6208,7 +7895,7 @@
             </p:nvSpPr>
             <p:spPr>
               <a:xfrm>
-                <a:off x="3657600" y="1964071"/>
+                <a:off x="4876799" y="3159824"/>
                 <a:ext cx="657143" cy="631372"/>
               </a:xfrm>
               <a:prstGeom prst="ellipse">
@@ -6218,13 +7905,13 @@
             </p:spPr>
             <p:style>
               <a:lnRef idx="2">
-                <a:schemeClr val="dk1"/>
+                <a:schemeClr val="accent1"/>
               </a:lnRef>
               <a:fillRef idx="1">
                 <a:schemeClr val="lt1"/>
               </a:fillRef>
               <a:effectRef idx="0">
-                <a:schemeClr val="dk1"/>
+                <a:schemeClr val="accent1"/>
               </a:effectRef>
               <a:fontRef idx="minor">
                 <a:schemeClr val="dk1"/>
@@ -6248,7 +7935,7 @@
                               <a:solidFill>
                                 <a:schemeClr val="tx1"/>
                               </a:solidFill>
-                              <a:latin typeface="Cambria Math" panose="02040503050406030204" pitchFamily="18" charset="0"/>
+                              <a:latin typeface="Cambria Math" charset="0"/>
                             </a:rPr>
                           </m:ctrlPr>
                         </m:sSubPr>
@@ -6298,13 +7985,13 @@
             </p:nvSpPr>
             <p:spPr>
               <a:xfrm>
-                <a:off x="3657600" y="1964071"/>
+                <a:off x="4876799" y="3159824"/>
                 <a:ext cx="657143" cy="631372"/>
               </a:xfrm>
               <a:prstGeom prst="ellipse">
                 <a:avLst/>
               </a:prstGeom>
-              <a:blipFill>
+              <a:blipFill rotWithShape="0">
                 <a:blip r:embed="rId2"/>
                 <a:stretch>
                   <a:fillRect/>
@@ -6337,7 +8024,7 @@
             </p:nvSpPr>
             <p:spPr>
               <a:xfrm>
-                <a:off x="4937760" y="1965960"/>
+                <a:off x="6156959" y="3161713"/>
                 <a:ext cx="657143" cy="631372"/>
               </a:xfrm>
               <a:prstGeom prst="ellipse">
@@ -6347,13 +8034,13 @@
             </p:spPr>
             <p:style>
               <a:lnRef idx="2">
-                <a:schemeClr val="dk1"/>
+                <a:schemeClr val="accent2"/>
               </a:lnRef>
               <a:fillRef idx="1">
                 <a:schemeClr val="lt1"/>
               </a:fillRef>
               <a:effectRef idx="0">
-                <a:schemeClr val="dk1"/>
+                <a:schemeClr val="accent2"/>
               </a:effectRef>
               <a:fontRef idx="minor">
                 <a:schemeClr val="dk1"/>
@@ -6377,7 +8064,7 @@
                               <a:solidFill>
                                 <a:schemeClr val="tx1"/>
                               </a:solidFill>
-                              <a:latin typeface="Cambria Math" panose="02040503050406030204" pitchFamily="18" charset="0"/>
+                              <a:latin typeface="Cambria Math" charset="0"/>
                             </a:rPr>
                           </m:ctrlPr>
                         </m:sSubPr>
@@ -6427,13 +8114,13 @@
             </p:nvSpPr>
             <p:spPr>
               <a:xfrm>
-                <a:off x="4937760" y="1965960"/>
+                <a:off x="6156959" y="3161713"/>
                 <a:ext cx="657143" cy="631372"/>
               </a:xfrm>
               <a:prstGeom prst="ellipse">
                 <a:avLst/>
               </a:prstGeom>
-              <a:blipFill>
+              <a:blipFill rotWithShape="0">
                 <a:blip r:embed="rId3"/>
                 <a:stretch>
                   <a:fillRect/>
@@ -6467,7 +8154,7 @@
         </p:nvCxnSpPr>
         <p:spPr>
           <a:xfrm rot="16200000" flipH="1">
-            <a:off x="4625307" y="1324935"/>
+            <a:off x="5844506" y="2520688"/>
             <a:ext cx="1889" cy="1280160"/>
           </a:xfrm>
           <a:prstGeom prst="curvedConnector3">
@@ -6505,7 +8192,7 @@
         </p:nvCxnSpPr>
         <p:spPr>
           <a:xfrm rot="5400000" flipH="1">
-            <a:off x="4625307" y="1956308"/>
+            <a:off x="5844506" y="3152061"/>
             <a:ext cx="1889" cy="1280160"/>
           </a:xfrm>
           <a:prstGeom prst="curvedConnector3">
@@ -6543,7 +8230,7 @@
         </p:nvCxnSpPr>
         <p:spPr>
           <a:xfrm rot="5400000" flipH="1">
-            <a:off x="3530612" y="2279757"/>
+            <a:off x="4749811" y="3475510"/>
             <a:ext cx="446448" cy="12700"/>
           </a:xfrm>
           <a:prstGeom prst="curvedConnector5">
@@ -6583,7 +8270,7 @@
         </p:nvCxnSpPr>
         <p:spPr>
           <a:xfrm rot="16200000" flipH="1">
-            <a:off x="5275443" y="2281646"/>
+            <a:off x="6494642" y="3477399"/>
             <a:ext cx="446448" cy="12700"/>
           </a:xfrm>
           <a:prstGeom prst="curvedConnector5">
@@ -6612,8 +8299,8 @@
           </a:fontRef>
         </p:style>
       </p:cxnSp>
-      <mc:AlternateContent xmlns:mc="http://schemas.openxmlformats.org/markup-compatibility/2006" xmlns:a14="http://schemas.microsoft.com/office/drawing/2010/main">
-        <mc:Choice Requires="a14">
+      <mc:AlternateContent xmlns:mc="http://schemas.openxmlformats.org/markup-compatibility/2006">
+        <mc:Choice xmlns:a14="http://schemas.microsoft.com/office/drawing/2010/main" Requires="a14">
           <p:sp>
             <p:nvSpPr>
               <p:cNvPr id="14" name="TextBox 13"/>
@@ -6622,7 +8309,7 @@
             </p:nvSpPr>
             <p:spPr>
               <a:xfrm>
-                <a:off x="2434252" y="2062883"/>
+                <a:off x="3653451" y="3258636"/>
                 <a:ext cx="558293" cy="369332"/>
               </a:xfrm>
               <a:prstGeom prst="rect">
@@ -6647,7 +8334,7 @@
                         <m:sSubPr>
                           <m:ctrlPr>
                             <a:rPr lang="en-US" i="1" smtClean="0">
-                              <a:latin typeface="Cambria Math" panose="02040503050406030204" pitchFamily="18" charset="0"/>
+                              <a:latin typeface="Cambria Math" charset="0"/>
                             </a:rPr>
                           </m:ctrlPr>
                         </m:sSubPr>
@@ -6662,6 +8349,9 @@
                         <m:sub>
                           <m:r>
                             <a:rPr lang="sv-SE" b="0" i="1" smtClean="0">
+                              <a:solidFill>
+                                <a:schemeClr val="accent1"/>
+                              </a:solidFill>
                               <a:latin typeface="Cambria Math" panose="02040503050406030204" pitchFamily="18" charset="0"/>
                             </a:rPr>
                             <m:t>11</m:t>
@@ -6676,7 +8366,7 @@
             </p:txBody>
           </p:sp>
         </mc:Choice>
-        <mc:Fallback xmlns="">
+        <mc:Fallback>
           <p:sp>
             <p:nvSpPr>
               <p:cNvPr id="14" name="TextBox 13"/>
@@ -6687,16 +8377,16 @@
             </p:nvSpPr>
             <p:spPr>
               <a:xfrm>
-                <a:off x="2434252" y="2062883"/>
+                <a:off x="3653451" y="3258636"/>
                 <a:ext cx="558293" cy="369332"/>
               </a:xfrm>
               <a:prstGeom prst="rect">
                 <a:avLst/>
               </a:prstGeom>
-              <a:blipFill>
+              <a:blipFill rotWithShape="0">
                 <a:blip r:embed="rId4"/>
                 <a:stretch>
-                  <a:fillRect b="-6557"/>
+                  <a:fillRect b="-6667"/>
                 </a:stretch>
               </a:blipFill>
             </p:spPr>
@@ -6725,7 +8415,7 @@
             </p:nvSpPr>
             <p:spPr>
               <a:xfrm>
-                <a:off x="4347104" y="1279997"/>
+                <a:off x="5566303" y="2475750"/>
                 <a:ext cx="558293" cy="369332"/>
               </a:xfrm>
               <a:prstGeom prst="rect">
@@ -6750,7 +8440,7 @@
                         <m:sSubPr>
                           <m:ctrlPr>
                             <a:rPr lang="en-US" i="1" smtClean="0">
-                              <a:latin typeface="Cambria Math" panose="02040503050406030204" pitchFamily="18" charset="0"/>
+                              <a:latin typeface="Cambria Math" charset="0"/>
                             </a:rPr>
                           </m:ctrlPr>
                         </m:sSubPr>
@@ -6765,12 +8455,18 @@
                         <m:sub>
                           <m:r>
                             <a:rPr lang="sv-SE" b="0" i="1" smtClean="0">
+                              <a:solidFill>
+                                <a:schemeClr val="accent1"/>
+                              </a:solidFill>
                               <a:latin typeface="Cambria Math" panose="02040503050406030204" pitchFamily="18" charset="0"/>
                             </a:rPr>
                             <m:t>1</m:t>
                           </m:r>
                           <m:r>
                             <a:rPr lang="sv-SE" b="0" i="1" smtClean="0">
+                              <a:solidFill>
+                                <a:schemeClr val="accent2"/>
+                              </a:solidFill>
                               <a:latin typeface="Cambria Math" panose="02040503050406030204" pitchFamily="18" charset="0"/>
                             </a:rPr>
                             <m:t>2</m:t>
@@ -6796,13 +8492,13 @@
             </p:nvSpPr>
             <p:spPr>
               <a:xfrm>
-                <a:off x="4347104" y="1279997"/>
+                <a:off x="5566303" y="2475750"/>
                 <a:ext cx="558293" cy="369332"/>
               </a:xfrm>
               <a:prstGeom prst="rect">
                 <a:avLst/>
               </a:prstGeom>
-              <a:blipFill>
+              <a:blipFill rotWithShape="0">
                 <a:blip r:embed="rId5"/>
                 <a:stretch>
                   <a:fillRect b="-4918"/>
@@ -6824,8 +8520,8 @@
           </p:sp>
         </mc:Fallback>
       </mc:AlternateContent>
-      <mc:AlternateContent xmlns:mc="http://schemas.openxmlformats.org/markup-compatibility/2006" xmlns:a14="http://schemas.microsoft.com/office/drawing/2010/main">
-        <mc:Choice Requires="a14">
+      <mc:AlternateContent xmlns:mc="http://schemas.openxmlformats.org/markup-compatibility/2006">
+        <mc:Choice xmlns:a14="http://schemas.microsoft.com/office/drawing/2010/main" Requires="a14">
           <p:sp>
             <p:nvSpPr>
               <p:cNvPr id="17" name="TextBox 16"/>
@@ -6834,7 +8530,7 @@
             </p:nvSpPr>
             <p:spPr>
               <a:xfrm>
-                <a:off x="6267345" y="2062883"/>
+                <a:off x="7486544" y="3258636"/>
                 <a:ext cx="563616" cy="369332"/>
               </a:xfrm>
               <a:prstGeom prst="rect">
@@ -6859,7 +8555,7 @@
                         <m:sSubPr>
                           <m:ctrlPr>
                             <a:rPr lang="en-US" i="1" smtClean="0">
-                              <a:latin typeface="Cambria Math" panose="02040503050406030204" pitchFamily="18" charset="0"/>
+                              <a:latin typeface="Cambria Math" charset="0"/>
                             </a:rPr>
                           </m:ctrlPr>
                         </m:sSubPr>
@@ -6874,6 +8570,9 @@
                         <m:sub>
                           <m:r>
                             <a:rPr lang="sv-SE" b="0" i="1" smtClean="0">
+                              <a:solidFill>
+                                <a:schemeClr val="accent2"/>
+                              </a:solidFill>
                               <a:latin typeface="Cambria Math" panose="02040503050406030204" pitchFamily="18" charset="0"/>
                             </a:rPr>
                             <m:t>22</m:t>
@@ -6888,7 +8587,7 @@
             </p:txBody>
           </p:sp>
         </mc:Choice>
-        <mc:Fallback xmlns="">
+        <mc:Fallback>
           <p:sp>
             <p:nvSpPr>
               <p:cNvPr id="17" name="TextBox 16"/>
@@ -6899,16 +8598,16 @@
             </p:nvSpPr>
             <p:spPr>
               <a:xfrm>
-                <a:off x="6267345" y="2062883"/>
+                <a:off x="7486544" y="3258636"/>
                 <a:ext cx="563616" cy="369332"/>
               </a:xfrm>
               <a:prstGeom prst="rect">
                 <a:avLst/>
               </a:prstGeom>
-              <a:blipFill>
+              <a:blipFill rotWithShape="0">
                 <a:blip r:embed="rId6"/>
                 <a:stretch>
-                  <a:fillRect b="-6557"/>
+                  <a:fillRect b="-6667"/>
                 </a:stretch>
               </a:blipFill>
             </p:spPr>
@@ -6937,7 +8636,7 @@
             </p:nvSpPr>
             <p:spPr>
               <a:xfrm>
-                <a:off x="4347103" y="2857484"/>
+                <a:off x="5566302" y="4053237"/>
                 <a:ext cx="558293" cy="369332"/>
               </a:xfrm>
               <a:prstGeom prst="rect">
@@ -6962,7 +8661,7 @@
                         <m:sSubPr>
                           <m:ctrlPr>
                             <a:rPr lang="en-US" i="1" smtClean="0">
-                              <a:latin typeface="Cambria Math" panose="02040503050406030204" pitchFamily="18" charset="0"/>
+                              <a:latin typeface="Cambria Math" charset="0"/>
                             </a:rPr>
                           </m:ctrlPr>
                         </m:sSubPr>
@@ -6977,12 +8676,18 @@
                         <m:sub>
                           <m:r>
                             <a:rPr lang="sv-SE" b="0" i="1" smtClean="0">
+                              <a:solidFill>
+                                <a:schemeClr val="accent2"/>
+                              </a:solidFill>
                               <a:latin typeface="Cambria Math" panose="02040503050406030204" pitchFamily="18" charset="0"/>
                             </a:rPr>
                             <m:t>2</m:t>
                           </m:r>
                           <m:r>
                             <a:rPr lang="sv-SE" b="0" i="1" smtClean="0">
+                              <a:solidFill>
+                                <a:schemeClr val="accent1"/>
+                              </a:solidFill>
                               <a:latin typeface="Cambria Math" panose="02040503050406030204" pitchFamily="18" charset="0"/>
                             </a:rPr>
                             <m:t>1</m:t>
@@ -7008,13 +8713,13 @@
             </p:nvSpPr>
             <p:spPr>
               <a:xfrm>
-                <a:off x="4347103" y="2857484"/>
+                <a:off x="5566302" y="4053237"/>
                 <a:ext cx="558293" cy="369332"/>
               </a:xfrm>
               <a:prstGeom prst="rect">
                 <a:avLst/>
               </a:prstGeom>
-              <a:blipFill>
+              <a:blipFill rotWithShape="0">
                 <a:blip r:embed="rId7"/>
                 <a:stretch>
                   <a:fillRect b="-6667"/>
@@ -7118,7 +8823,7 @@
                               <a:solidFill>
                                 <a:schemeClr val="bg1"/>
                               </a:solidFill>
-                              <a:latin typeface="Cambria Math" panose="02040503050406030204" pitchFamily="18" charset="0"/>
+                              <a:latin typeface="Cambria Math" charset="0"/>
                             </a:rPr>
                           </m:ctrlPr>
                         </m:sSubPr>
@@ -7248,7 +8953,7 @@
                               <a:solidFill>
                                 <a:schemeClr val="bg1"/>
                               </a:solidFill>
-                              <a:latin typeface="Cambria Math" panose="02040503050406030204" pitchFamily="18" charset="0"/>
+                              <a:latin typeface="Cambria Math" charset="0"/>
                             </a:rPr>
                           </m:ctrlPr>
                         </m:sSubPr>
@@ -7378,7 +9083,7 @@
                               <a:solidFill>
                                 <a:schemeClr val="bg1"/>
                               </a:solidFill>
-                              <a:latin typeface="Cambria Math" panose="02040503050406030204" pitchFamily="18" charset="0"/>
+                              <a:latin typeface="Cambria Math" charset="0"/>
                             </a:rPr>
                           </m:ctrlPr>
                         </m:sSubPr>
@@ -13520,8 +15225,8 @@
           <a:chExt cx="0" cy="0"/>
         </a:xfrm>
       </p:grpSpPr>
-      <mc:AlternateContent xmlns:mc="http://schemas.openxmlformats.org/markup-compatibility/2006">
-        <mc:Choice xmlns:a14="http://schemas.microsoft.com/office/drawing/2010/main" Requires="a14">
+      <mc:AlternateContent xmlns:mc="http://schemas.openxmlformats.org/markup-compatibility/2006" xmlns:a14="http://schemas.microsoft.com/office/drawing/2010/main">
+        <mc:Choice Requires="a14">
           <p:sp>
             <p:nvSpPr>
               <p:cNvPr id="8" name="Oval 7"/>
@@ -13570,7 +15275,7 @@
                               <a:solidFill>
                                 <a:schemeClr val="tx1"/>
                               </a:solidFill>
-                              <a:latin typeface="Cambria Math" panose="02040503050406030204" pitchFamily="18" charset="0"/>
+                              <a:latin typeface="Cambria Math" charset="0"/>
                             </a:rPr>
                           </m:ctrlPr>
                         </m:sSubPr>
@@ -13609,7 +15314,7 @@
             </p:txBody>
           </p:sp>
         </mc:Choice>
-        <mc:Fallback>
+        <mc:Fallback xmlns="">
           <p:sp>
             <p:nvSpPr>
               <p:cNvPr id="8" name="Oval 7"/>
@@ -13649,8 +15354,8 @@
           </p:sp>
         </mc:Fallback>
       </mc:AlternateContent>
-      <mc:AlternateContent xmlns:mc="http://schemas.openxmlformats.org/markup-compatibility/2006">
-        <mc:Choice xmlns:a14="http://schemas.microsoft.com/office/drawing/2010/main" Requires="a14">
+      <mc:AlternateContent xmlns:mc="http://schemas.openxmlformats.org/markup-compatibility/2006" xmlns:a14="http://schemas.microsoft.com/office/drawing/2010/main">
+        <mc:Choice Requires="a14">
           <p:sp>
             <p:nvSpPr>
               <p:cNvPr id="9" name="Oval 8"/>
@@ -13699,7 +15404,7 @@
                               <a:solidFill>
                                 <a:schemeClr val="tx1"/>
                               </a:solidFill>
-                              <a:latin typeface="Cambria Math" panose="02040503050406030204" pitchFamily="18" charset="0"/>
+                              <a:latin typeface="Cambria Math" charset="0"/>
                             </a:rPr>
                           </m:ctrlPr>
                         </m:sSubPr>
@@ -13738,7 +15443,7 @@
             </p:txBody>
           </p:sp>
         </mc:Choice>
-        <mc:Fallback>
+        <mc:Fallback xmlns="">
           <p:sp>
             <p:nvSpPr>
               <p:cNvPr id="9" name="Oval 8"/>
@@ -13778,8 +15483,8 @@
           </p:sp>
         </mc:Fallback>
       </mc:AlternateContent>
-      <mc:AlternateContent xmlns:mc="http://schemas.openxmlformats.org/markup-compatibility/2006">
-        <mc:Choice xmlns:a14="http://schemas.microsoft.com/office/drawing/2010/main" Requires="a14">
+      <mc:AlternateContent xmlns:mc="http://schemas.openxmlformats.org/markup-compatibility/2006" xmlns:a14="http://schemas.microsoft.com/office/drawing/2010/main">
+        <mc:Choice Requires="a14">
           <p:sp>
             <p:nvSpPr>
               <p:cNvPr id="10" name="Oval 9"/>
@@ -13828,7 +15533,7 @@
                               <a:solidFill>
                                 <a:schemeClr val="tx1"/>
                               </a:solidFill>
-                              <a:latin typeface="Cambria Math" panose="02040503050406030204" pitchFamily="18" charset="0"/>
+                              <a:latin typeface="Cambria Math" charset="0"/>
                             </a:rPr>
                           </m:ctrlPr>
                         </m:sSubPr>
@@ -13867,7 +15572,7 @@
             </p:txBody>
           </p:sp>
         </mc:Choice>
-        <mc:Fallback>
+        <mc:Fallback xmlns="">
           <p:sp>
             <p:nvSpPr>
               <p:cNvPr id="10" name="Oval 9"/>
@@ -13907,8 +15612,8 @@
           </p:sp>
         </mc:Fallback>
       </mc:AlternateContent>
-      <mc:AlternateContent xmlns:mc="http://schemas.openxmlformats.org/markup-compatibility/2006">
-        <mc:Choice xmlns:a14="http://schemas.microsoft.com/office/drawing/2010/main" Requires="a14">
+      <mc:AlternateContent xmlns:mc="http://schemas.openxmlformats.org/markup-compatibility/2006" xmlns:a14="http://schemas.microsoft.com/office/drawing/2010/main">
+        <mc:Choice Requires="a14">
           <p:sp>
             <p:nvSpPr>
               <p:cNvPr id="11" name="Oval 10"/>
@@ -13957,7 +15662,7 @@
                               <a:solidFill>
                                 <a:schemeClr val="tx1"/>
                               </a:solidFill>
-                              <a:latin typeface="Cambria Math" panose="02040503050406030204" pitchFamily="18" charset="0"/>
+                              <a:latin typeface="Cambria Math" charset="0"/>
                             </a:rPr>
                           </m:ctrlPr>
                         </m:sSubPr>
@@ -13996,7 +15701,7 @@
             </p:txBody>
           </p:sp>
         </mc:Choice>
-        <mc:Fallback>
+        <mc:Fallback xmlns="">
           <p:sp>
             <p:nvSpPr>
               <p:cNvPr id="11" name="Oval 10"/>
@@ -14036,8 +15741,8 @@
           </p:sp>
         </mc:Fallback>
       </mc:AlternateContent>
-      <mc:AlternateContent xmlns:mc="http://schemas.openxmlformats.org/markup-compatibility/2006">
-        <mc:Choice xmlns:a14="http://schemas.microsoft.com/office/drawing/2010/main" Requires="a14">
+      <mc:AlternateContent xmlns:mc="http://schemas.openxmlformats.org/markup-compatibility/2006" xmlns:a14="http://schemas.microsoft.com/office/drawing/2010/main">
+        <mc:Choice Requires="a14">
           <p:sp>
             <p:nvSpPr>
               <p:cNvPr id="12" name="Oval 11"/>
@@ -14086,7 +15791,7 @@
                               <a:solidFill>
                                 <a:schemeClr val="tx1"/>
                               </a:solidFill>
-                              <a:latin typeface="Cambria Math" panose="02040503050406030204" pitchFamily="18" charset="0"/>
+                              <a:latin typeface="Cambria Math" charset="0"/>
                             </a:rPr>
                           </m:ctrlPr>
                         </m:sSubPr>
@@ -14125,7 +15830,7 @@
             </p:txBody>
           </p:sp>
         </mc:Choice>
-        <mc:Fallback>
+        <mc:Fallback xmlns="">
           <p:sp>
             <p:nvSpPr>
               <p:cNvPr id="12" name="Oval 11"/>
@@ -14165,8 +15870,8 @@
           </p:sp>
         </mc:Fallback>
       </mc:AlternateContent>
-      <mc:AlternateContent xmlns:mc="http://schemas.openxmlformats.org/markup-compatibility/2006">
-        <mc:Choice xmlns:a14="http://schemas.microsoft.com/office/drawing/2010/main" Requires="a14">
+      <mc:AlternateContent xmlns:mc="http://schemas.openxmlformats.org/markup-compatibility/2006" xmlns:a14="http://schemas.microsoft.com/office/drawing/2010/main">
+        <mc:Choice Requires="a14">
           <p:sp>
             <p:nvSpPr>
               <p:cNvPr id="13" name="Oval 12"/>
@@ -14215,7 +15920,7 @@
                               <a:solidFill>
                                 <a:schemeClr val="tx1"/>
                               </a:solidFill>
-                              <a:latin typeface="Cambria Math" panose="02040503050406030204" pitchFamily="18" charset="0"/>
+                              <a:latin typeface="Cambria Math" charset="0"/>
                             </a:rPr>
                           </m:ctrlPr>
                         </m:sSubPr>
@@ -14254,7 +15959,7 @@
             </p:txBody>
           </p:sp>
         </mc:Choice>
-        <mc:Fallback>
+        <mc:Fallback xmlns="">
           <p:sp>
             <p:nvSpPr>
               <p:cNvPr id="13" name="Oval 12"/>
@@ -14294,8 +15999,8 @@
           </p:sp>
         </mc:Fallback>
       </mc:AlternateContent>
-      <mc:AlternateContent xmlns:mc="http://schemas.openxmlformats.org/markup-compatibility/2006">
-        <mc:Choice xmlns:a14="http://schemas.microsoft.com/office/drawing/2010/main" Requires="a14">
+      <mc:AlternateContent xmlns:mc="http://schemas.openxmlformats.org/markup-compatibility/2006" xmlns:a14="http://schemas.microsoft.com/office/drawing/2010/main">
+        <mc:Choice Requires="a14">
           <p:sp>
             <p:nvSpPr>
               <p:cNvPr id="14" name="Oval 13"/>
@@ -14344,7 +16049,7 @@
                               <a:solidFill>
                                 <a:schemeClr val="tx1"/>
                               </a:solidFill>
-                              <a:latin typeface="Cambria Math" panose="02040503050406030204" pitchFamily="18" charset="0"/>
+                              <a:latin typeface="Cambria Math" charset="0"/>
                             </a:rPr>
                           </m:ctrlPr>
                         </m:sSubPr>
@@ -14383,7 +16088,7 @@
             </p:txBody>
           </p:sp>
         </mc:Choice>
-        <mc:Fallback>
+        <mc:Fallback xmlns="">
           <p:sp>
             <p:nvSpPr>
               <p:cNvPr id="14" name="Oval 13"/>
@@ -14423,8 +16128,8 @@
           </p:sp>
         </mc:Fallback>
       </mc:AlternateContent>
-      <mc:AlternateContent xmlns:mc="http://schemas.openxmlformats.org/markup-compatibility/2006">
-        <mc:Choice xmlns:a14="http://schemas.microsoft.com/office/drawing/2010/main" Requires="a14">
+      <mc:AlternateContent xmlns:mc="http://schemas.openxmlformats.org/markup-compatibility/2006" xmlns:a14="http://schemas.microsoft.com/office/drawing/2010/main">
+        <mc:Choice Requires="a14">
           <p:sp>
             <p:nvSpPr>
               <p:cNvPr id="15" name="Oval 14"/>
@@ -14473,7 +16178,7 @@
                               <a:solidFill>
                                 <a:schemeClr val="tx1"/>
                               </a:solidFill>
-                              <a:latin typeface="Cambria Math" panose="02040503050406030204" pitchFamily="18" charset="0"/>
+                              <a:latin typeface="Cambria Math" charset="0"/>
                             </a:rPr>
                           </m:ctrlPr>
                         </m:sSubPr>
@@ -14512,7 +16217,7 @@
             </p:txBody>
           </p:sp>
         </mc:Choice>
-        <mc:Fallback>
+        <mc:Fallback xmlns="">
           <p:sp>
             <p:nvSpPr>
               <p:cNvPr id="15" name="Oval 14"/>
@@ -14940,6 +16645,167 @@
           <a:xfrm>
             <a:off x="6546492" y="2599797"/>
             <a:ext cx="0" cy="618308"/>
+          </a:xfrm>
+          <a:prstGeom prst="straightConnector1">
+            <a:avLst/>
+          </a:prstGeom>
+          <a:ln w="19050">
+            <a:tailEnd type="triangle"/>
+          </a:ln>
+        </p:spPr>
+        <p:style>
+          <a:lnRef idx="1">
+            <a:schemeClr val="dk1"/>
+          </a:lnRef>
+          <a:fillRef idx="0">
+            <a:schemeClr val="dk1"/>
+          </a:fillRef>
+          <a:effectRef idx="0">
+            <a:schemeClr val="dk1"/>
+          </a:effectRef>
+          <a:fontRef idx="minor">
+            <a:schemeClr val="tx1"/>
+          </a:fontRef>
+        </p:style>
+      </p:cxnSp>
+      <p:sp>
+        <p:nvSpPr>
+          <p:cNvPr id="22" name="TextBox 21"/>
+          <p:cNvSpPr txBox="1"/>
+          <p:nvPr/>
+        </p:nvSpPr>
+        <p:spPr>
+          <a:xfrm>
+            <a:off x="7240885" y="3350884"/>
+            <a:ext cx="420628" cy="369332"/>
+          </a:xfrm>
+          <a:prstGeom prst="rect">
+            <a:avLst/>
+          </a:prstGeom>
+          <a:noFill/>
+        </p:spPr>
+        <p:txBody>
+          <a:bodyPr wrap="none" rtlCol="0">
+            <a:spAutoFit/>
+          </a:bodyPr>
+          <a:lstStyle/>
+          <a:p>
+            <a:r>
+              <a:rPr lang="en-US" dirty="0"/>
+              <a:t>. . .</a:t>
+            </a:r>
+          </a:p>
+        </p:txBody>
+      </p:sp>
+      <p:cxnSp>
+        <p:nvCxnSpPr>
+          <p:cNvPr id="23" name="Straight Arrow Connector 22"/>
+          <p:cNvCxnSpPr/>
+          <p:nvPr/>
+        </p:nvCxnSpPr>
+        <p:spPr>
+          <a:xfrm>
+            <a:off x="4314743" y="3531930"/>
+            <a:ext cx="623017" cy="1889"/>
+          </a:xfrm>
+          <a:prstGeom prst="straightConnector1">
+            <a:avLst/>
+          </a:prstGeom>
+          <a:ln w="19050">
+            <a:tailEnd type="triangle"/>
+          </a:ln>
+        </p:spPr>
+        <p:style>
+          <a:lnRef idx="1">
+            <a:schemeClr val="dk1"/>
+          </a:lnRef>
+          <a:fillRef idx="0">
+            <a:schemeClr val="dk1"/>
+          </a:fillRef>
+          <a:effectRef idx="0">
+            <a:schemeClr val="dk1"/>
+          </a:effectRef>
+          <a:fontRef idx="minor">
+            <a:schemeClr val="tx1"/>
+          </a:fontRef>
+        </p:style>
+      </p:cxnSp>
+      <p:cxnSp>
+        <p:nvCxnSpPr>
+          <p:cNvPr id="25" name="Straight Arrow Connector 24"/>
+          <p:cNvCxnSpPr/>
+          <p:nvPr/>
+        </p:nvCxnSpPr>
+        <p:spPr>
+          <a:xfrm>
+            <a:off x="5594903" y="3533819"/>
+            <a:ext cx="623017" cy="2465"/>
+          </a:xfrm>
+          <a:prstGeom prst="straightConnector1">
+            <a:avLst/>
+          </a:prstGeom>
+          <a:ln w="19050">
+            <a:tailEnd type="triangle"/>
+          </a:ln>
+        </p:spPr>
+        <p:style>
+          <a:lnRef idx="1">
+            <a:schemeClr val="dk1"/>
+          </a:lnRef>
+          <a:fillRef idx="0">
+            <a:schemeClr val="dk1"/>
+          </a:fillRef>
+          <a:effectRef idx="0">
+            <a:schemeClr val="dk1"/>
+          </a:effectRef>
+          <a:fontRef idx="minor">
+            <a:schemeClr val="tx1"/>
+          </a:fontRef>
+        </p:style>
+      </p:cxnSp>
+      <p:cxnSp>
+        <p:nvCxnSpPr>
+          <p:cNvPr id="27" name="Straight Arrow Connector 26"/>
+          <p:cNvCxnSpPr/>
+          <p:nvPr/>
+        </p:nvCxnSpPr>
+        <p:spPr>
+          <a:xfrm flipV="1">
+            <a:off x="6875063" y="3535550"/>
+            <a:ext cx="365822" cy="734"/>
+          </a:xfrm>
+          <a:prstGeom prst="straightConnector1">
+            <a:avLst/>
+          </a:prstGeom>
+          <a:ln w="19050">
+            <a:tailEnd type="triangle"/>
+          </a:ln>
+        </p:spPr>
+        <p:style>
+          <a:lnRef idx="1">
+            <a:schemeClr val="dk1"/>
+          </a:lnRef>
+          <a:fillRef idx="0">
+            <a:schemeClr val="dk1"/>
+          </a:fillRef>
+          <a:effectRef idx="0">
+            <a:schemeClr val="dk1"/>
+          </a:effectRef>
+          <a:fontRef idx="minor">
+            <a:schemeClr val="tx1"/>
+          </a:fontRef>
+        </p:style>
+      </p:cxnSp>
+      <p:cxnSp>
+        <p:nvCxnSpPr>
+          <p:cNvPr id="28" name="Straight Arrow Connector 27"/>
+          <p:cNvCxnSpPr/>
+          <p:nvPr/>
+        </p:nvCxnSpPr>
+        <p:spPr>
+          <a:xfrm flipV="1">
+            <a:off x="7661513" y="3533819"/>
+            <a:ext cx="422905" cy="1731"/>
           </a:xfrm>
           <a:prstGeom prst="straightConnector1">
             <a:avLst/>

--- a/Document/graphic.pptx
+++ b/Document/graphic.pptx
@@ -16,6 +16,9 @@
     <p:sldId id="265" r:id="rId10"/>
     <p:sldId id="266" r:id="rId11"/>
     <p:sldId id="267" r:id="rId12"/>
+    <p:sldId id="268" r:id="rId13"/>
+    <p:sldId id="269" r:id="rId14"/>
+    <p:sldId id="270" r:id="rId15"/>
   </p:sldIdLst>
   <p:sldSz cx="12192000" cy="6858000"/>
   <p:notesSz cx="6858000" cy="9144000"/>
@@ -123,7 +126,7 @@
 </file>
 
 <file path=ppt/charts/chart1.xml><?xml version="1.0" encoding="utf-8"?>
-<c:chartSpace xmlns:c="http://schemas.openxmlformats.org/drawingml/2006/chart" xmlns:a="http://schemas.openxmlformats.org/drawingml/2006/main" xmlns:r="http://schemas.openxmlformats.org/officeDocument/2006/relationships">
+<c:chartSpace xmlns:c="http://schemas.openxmlformats.org/drawingml/2006/chart" xmlns:a="http://schemas.openxmlformats.org/drawingml/2006/main" xmlns:r="http://schemas.openxmlformats.org/officeDocument/2006/relationships" xmlns:c16r2="http://schemas.microsoft.com/office/drawing/2015/06/chart">
   <c:date1904 val="0"/>
   <c:lang val="en-US"/>
   <c:roundedCorners val="0"/>
@@ -175,64 +178,64 @@
                 <c:formatCode>General</c:formatCode>
                 <c:ptCount val="20"/>
                 <c:pt idx="0">
-                  <c:v>1.0</c:v>
+                  <c:v>1</c:v>
                 </c:pt>
                 <c:pt idx="1">
-                  <c:v>2.0</c:v>
+                  <c:v>2</c:v>
                 </c:pt>
                 <c:pt idx="2">
-                  <c:v>3.0</c:v>
+                  <c:v>3</c:v>
                 </c:pt>
                 <c:pt idx="3">
-                  <c:v>4.0</c:v>
+                  <c:v>4</c:v>
                 </c:pt>
                 <c:pt idx="4">
-                  <c:v>5.0</c:v>
+                  <c:v>5</c:v>
                 </c:pt>
                 <c:pt idx="5">
-                  <c:v>6.0</c:v>
+                  <c:v>6</c:v>
                 </c:pt>
                 <c:pt idx="6">
-                  <c:v>7.0</c:v>
+                  <c:v>7</c:v>
                 </c:pt>
                 <c:pt idx="7">
-                  <c:v>8.0</c:v>
+                  <c:v>8</c:v>
                 </c:pt>
                 <c:pt idx="8">
-                  <c:v>9.0</c:v>
+                  <c:v>9</c:v>
                 </c:pt>
                 <c:pt idx="9">
-                  <c:v>10.0</c:v>
+                  <c:v>10</c:v>
                 </c:pt>
                 <c:pt idx="10">
-                  <c:v>11.0</c:v>
+                  <c:v>11</c:v>
                 </c:pt>
                 <c:pt idx="11">
-                  <c:v>12.0</c:v>
+                  <c:v>12</c:v>
                 </c:pt>
                 <c:pt idx="12">
-                  <c:v>13.0</c:v>
+                  <c:v>13</c:v>
                 </c:pt>
                 <c:pt idx="13">
-                  <c:v>14.0</c:v>
+                  <c:v>14</c:v>
                 </c:pt>
                 <c:pt idx="14">
-                  <c:v>15.0</c:v>
+                  <c:v>15</c:v>
                 </c:pt>
                 <c:pt idx="15">
-                  <c:v>16.0</c:v>
+                  <c:v>16</c:v>
                 </c:pt>
                 <c:pt idx="16">
-                  <c:v>17.0</c:v>
+                  <c:v>17</c:v>
                 </c:pt>
                 <c:pt idx="17">
-                  <c:v>18.0</c:v>
+                  <c:v>18</c:v>
                 </c:pt>
                 <c:pt idx="18">
-                  <c:v>19.0</c:v>
+                  <c:v>19</c:v>
                 </c:pt>
                 <c:pt idx="19">
-                  <c:v>20.0</c:v>
+                  <c:v>20</c:v>
                 </c:pt>
               </c:numCache>
             </c:numRef>
@@ -274,7 +277,7 @@
             </c:numRef>
           </c:val>
           <c:smooth val="0"/>
-          <c:extLst xmlns:c16r2="http://schemas.microsoft.com/office/drawing/2015/06/chart">
+          <c:extLst>
             <c:ext xmlns:c16="http://schemas.microsoft.com/office/drawing/2014/chart" uri="{C3380CC4-5D6E-409C-BE32-E72D297353CC}">
               <c16:uniqueId val="{00000000-0505-4674-88D6-32E912049685}"/>
             </c:ext>
@@ -313,64 +316,64 @@
                 <c:formatCode>General</c:formatCode>
                 <c:ptCount val="20"/>
                 <c:pt idx="0">
-                  <c:v>1.0</c:v>
+                  <c:v>1</c:v>
                 </c:pt>
                 <c:pt idx="1">
-                  <c:v>2.0</c:v>
+                  <c:v>2</c:v>
                 </c:pt>
                 <c:pt idx="2">
-                  <c:v>3.0</c:v>
+                  <c:v>3</c:v>
                 </c:pt>
                 <c:pt idx="3">
-                  <c:v>4.0</c:v>
+                  <c:v>4</c:v>
                 </c:pt>
                 <c:pt idx="4">
-                  <c:v>5.0</c:v>
+                  <c:v>5</c:v>
                 </c:pt>
                 <c:pt idx="5">
-                  <c:v>6.0</c:v>
+                  <c:v>6</c:v>
                 </c:pt>
                 <c:pt idx="6">
-                  <c:v>7.0</c:v>
+                  <c:v>7</c:v>
                 </c:pt>
                 <c:pt idx="7">
-                  <c:v>8.0</c:v>
+                  <c:v>8</c:v>
                 </c:pt>
                 <c:pt idx="8">
-                  <c:v>9.0</c:v>
+                  <c:v>9</c:v>
                 </c:pt>
                 <c:pt idx="9">
-                  <c:v>10.0</c:v>
+                  <c:v>10</c:v>
                 </c:pt>
                 <c:pt idx="10">
-                  <c:v>11.0</c:v>
+                  <c:v>11</c:v>
                 </c:pt>
                 <c:pt idx="11">
-                  <c:v>12.0</c:v>
+                  <c:v>12</c:v>
                 </c:pt>
                 <c:pt idx="12">
-                  <c:v>13.0</c:v>
+                  <c:v>13</c:v>
                 </c:pt>
                 <c:pt idx="13">
-                  <c:v>14.0</c:v>
+                  <c:v>14</c:v>
                 </c:pt>
                 <c:pt idx="14">
-                  <c:v>15.0</c:v>
+                  <c:v>15</c:v>
                 </c:pt>
                 <c:pt idx="15">
-                  <c:v>16.0</c:v>
+                  <c:v>16</c:v>
                 </c:pt>
                 <c:pt idx="16">
-                  <c:v>17.0</c:v>
+                  <c:v>17</c:v>
                 </c:pt>
                 <c:pt idx="17">
-                  <c:v>18.0</c:v>
+                  <c:v>18</c:v>
                 </c:pt>
                 <c:pt idx="18">
-                  <c:v>19.0</c:v>
+                  <c:v>19</c:v>
                 </c:pt>
                 <c:pt idx="19">
-                  <c:v>20.0</c:v>
+                  <c:v>20</c:v>
                 </c:pt>
               </c:numCache>
             </c:numRef>
@@ -409,7 +412,7 @@
             </c:numRef>
           </c:val>
           <c:smooth val="0"/>
-          <c:extLst xmlns:c16r2="http://schemas.microsoft.com/office/drawing/2015/06/chart">
+          <c:extLst>
             <c:ext xmlns:c16="http://schemas.microsoft.com/office/drawing/2014/chart" uri="{C3380CC4-5D6E-409C-BE32-E72D297353CC}">
               <c16:uniqueId val="{00000001-0505-4674-88D6-32E912049685}"/>
             </c:ext>
@@ -448,64 +451,64 @@
                 <c:formatCode>General</c:formatCode>
                 <c:ptCount val="20"/>
                 <c:pt idx="0">
-                  <c:v>1.0</c:v>
+                  <c:v>1</c:v>
                 </c:pt>
                 <c:pt idx="1">
-                  <c:v>2.0</c:v>
+                  <c:v>2</c:v>
                 </c:pt>
                 <c:pt idx="2">
-                  <c:v>3.0</c:v>
+                  <c:v>3</c:v>
                 </c:pt>
                 <c:pt idx="3">
-                  <c:v>4.0</c:v>
+                  <c:v>4</c:v>
                 </c:pt>
                 <c:pt idx="4">
-                  <c:v>5.0</c:v>
+                  <c:v>5</c:v>
                 </c:pt>
                 <c:pt idx="5">
-                  <c:v>6.0</c:v>
+                  <c:v>6</c:v>
                 </c:pt>
                 <c:pt idx="6">
-                  <c:v>7.0</c:v>
+                  <c:v>7</c:v>
                 </c:pt>
                 <c:pt idx="7">
-                  <c:v>8.0</c:v>
+                  <c:v>8</c:v>
                 </c:pt>
                 <c:pt idx="8">
-                  <c:v>9.0</c:v>
+                  <c:v>9</c:v>
                 </c:pt>
                 <c:pt idx="9">
-                  <c:v>10.0</c:v>
+                  <c:v>10</c:v>
                 </c:pt>
                 <c:pt idx="10">
-                  <c:v>11.0</c:v>
+                  <c:v>11</c:v>
                 </c:pt>
                 <c:pt idx="11">
-                  <c:v>12.0</c:v>
+                  <c:v>12</c:v>
                 </c:pt>
                 <c:pt idx="12">
-                  <c:v>13.0</c:v>
+                  <c:v>13</c:v>
                 </c:pt>
                 <c:pt idx="13">
-                  <c:v>14.0</c:v>
+                  <c:v>14</c:v>
                 </c:pt>
                 <c:pt idx="14">
-                  <c:v>15.0</c:v>
+                  <c:v>15</c:v>
                 </c:pt>
                 <c:pt idx="15">
-                  <c:v>16.0</c:v>
+                  <c:v>16</c:v>
                 </c:pt>
                 <c:pt idx="16">
-                  <c:v>17.0</c:v>
+                  <c:v>17</c:v>
                 </c:pt>
                 <c:pt idx="17">
-                  <c:v>18.0</c:v>
+                  <c:v>18</c:v>
                 </c:pt>
                 <c:pt idx="18">
-                  <c:v>19.0</c:v>
+                  <c:v>19</c:v>
                 </c:pt>
                 <c:pt idx="19">
-                  <c:v>20.0</c:v>
+                  <c:v>20</c:v>
                 </c:pt>
               </c:numCache>
             </c:numRef>
@@ -544,7 +547,7 @@
             </c:numRef>
           </c:val>
           <c:smooth val="0"/>
-          <c:extLst xmlns:c16r2="http://schemas.microsoft.com/office/drawing/2015/06/chart">
+          <c:extLst>
             <c:ext xmlns:c16="http://schemas.microsoft.com/office/drawing/2014/chart" uri="{C3380CC4-5D6E-409C-BE32-E72D297353CC}">
               <c16:uniqueId val="{00000003-0505-4674-88D6-32E912049685}"/>
             </c:ext>
@@ -611,8 +614,8 @@
         <c:axId val="1332277168"/>
         <c:scaling>
           <c:orientation val="minMax"/>
-          <c:max val="4.0"/>
-          <c:min val="1.0"/>
+          <c:max val="4"/>
+          <c:min val="1"/>
         </c:scaling>
         <c:delete val="1"/>
         <c:axPos val="l"/>
@@ -634,7 +637,6 @@
     </c:plotArea>
     <c:legend>
       <c:legendPos val="b"/>
-      <c:layout/>
       <c:overlay val="0"/>
       <c:spPr>
         <a:noFill/>
@@ -692,7 +694,7 @@
 </file>
 
 <file path=ppt/charts/chart2.xml><?xml version="1.0" encoding="utf-8"?>
-<c:chartSpace xmlns:c="http://schemas.openxmlformats.org/drawingml/2006/chart" xmlns:a="http://schemas.openxmlformats.org/drawingml/2006/main" xmlns:r="http://schemas.openxmlformats.org/officeDocument/2006/relationships">
+<c:chartSpace xmlns:c="http://schemas.openxmlformats.org/drawingml/2006/chart" xmlns:a="http://schemas.openxmlformats.org/drawingml/2006/main" xmlns:r="http://schemas.openxmlformats.org/officeDocument/2006/relationships" xmlns:c16r2="http://schemas.microsoft.com/office/drawing/2015/06/chart">
   <c:date1904 val="0"/>
   <c:lang val="en-US"/>
   <c:roundedCorners val="0"/>
@@ -757,34 +759,34 @@
                 <c:formatCode>General</c:formatCode>
                 <c:ptCount val="10"/>
                 <c:pt idx="0">
-                  <c:v>1.0</c:v>
+                  <c:v>1</c:v>
                 </c:pt>
                 <c:pt idx="1">
-                  <c:v>2.0</c:v>
+                  <c:v>2</c:v>
                 </c:pt>
                 <c:pt idx="2">
-                  <c:v>3.0</c:v>
+                  <c:v>3</c:v>
                 </c:pt>
                 <c:pt idx="3">
-                  <c:v>4.0</c:v>
+                  <c:v>4</c:v>
                 </c:pt>
                 <c:pt idx="4">
-                  <c:v>5.0</c:v>
+                  <c:v>5</c:v>
                 </c:pt>
                 <c:pt idx="5">
-                  <c:v>6.0</c:v>
+                  <c:v>6</c:v>
                 </c:pt>
                 <c:pt idx="6">
-                  <c:v>7.0</c:v>
+                  <c:v>7</c:v>
                 </c:pt>
                 <c:pt idx="7">
-                  <c:v>8.0</c:v>
+                  <c:v>8</c:v>
                 </c:pt>
                 <c:pt idx="8">
-                  <c:v>9.0</c:v>
+                  <c:v>9</c:v>
                 </c:pt>
                 <c:pt idx="9">
-                  <c:v>10.0</c:v>
+                  <c:v>10</c:v>
                 </c:pt>
               </c:numCache>
             </c:numRef>
@@ -796,10 +798,10 @@
                 <c:formatCode>General</c:formatCode>
                 <c:ptCount val="10"/>
                 <c:pt idx="0">
-                  <c:v>2.0</c:v>
+                  <c:v>2</c:v>
                 </c:pt>
                 <c:pt idx="1">
-                  <c:v>4.0</c:v>
+                  <c:v>4</c:v>
                 </c:pt>
                 <c:pt idx="2">
                   <c:v>2.7</c:v>
@@ -817,10 +819,10 @@
                   <c:v>1.3</c:v>
                 </c:pt>
                 <c:pt idx="7">
-                  <c:v>3.0</c:v>
+                  <c:v>3</c:v>
                 </c:pt>
                 <c:pt idx="8">
-                  <c:v>2.0</c:v>
+                  <c:v>2</c:v>
                 </c:pt>
                 <c:pt idx="9">
                   <c:v>1.2</c:v>
@@ -829,7 +831,7 @@
             </c:numRef>
           </c:val>
           <c:smooth val="0"/>
-          <c:extLst xmlns:c16r2="http://schemas.microsoft.com/office/drawing/2015/06/chart">
+          <c:extLst>
             <c:ext xmlns:c16="http://schemas.microsoft.com/office/drawing/2014/chart" uri="{C3380CC4-5D6E-409C-BE32-E72D297353CC}">
               <c16:uniqueId val="{00000000-EAD8-46E6-BD23-9DE1EB8525AE}"/>
             </c:ext>
@@ -897,8 +899,8 @@
         <c:axId val="1333108544"/>
         <c:scaling>
           <c:orientation val="minMax"/>
-          <c:max val="4.0"/>
-          <c:min val="1.0"/>
+          <c:max val="4"/>
+          <c:min val="1"/>
         </c:scaling>
         <c:delete val="1"/>
         <c:axPos val="l"/>
@@ -946,7 +948,7 @@
 </file>
 
 <file path=ppt/charts/chart3.xml><?xml version="1.0" encoding="utf-8"?>
-<c:chartSpace xmlns:c="http://schemas.openxmlformats.org/drawingml/2006/chart" xmlns:a="http://schemas.openxmlformats.org/drawingml/2006/main" xmlns:r="http://schemas.openxmlformats.org/officeDocument/2006/relationships">
+<c:chartSpace xmlns:c="http://schemas.openxmlformats.org/drawingml/2006/chart" xmlns:a="http://schemas.openxmlformats.org/drawingml/2006/main" xmlns:r="http://schemas.openxmlformats.org/officeDocument/2006/relationships" xmlns:c16r2="http://schemas.microsoft.com/office/drawing/2015/06/chart">
   <c:date1904 val="0"/>
   <c:lang val="en-US"/>
   <c:roundedCorners val="0"/>
@@ -998,112 +1000,112 @@
                 <c:formatCode>General</c:formatCode>
                 <c:ptCount val="36"/>
                 <c:pt idx="0">
-                  <c:v>1890.0</c:v>
+                  <c:v>1890</c:v>
                 </c:pt>
                 <c:pt idx="1">
-                  <c:v>1891.0</c:v>
+                  <c:v>1891</c:v>
                 </c:pt>
                 <c:pt idx="2">
-                  <c:v>1892.0</c:v>
+                  <c:v>1892</c:v>
                 </c:pt>
                 <c:pt idx="3">
-                  <c:v>1893.0</c:v>
+                  <c:v>1893</c:v>
                 </c:pt>
                 <c:pt idx="4">
-                  <c:v>1894.0</c:v>
+                  <c:v>1894</c:v>
                 </c:pt>
                 <c:pt idx="5">
-                  <c:v>1895.0</c:v>
+                  <c:v>1895</c:v>
                 </c:pt>
                 <c:pt idx="6">
-                  <c:v>1896.0</c:v>
+                  <c:v>1896</c:v>
                 </c:pt>
                 <c:pt idx="7">
-                  <c:v>1897.0</c:v>
+                  <c:v>1897</c:v>
                 </c:pt>
                 <c:pt idx="8">
-                  <c:v>1898.0</c:v>
+                  <c:v>1898</c:v>
                 </c:pt>
                 <c:pt idx="9">
-                  <c:v>1899.0</c:v>
+                  <c:v>1899</c:v>
                 </c:pt>
                 <c:pt idx="10">
-                  <c:v>1900.0</c:v>
+                  <c:v>1900</c:v>
                 </c:pt>
                 <c:pt idx="11">
-                  <c:v>1901.0</c:v>
+                  <c:v>1901</c:v>
                 </c:pt>
                 <c:pt idx="12">
-                  <c:v>1902.0</c:v>
+                  <c:v>1902</c:v>
                 </c:pt>
                 <c:pt idx="13">
-                  <c:v>1903.0</c:v>
+                  <c:v>1903</c:v>
                 </c:pt>
                 <c:pt idx="14">
-                  <c:v>1904.0</c:v>
+                  <c:v>1904</c:v>
                 </c:pt>
                 <c:pt idx="15">
-                  <c:v>1905.0</c:v>
+                  <c:v>1905</c:v>
                 </c:pt>
                 <c:pt idx="16">
-                  <c:v>1906.0</c:v>
+                  <c:v>1906</c:v>
                 </c:pt>
                 <c:pt idx="17">
-                  <c:v>1907.0</c:v>
+                  <c:v>1907</c:v>
                 </c:pt>
                 <c:pt idx="18">
-                  <c:v>1908.0</c:v>
+                  <c:v>1908</c:v>
                 </c:pt>
                 <c:pt idx="19">
-                  <c:v>1909.0</c:v>
+                  <c:v>1909</c:v>
                 </c:pt>
                 <c:pt idx="20">
-                  <c:v>1910.0</c:v>
+                  <c:v>1910</c:v>
                 </c:pt>
                 <c:pt idx="21">
-                  <c:v>1911.0</c:v>
+                  <c:v>1911</c:v>
                 </c:pt>
                 <c:pt idx="22">
-                  <c:v>1912.0</c:v>
+                  <c:v>1912</c:v>
                 </c:pt>
                 <c:pt idx="23">
-                  <c:v>1913.0</c:v>
+                  <c:v>1913</c:v>
                 </c:pt>
                 <c:pt idx="24">
-                  <c:v>1914.0</c:v>
+                  <c:v>1914</c:v>
                 </c:pt>
                 <c:pt idx="25">
-                  <c:v>1915.0</c:v>
+                  <c:v>1915</c:v>
                 </c:pt>
                 <c:pt idx="26">
-                  <c:v>1916.0</c:v>
+                  <c:v>1916</c:v>
                 </c:pt>
                 <c:pt idx="27">
-                  <c:v>1917.0</c:v>
+                  <c:v>1917</c:v>
                 </c:pt>
                 <c:pt idx="28">
-                  <c:v>1918.0</c:v>
+                  <c:v>1918</c:v>
                 </c:pt>
                 <c:pt idx="29">
-                  <c:v>1919.0</c:v>
+                  <c:v>1919</c:v>
                 </c:pt>
                 <c:pt idx="30">
-                  <c:v>1920.0</c:v>
+                  <c:v>1920</c:v>
                 </c:pt>
                 <c:pt idx="31">
-                  <c:v>1921.0</c:v>
+                  <c:v>1921</c:v>
                 </c:pt>
                 <c:pt idx="32">
-                  <c:v>1922.0</c:v>
+                  <c:v>1922</c:v>
                 </c:pt>
                 <c:pt idx="33">
-                  <c:v>1923.0</c:v>
+                  <c:v>1923</c:v>
                 </c:pt>
                 <c:pt idx="34">
-                  <c:v>1924.0</c:v>
+                  <c:v>1924</c:v>
                 </c:pt>
                 <c:pt idx="35">
-                  <c:v>1925.0</c:v>
+                  <c:v>1925</c:v>
                 </c:pt>
               </c:numCache>
             </c:numRef>
@@ -1115,118 +1117,118 @@
                 <c:formatCode>General</c:formatCode>
                 <c:ptCount val="36"/>
                 <c:pt idx="0">
-                  <c:v>1140.0</c:v>
+                  <c:v>1140</c:v>
                 </c:pt>
                 <c:pt idx="1">
-                  <c:v>1100.0</c:v>
+                  <c:v>1100</c:v>
                 </c:pt>
                 <c:pt idx="2">
-                  <c:v>1210.0</c:v>
+                  <c:v>1210</c:v>
                 </c:pt>
                 <c:pt idx="3">
-                  <c:v>1150.0</c:v>
+                  <c:v>1150</c:v>
                 </c:pt>
                 <c:pt idx="4">
-                  <c:v>1250.0</c:v>
+                  <c:v>1250</c:v>
                 </c:pt>
                 <c:pt idx="5">
-                  <c:v>1260.0</c:v>
+                  <c:v>1260</c:v>
                 </c:pt>
                 <c:pt idx="6">
-                  <c:v>1220.0</c:v>
+                  <c:v>1220</c:v>
                 </c:pt>
                 <c:pt idx="7">
-                  <c:v>1030.0</c:v>
+                  <c:v>1030</c:v>
                 </c:pt>
                 <c:pt idx="8">
-                  <c:v>1100.0</c:v>
+                  <c:v>1100</c:v>
                 </c:pt>
                 <c:pt idx="9">
-                  <c:v>774.0</c:v>
+                  <c:v>774</c:v>
                 </c:pt>
                 <c:pt idx="10">
-                  <c:v>840.0</c:v>
+                  <c:v>840</c:v>
                 </c:pt>
                 <c:pt idx="11">
-                  <c:v>874.0</c:v>
+                  <c:v>874</c:v>
                 </c:pt>
                 <c:pt idx="12">
-                  <c:v>694.0</c:v>
+                  <c:v>694</c:v>
                 </c:pt>
                 <c:pt idx="13">
-                  <c:v>700.0</c:v>
+                  <c:v>700</c:v>
                 </c:pt>
                 <c:pt idx="14">
-                  <c:v>833.0</c:v>
+                  <c:v>833</c:v>
                 </c:pt>
                 <c:pt idx="15">
-                  <c:v>701.0</c:v>
+                  <c:v>701</c:v>
                 </c:pt>
                 <c:pt idx="16">
-                  <c:v>800.0</c:v>
+                  <c:v>800</c:v>
                 </c:pt>
                 <c:pt idx="17">
-                  <c:v>850.0</c:v>
+                  <c:v>850</c:v>
                 </c:pt>
                 <c:pt idx="18">
-                  <c:v>1020.0</c:v>
+                  <c:v>1020</c:v>
                 </c:pt>
                 <c:pt idx="19">
-                  <c:v>1050.0</c:v>
+                  <c:v>1050</c:v>
                 </c:pt>
                 <c:pt idx="20">
-                  <c:v>969.0</c:v>
+                  <c:v>969</c:v>
                 </c:pt>
                 <c:pt idx="21">
-                  <c:v>831.0</c:v>
+                  <c:v>831</c:v>
                 </c:pt>
                 <c:pt idx="22">
-                  <c:v>726.0</c:v>
+                  <c:v>726</c:v>
                 </c:pt>
                 <c:pt idx="23">
-                  <c:v>650.0</c:v>
+                  <c:v>650</c:v>
                 </c:pt>
                 <c:pt idx="24">
-                  <c:v>500.0</c:v>
+                  <c:v>500</c:v>
                 </c:pt>
                 <c:pt idx="25">
-                  <c:v>520.0</c:v>
+                  <c:v>520</c:v>
                 </c:pt>
                 <c:pt idx="26">
-                  <c:v>480.0</c:v>
+                  <c:v>480</c:v>
                 </c:pt>
                 <c:pt idx="27">
-                  <c:v>560.0</c:v>
+                  <c:v>560</c:v>
                 </c:pt>
                 <c:pt idx="28">
-                  <c:v>832.0</c:v>
+                  <c:v>832</c:v>
                 </c:pt>
                 <c:pt idx="29">
-                  <c:v>764.0</c:v>
+                  <c:v>764</c:v>
                 </c:pt>
                 <c:pt idx="30">
-                  <c:v>800.0</c:v>
+                  <c:v>800</c:v>
                 </c:pt>
                 <c:pt idx="31">
-                  <c:v>850.0</c:v>
+                  <c:v>850</c:v>
                 </c:pt>
                 <c:pt idx="32">
-                  <c:v>845.0</c:v>
+                  <c:v>845</c:v>
                 </c:pt>
                 <c:pt idx="33">
-                  <c:v>950.0</c:v>
+                  <c:v>950</c:v>
                 </c:pt>
                 <c:pt idx="34">
-                  <c:v>862.0</c:v>
+                  <c:v>862</c:v>
                 </c:pt>
                 <c:pt idx="35">
-                  <c:v>698.0</c:v>
+                  <c:v>698</c:v>
                 </c:pt>
               </c:numCache>
             </c:numRef>
           </c:val>
           <c:smooth val="0"/>
-          <c:extLst xmlns:c16r2="http://schemas.microsoft.com/office/drawing/2015/06/chart">
+          <c:extLst>
             <c:ext xmlns:c16="http://schemas.microsoft.com/office/drawing/2014/chart" uri="{C3380CC4-5D6E-409C-BE32-E72D297353CC}">
               <c16:uniqueId val="{00000000-1D80-4542-8972-0DC6CB6CD929}"/>
             </c:ext>
@@ -1387,7 +1389,7 @@
 </file>
 
 <file path=ppt/charts/chart4.xml><?xml version="1.0" encoding="utf-8"?>
-<c:chartSpace xmlns:c="http://schemas.openxmlformats.org/drawingml/2006/chart" xmlns:a="http://schemas.openxmlformats.org/drawingml/2006/main" xmlns:r="http://schemas.openxmlformats.org/officeDocument/2006/relationships">
+<c:chartSpace xmlns:c="http://schemas.openxmlformats.org/drawingml/2006/chart" xmlns:a="http://schemas.openxmlformats.org/drawingml/2006/main" xmlns:r="http://schemas.openxmlformats.org/officeDocument/2006/relationships" xmlns:c16r2="http://schemas.microsoft.com/office/drawing/2015/06/chart">
   <c:date1904 val="0"/>
   <c:lang val="en-US"/>
   <c:roundedCorners val="0"/>
@@ -1439,112 +1441,112 @@
                 <c:formatCode>General</c:formatCode>
                 <c:ptCount val="36"/>
                 <c:pt idx="0">
-                  <c:v>1890.0</c:v>
+                  <c:v>1890</c:v>
                 </c:pt>
                 <c:pt idx="1">
-                  <c:v>1891.0</c:v>
+                  <c:v>1891</c:v>
                 </c:pt>
                 <c:pt idx="2">
-                  <c:v>1892.0</c:v>
+                  <c:v>1892</c:v>
                 </c:pt>
                 <c:pt idx="3">
-                  <c:v>1893.0</c:v>
+                  <c:v>1893</c:v>
                 </c:pt>
                 <c:pt idx="4">
-                  <c:v>1894.0</c:v>
+                  <c:v>1894</c:v>
                 </c:pt>
                 <c:pt idx="5">
-                  <c:v>1895.0</c:v>
+                  <c:v>1895</c:v>
                 </c:pt>
                 <c:pt idx="6">
-                  <c:v>1896.0</c:v>
+                  <c:v>1896</c:v>
                 </c:pt>
                 <c:pt idx="7">
-                  <c:v>1897.0</c:v>
+                  <c:v>1897</c:v>
                 </c:pt>
                 <c:pt idx="8">
-                  <c:v>1898.0</c:v>
+                  <c:v>1898</c:v>
                 </c:pt>
                 <c:pt idx="9">
-                  <c:v>1899.0</c:v>
+                  <c:v>1899</c:v>
                 </c:pt>
                 <c:pt idx="10">
-                  <c:v>1900.0</c:v>
+                  <c:v>1900</c:v>
                 </c:pt>
                 <c:pt idx="11">
-                  <c:v>1901.0</c:v>
+                  <c:v>1901</c:v>
                 </c:pt>
                 <c:pt idx="12">
-                  <c:v>1902.0</c:v>
+                  <c:v>1902</c:v>
                 </c:pt>
                 <c:pt idx="13">
-                  <c:v>1903.0</c:v>
+                  <c:v>1903</c:v>
                 </c:pt>
                 <c:pt idx="14">
-                  <c:v>1904.0</c:v>
+                  <c:v>1904</c:v>
                 </c:pt>
                 <c:pt idx="15">
-                  <c:v>1905.0</c:v>
+                  <c:v>1905</c:v>
                 </c:pt>
                 <c:pt idx="16">
-                  <c:v>1906.0</c:v>
+                  <c:v>1906</c:v>
                 </c:pt>
                 <c:pt idx="17">
-                  <c:v>1907.0</c:v>
+                  <c:v>1907</c:v>
                 </c:pt>
                 <c:pt idx="18">
-                  <c:v>1908.0</c:v>
+                  <c:v>1908</c:v>
                 </c:pt>
                 <c:pt idx="19">
-                  <c:v>1909.0</c:v>
+                  <c:v>1909</c:v>
                 </c:pt>
                 <c:pt idx="20">
-                  <c:v>1910.0</c:v>
+                  <c:v>1910</c:v>
                 </c:pt>
                 <c:pt idx="21">
-                  <c:v>1911.0</c:v>
+                  <c:v>1911</c:v>
                 </c:pt>
                 <c:pt idx="22">
-                  <c:v>1912.0</c:v>
+                  <c:v>1912</c:v>
                 </c:pt>
                 <c:pt idx="23">
-                  <c:v>1913.0</c:v>
+                  <c:v>1913</c:v>
                 </c:pt>
                 <c:pt idx="24">
-                  <c:v>1914.0</c:v>
+                  <c:v>1914</c:v>
                 </c:pt>
                 <c:pt idx="25">
-                  <c:v>1915.0</c:v>
+                  <c:v>1915</c:v>
                 </c:pt>
                 <c:pt idx="26">
-                  <c:v>1916.0</c:v>
+                  <c:v>1916</c:v>
                 </c:pt>
                 <c:pt idx="27">
-                  <c:v>1917.0</c:v>
+                  <c:v>1917</c:v>
                 </c:pt>
                 <c:pt idx="28">
-                  <c:v>1918.0</c:v>
+                  <c:v>1918</c:v>
                 </c:pt>
                 <c:pt idx="29">
-                  <c:v>1919.0</c:v>
+                  <c:v>1919</c:v>
                 </c:pt>
                 <c:pt idx="30">
-                  <c:v>1920.0</c:v>
+                  <c:v>1920</c:v>
                 </c:pt>
                 <c:pt idx="31">
-                  <c:v>1921.0</c:v>
+                  <c:v>1921</c:v>
                 </c:pt>
                 <c:pt idx="32">
-                  <c:v>1922.0</c:v>
+                  <c:v>1922</c:v>
                 </c:pt>
                 <c:pt idx="33">
-                  <c:v>1923.0</c:v>
+                  <c:v>1923</c:v>
                 </c:pt>
                 <c:pt idx="34">
-                  <c:v>1924.0</c:v>
+                  <c:v>1924</c:v>
                 </c:pt>
                 <c:pt idx="35">
-                  <c:v>1925.0</c:v>
+                  <c:v>1925</c:v>
                 </c:pt>
               </c:numCache>
             </c:numRef>
@@ -1556,69 +1558,74 @@
                 <c:formatCode>General</c:formatCode>
                 <c:ptCount val="36"/>
                 <c:pt idx="0">
-                  <c:v>3.0</c:v>
+                  <c:v>3</c:v>
                 </c:pt>
                 <c:pt idx="1">
-                  <c:v>3.0</c:v>
+                  <c:v>3</c:v>
                 </c:pt>
                 <c:pt idx="2">
-                  <c:v>3.0</c:v>
+                  <c:v>3</c:v>
                 </c:pt>
                 <c:pt idx="3">
-                  <c:v>3.0</c:v>
+                  <c:v>3</c:v>
                 </c:pt>
                 <c:pt idx="4">
-                  <c:v>3.0</c:v>
+                  <c:v>3</c:v>
                 </c:pt>
                 <c:pt idx="5">
-                  <c:v>3.0</c:v>
+                  <c:v>3</c:v>
                 </c:pt>
                 <c:pt idx="14">
-                  <c:v>3.0</c:v>
+                  <c:v>3</c:v>
                 </c:pt>
                 <c:pt idx="15">
-                  <c:v>3.0</c:v>
+                  <c:v>3</c:v>
                 </c:pt>
                 <c:pt idx="16">
-                  <c:v>3.0</c:v>
+                  <c:v>3</c:v>
                 </c:pt>
                 <c:pt idx="17">
-                  <c:v>3.0</c:v>
+                  <c:v>3</c:v>
                 </c:pt>
                 <c:pt idx="18">
-                  <c:v>3.0</c:v>
+                  <c:v>3</c:v>
                 </c:pt>
                 <c:pt idx="19">
-                  <c:v>3.0</c:v>
+                  <c:v>3</c:v>
                 </c:pt>
                 <c:pt idx="26">
-                  <c:v>3.0</c:v>
+                  <c:v>3</c:v>
                 </c:pt>
                 <c:pt idx="27">
-                  <c:v>3.0</c:v>
+                  <c:v>3</c:v>
                 </c:pt>
                 <c:pt idx="28">
-                  <c:v>3.0</c:v>
+                  <c:v>3</c:v>
                 </c:pt>
                 <c:pt idx="29">
-                  <c:v>3.0</c:v>
+                  <c:v>3</c:v>
                 </c:pt>
                 <c:pt idx="30">
-                  <c:v>3.0</c:v>
+                  <c:v>3</c:v>
                 </c:pt>
                 <c:pt idx="31">
-                  <c:v>3.0</c:v>
+                  <c:v>3</c:v>
                 </c:pt>
                 <c:pt idx="32">
-                  <c:v>3.0</c:v>
+                  <c:v>3</c:v>
                 </c:pt>
                 <c:pt idx="33">
-                  <c:v>3.0</c:v>
+                  <c:v>3</c:v>
                 </c:pt>
               </c:numCache>
             </c:numRef>
           </c:val>
           <c:smooth val="0"/>
+          <c:extLst>
+            <c:ext xmlns:c16="http://schemas.microsoft.com/office/drawing/2014/chart" uri="{C3380CC4-5D6E-409C-BE32-E72D297353CC}">
+              <c16:uniqueId val="{00000000-C7EF-4ED0-9E61-565D8135B050}"/>
+            </c:ext>
+          </c:extLst>
         </c:ser>
         <c:ser>
           <c:idx val="1"/>
@@ -1653,112 +1660,112 @@
                 <c:formatCode>General</c:formatCode>
                 <c:ptCount val="36"/>
                 <c:pt idx="0">
-                  <c:v>1890.0</c:v>
+                  <c:v>1890</c:v>
                 </c:pt>
                 <c:pt idx="1">
-                  <c:v>1891.0</c:v>
+                  <c:v>1891</c:v>
                 </c:pt>
                 <c:pt idx="2">
-                  <c:v>1892.0</c:v>
+                  <c:v>1892</c:v>
                 </c:pt>
                 <c:pt idx="3">
-                  <c:v>1893.0</c:v>
+                  <c:v>1893</c:v>
                 </c:pt>
                 <c:pt idx="4">
-                  <c:v>1894.0</c:v>
+                  <c:v>1894</c:v>
                 </c:pt>
                 <c:pt idx="5">
-                  <c:v>1895.0</c:v>
+                  <c:v>1895</c:v>
                 </c:pt>
                 <c:pt idx="6">
-                  <c:v>1896.0</c:v>
+                  <c:v>1896</c:v>
                 </c:pt>
                 <c:pt idx="7">
-                  <c:v>1897.0</c:v>
+                  <c:v>1897</c:v>
                 </c:pt>
                 <c:pt idx="8">
-                  <c:v>1898.0</c:v>
+                  <c:v>1898</c:v>
                 </c:pt>
                 <c:pt idx="9">
-                  <c:v>1899.0</c:v>
+                  <c:v>1899</c:v>
                 </c:pt>
                 <c:pt idx="10">
-                  <c:v>1900.0</c:v>
+                  <c:v>1900</c:v>
                 </c:pt>
                 <c:pt idx="11">
-                  <c:v>1901.0</c:v>
+                  <c:v>1901</c:v>
                 </c:pt>
                 <c:pt idx="12">
-                  <c:v>1902.0</c:v>
+                  <c:v>1902</c:v>
                 </c:pt>
                 <c:pt idx="13">
-                  <c:v>1903.0</c:v>
+                  <c:v>1903</c:v>
                 </c:pt>
                 <c:pt idx="14">
-                  <c:v>1904.0</c:v>
+                  <c:v>1904</c:v>
                 </c:pt>
                 <c:pt idx="15">
-                  <c:v>1905.0</c:v>
+                  <c:v>1905</c:v>
                 </c:pt>
                 <c:pt idx="16">
-                  <c:v>1906.0</c:v>
+                  <c:v>1906</c:v>
                 </c:pt>
                 <c:pt idx="17">
-                  <c:v>1907.0</c:v>
+                  <c:v>1907</c:v>
                 </c:pt>
                 <c:pt idx="18">
-                  <c:v>1908.0</c:v>
+                  <c:v>1908</c:v>
                 </c:pt>
                 <c:pt idx="19">
-                  <c:v>1909.0</c:v>
+                  <c:v>1909</c:v>
                 </c:pt>
                 <c:pt idx="20">
-                  <c:v>1910.0</c:v>
+                  <c:v>1910</c:v>
                 </c:pt>
                 <c:pt idx="21">
-                  <c:v>1911.0</c:v>
+                  <c:v>1911</c:v>
                 </c:pt>
                 <c:pt idx="22">
-                  <c:v>1912.0</c:v>
+                  <c:v>1912</c:v>
                 </c:pt>
                 <c:pt idx="23">
-                  <c:v>1913.0</c:v>
+                  <c:v>1913</c:v>
                 </c:pt>
                 <c:pt idx="24">
-                  <c:v>1914.0</c:v>
+                  <c:v>1914</c:v>
                 </c:pt>
                 <c:pt idx="25">
-                  <c:v>1915.0</c:v>
+                  <c:v>1915</c:v>
                 </c:pt>
                 <c:pt idx="26">
-                  <c:v>1916.0</c:v>
+                  <c:v>1916</c:v>
                 </c:pt>
                 <c:pt idx="27">
-                  <c:v>1917.0</c:v>
+                  <c:v>1917</c:v>
                 </c:pt>
                 <c:pt idx="28">
-                  <c:v>1918.0</c:v>
+                  <c:v>1918</c:v>
                 </c:pt>
                 <c:pt idx="29">
-                  <c:v>1919.0</c:v>
+                  <c:v>1919</c:v>
                 </c:pt>
                 <c:pt idx="30">
-                  <c:v>1920.0</c:v>
+                  <c:v>1920</c:v>
                 </c:pt>
                 <c:pt idx="31">
-                  <c:v>1921.0</c:v>
+                  <c:v>1921</c:v>
                 </c:pt>
                 <c:pt idx="32">
-                  <c:v>1922.0</c:v>
+                  <c:v>1922</c:v>
                 </c:pt>
                 <c:pt idx="33">
-                  <c:v>1923.0</c:v>
+                  <c:v>1923</c:v>
                 </c:pt>
                 <c:pt idx="34">
-                  <c:v>1924.0</c:v>
+                  <c:v>1924</c:v>
                 </c:pt>
                 <c:pt idx="35">
-                  <c:v>1925.0</c:v>
+                  <c:v>1925</c:v>
                 </c:pt>
               </c:numCache>
             </c:numRef>
@@ -1770,72 +1777,77 @@
                 <c:formatCode>General</c:formatCode>
                 <c:ptCount val="36"/>
                 <c:pt idx="5">
-                  <c:v>1.0</c:v>
+                  <c:v>1</c:v>
                 </c:pt>
                 <c:pt idx="6">
-                  <c:v>1.0</c:v>
+                  <c:v>1</c:v>
                 </c:pt>
                 <c:pt idx="7">
-                  <c:v>1.0</c:v>
+                  <c:v>1</c:v>
                 </c:pt>
                 <c:pt idx="8">
-                  <c:v>1.0</c:v>
+                  <c:v>1</c:v>
                 </c:pt>
                 <c:pt idx="9">
-                  <c:v>1.0</c:v>
+                  <c:v>1</c:v>
                 </c:pt>
                 <c:pt idx="10">
-                  <c:v>1.0</c:v>
+                  <c:v>1</c:v>
                 </c:pt>
                 <c:pt idx="11">
-                  <c:v>1.0</c:v>
+                  <c:v>1</c:v>
                 </c:pt>
                 <c:pt idx="12">
-                  <c:v>1.0</c:v>
+                  <c:v>1</c:v>
                 </c:pt>
                 <c:pt idx="13">
-                  <c:v>1.0</c:v>
+                  <c:v>1</c:v>
                 </c:pt>
                 <c:pt idx="14">
-                  <c:v>1.0</c:v>
+                  <c:v>1</c:v>
                 </c:pt>
                 <c:pt idx="19">
-                  <c:v>1.0</c:v>
+                  <c:v>1</c:v>
                 </c:pt>
                 <c:pt idx="20">
-                  <c:v>1.0</c:v>
+                  <c:v>1</c:v>
                 </c:pt>
                 <c:pt idx="21">
-                  <c:v>1.0</c:v>
+                  <c:v>1</c:v>
                 </c:pt>
                 <c:pt idx="22">
-                  <c:v>1.0</c:v>
+                  <c:v>1</c:v>
                 </c:pt>
                 <c:pt idx="23">
-                  <c:v>1.0</c:v>
+                  <c:v>1</c:v>
                 </c:pt>
                 <c:pt idx="24">
-                  <c:v>1.0</c:v>
+                  <c:v>1</c:v>
                 </c:pt>
                 <c:pt idx="25">
-                  <c:v>1.0</c:v>
+                  <c:v>1</c:v>
                 </c:pt>
                 <c:pt idx="26">
-                  <c:v>1.0</c:v>
+                  <c:v>1</c:v>
                 </c:pt>
                 <c:pt idx="33">
-                  <c:v>1.0</c:v>
+                  <c:v>1</c:v>
                 </c:pt>
                 <c:pt idx="34">
-                  <c:v>1.0</c:v>
+                  <c:v>1</c:v>
                 </c:pt>
                 <c:pt idx="35">
-                  <c:v>1.0</c:v>
+                  <c:v>1</c:v>
                 </c:pt>
               </c:numCache>
             </c:numRef>
           </c:val>
           <c:smooth val="0"/>
+          <c:extLst>
+            <c:ext xmlns:c16="http://schemas.microsoft.com/office/drawing/2014/chart" uri="{C3380CC4-5D6E-409C-BE32-E72D297353CC}">
+              <c16:uniqueId val="{00000001-C7EF-4ED0-9E61-565D8135B050}"/>
+            </c:ext>
+          </c:extLst>
         </c:ser>
         <c:dLbls>
           <c:showLegendKey val="0"/>
@@ -1926,6 +1938,7 @@
             <a:effectLst/>
           </c:spPr>
         </c:majorGridlines>
+        <c:numFmt formatCode="General" sourceLinked="1"/>
         <c:majorTickMark val="out"/>
         <c:minorTickMark val="none"/>
         <c:tickLblPos val="nextTo"/>
@@ -4326,7 +4339,7 @@
           <a:p>
             <a:fld id="{7AB7A67C-34C4-4220-9C1B-5040709E815C}" type="datetimeFigureOut">
               <a:rPr lang="en-US" smtClean="0"/>
-              <a:t>5/4/17</a:t>
+              <a:t>2017-05-05</a:t>
             </a:fld>
             <a:endParaRPr lang="en-US"/>
           </a:p>
@@ -4494,7 +4507,7 @@
           <a:p>
             <a:fld id="{7AB7A67C-34C4-4220-9C1B-5040709E815C}" type="datetimeFigureOut">
               <a:rPr lang="en-US" smtClean="0"/>
-              <a:t>5/4/17</a:t>
+              <a:t>2017-05-05</a:t>
             </a:fld>
             <a:endParaRPr lang="en-US"/>
           </a:p>
@@ -4672,7 +4685,7 @@
           <a:p>
             <a:fld id="{7AB7A67C-34C4-4220-9C1B-5040709E815C}" type="datetimeFigureOut">
               <a:rPr lang="en-US" smtClean="0"/>
-              <a:t>5/4/17</a:t>
+              <a:t>2017-05-05</a:t>
             </a:fld>
             <a:endParaRPr lang="en-US"/>
           </a:p>
@@ -4840,7 +4853,7 @@
           <a:p>
             <a:fld id="{7AB7A67C-34C4-4220-9C1B-5040709E815C}" type="datetimeFigureOut">
               <a:rPr lang="en-US" smtClean="0"/>
-              <a:t>5/4/17</a:t>
+              <a:t>2017-05-05</a:t>
             </a:fld>
             <a:endParaRPr lang="en-US"/>
           </a:p>
@@ -5085,7 +5098,7 @@
           <a:p>
             <a:fld id="{7AB7A67C-34C4-4220-9C1B-5040709E815C}" type="datetimeFigureOut">
               <a:rPr lang="en-US" smtClean="0"/>
-              <a:t>5/4/17</a:t>
+              <a:t>2017-05-05</a:t>
             </a:fld>
             <a:endParaRPr lang="en-US"/>
           </a:p>
@@ -5314,7 +5327,7 @@
           <a:p>
             <a:fld id="{7AB7A67C-34C4-4220-9C1B-5040709E815C}" type="datetimeFigureOut">
               <a:rPr lang="en-US" smtClean="0"/>
-              <a:t>5/4/17</a:t>
+              <a:t>2017-05-05</a:t>
             </a:fld>
             <a:endParaRPr lang="en-US"/>
           </a:p>
@@ -5678,7 +5691,7 @@
           <a:p>
             <a:fld id="{7AB7A67C-34C4-4220-9C1B-5040709E815C}" type="datetimeFigureOut">
               <a:rPr lang="en-US" smtClean="0"/>
-              <a:t>5/4/17</a:t>
+              <a:t>2017-05-05</a:t>
             </a:fld>
             <a:endParaRPr lang="en-US"/>
           </a:p>
@@ -5795,7 +5808,7 @@
           <a:p>
             <a:fld id="{7AB7A67C-34C4-4220-9C1B-5040709E815C}" type="datetimeFigureOut">
               <a:rPr lang="en-US" smtClean="0"/>
-              <a:t>5/4/17</a:t>
+              <a:t>2017-05-05</a:t>
             </a:fld>
             <a:endParaRPr lang="en-US"/>
           </a:p>
@@ -5890,7 +5903,7 @@
           <a:p>
             <a:fld id="{7AB7A67C-34C4-4220-9C1B-5040709E815C}" type="datetimeFigureOut">
               <a:rPr lang="en-US" smtClean="0"/>
-              <a:t>5/4/17</a:t>
+              <a:t>2017-05-05</a:t>
             </a:fld>
             <a:endParaRPr lang="en-US"/>
           </a:p>
@@ -6165,7 +6178,7 @@
           <a:p>
             <a:fld id="{7AB7A67C-34C4-4220-9C1B-5040709E815C}" type="datetimeFigureOut">
               <a:rPr lang="en-US" smtClean="0"/>
-              <a:t>5/4/17</a:t>
+              <a:t>2017-05-05</a:t>
             </a:fld>
             <a:endParaRPr lang="en-US"/>
           </a:p>
@@ -6417,7 +6430,7 @@
           <a:p>
             <a:fld id="{7AB7A67C-34C4-4220-9C1B-5040709E815C}" type="datetimeFigureOut">
               <a:rPr lang="en-US" smtClean="0"/>
-              <a:t>5/4/17</a:t>
+              <a:t>2017-05-05</a:t>
             </a:fld>
             <a:endParaRPr lang="en-US"/>
           </a:p>
@@ -6628,7 +6641,7 @@
           <a:p>
             <a:fld id="{7AB7A67C-34C4-4220-9C1B-5040709E815C}" type="datetimeFigureOut">
               <a:rPr lang="en-US" smtClean="0"/>
-              <a:t>5/4/17</a:t>
+              <a:t>2017-05-05</a:t>
             </a:fld>
             <a:endParaRPr lang="en-US"/>
           </a:p>
@@ -7217,8 +7230,8 @@
           </a:graphicData>
         </a:graphic>
       </p:graphicFrame>
-      <mc:AlternateContent xmlns:mc="http://schemas.openxmlformats.org/markup-compatibility/2006">
-        <mc:Choice xmlns:a14="http://schemas.microsoft.com/office/drawing/2010/main" Requires="a14">
+      <mc:AlternateContent xmlns:mc="http://schemas.openxmlformats.org/markup-compatibility/2006" xmlns:a14="http://schemas.microsoft.com/office/drawing/2010/main">
+        <mc:Choice Requires="a14">
           <p:sp>
             <p:nvSpPr>
               <p:cNvPr id="2" name="TextBox 1"/>
@@ -7242,7 +7255,7 @@
               <a:lstStyle/>
               <a:p>
                 <a:r>
-                  <a:rPr lang="en-US" dirty="0" smtClean="0"/>
+                  <a:rPr lang="en-US" dirty="0"/>
                   <a:t>Upward trends </a:t>
                 </a:r>
                 <a14:m>
@@ -7257,7 +7270,7 @@
                       <m:sSubPr>
                         <m:ctrlPr>
                           <a:rPr lang="en-US" i="1" smtClean="0">
-                            <a:latin typeface="Cambria Math" charset="0"/>
+                            <a:latin typeface="Cambria Math" panose="02040503050406030204" pitchFamily="18" charset="0"/>
                           </a:rPr>
                         </m:ctrlPr>
                       </m:sSubPr>
@@ -7291,7 +7304,7 @@
             </p:txBody>
           </p:sp>
         </mc:Choice>
-        <mc:Fallback>
+        <mc:Fallback xmlns="">
           <p:sp>
             <p:nvSpPr>
               <p:cNvPr id="2" name="TextBox 1"/>
@@ -7330,8 +7343,8 @@
           </p:sp>
         </mc:Fallback>
       </mc:AlternateContent>
-      <mc:AlternateContent xmlns:mc="http://schemas.openxmlformats.org/markup-compatibility/2006">
-        <mc:Choice xmlns:a14="http://schemas.microsoft.com/office/drawing/2010/main" Requires="a14">
+      <mc:AlternateContent xmlns:mc="http://schemas.openxmlformats.org/markup-compatibility/2006" xmlns:a14="http://schemas.microsoft.com/office/drawing/2010/main">
+        <mc:Choice Requires="a14">
           <p:sp>
             <p:nvSpPr>
               <p:cNvPr id="4" name="TextBox 3"/>
@@ -7355,7 +7368,7 @@
               <a:lstStyle/>
               <a:p>
                 <a:r>
-                  <a:rPr lang="en-US" dirty="0" smtClean="0"/>
+                  <a:rPr lang="en-US" dirty="0"/>
                   <a:t>Downward trends </a:t>
                 </a:r>
                 <a14:m>
@@ -7370,7 +7383,7 @@
                       <m:sSubPr>
                         <m:ctrlPr>
                           <a:rPr lang="en-US" i="1" smtClean="0">
-                            <a:latin typeface="Cambria Math" charset="0"/>
+                            <a:latin typeface="Cambria Math" panose="02040503050406030204" pitchFamily="18" charset="0"/>
                           </a:rPr>
                         </m:ctrlPr>
                       </m:sSubPr>
@@ -7404,7 +7417,7 @@
             </p:txBody>
           </p:sp>
         </mc:Choice>
-        <mc:Fallback>
+        <mc:Fallback xmlns="">
           <p:sp>
             <p:nvSpPr>
               <p:cNvPr id="4" name="TextBox 3"/>
@@ -7465,8 +7478,8 @@
           </a:graphicData>
         </a:graphic>
       </p:graphicFrame>
-      <mc:AlternateContent xmlns:mc="http://schemas.openxmlformats.org/markup-compatibility/2006">
-        <mc:Choice xmlns:a14="http://schemas.microsoft.com/office/drawing/2010/main" Requires="a14">
+      <mc:AlternateContent xmlns:mc="http://schemas.openxmlformats.org/markup-compatibility/2006" xmlns:a14="http://schemas.microsoft.com/office/drawing/2010/main">
+        <mc:Choice Requires="a14">
           <p:sp>
             <p:nvSpPr>
               <p:cNvPr id="7" name="TextBox 6"/>
@@ -7489,6 +7502,7 @@
               </a:bodyPr>
               <a:lstStyle/>
               <a:p>
+                <a:pPr/>
                 <a14:m>
                   <m:oMathPara xmlns:m="http://schemas.openxmlformats.org/officeDocument/2006/math">
                     <m:oMathParaPr>
@@ -7505,7 +7519,7 @@
                                   <a:lumOff val="35000"/>
                                 </a:schemeClr>
                               </a:solidFill>
-                              <a:latin typeface="Cambria Math" charset="0"/>
+                              <a:latin typeface="Cambria Math" panose="02040503050406030204" pitchFamily="18" charset="0"/>
                             </a:rPr>
                           </m:ctrlPr>
                         </m:sSubPr>
@@ -7553,7 +7567,7 @@
             </p:txBody>
           </p:sp>
         </mc:Choice>
-        <mc:Fallback>
+        <mc:Fallback xmlns="">
           <p:sp>
             <p:nvSpPr>
               <p:cNvPr id="7" name="TextBox 6"/>
@@ -7592,8 +7606,8 @@
           </p:sp>
         </mc:Fallback>
       </mc:AlternateContent>
-      <mc:AlternateContent xmlns:mc="http://schemas.openxmlformats.org/markup-compatibility/2006">
-        <mc:Choice xmlns:a14="http://schemas.microsoft.com/office/drawing/2010/main" Requires="a14">
+      <mc:AlternateContent xmlns:mc="http://schemas.openxmlformats.org/markup-compatibility/2006" xmlns:a14="http://schemas.microsoft.com/office/drawing/2010/main">
+        <mc:Choice Requires="a14">
           <p:sp>
             <p:nvSpPr>
               <p:cNvPr id="9" name="TextBox 8"/>
@@ -7616,6 +7630,7 @@
               </a:bodyPr>
               <a:lstStyle/>
               <a:p>
+                <a:pPr/>
                 <a14:m>
                   <m:oMathPara xmlns:m="http://schemas.openxmlformats.org/officeDocument/2006/math">
                     <m:oMathParaPr>
@@ -7632,7 +7647,7 @@
                                   <a:lumOff val="35000"/>
                                 </a:schemeClr>
                               </a:solidFill>
-                              <a:latin typeface="Cambria Math" charset="0"/>
+                              <a:latin typeface="Cambria Math" panose="02040503050406030204" pitchFamily="18" charset="0"/>
                             </a:rPr>
                           </m:ctrlPr>
                         </m:sSubPr>
@@ -7680,7 +7695,7 @@
             </p:txBody>
           </p:sp>
         </mc:Choice>
-        <mc:Fallback>
+        <mc:Fallback xmlns="">
           <p:sp>
             <p:nvSpPr>
               <p:cNvPr id="9" name="TextBox 8"/>
@@ -7885,8 +7900,8 @@
           <a:chExt cx="0" cy="0"/>
         </a:xfrm>
       </p:grpSpPr>
-      <mc:AlternateContent xmlns:mc="http://schemas.openxmlformats.org/markup-compatibility/2006">
-        <mc:Choice xmlns:a14="http://schemas.microsoft.com/office/drawing/2010/main" Requires="a14">
+      <mc:AlternateContent xmlns:mc="http://schemas.openxmlformats.org/markup-compatibility/2006" xmlns:a14="http://schemas.microsoft.com/office/drawing/2010/main">
+        <mc:Choice Requires="a14">
           <p:sp>
             <p:nvSpPr>
               <p:cNvPr id="3" name="Oval 2"/>
@@ -7935,7 +7950,7 @@
                               <a:solidFill>
                                 <a:schemeClr val="tx1"/>
                               </a:solidFill>
-                              <a:latin typeface="Cambria Math" charset="0"/>
+                              <a:latin typeface="Cambria Math" panose="02040503050406030204" pitchFamily="18" charset="0"/>
                             </a:rPr>
                           </m:ctrlPr>
                         </m:sSubPr>
@@ -7974,7 +7989,7 @@
             </p:txBody>
           </p:sp>
         </mc:Choice>
-        <mc:Fallback>
+        <mc:Fallback xmlns="">
           <p:sp>
             <p:nvSpPr>
               <p:cNvPr id="3" name="Oval 2"/>
@@ -8014,8 +8029,8 @@
           </p:sp>
         </mc:Fallback>
       </mc:AlternateContent>
-      <mc:AlternateContent xmlns:mc="http://schemas.openxmlformats.org/markup-compatibility/2006">
-        <mc:Choice xmlns:a14="http://schemas.microsoft.com/office/drawing/2010/main" Requires="a14">
+      <mc:AlternateContent xmlns:mc="http://schemas.openxmlformats.org/markup-compatibility/2006" xmlns:a14="http://schemas.microsoft.com/office/drawing/2010/main">
+        <mc:Choice Requires="a14">
           <p:sp>
             <p:nvSpPr>
               <p:cNvPr id="4" name="Oval 3"/>
@@ -8064,7 +8079,7 @@
                               <a:solidFill>
                                 <a:schemeClr val="tx1"/>
                               </a:solidFill>
-                              <a:latin typeface="Cambria Math" charset="0"/>
+                              <a:latin typeface="Cambria Math" panose="02040503050406030204" pitchFamily="18" charset="0"/>
                             </a:rPr>
                           </m:ctrlPr>
                         </m:sSubPr>
@@ -8103,7 +8118,7 @@
             </p:txBody>
           </p:sp>
         </mc:Choice>
-        <mc:Fallback>
+        <mc:Fallback xmlns="">
           <p:sp>
             <p:nvSpPr>
               <p:cNvPr id="4" name="Oval 3"/>
@@ -8299,8 +8314,8 @@
           </a:fontRef>
         </p:style>
       </p:cxnSp>
-      <mc:AlternateContent xmlns:mc="http://schemas.openxmlformats.org/markup-compatibility/2006">
-        <mc:Choice xmlns:a14="http://schemas.microsoft.com/office/drawing/2010/main" Requires="a14">
+      <mc:AlternateContent xmlns:mc="http://schemas.openxmlformats.org/markup-compatibility/2006" xmlns:a14="http://schemas.microsoft.com/office/drawing/2010/main">
+        <mc:Choice Requires="a14">
           <p:sp>
             <p:nvSpPr>
               <p:cNvPr id="14" name="TextBox 13"/>
@@ -8334,7 +8349,7 @@
                         <m:sSubPr>
                           <m:ctrlPr>
                             <a:rPr lang="en-US" i="1" smtClean="0">
-                              <a:latin typeface="Cambria Math" charset="0"/>
+                              <a:latin typeface="Cambria Math" panose="02040503050406030204" pitchFamily="18" charset="0"/>
                             </a:rPr>
                           </m:ctrlPr>
                         </m:sSubPr>
@@ -8366,7 +8381,7 @@
             </p:txBody>
           </p:sp>
         </mc:Choice>
-        <mc:Fallback>
+        <mc:Fallback xmlns="">
           <p:sp>
             <p:nvSpPr>
               <p:cNvPr id="14" name="TextBox 13"/>
@@ -8405,8 +8420,8 @@
           </p:sp>
         </mc:Fallback>
       </mc:AlternateContent>
-      <mc:AlternateContent xmlns:mc="http://schemas.openxmlformats.org/markup-compatibility/2006">
-        <mc:Choice xmlns:a14="http://schemas.microsoft.com/office/drawing/2010/main" Requires="a14">
+      <mc:AlternateContent xmlns:mc="http://schemas.openxmlformats.org/markup-compatibility/2006" xmlns:a14="http://schemas.microsoft.com/office/drawing/2010/main">
+        <mc:Choice Requires="a14">
           <p:sp>
             <p:nvSpPr>
               <p:cNvPr id="16" name="TextBox 15"/>
@@ -8440,7 +8455,7 @@
                         <m:sSubPr>
                           <m:ctrlPr>
                             <a:rPr lang="en-US" i="1" smtClean="0">
-                              <a:latin typeface="Cambria Math" charset="0"/>
+                              <a:latin typeface="Cambria Math" panose="02040503050406030204" pitchFamily="18" charset="0"/>
                             </a:rPr>
                           </m:ctrlPr>
                         </m:sSubPr>
@@ -8481,7 +8496,7 @@
             </p:txBody>
           </p:sp>
         </mc:Choice>
-        <mc:Fallback>
+        <mc:Fallback xmlns="">
           <p:sp>
             <p:nvSpPr>
               <p:cNvPr id="16" name="TextBox 15"/>
@@ -8520,8 +8535,8 @@
           </p:sp>
         </mc:Fallback>
       </mc:AlternateContent>
-      <mc:AlternateContent xmlns:mc="http://schemas.openxmlformats.org/markup-compatibility/2006">
-        <mc:Choice xmlns:a14="http://schemas.microsoft.com/office/drawing/2010/main" Requires="a14">
+      <mc:AlternateContent xmlns:mc="http://schemas.openxmlformats.org/markup-compatibility/2006" xmlns:a14="http://schemas.microsoft.com/office/drawing/2010/main">
+        <mc:Choice Requires="a14">
           <p:sp>
             <p:nvSpPr>
               <p:cNvPr id="17" name="TextBox 16"/>
@@ -8555,7 +8570,7 @@
                         <m:sSubPr>
                           <m:ctrlPr>
                             <a:rPr lang="en-US" i="1" smtClean="0">
-                              <a:latin typeface="Cambria Math" charset="0"/>
+                              <a:latin typeface="Cambria Math" panose="02040503050406030204" pitchFamily="18" charset="0"/>
                             </a:rPr>
                           </m:ctrlPr>
                         </m:sSubPr>
@@ -8587,7 +8602,7 @@
             </p:txBody>
           </p:sp>
         </mc:Choice>
-        <mc:Fallback>
+        <mc:Fallback xmlns="">
           <p:sp>
             <p:nvSpPr>
               <p:cNvPr id="17" name="TextBox 16"/>
@@ -8626,8 +8641,8 @@
           </p:sp>
         </mc:Fallback>
       </mc:AlternateContent>
-      <mc:AlternateContent xmlns:mc="http://schemas.openxmlformats.org/markup-compatibility/2006">
-        <mc:Choice xmlns:a14="http://schemas.microsoft.com/office/drawing/2010/main" Requires="a14">
+      <mc:AlternateContent xmlns:mc="http://schemas.openxmlformats.org/markup-compatibility/2006" xmlns:a14="http://schemas.microsoft.com/office/drawing/2010/main">
+        <mc:Choice Requires="a14">
           <p:sp>
             <p:nvSpPr>
               <p:cNvPr id="18" name="TextBox 17"/>
@@ -8661,7 +8676,7 @@
                         <m:sSubPr>
                           <m:ctrlPr>
                             <a:rPr lang="en-US" i="1" smtClean="0">
-                              <a:latin typeface="Cambria Math" charset="0"/>
+                              <a:latin typeface="Cambria Math" panose="02040503050406030204" pitchFamily="18" charset="0"/>
                             </a:rPr>
                           </m:ctrlPr>
                         </m:sSubPr>
@@ -8702,7 +8717,7 @@
             </p:txBody>
           </p:sp>
         </mc:Choice>
-        <mc:Fallback>
+        <mc:Fallback xmlns="">
           <p:sp>
             <p:nvSpPr>
               <p:cNvPr id="18" name="TextBox 17"/>
@@ -8745,6 +8760,2375 @@
     <p:extLst>
       <p:ext uri="{BB962C8B-B14F-4D97-AF65-F5344CB8AC3E}">
         <p14:creationId xmlns:p14="http://schemas.microsoft.com/office/powerpoint/2010/main" val="2591368999"/>
+      </p:ext>
+    </p:extLst>
+  </p:cSld>
+  <p:clrMapOvr>
+    <a:masterClrMapping/>
+  </p:clrMapOvr>
+</p:sld>
+</file>
+
+<file path=ppt/slides/slide12.xml><?xml version="1.0" encoding="utf-8"?>
+<p:sld xmlns:a="http://schemas.openxmlformats.org/drawingml/2006/main" xmlns:r="http://schemas.openxmlformats.org/officeDocument/2006/relationships" xmlns:p="http://schemas.openxmlformats.org/presentationml/2006/main">
+  <p:cSld>
+    <p:spTree>
+      <p:nvGrpSpPr>
+        <p:cNvPr id="1" name=""/>
+        <p:cNvGrpSpPr/>
+        <p:nvPr/>
+      </p:nvGrpSpPr>
+      <p:grpSpPr>
+        <a:xfrm>
+          <a:off x="0" y="0"/>
+          <a:ext cx="0" cy="0"/>
+          <a:chOff x="0" y="0"/>
+          <a:chExt cx="0" cy="0"/>
+        </a:xfrm>
+      </p:grpSpPr>
+      <p:sp>
+        <p:nvSpPr>
+          <p:cNvPr id="10" name="Flowchart: Alternate Process 9"/>
+          <p:cNvSpPr/>
+          <p:nvPr/>
+        </p:nvSpPr>
+        <p:spPr>
+          <a:xfrm>
+            <a:off x="3924300" y="1260478"/>
+            <a:ext cx="1320800" cy="476250"/>
+          </a:xfrm>
+          <a:prstGeom prst="flowChartAlternateProcess">
+            <a:avLst/>
+          </a:prstGeom>
+        </p:spPr>
+        <p:style>
+          <a:lnRef idx="2">
+            <a:schemeClr val="dk1"/>
+          </a:lnRef>
+          <a:fillRef idx="1">
+            <a:schemeClr val="lt1"/>
+          </a:fillRef>
+          <a:effectRef idx="0">
+            <a:schemeClr val="dk1"/>
+          </a:effectRef>
+          <a:fontRef idx="minor">
+            <a:schemeClr val="dk1"/>
+          </a:fontRef>
+        </p:style>
+        <p:txBody>
+          <a:bodyPr rtlCol="0" anchor="ctr"/>
+          <a:lstStyle/>
+          <a:p>
+            <a:pPr algn="ctr"/>
+            <a:r>
+              <a:rPr lang="en-US" dirty="0"/>
+              <a:t>E-step</a:t>
+            </a:r>
+          </a:p>
+        </p:txBody>
+      </p:sp>
+      <p:sp>
+        <p:nvSpPr>
+          <p:cNvPr id="11" name="Flowchart: Terminator 10"/>
+          <p:cNvSpPr/>
+          <p:nvPr/>
+        </p:nvSpPr>
+        <p:spPr>
+          <a:xfrm>
+            <a:off x="4152900" y="234954"/>
+            <a:ext cx="863600" cy="520700"/>
+          </a:xfrm>
+          <a:prstGeom prst="flowChartTerminator">
+            <a:avLst/>
+          </a:prstGeom>
+        </p:spPr>
+        <p:style>
+          <a:lnRef idx="2">
+            <a:schemeClr val="dk1"/>
+          </a:lnRef>
+          <a:fillRef idx="1">
+            <a:schemeClr val="lt1"/>
+          </a:fillRef>
+          <a:effectRef idx="0">
+            <a:schemeClr val="dk1"/>
+          </a:effectRef>
+          <a:fontRef idx="minor">
+            <a:schemeClr val="dk1"/>
+          </a:fontRef>
+        </p:style>
+        <p:txBody>
+          <a:bodyPr rtlCol="0" anchor="ctr"/>
+          <a:lstStyle/>
+          <a:p>
+            <a:pPr algn="ctr"/>
+            <a:r>
+              <a:rPr lang="en-US" dirty="0"/>
+              <a:t>Start</a:t>
+            </a:r>
+          </a:p>
+        </p:txBody>
+      </p:sp>
+      <p:sp>
+        <p:nvSpPr>
+          <p:cNvPr id="12" name="Flowchart: Terminator 11"/>
+          <p:cNvSpPr/>
+          <p:nvPr/>
+        </p:nvSpPr>
+        <p:spPr>
+          <a:xfrm>
+            <a:off x="4152900" y="6076949"/>
+            <a:ext cx="863600" cy="520700"/>
+          </a:xfrm>
+          <a:prstGeom prst="flowChartTerminator">
+            <a:avLst/>
+          </a:prstGeom>
+        </p:spPr>
+        <p:style>
+          <a:lnRef idx="2">
+            <a:schemeClr val="dk1"/>
+          </a:lnRef>
+          <a:fillRef idx="1">
+            <a:schemeClr val="lt1"/>
+          </a:fillRef>
+          <a:effectRef idx="0">
+            <a:schemeClr val="dk1"/>
+          </a:effectRef>
+          <a:fontRef idx="minor">
+            <a:schemeClr val="dk1"/>
+          </a:fontRef>
+        </p:style>
+        <p:txBody>
+          <a:bodyPr rtlCol="0" anchor="ctr"/>
+          <a:lstStyle/>
+          <a:p>
+            <a:pPr algn="ctr"/>
+            <a:r>
+              <a:rPr lang="en-US" dirty="0"/>
+              <a:t>End</a:t>
+            </a:r>
+          </a:p>
+        </p:txBody>
+      </p:sp>
+      <p:sp>
+        <p:nvSpPr>
+          <p:cNvPr id="13" name="Flowchart: Alternate Process 12"/>
+          <p:cNvSpPr/>
+          <p:nvPr/>
+        </p:nvSpPr>
+        <p:spPr>
+          <a:xfrm>
+            <a:off x="3924300" y="4003675"/>
+            <a:ext cx="1320800" cy="476250"/>
+          </a:xfrm>
+          <a:prstGeom prst="flowChartAlternateProcess">
+            <a:avLst/>
+          </a:prstGeom>
+        </p:spPr>
+        <p:style>
+          <a:lnRef idx="2">
+            <a:schemeClr val="dk1"/>
+          </a:lnRef>
+          <a:fillRef idx="1">
+            <a:schemeClr val="lt1"/>
+          </a:fillRef>
+          <a:effectRef idx="0">
+            <a:schemeClr val="dk1"/>
+          </a:effectRef>
+          <a:fontRef idx="minor">
+            <a:schemeClr val="dk1"/>
+          </a:fontRef>
+        </p:style>
+        <p:txBody>
+          <a:bodyPr rtlCol="0" anchor="ctr"/>
+          <a:lstStyle/>
+          <a:p>
+            <a:pPr algn="ctr"/>
+            <a:r>
+              <a:rPr lang="en-US" dirty="0"/>
+              <a:t>M-step</a:t>
+            </a:r>
+          </a:p>
+        </p:txBody>
+      </p:sp>
+      <p:sp>
+        <p:nvSpPr>
+          <p:cNvPr id="14" name="Flowchart: Alternate Process 13"/>
+          <p:cNvSpPr/>
+          <p:nvPr/>
+        </p:nvSpPr>
+        <p:spPr>
+          <a:xfrm>
+            <a:off x="5156200" y="2095500"/>
+            <a:ext cx="1320800" cy="476250"/>
+          </a:xfrm>
+          <a:prstGeom prst="flowChartAlternateProcess">
+            <a:avLst/>
+          </a:prstGeom>
+        </p:spPr>
+        <p:style>
+          <a:lnRef idx="2">
+            <a:schemeClr val="dk1"/>
+          </a:lnRef>
+          <a:fillRef idx="1">
+            <a:schemeClr val="lt1"/>
+          </a:fillRef>
+          <a:effectRef idx="0">
+            <a:schemeClr val="dk1"/>
+          </a:effectRef>
+          <a:fontRef idx="minor">
+            <a:schemeClr val="dk1"/>
+          </a:fontRef>
+        </p:style>
+        <p:txBody>
+          <a:bodyPr rtlCol="0" anchor="ctr"/>
+          <a:lstStyle/>
+          <a:p>
+            <a:pPr algn="ctr"/>
+            <a:r>
+              <a:rPr lang="en-US" dirty="0"/>
+              <a:t>Filtering</a:t>
+            </a:r>
+          </a:p>
+        </p:txBody>
+      </p:sp>
+      <p:sp>
+        <p:nvSpPr>
+          <p:cNvPr id="15" name="Flowchart: Alternate Process 14"/>
+          <p:cNvSpPr/>
+          <p:nvPr/>
+        </p:nvSpPr>
+        <p:spPr>
+          <a:xfrm>
+            <a:off x="5156200" y="3114677"/>
+            <a:ext cx="1320800" cy="476250"/>
+          </a:xfrm>
+          <a:prstGeom prst="flowChartAlternateProcess">
+            <a:avLst/>
+          </a:prstGeom>
+        </p:spPr>
+        <p:style>
+          <a:lnRef idx="2">
+            <a:schemeClr val="dk1"/>
+          </a:lnRef>
+          <a:fillRef idx="1">
+            <a:schemeClr val="lt1"/>
+          </a:fillRef>
+          <a:effectRef idx="0">
+            <a:schemeClr val="dk1"/>
+          </a:effectRef>
+          <a:fontRef idx="minor">
+            <a:schemeClr val="dk1"/>
+          </a:fontRef>
+        </p:style>
+        <p:txBody>
+          <a:bodyPr rtlCol="0" anchor="ctr"/>
+          <a:lstStyle/>
+          <a:p>
+            <a:pPr algn="ctr"/>
+            <a:r>
+              <a:rPr lang="en-US" dirty="0"/>
+              <a:t>Smoothing</a:t>
+            </a:r>
+          </a:p>
+        </p:txBody>
+      </p:sp>
+      <p:sp>
+        <p:nvSpPr>
+          <p:cNvPr id="16" name="Flowchart: Decision 15"/>
+          <p:cNvSpPr/>
+          <p:nvPr/>
+        </p:nvSpPr>
+        <p:spPr>
+          <a:xfrm>
+            <a:off x="3810000" y="4762500"/>
+            <a:ext cx="1549400" cy="889000"/>
+          </a:xfrm>
+          <a:prstGeom prst="flowChartDecision">
+            <a:avLst/>
+          </a:prstGeom>
+        </p:spPr>
+        <p:style>
+          <a:lnRef idx="2">
+            <a:schemeClr val="dk1"/>
+          </a:lnRef>
+          <a:fillRef idx="1">
+            <a:schemeClr val="lt1"/>
+          </a:fillRef>
+          <a:effectRef idx="0">
+            <a:schemeClr val="dk1"/>
+          </a:effectRef>
+          <a:fontRef idx="minor">
+            <a:schemeClr val="dk1"/>
+          </a:fontRef>
+        </p:style>
+        <p:txBody>
+          <a:bodyPr rtlCol="0" anchor="ctr"/>
+          <a:lstStyle/>
+          <a:p>
+            <a:pPr algn="ctr"/>
+            <a:r>
+              <a:rPr lang="en-US" dirty="0"/>
+              <a:t>Converged</a:t>
+            </a:r>
+          </a:p>
+        </p:txBody>
+      </p:sp>
+      <p:cxnSp>
+        <p:nvCxnSpPr>
+          <p:cNvPr id="20" name="Straight Arrow Connector 19"/>
+          <p:cNvCxnSpPr>
+            <a:cxnSpLocks/>
+            <a:stCxn id="14" idx="2"/>
+            <a:endCxn id="15" idx="0"/>
+          </p:cNvCxnSpPr>
+          <p:nvPr/>
+        </p:nvCxnSpPr>
+        <p:spPr>
+          <a:xfrm>
+            <a:off x="5816600" y="2571750"/>
+            <a:ext cx="0" cy="542927"/>
+          </a:xfrm>
+          <a:prstGeom prst="straightConnector1">
+            <a:avLst/>
+          </a:prstGeom>
+          <a:ln>
+            <a:tailEnd type="triangle"/>
+          </a:ln>
+        </p:spPr>
+        <p:style>
+          <a:lnRef idx="1">
+            <a:schemeClr val="dk1"/>
+          </a:lnRef>
+          <a:fillRef idx="0">
+            <a:schemeClr val="dk1"/>
+          </a:fillRef>
+          <a:effectRef idx="0">
+            <a:schemeClr val="dk1"/>
+          </a:effectRef>
+          <a:fontRef idx="minor">
+            <a:schemeClr val="tx1"/>
+          </a:fontRef>
+        </p:style>
+      </p:cxnSp>
+      <p:cxnSp>
+        <p:nvCxnSpPr>
+          <p:cNvPr id="24" name="Straight Arrow Connector 23"/>
+          <p:cNvCxnSpPr>
+            <a:stCxn id="13" idx="2"/>
+            <a:endCxn id="16" idx="0"/>
+          </p:cNvCxnSpPr>
+          <p:nvPr/>
+        </p:nvCxnSpPr>
+        <p:spPr>
+          <a:xfrm>
+            <a:off x="4584700" y="4479925"/>
+            <a:ext cx="0" cy="282575"/>
+          </a:xfrm>
+          <a:prstGeom prst="straightConnector1">
+            <a:avLst/>
+          </a:prstGeom>
+          <a:ln>
+            <a:tailEnd type="triangle"/>
+          </a:ln>
+        </p:spPr>
+        <p:style>
+          <a:lnRef idx="1">
+            <a:schemeClr val="dk1"/>
+          </a:lnRef>
+          <a:fillRef idx="0">
+            <a:schemeClr val="dk1"/>
+          </a:fillRef>
+          <a:effectRef idx="0">
+            <a:schemeClr val="dk1"/>
+          </a:effectRef>
+          <a:fontRef idx="minor">
+            <a:schemeClr val="tx1"/>
+          </a:fontRef>
+        </p:style>
+      </p:cxnSp>
+      <p:cxnSp>
+        <p:nvCxnSpPr>
+          <p:cNvPr id="31" name="Straight Connector 30"/>
+          <p:cNvCxnSpPr>
+            <a:stCxn id="16" idx="1"/>
+          </p:cNvCxnSpPr>
+          <p:nvPr/>
+        </p:nvCxnSpPr>
+        <p:spPr>
+          <a:xfrm flipH="1">
+            <a:off x="3238500" y="5207000"/>
+            <a:ext cx="571500" cy="0"/>
+          </a:xfrm>
+          <a:prstGeom prst="line">
+            <a:avLst/>
+          </a:prstGeom>
+        </p:spPr>
+        <p:style>
+          <a:lnRef idx="1">
+            <a:schemeClr val="dk1"/>
+          </a:lnRef>
+          <a:fillRef idx="0">
+            <a:schemeClr val="dk1"/>
+          </a:fillRef>
+          <a:effectRef idx="0">
+            <a:schemeClr val="dk1"/>
+          </a:effectRef>
+          <a:fontRef idx="minor">
+            <a:schemeClr val="tx1"/>
+          </a:fontRef>
+        </p:style>
+      </p:cxnSp>
+      <p:cxnSp>
+        <p:nvCxnSpPr>
+          <p:cNvPr id="33" name="Straight Connector 32"/>
+          <p:cNvCxnSpPr>
+            <a:cxnSpLocks/>
+          </p:cNvCxnSpPr>
+          <p:nvPr/>
+        </p:nvCxnSpPr>
+        <p:spPr>
+          <a:xfrm flipV="1">
+            <a:off x="3238500" y="1498603"/>
+            <a:ext cx="0" cy="3708398"/>
+          </a:xfrm>
+          <a:prstGeom prst="line">
+            <a:avLst/>
+          </a:prstGeom>
+        </p:spPr>
+        <p:style>
+          <a:lnRef idx="1">
+            <a:schemeClr val="dk1"/>
+          </a:lnRef>
+          <a:fillRef idx="0">
+            <a:schemeClr val="dk1"/>
+          </a:fillRef>
+          <a:effectRef idx="0">
+            <a:schemeClr val="dk1"/>
+          </a:effectRef>
+          <a:fontRef idx="minor">
+            <a:schemeClr val="tx1"/>
+          </a:fontRef>
+        </p:style>
+      </p:cxnSp>
+      <p:cxnSp>
+        <p:nvCxnSpPr>
+          <p:cNvPr id="38" name="Straight Arrow Connector 37"/>
+          <p:cNvCxnSpPr>
+            <a:stCxn id="16" idx="2"/>
+            <a:endCxn id="12" idx="0"/>
+          </p:cNvCxnSpPr>
+          <p:nvPr/>
+        </p:nvCxnSpPr>
+        <p:spPr>
+          <a:xfrm>
+            <a:off x="4584700" y="5651500"/>
+            <a:ext cx="0" cy="425449"/>
+          </a:xfrm>
+          <a:prstGeom prst="straightConnector1">
+            <a:avLst/>
+          </a:prstGeom>
+          <a:ln>
+            <a:tailEnd type="triangle"/>
+          </a:ln>
+        </p:spPr>
+        <p:style>
+          <a:lnRef idx="1">
+            <a:schemeClr val="dk1"/>
+          </a:lnRef>
+          <a:fillRef idx="0">
+            <a:schemeClr val="dk1"/>
+          </a:fillRef>
+          <a:effectRef idx="0">
+            <a:schemeClr val="dk1"/>
+          </a:effectRef>
+          <a:fontRef idx="minor">
+            <a:schemeClr val="tx1"/>
+          </a:fontRef>
+        </p:style>
+      </p:cxnSp>
+      <p:sp>
+        <p:nvSpPr>
+          <p:cNvPr id="45" name="Flowchart: Alternate Process 44"/>
+          <p:cNvSpPr/>
+          <p:nvPr/>
+        </p:nvSpPr>
+        <p:spPr>
+          <a:xfrm>
+            <a:off x="7975600" y="1619250"/>
+            <a:ext cx="977900" cy="476250"/>
+          </a:xfrm>
+          <a:prstGeom prst="flowChartAlternateProcess">
+            <a:avLst/>
+          </a:prstGeom>
+        </p:spPr>
+        <p:style>
+          <a:lnRef idx="2">
+            <a:schemeClr val="dk1"/>
+          </a:lnRef>
+          <a:fillRef idx="1">
+            <a:schemeClr val="lt1"/>
+          </a:fillRef>
+          <a:effectRef idx="0">
+            <a:schemeClr val="dk1"/>
+          </a:effectRef>
+          <a:fontRef idx="minor">
+            <a:schemeClr val="dk1"/>
+          </a:fontRef>
+        </p:style>
+        <p:txBody>
+          <a:bodyPr rtlCol="0" anchor="ctr"/>
+          <a:lstStyle/>
+          <a:p>
+            <a:pPr algn="ctr"/>
+            <a:r>
+              <a:rPr lang="en-US" dirty="0"/>
+              <a:t>1 to T</a:t>
+            </a:r>
+          </a:p>
+        </p:txBody>
+      </p:sp>
+      <p:sp>
+        <p:nvSpPr>
+          <p:cNvPr id="46" name="Flowchart: Alternate Process 45"/>
+          <p:cNvSpPr/>
+          <p:nvPr/>
+        </p:nvSpPr>
+        <p:spPr>
+          <a:xfrm>
+            <a:off x="7975600" y="2393950"/>
+            <a:ext cx="977900" cy="476250"/>
+          </a:xfrm>
+          <a:prstGeom prst="flowChartAlternateProcess">
+            <a:avLst/>
+          </a:prstGeom>
+        </p:spPr>
+        <p:style>
+          <a:lnRef idx="2">
+            <a:schemeClr val="dk1"/>
+          </a:lnRef>
+          <a:fillRef idx="1">
+            <a:schemeClr val="lt1"/>
+          </a:fillRef>
+          <a:effectRef idx="0">
+            <a:schemeClr val="dk1"/>
+          </a:effectRef>
+          <a:fontRef idx="minor">
+            <a:schemeClr val="dk1"/>
+          </a:fontRef>
+        </p:style>
+        <p:txBody>
+          <a:bodyPr rtlCol="0" anchor="ctr"/>
+          <a:lstStyle/>
+          <a:p>
+            <a:pPr algn="ctr"/>
+            <a:r>
+              <a:rPr lang="en-US" dirty="0"/>
+              <a:t>T to 1</a:t>
+            </a:r>
+          </a:p>
+        </p:txBody>
+      </p:sp>
+      <p:cxnSp>
+        <p:nvCxnSpPr>
+          <p:cNvPr id="56" name="Straight Arrow Connector 55"/>
+          <p:cNvCxnSpPr>
+            <a:endCxn id="10" idx="1"/>
+          </p:cNvCxnSpPr>
+          <p:nvPr/>
+        </p:nvCxnSpPr>
+        <p:spPr>
+          <a:xfrm>
+            <a:off x="3238500" y="1498603"/>
+            <a:ext cx="685800" cy="0"/>
+          </a:xfrm>
+          <a:prstGeom prst="straightConnector1">
+            <a:avLst/>
+          </a:prstGeom>
+          <a:ln>
+            <a:tailEnd type="triangle"/>
+          </a:ln>
+        </p:spPr>
+        <p:style>
+          <a:lnRef idx="1">
+            <a:schemeClr val="dk1"/>
+          </a:lnRef>
+          <a:fillRef idx="0">
+            <a:schemeClr val="dk1"/>
+          </a:fillRef>
+          <a:effectRef idx="0">
+            <a:schemeClr val="dk1"/>
+          </a:effectRef>
+          <a:fontRef idx="minor">
+            <a:schemeClr val="tx1"/>
+          </a:fontRef>
+        </p:style>
+      </p:cxnSp>
+      <p:cxnSp>
+        <p:nvCxnSpPr>
+          <p:cNvPr id="58" name="Straight Arrow Connector 57"/>
+          <p:cNvCxnSpPr>
+            <a:stCxn id="11" idx="2"/>
+            <a:endCxn id="10" idx="0"/>
+          </p:cNvCxnSpPr>
+          <p:nvPr/>
+        </p:nvCxnSpPr>
+        <p:spPr>
+          <a:xfrm>
+            <a:off x="4584700" y="755654"/>
+            <a:ext cx="0" cy="504824"/>
+          </a:xfrm>
+          <a:prstGeom prst="straightConnector1">
+            <a:avLst/>
+          </a:prstGeom>
+          <a:ln>
+            <a:tailEnd type="triangle"/>
+          </a:ln>
+        </p:spPr>
+        <p:style>
+          <a:lnRef idx="1">
+            <a:schemeClr val="dk1"/>
+          </a:lnRef>
+          <a:fillRef idx="0">
+            <a:schemeClr val="dk1"/>
+          </a:fillRef>
+          <a:effectRef idx="0">
+            <a:schemeClr val="dk1"/>
+          </a:effectRef>
+          <a:fontRef idx="minor">
+            <a:schemeClr val="tx1"/>
+          </a:fontRef>
+        </p:style>
+      </p:cxnSp>
+      <p:cxnSp>
+        <p:nvCxnSpPr>
+          <p:cNvPr id="66" name="Straight Connector 65"/>
+          <p:cNvCxnSpPr>
+            <a:cxnSpLocks/>
+            <a:stCxn id="10" idx="3"/>
+          </p:cNvCxnSpPr>
+          <p:nvPr/>
+        </p:nvCxnSpPr>
+        <p:spPr>
+          <a:xfrm>
+            <a:off x="5245100" y="1498603"/>
+            <a:ext cx="571500" cy="0"/>
+          </a:xfrm>
+          <a:prstGeom prst="line">
+            <a:avLst/>
+          </a:prstGeom>
+        </p:spPr>
+        <p:style>
+          <a:lnRef idx="1">
+            <a:schemeClr val="dk1"/>
+          </a:lnRef>
+          <a:fillRef idx="0">
+            <a:schemeClr val="dk1"/>
+          </a:fillRef>
+          <a:effectRef idx="0">
+            <a:schemeClr val="dk1"/>
+          </a:effectRef>
+          <a:fontRef idx="minor">
+            <a:schemeClr val="tx1"/>
+          </a:fontRef>
+        </p:style>
+      </p:cxnSp>
+      <p:cxnSp>
+        <p:nvCxnSpPr>
+          <p:cNvPr id="68" name="Straight Arrow Connector 67"/>
+          <p:cNvCxnSpPr>
+            <a:endCxn id="14" idx="0"/>
+          </p:cNvCxnSpPr>
+          <p:nvPr/>
+        </p:nvCxnSpPr>
+        <p:spPr>
+          <a:xfrm>
+            <a:off x="5816600" y="1498603"/>
+            <a:ext cx="0" cy="596897"/>
+          </a:xfrm>
+          <a:prstGeom prst="straightConnector1">
+            <a:avLst/>
+          </a:prstGeom>
+          <a:ln>
+            <a:tailEnd type="triangle"/>
+          </a:ln>
+        </p:spPr>
+        <p:style>
+          <a:lnRef idx="1">
+            <a:schemeClr val="dk1"/>
+          </a:lnRef>
+          <a:fillRef idx="0">
+            <a:schemeClr val="dk1"/>
+          </a:fillRef>
+          <a:effectRef idx="0">
+            <a:schemeClr val="dk1"/>
+          </a:effectRef>
+          <a:fontRef idx="minor">
+            <a:schemeClr val="tx1"/>
+          </a:fontRef>
+        </p:style>
+      </p:cxnSp>
+      <p:cxnSp>
+        <p:nvCxnSpPr>
+          <p:cNvPr id="70" name="Straight Connector 69"/>
+          <p:cNvCxnSpPr>
+            <a:stCxn id="15" idx="2"/>
+          </p:cNvCxnSpPr>
+          <p:nvPr/>
+        </p:nvCxnSpPr>
+        <p:spPr>
+          <a:xfrm>
+            <a:off x="5816600" y="3590927"/>
+            <a:ext cx="0" cy="650873"/>
+          </a:xfrm>
+          <a:prstGeom prst="line">
+            <a:avLst/>
+          </a:prstGeom>
+        </p:spPr>
+        <p:style>
+          <a:lnRef idx="1">
+            <a:schemeClr val="dk1"/>
+          </a:lnRef>
+          <a:fillRef idx="0">
+            <a:schemeClr val="dk1"/>
+          </a:fillRef>
+          <a:effectRef idx="0">
+            <a:schemeClr val="dk1"/>
+          </a:effectRef>
+          <a:fontRef idx="minor">
+            <a:schemeClr val="tx1"/>
+          </a:fontRef>
+        </p:style>
+      </p:cxnSp>
+      <p:cxnSp>
+        <p:nvCxnSpPr>
+          <p:cNvPr id="72" name="Straight Arrow Connector 71"/>
+          <p:cNvCxnSpPr>
+            <a:cxnSpLocks/>
+            <a:endCxn id="13" idx="3"/>
+          </p:cNvCxnSpPr>
+          <p:nvPr/>
+        </p:nvCxnSpPr>
+        <p:spPr>
+          <a:xfrm flipH="1">
+            <a:off x="5245100" y="4241800"/>
+            <a:ext cx="571500" cy="0"/>
+          </a:xfrm>
+          <a:prstGeom prst="straightConnector1">
+            <a:avLst/>
+          </a:prstGeom>
+          <a:ln>
+            <a:tailEnd type="triangle"/>
+          </a:ln>
+        </p:spPr>
+        <p:style>
+          <a:lnRef idx="1">
+            <a:schemeClr val="dk1"/>
+          </a:lnRef>
+          <a:fillRef idx="0">
+            <a:schemeClr val="dk1"/>
+          </a:fillRef>
+          <a:effectRef idx="0">
+            <a:schemeClr val="dk1"/>
+          </a:effectRef>
+          <a:fontRef idx="minor">
+            <a:schemeClr val="tx1"/>
+          </a:fontRef>
+        </p:style>
+      </p:cxnSp>
+      <p:sp>
+        <p:nvSpPr>
+          <p:cNvPr id="77" name="TextBox 76"/>
+          <p:cNvSpPr txBox="1"/>
+          <p:nvPr/>
+        </p:nvSpPr>
+        <p:spPr>
+          <a:xfrm>
+            <a:off x="4612651" y="825540"/>
+            <a:ext cx="1264898" cy="369332"/>
+          </a:xfrm>
+          <a:prstGeom prst="rect">
+            <a:avLst/>
+          </a:prstGeom>
+          <a:noFill/>
+        </p:spPr>
+        <p:txBody>
+          <a:bodyPr wrap="none" rtlCol="0">
+            <a:spAutoFit/>
+          </a:bodyPr>
+          <a:lstStyle/>
+          <a:p>
+            <a:r>
+              <a:rPr lang="en-US" dirty="0"/>
+              <a:t>Initial value</a:t>
+            </a:r>
+          </a:p>
+        </p:txBody>
+      </p:sp>
+    </p:spTree>
+    <p:extLst>
+      <p:ext uri="{BB962C8B-B14F-4D97-AF65-F5344CB8AC3E}">
+        <p14:creationId xmlns:p14="http://schemas.microsoft.com/office/powerpoint/2010/main" val="713304210"/>
+      </p:ext>
+    </p:extLst>
+  </p:cSld>
+  <p:clrMapOvr>
+    <a:masterClrMapping/>
+  </p:clrMapOvr>
+</p:sld>
+</file>
+
+<file path=ppt/slides/slide13.xml><?xml version="1.0" encoding="utf-8"?>
+<p:sld xmlns:a="http://schemas.openxmlformats.org/drawingml/2006/main" xmlns:r="http://schemas.openxmlformats.org/officeDocument/2006/relationships" xmlns:p="http://schemas.openxmlformats.org/presentationml/2006/main">
+  <p:cSld>
+    <p:spTree>
+      <p:nvGrpSpPr>
+        <p:cNvPr id="1" name=""/>
+        <p:cNvGrpSpPr/>
+        <p:nvPr/>
+      </p:nvGrpSpPr>
+      <p:grpSpPr>
+        <a:xfrm>
+          <a:off x="0" y="0"/>
+          <a:ext cx="0" cy="0"/>
+          <a:chOff x="0" y="0"/>
+          <a:chExt cx="0" cy="0"/>
+        </a:xfrm>
+      </p:grpSpPr>
+      <p:sp>
+        <p:nvSpPr>
+          <p:cNvPr id="10" name="Flowchart: Alternate Process 9"/>
+          <p:cNvSpPr/>
+          <p:nvPr/>
+        </p:nvSpPr>
+        <p:spPr>
+          <a:xfrm>
+            <a:off x="2222498" y="2676528"/>
+            <a:ext cx="1320800" cy="476250"/>
+          </a:xfrm>
+          <a:prstGeom prst="flowChartAlternateProcess">
+            <a:avLst/>
+          </a:prstGeom>
+        </p:spPr>
+        <p:style>
+          <a:lnRef idx="2">
+            <a:schemeClr val="dk1"/>
+          </a:lnRef>
+          <a:fillRef idx="1">
+            <a:schemeClr val="lt1"/>
+          </a:fillRef>
+          <a:effectRef idx="0">
+            <a:schemeClr val="dk1"/>
+          </a:effectRef>
+          <a:fontRef idx="minor">
+            <a:schemeClr val="dk1"/>
+          </a:fontRef>
+        </p:style>
+        <p:txBody>
+          <a:bodyPr rtlCol="0" anchor="ctr"/>
+          <a:lstStyle/>
+          <a:p>
+            <a:pPr algn="ctr"/>
+            <a:r>
+              <a:rPr lang="en-US" dirty="0"/>
+              <a:t>E-step</a:t>
+            </a:r>
+          </a:p>
+        </p:txBody>
+      </p:sp>
+      <p:sp>
+        <p:nvSpPr>
+          <p:cNvPr id="11" name="Flowchart: Terminator 10"/>
+          <p:cNvSpPr/>
+          <p:nvPr/>
+        </p:nvSpPr>
+        <p:spPr>
+          <a:xfrm>
+            <a:off x="609600" y="2654303"/>
+            <a:ext cx="863600" cy="520700"/>
+          </a:xfrm>
+          <a:prstGeom prst="flowChartTerminator">
+            <a:avLst/>
+          </a:prstGeom>
+        </p:spPr>
+        <p:style>
+          <a:lnRef idx="2">
+            <a:schemeClr val="dk1"/>
+          </a:lnRef>
+          <a:fillRef idx="1">
+            <a:schemeClr val="lt1"/>
+          </a:fillRef>
+          <a:effectRef idx="0">
+            <a:schemeClr val="dk1"/>
+          </a:effectRef>
+          <a:fontRef idx="minor">
+            <a:schemeClr val="dk1"/>
+          </a:fontRef>
+        </p:style>
+        <p:txBody>
+          <a:bodyPr rtlCol="0" anchor="ctr"/>
+          <a:lstStyle/>
+          <a:p>
+            <a:pPr algn="ctr"/>
+            <a:r>
+              <a:rPr lang="en-US" dirty="0"/>
+              <a:t>Start</a:t>
+            </a:r>
+          </a:p>
+        </p:txBody>
+      </p:sp>
+      <p:sp>
+        <p:nvSpPr>
+          <p:cNvPr id="12" name="Flowchart: Terminator 11"/>
+          <p:cNvSpPr/>
+          <p:nvPr/>
+        </p:nvSpPr>
+        <p:spPr>
+          <a:xfrm>
+            <a:off x="9983446" y="2654303"/>
+            <a:ext cx="863600" cy="520700"/>
+          </a:xfrm>
+          <a:prstGeom prst="flowChartTerminator">
+            <a:avLst/>
+          </a:prstGeom>
+        </p:spPr>
+        <p:style>
+          <a:lnRef idx="2">
+            <a:schemeClr val="dk1"/>
+          </a:lnRef>
+          <a:fillRef idx="1">
+            <a:schemeClr val="lt1"/>
+          </a:fillRef>
+          <a:effectRef idx="0">
+            <a:schemeClr val="dk1"/>
+          </a:effectRef>
+          <a:fontRef idx="minor">
+            <a:schemeClr val="dk1"/>
+          </a:fontRef>
+        </p:style>
+        <p:txBody>
+          <a:bodyPr rtlCol="0" anchor="ctr"/>
+          <a:lstStyle/>
+          <a:p>
+            <a:pPr algn="ctr"/>
+            <a:r>
+              <a:rPr lang="en-US" dirty="0"/>
+              <a:t>End</a:t>
+            </a:r>
+          </a:p>
+        </p:txBody>
+      </p:sp>
+      <p:sp>
+        <p:nvSpPr>
+          <p:cNvPr id="13" name="Flowchart: Alternate Process 12"/>
+          <p:cNvSpPr/>
+          <p:nvPr/>
+        </p:nvSpPr>
+        <p:spPr>
+          <a:xfrm>
+            <a:off x="6258547" y="2676528"/>
+            <a:ext cx="1320800" cy="476250"/>
+          </a:xfrm>
+          <a:prstGeom prst="flowChartAlternateProcess">
+            <a:avLst/>
+          </a:prstGeom>
+        </p:spPr>
+        <p:style>
+          <a:lnRef idx="2">
+            <a:schemeClr val="dk1"/>
+          </a:lnRef>
+          <a:fillRef idx="1">
+            <a:schemeClr val="lt1"/>
+          </a:fillRef>
+          <a:effectRef idx="0">
+            <a:schemeClr val="dk1"/>
+          </a:effectRef>
+          <a:fontRef idx="minor">
+            <a:schemeClr val="dk1"/>
+          </a:fontRef>
+        </p:style>
+        <p:txBody>
+          <a:bodyPr rtlCol="0" anchor="ctr"/>
+          <a:lstStyle/>
+          <a:p>
+            <a:pPr algn="ctr"/>
+            <a:r>
+              <a:rPr lang="en-US" dirty="0"/>
+              <a:t>M-step</a:t>
+            </a:r>
+          </a:p>
+        </p:txBody>
+      </p:sp>
+      <p:sp>
+        <p:nvSpPr>
+          <p:cNvPr id="14" name="Flowchart: Alternate Process 13"/>
+          <p:cNvSpPr/>
+          <p:nvPr/>
+        </p:nvSpPr>
+        <p:spPr>
+          <a:xfrm>
+            <a:off x="3291851" y="3848100"/>
+            <a:ext cx="1320800" cy="476250"/>
+          </a:xfrm>
+          <a:prstGeom prst="flowChartAlternateProcess">
+            <a:avLst/>
+          </a:prstGeom>
+        </p:spPr>
+        <p:style>
+          <a:lnRef idx="2">
+            <a:schemeClr val="dk1"/>
+          </a:lnRef>
+          <a:fillRef idx="1">
+            <a:schemeClr val="lt1"/>
+          </a:fillRef>
+          <a:effectRef idx="0">
+            <a:schemeClr val="dk1"/>
+          </a:effectRef>
+          <a:fontRef idx="minor">
+            <a:schemeClr val="dk1"/>
+          </a:fontRef>
+        </p:style>
+        <p:txBody>
+          <a:bodyPr rtlCol="0" anchor="ctr"/>
+          <a:lstStyle/>
+          <a:p>
+            <a:pPr algn="ctr"/>
+            <a:r>
+              <a:rPr lang="en-US" dirty="0"/>
+              <a:t>Filtering</a:t>
+            </a:r>
+          </a:p>
+        </p:txBody>
+      </p:sp>
+      <p:sp>
+        <p:nvSpPr>
+          <p:cNvPr id="15" name="Flowchart: Alternate Process 14"/>
+          <p:cNvSpPr/>
+          <p:nvPr/>
+        </p:nvSpPr>
+        <p:spPr>
+          <a:xfrm>
+            <a:off x="5217149" y="3848100"/>
+            <a:ext cx="1320800" cy="476250"/>
+          </a:xfrm>
+          <a:prstGeom prst="flowChartAlternateProcess">
+            <a:avLst/>
+          </a:prstGeom>
+        </p:spPr>
+        <p:style>
+          <a:lnRef idx="2">
+            <a:schemeClr val="dk1"/>
+          </a:lnRef>
+          <a:fillRef idx="1">
+            <a:schemeClr val="lt1"/>
+          </a:fillRef>
+          <a:effectRef idx="0">
+            <a:schemeClr val="dk1"/>
+          </a:effectRef>
+          <a:fontRef idx="minor">
+            <a:schemeClr val="dk1"/>
+          </a:fontRef>
+        </p:style>
+        <p:txBody>
+          <a:bodyPr rtlCol="0" anchor="ctr"/>
+          <a:lstStyle/>
+          <a:p>
+            <a:pPr algn="ctr"/>
+            <a:r>
+              <a:rPr lang="en-US" dirty="0"/>
+              <a:t>Smoothing</a:t>
+            </a:r>
+          </a:p>
+        </p:txBody>
+      </p:sp>
+      <p:sp>
+        <p:nvSpPr>
+          <p:cNvPr id="16" name="Flowchart: Decision 15"/>
+          <p:cNvSpPr/>
+          <p:nvPr/>
+        </p:nvSpPr>
+        <p:spPr>
+          <a:xfrm>
+            <a:off x="7989547" y="2470153"/>
+            <a:ext cx="1549400" cy="889000"/>
+          </a:xfrm>
+          <a:prstGeom prst="flowChartDecision">
+            <a:avLst/>
+          </a:prstGeom>
+        </p:spPr>
+        <p:style>
+          <a:lnRef idx="2">
+            <a:schemeClr val="dk1"/>
+          </a:lnRef>
+          <a:fillRef idx="1">
+            <a:schemeClr val="lt1"/>
+          </a:fillRef>
+          <a:effectRef idx="0">
+            <a:schemeClr val="dk1"/>
+          </a:effectRef>
+          <a:fontRef idx="minor">
+            <a:schemeClr val="dk1"/>
+          </a:fontRef>
+        </p:style>
+        <p:txBody>
+          <a:bodyPr rtlCol="0" anchor="ctr"/>
+          <a:lstStyle/>
+          <a:p>
+            <a:pPr algn="ctr"/>
+            <a:r>
+              <a:rPr lang="en-US" dirty="0"/>
+              <a:t>Converged</a:t>
+            </a:r>
+          </a:p>
+        </p:txBody>
+      </p:sp>
+      <p:sp>
+        <p:nvSpPr>
+          <p:cNvPr id="77" name="TextBox 76"/>
+          <p:cNvSpPr txBox="1"/>
+          <p:nvPr/>
+        </p:nvSpPr>
+        <p:spPr>
+          <a:xfrm>
+            <a:off x="1510622" y="2973170"/>
+            <a:ext cx="709040" cy="584775"/>
+          </a:xfrm>
+          <a:prstGeom prst="rect">
+            <a:avLst/>
+          </a:prstGeom>
+          <a:noFill/>
+        </p:spPr>
+        <p:txBody>
+          <a:bodyPr wrap="none" rtlCol="0">
+            <a:spAutoFit/>
+          </a:bodyPr>
+          <a:lstStyle/>
+          <a:p>
+            <a:r>
+              <a:rPr lang="en-US" sz="1600" dirty="0"/>
+              <a:t>Initial </a:t>
+            </a:r>
+          </a:p>
+          <a:p>
+            <a:r>
+              <a:rPr lang="en-US" sz="1600" dirty="0"/>
+              <a:t>values</a:t>
+            </a:r>
+          </a:p>
+        </p:txBody>
+      </p:sp>
+      <p:cxnSp>
+        <p:nvCxnSpPr>
+          <p:cNvPr id="21" name="Straight Arrow Connector 20"/>
+          <p:cNvCxnSpPr>
+            <a:cxnSpLocks/>
+            <a:stCxn id="16" idx="3"/>
+            <a:endCxn id="12" idx="1"/>
+          </p:cNvCxnSpPr>
+          <p:nvPr/>
+        </p:nvCxnSpPr>
+        <p:spPr>
+          <a:xfrm>
+            <a:off x="9538947" y="2914653"/>
+            <a:ext cx="444499" cy="0"/>
+          </a:xfrm>
+          <a:prstGeom prst="straightConnector1">
+            <a:avLst/>
+          </a:prstGeom>
+          <a:ln>
+            <a:tailEnd type="triangle"/>
+          </a:ln>
+        </p:spPr>
+        <p:style>
+          <a:lnRef idx="1">
+            <a:schemeClr val="dk1"/>
+          </a:lnRef>
+          <a:fillRef idx="0">
+            <a:schemeClr val="dk1"/>
+          </a:fillRef>
+          <a:effectRef idx="0">
+            <a:schemeClr val="dk1"/>
+          </a:effectRef>
+          <a:fontRef idx="minor">
+            <a:schemeClr val="tx1"/>
+          </a:fontRef>
+        </p:style>
+      </p:cxnSp>
+      <p:cxnSp>
+        <p:nvCxnSpPr>
+          <p:cNvPr id="25" name="Straight Arrow Connector 24"/>
+          <p:cNvCxnSpPr>
+            <a:cxnSpLocks/>
+            <a:stCxn id="11" idx="3"/>
+            <a:endCxn id="10" idx="1"/>
+          </p:cNvCxnSpPr>
+          <p:nvPr/>
+        </p:nvCxnSpPr>
+        <p:spPr>
+          <a:xfrm>
+            <a:off x="1473200" y="2914653"/>
+            <a:ext cx="749298" cy="0"/>
+          </a:xfrm>
+          <a:prstGeom prst="straightConnector1">
+            <a:avLst/>
+          </a:prstGeom>
+          <a:ln>
+            <a:tailEnd type="triangle"/>
+          </a:ln>
+        </p:spPr>
+        <p:style>
+          <a:lnRef idx="1">
+            <a:schemeClr val="dk1"/>
+          </a:lnRef>
+          <a:fillRef idx="0">
+            <a:schemeClr val="dk1"/>
+          </a:fillRef>
+          <a:effectRef idx="0">
+            <a:schemeClr val="dk1"/>
+          </a:effectRef>
+          <a:fontRef idx="minor">
+            <a:schemeClr val="tx1"/>
+          </a:fontRef>
+        </p:style>
+      </p:cxnSp>
+      <p:cxnSp>
+        <p:nvCxnSpPr>
+          <p:cNvPr id="30" name="Straight Arrow Connector 29"/>
+          <p:cNvCxnSpPr>
+            <a:stCxn id="13" idx="3"/>
+            <a:endCxn id="16" idx="1"/>
+          </p:cNvCxnSpPr>
+          <p:nvPr/>
+        </p:nvCxnSpPr>
+        <p:spPr>
+          <a:xfrm>
+            <a:off x="7579347" y="2914653"/>
+            <a:ext cx="410200" cy="0"/>
+          </a:xfrm>
+          <a:prstGeom prst="straightConnector1">
+            <a:avLst/>
+          </a:prstGeom>
+          <a:ln>
+            <a:tailEnd type="triangle"/>
+          </a:ln>
+        </p:spPr>
+        <p:style>
+          <a:lnRef idx="1">
+            <a:schemeClr val="dk1"/>
+          </a:lnRef>
+          <a:fillRef idx="0">
+            <a:schemeClr val="dk1"/>
+          </a:fillRef>
+          <a:effectRef idx="0">
+            <a:schemeClr val="dk1"/>
+          </a:effectRef>
+          <a:fontRef idx="minor">
+            <a:schemeClr val="tx1"/>
+          </a:fontRef>
+        </p:style>
+      </p:cxnSp>
+      <p:cxnSp>
+        <p:nvCxnSpPr>
+          <p:cNvPr id="34" name="Straight Arrow Connector 33"/>
+          <p:cNvCxnSpPr>
+            <a:stCxn id="14" idx="3"/>
+            <a:endCxn id="15" idx="1"/>
+          </p:cNvCxnSpPr>
+          <p:nvPr/>
+        </p:nvCxnSpPr>
+        <p:spPr>
+          <a:xfrm>
+            <a:off x="4612651" y="4086225"/>
+            <a:ext cx="604498" cy="0"/>
+          </a:xfrm>
+          <a:prstGeom prst="straightConnector1">
+            <a:avLst/>
+          </a:prstGeom>
+          <a:ln>
+            <a:tailEnd type="triangle"/>
+          </a:ln>
+        </p:spPr>
+        <p:style>
+          <a:lnRef idx="1">
+            <a:schemeClr val="dk1"/>
+          </a:lnRef>
+          <a:fillRef idx="0">
+            <a:schemeClr val="dk1"/>
+          </a:fillRef>
+          <a:effectRef idx="0">
+            <a:schemeClr val="dk1"/>
+          </a:effectRef>
+          <a:fontRef idx="minor">
+            <a:schemeClr val="tx1"/>
+          </a:fontRef>
+        </p:style>
+      </p:cxnSp>
+      <p:cxnSp>
+        <p:nvCxnSpPr>
+          <p:cNvPr id="36" name="Straight Arrow Connector 35"/>
+          <p:cNvCxnSpPr>
+            <a:cxnSpLocks/>
+            <a:endCxn id="14" idx="1"/>
+          </p:cNvCxnSpPr>
+          <p:nvPr/>
+        </p:nvCxnSpPr>
+        <p:spPr>
+          <a:xfrm>
+            <a:off x="2882898" y="4086225"/>
+            <a:ext cx="408953" cy="0"/>
+          </a:xfrm>
+          <a:prstGeom prst="straightConnector1">
+            <a:avLst/>
+          </a:prstGeom>
+          <a:ln>
+            <a:tailEnd type="triangle"/>
+          </a:ln>
+        </p:spPr>
+        <p:style>
+          <a:lnRef idx="1">
+            <a:schemeClr val="dk1"/>
+          </a:lnRef>
+          <a:fillRef idx="0">
+            <a:schemeClr val="dk1"/>
+          </a:fillRef>
+          <a:effectRef idx="0">
+            <a:schemeClr val="dk1"/>
+          </a:effectRef>
+          <a:fontRef idx="minor">
+            <a:schemeClr val="tx1"/>
+          </a:fontRef>
+        </p:style>
+      </p:cxnSp>
+      <p:cxnSp>
+        <p:nvCxnSpPr>
+          <p:cNvPr id="39" name="Straight Connector 38"/>
+          <p:cNvCxnSpPr>
+            <a:cxnSpLocks/>
+            <a:stCxn id="10" idx="2"/>
+          </p:cNvCxnSpPr>
+          <p:nvPr/>
+        </p:nvCxnSpPr>
+        <p:spPr>
+          <a:xfrm>
+            <a:off x="2882898" y="3152778"/>
+            <a:ext cx="0" cy="933447"/>
+          </a:xfrm>
+          <a:prstGeom prst="line">
+            <a:avLst/>
+          </a:prstGeom>
+        </p:spPr>
+        <p:style>
+          <a:lnRef idx="1">
+            <a:schemeClr val="dk1"/>
+          </a:lnRef>
+          <a:fillRef idx="0">
+            <a:schemeClr val="dk1"/>
+          </a:fillRef>
+          <a:effectRef idx="0">
+            <a:schemeClr val="dk1"/>
+          </a:effectRef>
+          <a:fontRef idx="minor">
+            <a:schemeClr val="tx1"/>
+          </a:fontRef>
+        </p:style>
+      </p:cxnSp>
+      <p:cxnSp>
+        <p:nvCxnSpPr>
+          <p:cNvPr id="41" name="Straight Arrow Connector 40"/>
+          <p:cNvCxnSpPr>
+            <a:endCxn id="13" idx="2"/>
+          </p:cNvCxnSpPr>
+          <p:nvPr/>
+        </p:nvCxnSpPr>
+        <p:spPr>
+          <a:xfrm flipV="1">
+            <a:off x="6918947" y="3152778"/>
+            <a:ext cx="0" cy="933447"/>
+          </a:xfrm>
+          <a:prstGeom prst="straightConnector1">
+            <a:avLst/>
+          </a:prstGeom>
+          <a:ln>
+            <a:tailEnd type="triangle"/>
+          </a:ln>
+        </p:spPr>
+        <p:style>
+          <a:lnRef idx="1">
+            <a:schemeClr val="dk1"/>
+          </a:lnRef>
+          <a:fillRef idx="0">
+            <a:schemeClr val="dk1"/>
+          </a:fillRef>
+          <a:effectRef idx="0">
+            <a:schemeClr val="dk1"/>
+          </a:effectRef>
+          <a:fontRef idx="minor">
+            <a:schemeClr val="tx1"/>
+          </a:fontRef>
+        </p:style>
+      </p:cxnSp>
+      <p:cxnSp>
+        <p:nvCxnSpPr>
+          <p:cNvPr id="43" name="Straight Connector 42"/>
+          <p:cNvCxnSpPr>
+            <a:cxnSpLocks/>
+            <a:stCxn id="15" idx="3"/>
+          </p:cNvCxnSpPr>
+          <p:nvPr/>
+        </p:nvCxnSpPr>
+        <p:spPr>
+          <a:xfrm>
+            <a:off x="6537949" y="4086225"/>
+            <a:ext cx="380998" cy="0"/>
+          </a:xfrm>
+          <a:prstGeom prst="line">
+            <a:avLst/>
+          </a:prstGeom>
+        </p:spPr>
+        <p:style>
+          <a:lnRef idx="1">
+            <a:schemeClr val="dk1"/>
+          </a:lnRef>
+          <a:fillRef idx="0">
+            <a:schemeClr val="dk1"/>
+          </a:fillRef>
+          <a:effectRef idx="0">
+            <a:schemeClr val="dk1"/>
+          </a:effectRef>
+          <a:fontRef idx="minor">
+            <a:schemeClr val="tx1"/>
+          </a:fontRef>
+        </p:style>
+      </p:cxnSp>
+      <p:cxnSp>
+        <p:nvCxnSpPr>
+          <p:cNvPr id="54" name="Straight Arrow Connector 53"/>
+          <p:cNvCxnSpPr>
+            <a:cxnSpLocks/>
+            <a:endCxn id="10" idx="0"/>
+          </p:cNvCxnSpPr>
+          <p:nvPr/>
+        </p:nvCxnSpPr>
+        <p:spPr>
+          <a:xfrm>
+            <a:off x="2882898" y="1981200"/>
+            <a:ext cx="0" cy="695328"/>
+          </a:xfrm>
+          <a:prstGeom prst="straightConnector1">
+            <a:avLst/>
+          </a:prstGeom>
+          <a:ln>
+            <a:tailEnd type="triangle"/>
+          </a:ln>
+        </p:spPr>
+        <p:style>
+          <a:lnRef idx="1">
+            <a:schemeClr val="dk1"/>
+          </a:lnRef>
+          <a:fillRef idx="0">
+            <a:schemeClr val="dk1"/>
+          </a:fillRef>
+          <a:effectRef idx="0">
+            <a:schemeClr val="dk1"/>
+          </a:effectRef>
+          <a:fontRef idx="minor">
+            <a:schemeClr val="tx1"/>
+          </a:fontRef>
+        </p:style>
+      </p:cxnSp>
+      <p:cxnSp>
+        <p:nvCxnSpPr>
+          <p:cNvPr id="59" name="Straight Connector 58"/>
+          <p:cNvCxnSpPr>
+            <a:stCxn id="16" idx="0"/>
+          </p:cNvCxnSpPr>
+          <p:nvPr/>
+        </p:nvCxnSpPr>
+        <p:spPr>
+          <a:xfrm flipH="1" flipV="1">
+            <a:off x="8763000" y="1981200"/>
+            <a:ext cx="1247" cy="488953"/>
+          </a:xfrm>
+          <a:prstGeom prst="line">
+            <a:avLst/>
+          </a:prstGeom>
+        </p:spPr>
+        <p:style>
+          <a:lnRef idx="1">
+            <a:schemeClr val="dk1"/>
+          </a:lnRef>
+          <a:fillRef idx="0">
+            <a:schemeClr val="dk1"/>
+          </a:fillRef>
+          <a:effectRef idx="0">
+            <a:schemeClr val="dk1"/>
+          </a:effectRef>
+          <a:fontRef idx="minor">
+            <a:schemeClr val="tx1"/>
+          </a:fontRef>
+        </p:style>
+      </p:cxnSp>
+      <p:cxnSp>
+        <p:nvCxnSpPr>
+          <p:cNvPr id="61" name="Straight Connector 60"/>
+          <p:cNvCxnSpPr>
+            <a:cxnSpLocks/>
+          </p:cNvCxnSpPr>
+          <p:nvPr/>
+        </p:nvCxnSpPr>
+        <p:spPr>
+          <a:xfrm flipH="1">
+            <a:off x="2882898" y="1981200"/>
+            <a:ext cx="5880102" cy="0"/>
+          </a:xfrm>
+          <a:prstGeom prst="line">
+            <a:avLst/>
+          </a:prstGeom>
+        </p:spPr>
+        <p:style>
+          <a:lnRef idx="1">
+            <a:schemeClr val="dk1"/>
+          </a:lnRef>
+          <a:fillRef idx="0">
+            <a:schemeClr val="dk1"/>
+          </a:fillRef>
+          <a:effectRef idx="0">
+            <a:schemeClr val="dk1"/>
+          </a:effectRef>
+          <a:fontRef idx="minor">
+            <a:schemeClr val="tx1"/>
+          </a:fontRef>
+        </p:style>
+      </p:cxnSp>
+      <p:sp>
+        <p:nvSpPr>
+          <p:cNvPr id="69" name="TextBox 68"/>
+          <p:cNvSpPr txBox="1"/>
+          <p:nvPr/>
+        </p:nvSpPr>
+        <p:spPr>
+          <a:xfrm>
+            <a:off x="3511965" y="4318000"/>
+            <a:ext cx="1100686" cy="338554"/>
+          </a:xfrm>
+          <a:prstGeom prst="rect">
+            <a:avLst/>
+          </a:prstGeom>
+          <a:noFill/>
+        </p:spPr>
+        <p:txBody>
+          <a:bodyPr wrap="none" rtlCol="0">
+            <a:spAutoFit/>
+          </a:bodyPr>
+          <a:lstStyle/>
+          <a:p>
+            <a:r>
+              <a:rPr lang="en-US" sz="1600" i="1" dirty="0"/>
+              <a:t>from 1 to T</a:t>
+            </a:r>
+          </a:p>
+        </p:txBody>
+      </p:sp>
+      <p:sp>
+        <p:nvSpPr>
+          <p:cNvPr id="73" name="TextBox 72"/>
+          <p:cNvSpPr txBox="1"/>
+          <p:nvPr/>
+        </p:nvSpPr>
+        <p:spPr>
+          <a:xfrm>
+            <a:off x="5315691" y="4325421"/>
+            <a:ext cx="1267398" cy="338554"/>
+          </a:xfrm>
+          <a:prstGeom prst="rect">
+            <a:avLst/>
+          </a:prstGeom>
+          <a:noFill/>
+        </p:spPr>
+        <p:txBody>
+          <a:bodyPr wrap="none" rtlCol="0">
+            <a:spAutoFit/>
+          </a:bodyPr>
+          <a:lstStyle/>
+          <a:p>
+            <a:r>
+              <a:rPr lang="en-US" sz="1600" i="1" dirty="0"/>
+              <a:t>from T-1 to 1</a:t>
+            </a:r>
+          </a:p>
+        </p:txBody>
+      </p:sp>
+    </p:spTree>
+    <p:extLst>
+      <p:ext uri="{BB962C8B-B14F-4D97-AF65-F5344CB8AC3E}">
+        <p14:creationId xmlns:p14="http://schemas.microsoft.com/office/powerpoint/2010/main" val="3557576503"/>
+      </p:ext>
+    </p:extLst>
+  </p:cSld>
+  <p:clrMapOvr>
+    <a:masterClrMapping/>
+  </p:clrMapOvr>
+</p:sld>
+</file>
+
+<file path=ppt/slides/slide14.xml><?xml version="1.0" encoding="utf-8"?>
+<p:sld xmlns:a="http://schemas.openxmlformats.org/drawingml/2006/main" xmlns:r="http://schemas.openxmlformats.org/officeDocument/2006/relationships" xmlns:p="http://schemas.openxmlformats.org/presentationml/2006/main">
+  <p:cSld>
+    <p:spTree>
+      <p:nvGrpSpPr>
+        <p:cNvPr id="1" name=""/>
+        <p:cNvGrpSpPr/>
+        <p:nvPr/>
+      </p:nvGrpSpPr>
+      <p:grpSpPr>
+        <a:xfrm>
+          <a:off x="0" y="0"/>
+          <a:ext cx="0" cy="0"/>
+          <a:chOff x="0" y="0"/>
+          <a:chExt cx="0" cy="0"/>
+        </a:xfrm>
+      </p:grpSpPr>
+      <p:sp>
+        <p:nvSpPr>
+          <p:cNvPr id="5" name="Flowchart: Terminator 4"/>
+          <p:cNvSpPr/>
+          <p:nvPr/>
+        </p:nvSpPr>
+        <p:spPr>
+          <a:xfrm>
+            <a:off x="1079500" y="2654303"/>
+            <a:ext cx="863600" cy="520700"/>
+          </a:xfrm>
+          <a:prstGeom prst="flowChartTerminator">
+            <a:avLst/>
+          </a:prstGeom>
+        </p:spPr>
+        <p:style>
+          <a:lnRef idx="2">
+            <a:schemeClr val="dk1"/>
+          </a:lnRef>
+          <a:fillRef idx="1">
+            <a:schemeClr val="lt1"/>
+          </a:fillRef>
+          <a:effectRef idx="0">
+            <a:schemeClr val="dk1"/>
+          </a:effectRef>
+          <a:fontRef idx="minor">
+            <a:schemeClr val="dk1"/>
+          </a:fontRef>
+        </p:style>
+        <p:txBody>
+          <a:bodyPr rtlCol="0" anchor="ctr"/>
+          <a:lstStyle/>
+          <a:p>
+            <a:pPr algn="ctr"/>
+            <a:r>
+              <a:rPr lang="en-US" dirty="0"/>
+              <a:t>Start</a:t>
+            </a:r>
+          </a:p>
+        </p:txBody>
+      </p:sp>
+      <p:sp>
+        <p:nvSpPr>
+          <p:cNvPr id="6" name="Flowchart: Terminator 5"/>
+          <p:cNvSpPr/>
+          <p:nvPr/>
+        </p:nvSpPr>
+        <p:spPr>
+          <a:xfrm>
+            <a:off x="10262846" y="2654303"/>
+            <a:ext cx="863600" cy="520700"/>
+          </a:xfrm>
+          <a:prstGeom prst="flowChartTerminator">
+            <a:avLst/>
+          </a:prstGeom>
+        </p:spPr>
+        <p:style>
+          <a:lnRef idx="2">
+            <a:schemeClr val="dk1"/>
+          </a:lnRef>
+          <a:fillRef idx="1">
+            <a:schemeClr val="lt1"/>
+          </a:fillRef>
+          <a:effectRef idx="0">
+            <a:schemeClr val="dk1"/>
+          </a:effectRef>
+          <a:fontRef idx="minor">
+            <a:schemeClr val="dk1"/>
+          </a:fontRef>
+        </p:style>
+        <p:txBody>
+          <a:bodyPr rtlCol="0" anchor="ctr"/>
+          <a:lstStyle/>
+          <a:p>
+            <a:pPr algn="ctr"/>
+            <a:r>
+              <a:rPr lang="en-US" dirty="0"/>
+              <a:t>End</a:t>
+            </a:r>
+          </a:p>
+        </p:txBody>
+      </p:sp>
+      <p:sp>
+        <p:nvSpPr>
+          <p:cNvPr id="7" name="Flowchart: Alternate Process 6"/>
+          <p:cNvSpPr/>
+          <p:nvPr/>
+        </p:nvSpPr>
+        <p:spPr>
+          <a:xfrm>
+            <a:off x="6664947" y="2676528"/>
+            <a:ext cx="1320800" cy="476250"/>
+          </a:xfrm>
+          <a:prstGeom prst="flowChartAlternateProcess">
+            <a:avLst/>
+          </a:prstGeom>
+        </p:spPr>
+        <p:style>
+          <a:lnRef idx="2">
+            <a:schemeClr val="dk1"/>
+          </a:lnRef>
+          <a:fillRef idx="1">
+            <a:schemeClr val="lt1"/>
+          </a:fillRef>
+          <a:effectRef idx="0">
+            <a:schemeClr val="dk1"/>
+          </a:effectRef>
+          <a:fontRef idx="minor">
+            <a:schemeClr val="dk1"/>
+          </a:fontRef>
+        </p:style>
+        <p:txBody>
+          <a:bodyPr rtlCol="0" anchor="ctr"/>
+          <a:lstStyle/>
+          <a:p>
+            <a:pPr algn="ctr"/>
+            <a:r>
+              <a:rPr lang="en-US" dirty="0"/>
+              <a:t>M-step</a:t>
+            </a:r>
+          </a:p>
+        </p:txBody>
+      </p:sp>
+      <p:sp>
+        <p:nvSpPr>
+          <p:cNvPr id="10" name="Flowchart: Decision 9"/>
+          <p:cNvSpPr/>
+          <p:nvPr/>
+        </p:nvSpPr>
+        <p:spPr>
+          <a:xfrm>
+            <a:off x="8345147" y="2470153"/>
+            <a:ext cx="1549400" cy="889000"/>
+          </a:xfrm>
+          <a:prstGeom prst="flowChartDecision">
+            <a:avLst/>
+          </a:prstGeom>
+        </p:spPr>
+        <p:style>
+          <a:lnRef idx="2">
+            <a:schemeClr val="dk1"/>
+          </a:lnRef>
+          <a:fillRef idx="1">
+            <a:schemeClr val="lt1"/>
+          </a:fillRef>
+          <a:effectRef idx="0">
+            <a:schemeClr val="dk1"/>
+          </a:effectRef>
+          <a:fontRef idx="minor">
+            <a:schemeClr val="dk1"/>
+          </a:fontRef>
+        </p:style>
+        <p:txBody>
+          <a:bodyPr rtlCol="0" anchor="ctr"/>
+          <a:lstStyle/>
+          <a:p>
+            <a:pPr algn="ctr"/>
+            <a:r>
+              <a:rPr lang="en-US" dirty="0"/>
+              <a:t>Converged</a:t>
+            </a:r>
+          </a:p>
+        </p:txBody>
+      </p:sp>
+      <p:sp>
+        <p:nvSpPr>
+          <p:cNvPr id="11" name="TextBox 10"/>
+          <p:cNvSpPr txBox="1"/>
+          <p:nvPr/>
+        </p:nvSpPr>
+        <p:spPr>
+          <a:xfrm>
+            <a:off x="1955036" y="2355278"/>
+            <a:ext cx="709040" cy="584775"/>
+          </a:xfrm>
+          <a:prstGeom prst="rect">
+            <a:avLst/>
+          </a:prstGeom>
+          <a:noFill/>
+        </p:spPr>
+        <p:txBody>
+          <a:bodyPr wrap="none" rtlCol="0">
+            <a:spAutoFit/>
+          </a:bodyPr>
+          <a:lstStyle/>
+          <a:p>
+            <a:r>
+              <a:rPr lang="en-US" sz="1600" dirty="0"/>
+              <a:t>Initial </a:t>
+            </a:r>
+          </a:p>
+          <a:p>
+            <a:r>
+              <a:rPr lang="en-US" sz="1600" dirty="0"/>
+              <a:t>values</a:t>
+            </a:r>
+          </a:p>
+        </p:txBody>
+      </p:sp>
+      <p:cxnSp>
+        <p:nvCxnSpPr>
+          <p:cNvPr id="12" name="Straight Arrow Connector 11"/>
+          <p:cNvCxnSpPr>
+            <a:cxnSpLocks/>
+            <a:stCxn id="10" idx="3"/>
+            <a:endCxn id="6" idx="1"/>
+          </p:cNvCxnSpPr>
+          <p:nvPr/>
+        </p:nvCxnSpPr>
+        <p:spPr>
+          <a:xfrm>
+            <a:off x="9894547" y="2914653"/>
+            <a:ext cx="368299" cy="0"/>
+          </a:xfrm>
+          <a:prstGeom prst="straightConnector1">
+            <a:avLst/>
+          </a:prstGeom>
+          <a:ln>
+            <a:tailEnd type="triangle"/>
+          </a:ln>
+        </p:spPr>
+        <p:style>
+          <a:lnRef idx="1">
+            <a:schemeClr val="dk1"/>
+          </a:lnRef>
+          <a:fillRef idx="0">
+            <a:schemeClr val="dk1"/>
+          </a:fillRef>
+          <a:effectRef idx="0">
+            <a:schemeClr val="dk1"/>
+          </a:effectRef>
+          <a:fontRef idx="minor">
+            <a:schemeClr val="tx1"/>
+          </a:fontRef>
+        </p:style>
+      </p:cxnSp>
+      <p:cxnSp>
+        <p:nvCxnSpPr>
+          <p:cNvPr id="13" name="Straight Arrow Connector 12"/>
+          <p:cNvCxnSpPr>
+            <a:cxnSpLocks/>
+            <a:stCxn id="5" idx="3"/>
+            <a:endCxn id="8" idx="1"/>
+          </p:cNvCxnSpPr>
+          <p:nvPr/>
+        </p:nvCxnSpPr>
+        <p:spPr>
+          <a:xfrm>
+            <a:off x="1943100" y="2914653"/>
+            <a:ext cx="1202700" cy="0"/>
+          </a:xfrm>
+          <a:prstGeom prst="straightConnector1">
+            <a:avLst/>
+          </a:prstGeom>
+          <a:ln>
+            <a:tailEnd type="triangle"/>
+          </a:ln>
+        </p:spPr>
+        <p:style>
+          <a:lnRef idx="1">
+            <a:schemeClr val="dk1"/>
+          </a:lnRef>
+          <a:fillRef idx="0">
+            <a:schemeClr val="dk1"/>
+          </a:fillRef>
+          <a:effectRef idx="0">
+            <a:schemeClr val="dk1"/>
+          </a:effectRef>
+          <a:fontRef idx="minor">
+            <a:schemeClr val="tx1"/>
+          </a:fontRef>
+        </p:style>
+      </p:cxnSp>
+      <p:cxnSp>
+        <p:nvCxnSpPr>
+          <p:cNvPr id="14" name="Straight Arrow Connector 13"/>
+          <p:cNvCxnSpPr>
+            <a:stCxn id="7" idx="3"/>
+            <a:endCxn id="10" idx="1"/>
+          </p:cNvCxnSpPr>
+          <p:nvPr/>
+        </p:nvCxnSpPr>
+        <p:spPr>
+          <a:xfrm>
+            <a:off x="7985747" y="2914653"/>
+            <a:ext cx="359400" cy="0"/>
+          </a:xfrm>
+          <a:prstGeom prst="straightConnector1">
+            <a:avLst/>
+          </a:prstGeom>
+          <a:ln>
+            <a:tailEnd type="triangle"/>
+          </a:ln>
+        </p:spPr>
+        <p:style>
+          <a:lnRef idx="1">
+            <a:schemeClr val="dk1"/>
+          </a:lnRef>
+          <a:fillRef idx="0">
+            <a:schemeClr val="dk1"/>
+          </a:fillRef>
+          <a:effectRef idx="0">
+            <a:schemeClr val="dk1"/>
+          </a:effectRef>
+          <a:fontRef idx="minor">
+            <a:schemeClr val="tx1"/>
+          </a:fontRef>
+        </p:style>
+      </p:cxnSp>
+      <p:cxnSp>
+        <p:nvCxnSpPr>
+          <p:cNvPr id="15" name="Straight Arrow Connector 14"/>
+          <p:cNvCxnSpPr>
+            <a:stCxn id="8" idx="3"/>
+            <a:endCxn id="9" idx="1"/>
+          </p:cNvCxnSpPr>
+          <p:nvPr/>
+        </p:nvCxnSpPr>
+        <p:spPr>
+          <a:xfrm>
+            <a:off x="4466600" y="2914653"/>
+            <a:ext cx="363198" cy="0"/>
+          </a:xfrm>
+          <a:prstGeom prst="straightConnector1">
+            <a:avLst/>
+          </a:prstGeom>
+          <a:ln>
+            <a:tailEnd type="triangle"/>
+          </a:ln>
+        </p:spPr>
+        <p:style>
+          <a:lnRef idx="1">
+            <a:schemeClr val="dk1"/>
+          </a:lnRef>
+          <a:fillRef idx="0">
+            <a:schemeClr val="dk1"/>
+          </a:fillRef>
+          <a:effectRef idx="0">
+            <a:schemeClr val="dk1"/>
+          </a:effectRef>
+          <a:fontRef idx="minor">
+            <a:schemeClr val="tx1"/>
+          </a:fontRef>
+        </p:style>
+      </p:cxnSp>
+      <p:cxnSp>
+        <p:nvCxnSpPr>
+          <p:cNvPr id="20" name="Straight Arrow Connector 19"/>
+          <p:cNvCxnSpPr>
+            <a:cxnSpLocks/>
+          </p:cNvCxnSpPr>
+          <p:nvPr/>
+        </p:nvCxnSpPr>
+        <p:spPr>
+          <a:xfrm>
+            <a:off x="4181884" y="1981200"/>
+            <a:ext cx="0" cy="695328"/>
+          </a:xfrm>
+          <a:prstGeom prst="straightConnector1">
+            <a:avLst/>
+          </a:prstGeom>
+          <a:ln>
+            <a:tailEnd type="triangle"/>
+          </a:ln>
+        </p:spPr>
+        <p:style>
+          <a:lnRef idx="1">
+            <a:schemeClr val="dk1"/>
+          </a:lnRef>
+          <a:fillRef idx="0">
+            <a:schemeClr val="dk1"/>
+          </a:fillRef>
+          <a:effectRef idx="0">
+            <a:schemeClr val="dk1"/>
+          </a:effectRef>
+          <a:fontRef idx="minor">
+            <a:schemeClr val="tx1"/>
+          </a:fontRef>
+        </p:style>
+      </p:cxnSp>
+      <p:cxnSp>
+        <p:nvCxnSpPr>
+          <p:cNvPr id="21" name="Straight Connector 20"/>
+          <p:cNvCxnSpPr>
+            <a:stCxn id="10" idx="0"/>
+          </p:cNvCxnSpPr>
+          <p:nvPr/>
+        </p:nvCxnSpPr>
+        <p:spPr>
+          <a:xfrm flipH="1" flipV="1">
+            <a:off x="9118600" y="1981200"/>
+            <a:ext cx="1247" cy="488953"/>
+          </a:xfrm>
+          <a:prstGeom prst="line">
+            <a:avLst/>
+          </a:prstGeom>
+        </p:spPr>
+        <p:style>
+          <a:lnRef idx="1">
+            <a:schemeClr val="dk1"/>
+          </a:lnRef>
+          <a:fillRef idx="0">
+            <a:schemeClr val="dk1"/>
+          </a:fillRef>
+          <a:effectRef idx="0">
+            <a:schemeClr val="dk1"/>
+          </a:effectRef>
+          <a:fontRef idx="minor">
+            <a:schemeClr val="tx1"/>
+          </a:fontRef>
+        </p:style>
+      </p:cxnSp>
+      <p:cxnSp>
+        <p:nvCxnSpPr>
+          <p:cNvPr id="22" name="Straight Connector 21"/>
+          <p:cNvCxnSpPr>
+            <a:cxnSpLocks/>
+          </p:cNvCxnSpPr>
+          <p:nvPr/>
+        </p:nvCxnSpPr>
+        <p:spPr>
+          <a:xfrm flipH="1">
+            <a:off x="4181884" y="1981200"/>
+            <a:ext cx="4936716" cy="0"/>
+          </a:xfrm>
+          <a:prstGeom prst="line">
+            <a:avLst/>
+          </a:prstGeom>
+        </p:spPr>
+        <p:style>
+          <a:lnRef idx="1">
+            <a:schemeClr val="dk1"/>
+          </a:lnRef>
+          <a:fillRef idx="0">
+            <a:schemeClr val="dk1"/>
+          </a:fillRef>
+          <a:effectRef idx="0">
+            <a:schemeClr val="dk1"/>
+          </a:effectRef>
+          <a:fontRef idx="minor">
+            <a:schemeClr val="tx1"/>
+          </a:fontRef>
+        </p:style>
+      </p:cxnSp>
+      <p:grpSp>
+        <p:nvGrpSpPr>
+          <p:cNvPr id="39" name="Group 38"/>
+          <p:cNvGrpSpPr/>
+          <p:nvPr/>
+        </p:nvGrpSpPr>
+        <p:grpSpPr>
+          <a:xfrm>
+            <a:off x="3145800" y="2676528"/>
+            <a:ext cx="1336747" cy="787430"/>
+            <a:chOff x="2587000" y="2676528"/>
+            <a:chExt cx="1336747" cy="787430"/>
+          </a:xfrm>
+        </p:grpSpPr>
+        <p:sp>
+          <p:nvSpPr>
+            <p:cNvPr id="8" name="Flowchart: Alternate Process 7"/>
+            <p:cNvSpPr/>
+            <p:nvPr/>
+          </p:nvSpPr>
+          <p:spPr>
+            <a:xfrm>
+              <a:off x="2587000" y="2676528"/>
+              <a:ext cx="1320800" cy="476250"/>
+            </a:xfrm>
+            <a:prstGeom prst="flowChartAlternateProcess">
+              <a:avLst/>
+            </a:prstGeom>
+          </p:spPr>
+          <p:style>
+            <a:lnRef idx="2">
+              <a:schemeClr val="dk1"/>
+            </a:lnRef>
+            <a:fillRef idx="1">
+              <a:schemeClr val="lt1"/>
+            </a:fillRef>
+            <a:effectRef idx="0">
+              <a:schemeClr val="dk1"/>
+            </a:effectRef>
+            <a:fontRef idx="minor">
+              <a:schemeClr val="dk1"/>
+            </a:fontRef>
+          </p:style>
+          <p:txBody>
+            <a:bodyPr rtlCol="0" anchor="ctr"/>
+            <a:lstStyle/>
+            <a:p>
+              <a:pPr algn="ctr"/>
+              <a:r>
+                <a:rPr lang="en-US" dirty="0"/>
+                <a:t>Filtering</a:t>
+              </a:r>
+            </a:p>
+          </p:txBody>
+        </p:sp>
+        <p:sp>
+          <p:nvSpPr>
+            <p:cNvPr id="23" name="TextBox 22"/>
+            <p:cNvSpPr txBox="1"/>
+            <p:nvPr/>
+          </p:nvSpPr>
+          <p:spPr>
+            <a:xfrm>
+              <a:off x="2823061" y="3125404"/>
+              <a:ext cx="1100686" cy="338554"/>
+            </a:xfrm>
+            <a:prstGeom prst="rect">
+              <a:avLst/>
+            </a:prstGeom>
+            <a:noFill/>
+          </p:spPr>
+          <p:txBody>
+            <a:bodyPr wrap="none" rtlCol="0">
+              <a:spAutoFit/>
+            </a:bodyPr>
+            <a:lstStyle/>
+            <a:p>
+              <a:r>
+                <a:rPr lang="en-US" sz="1600" i="1" dirty="0"/>
+                <a:t>from 1 to T</a:t>
+              </a:r>
+            </a:p>
+          </p:txBody>
+        </p:sp>
+      </p:grpSp>
+      <p:grpSp>
+        <p:nvGrpSpPr>
+          <p:cNvPr id="38" name="Group 37"/>
+          <p:cNvGrpSpPr/>
+          <p:nvPr/>
+        </p:nvGrpSpPr>
+        <p:grpSpPr>
+          <a:xfrm>
+            <a:off x="4829798" y="2676528"/>
+            <a:ext cx="1362762" cy="787430"/>
+            <a:chOff x="4270998" y="2676528"/>
+            <a:chExt cx="1362762" cy="787430"/>
+          </a:xfrm>
+        </p:grpSpPr>
+        <p:sp>
+          <p:nvSpPr>
+            <p:cNvPr id="9" name="Flowchart: Alternate Process 8"/>
+            <p:cNvSpPr/>
+            <p:nvPr/>
+          </p:nvSpPr>
+          <p:spPr>
+            <a:xfrm>
+              <a:off x="4270998" y="2676528"/>
+              <a:ext cx="1320800" cy="476250"/>
+            </a:xfrm>
+            <a:prstGeom prst="flowChartAlternateProcess">
+              <a:avLst/>
+            </a:prstGeom>
+          </p:spPr>
+          <p:style>
+            <a:lnRef idx="2">
+              <a:schemeClr val="dk1"/>
+            </a:lnRef>
+            <a:fillRef idx="1">
+              <a:schemeClr val="lt1"/>
+            </a:fillRef>
+            <a:effectRef idx="0">
+              <a:schemeClr val="dk1"/>
+            </a:effectRef>
+            <a:fontRef idx="minor">
+              <a:schemeClr val="dk1"/>
+            </a:fontRef>
+          </p:style>
+          <p:txBody>
+            <a:bodyPr rtlCol="0" anchor="ctr"/>
+            <a:lstStyle/>
+            <a:p>
+              <a:pPr algn="ctr"/>
+              <a:r>
+                <a:rPr lang="en-US" dirty="0"/>
+                <a:t>Smoothing</a:t>
+              </a:r>
+            </a:p>
+          </p:txBody>
+        </p:sp>
+        <p:sp>
+          <p:nvSpPr>
+            <p:cNvPr id="24" name="TextBox 23"/>
+            <p:cNvSpPr txBox="1"/>
+            <p:nvPr/>
+          </p:nvSpPr>
+          <p:spPr>
+            <a:xfrm>
+              <a:off x="4366362" y="3125404"/>
+              <a:ext cx="1267398" cy="338554"/>
+            </a:xfrm>
+            <a:prstGeom prst="rect">
+              <a:avLst/>
+            </a:prstGeom>
+            <a:noFill/>
+          </p:spPr>
+          <p:txBody>
+            <a:bodyPr wrap="none" rtlCol="0">
+              <a:spAutoFit/>
+            </a:bodyPr>
+            <a:lstStyle/>
+            <a:p>
+              <a:r>
+                <a:rPr lang="en-US" sz="1600" i="1" dirty="0"/>
+                <a:t>from T-1 to 1</a:t>
+              </a:r>
+            </a:p>
+          </p:txBody>
+        </p:sp>
+      </p:grpSp>
+      <p:cxnSp>
+        <p:nvCxnSpPr>
+          <p:cNvPr id="27" name="Straight Arrow Connector 26"/>
+          <p:cNvCxnSpPr>
+            <a:stCxn id="9" idx="3"/>
+            <a:endCxn id="7" idx="1"/>
+          </p:cNvCxnSpPr>
+          <p:nvPr/>
+        </p:nvCxnSpPr>
+        <p:spPr>
+          <a:xfrm>
+            <a:off x="6150598" y="2914653"/>
+            <a:ext cx="514349" cy="0"/>
+          </a:xfrm>
+          <a:prstGeom prst="straightConnector1">
+            <a:avLst/>
+          </a:prstGeom>
+          <a:ln>
+            <a:tailEnd type="triangle"/>
+          </a:ln>
+        </p:spPr>
+        <p:style>
+          <a:lnRef idx="1">
+            <a:schemeClr val="dk1"/>
+          </a:lnRef>
+          <a:fillRef idx="0">
+            <a:schemeClr val="dk1"/>
+          </a:fillRef>
+          <a:effectRef idx="0">
+            <a:schemeClr val="dk1"/>
+          </a:effectRef>
+          <a:fontRef idx="minor">
+            <a:schemeClr val="tx1"/>
+          </a:fontRef>
+        </p:style>
+      </p:cxnSp>
+      <p:sp>
+        <p:nvSpPr>
+          <p:cNvPr id="32" name="Rectangle 31"/>
+          <p:cNvSpPr/>
+          <p:nvPr/>
+        </p:nvSpPr>
+        <p:spPr>
+          <a:xfrm>
+            <a:off x="2648663" y="2209800"/>
+            <a:ext cx="3843159" cy="1524000"/>
+          </a:xfrm>
+          <a:prstGeom prst="rect">
+            <a:avLst/>
+          </a:prstGeom>
+          <a:noFill/>
+          <a:ln>
+            <a:solidFill>
+              <a:schemeClr val="tx1"/>
+            </a:solidFill>
+            <a:prstDash val="dash"/>
+          </a:ln>
+        </p:spPr>
+        <p:style>
+          <a:lnRef idx="2">
+            <a:schemeClr val="accent1">
+              <a:shade val="50000"/>
+            </a:schemeClr>
+          </a:lnRef>
+          <a:fillRef idx="1">
+            <a:schemeClr val="accent1"/>
+          </a:fillRef>
+          <a:effectRef idx="0">
+            <a:schemeClr val="accent1"/>
+          </a:effectRef>
+          <a:fontRef idx="minor">
+            <a:schemeClr val="lt1"/>
+          </a:fontRef>
+        </p:style>
+        <p:txBody>
+          <a:bodyPr rtlCol="0" anchor="ctr"/>
+          <a:lstStyle/>
+          <a:p>
+            <a:pPr algn="ctr"/>
+            <a:endParaRPr lang="en-US"/>
+          </a:p>
+        </p:txBody>
+      </p:sp>
+      <p:sp>
+        <p:nvSpPr>
+          <p:cNvPr id="33" name="Flowchart: Alternate Process 32"/>
+          <p:cNvSpPr/>
+          <p:nvPr/>
+        </p:nvSpPr>
+        <p:spPr>
+          <a:xfrm>
+            <a:off x="2754874" y="1981203"/>
+            <a:ext cx="1320800" cy="476250"/>
+          </a:xfrm>
+          <a:prstGeom prst="flowChartAlternateProcess">
+            <a:avLst/>
+          </a:prstGeom>
+        </p:spPr>
+        <p:style>
+          <a:lnRef idx="2">
+            <a:schemeClr val="dk1"/>
+          </a:lnRef>
+          <a:fillRef idx="1">
+            <a:schemeClr val="lt1"/>
+          </a:fillRef>
+          <a:effectRef idx="0">
+            <a:schemeClr val="dk1"/>
+          </a:effectRef>
+          <a:fontRef idx="minor">
+            <a:schemeClr val="dk1"/>
+          </a:fontRef>
+        </p:style>
+        <p:txBody>
+          <a:bodyPr rtlCol="0" anchor="ctr"/>
+          <a:lstStyle/>
+          <a:p>
+            <a:pPr algn="ctr"/>
+            <a:r>
+              <a:rPr lang="en-US" dirty="0"/>
+              <a:t>E-step</a:t>
+            </a:r>
+          </a:p>
+        </p:txBody>
+      </p:sp>
+    </p:spTree>
+    <p:extLst>
+      <p:ext uri="{BB962C8B-B14F-4D97-AF65-F5344CB8AC3E}">
+        <p14:creationId xmlns:p14="http://schemas.microsoft.com/office/powerpoint/2010/main" val="1383758845"/>
       </p:ext>
     </p:extLst>
   </p:cSld>
@@ -8823,7 +11207,7 @@
                               <a:solidFill>
                                 <a:schemeClr val="bg1"/>
                               </a:solidFill>
-                              <a:latin typeface="Cambria Math" charset="0"/>
+                              <a:latin typeface="Cambria Math" panose="02040503050406030204" pitchFamily="18" charset="0"/>
                             </a:rPr>
                           </m:ctrlPr>
                         </m:sSubPr>
@@ -8953,7 +11337,7 @@
                               <a:solidFill>
                                 <a:schemeClr val="bg1"/>
                               </a:solidFill>
-                              <a:latin typeface="Cambria Math" charset="0"/>
+                              <a:latin typeface="Cambria Math" panose="02040503050406030204" pitchFamily="18" charset="0"/>
                             </a:rPr>
                           </m:ctrlPr>
                         </m:sSubPr>
@@ -9083,7 +11467,7 @@
                               <a:solidFill>
                                 <a:schemeClr val="bg1"/>
                               </a:solidFill>
-                              <a:latin typeface="Cambria Math" charset="0"/>
+                              <a:latin typeface="Cambria Math" panose="02040503050406030204" pitchFamily="18" charset="0"/>
                             </a:rPr>
                           </m:ctrlPr>
                         </m:sSubPr>
@@ -14369,91 +16753,6 @@
       </p:grpSpPr>
       <p:grpSp>
         <p:nvGrpSpPr>
-          <p:cNvPr id="10" name="Group 9"/>
-          <p:cNvGrpSpPr/>
-          <p:nvPr/>
-        </p:nvGrpSpPr>
-        <p:grpSpPr>
-          <a:xfrm>
-            <a:off x="4617521" y="3956993"/>
-            <a:ext cx="590550" cy="1189804"/>
-            <a:chOff x="3028217" y="4658916"/>
-            <a:chExt cx="590550" cy="1189804"/>
-          </a:xfrm>
-        </p:grpSpPr>
-        <p:pic>
-          <p:nvPicPr>
-            <p:cNvPr id="2056" name="Picture 8" descr="Image result for mobile phone icon"/>
-            <p:cNvPicPr>
-              <a:picLocks noChangeAspect="1" noChangeArrowheads="1"/>
-            </p:cNvPicPr>
-            <p:nvPr/>
-          </p:nvPicPr>
-          <p:blipFill>
-            <a:blip r:embed="rId2">
-              <a:extLst>
-                <a:ext uri="{28A0092B-C50C-407E-A947-70E740481C1C}">
-                  <a14:useLocalDpi xmlns:a14="http://schemas.microsoft.com/office/drawing/2010/main" val="0"/>
-                </a:ext>
-              </a:extLst>
-            </a:blip>
-            <a:srcRect/>
-            <a:stretch>
-              <a:fillRect/>
-            </a:stretch>
-          </p:blipFill>
-          <p:spPr bwMode="auto">
-            <a:xfrm>
-              <a:off x="3028217" y="4658916"/>
-              <a:ext cx="590550" cy="804928"/>
-            </a:xfrm>
-            <a:prstGeom prst="rect">
-              <a:avLst/>
-            </a:prstGeom>
-            <a:noFill/>
-            <a:extLst>
-              <a:ext uri="{909E8E84-426E-40DD-AFC4-6F175D3DCCD1}">
-                <a14:hiddenFill xmlns:a14="http://schemas.microsoft.com/office/drawing/2010/main">
-                  <a:solidFill>
-                    <a:srgbClr val="FFFFFF"/>
-                  </a:solidFill>
-                </a14:hiddenFill>
-              </a:ext>
-            </a:extLst>
-          </p:spPr>
-        </p:pic>
-        <p:sp>
-          <p:nvSpPr>
-            <p:cNvPr id="4" name="TextBox 3"/>
-            <p:cNvSpPr txBox="1"/>
-            <p:nvPr/>
-          </p:nvSpPr>
-          <p:spPr>
-            <a:xfrm>
-              <a:off x="3174415" y="5479388"/>
-              <a:ext cx="444352" cy="369332"/>
-            </a:xfrm>
-            <a:prstGeom prst="rect">
-              <a:avLst/>
-            </a:prstGeom>
-            <a:noFill/>
-          </p:spPr>
-          <p:txBody>
-            <a:bodyPr wrap="none" rtlCol="0">
-              <a:spAutoFit/>
-            </a:bodyPr>
-            <a:lstStyle/>
-            <a:p>
-              <a:r>
-                <a:rPr lang="en-US" dirty="0"/>
-                <a:t>UE</a:t>
-              </a:r>
-            </a:p>
-          </p:txBody>
-        </p:sp>
-      </p:grpSp>
-      <p:grpSp>
-        <p:nvGrpSpPr>
           <p:cNvPr id="9" name="Group 8"/>
           <p:cNvGrpSpPr/>
           <p:nvPr/>
@@ -14475,7 +16774,7 @@
             <p:nvPr/>
           </p:nvPicPr>
           <p:blipFill>
-            <a:blip r:embed="rId3">
+            <a:blip r:embed="rId2">
               <a:extLst>
                 <a:ext uri="{28A0092B-C50C-407E-A947-70E740481C1C}">
                   <a14:useLocalDpi xmlns:a14="http://schemas.microsoft.com/office/drawing/2010/main" val="0"/>
@@ -14600,7 +16899,7 @@
         </p:nvSpPr>
         <p:spPr>
           <a:xfrm>
-            <a:off x="7787980" y="5257800"/>
+            <a:off x="8292623" y="5651070"/>
             <a:ext cx="1034257" cy="369332"/>
           </a:xfrm>
           <a:prstGeom prst="rect">
@@ -14698,7 +16997,7 @@
             <p:nvPr/>
           </p:nvPicPr>
           <p:blipFill>
-            <a:blip r:embed="rId3">
+            <a:blip r:embed="rId2">
               <a:extLst>
                 <a:ext uri="{28A0092B-C50C-407E-A947-70E740481C1C}">
                   <a14:useLocalDpi xmlns:a14="http://schemas.microsoft.com/office/drawing/2010/main" val="0"/>
@@ -14784,7 +17083,7 @@
             <p:nvPr/>
           </p:nvPicPr>
           <p:blipFill>
-            <a:blip r:embed="rId3">
+            <a:blip r:embed="rId2">
               <a:extLst>
                 <a:ext uri="{28A0092B-C50C-407E-A947-70E740481C1C}">
                   <a14:useLocalDpi xmlns:a14="http://schemas.microsoft.com/office/drawing/2010/main" val="0"/>
@@ -14855,8 +17154,8 @@
         </p:nvSpPr>
         <p:spPr>
           <a:xfrm>
-            <a:off x="3975099" y="1739900"/>
-            <a:ext cx="4838701" cy="3517900"/>
+            <a:off x="3907242" y="1739900"/>
+            <a:ext cx="5419638" cy="3887232"/>
           </a:xfrm>
           <a:prstGeom prst="rect">
             <a:avLst/>
@@ -14913,6 +17212,7 @@
             <a:solidFill>
               <a:schemeClr val="tx1"/>
             </a:solidFill>
+            <a:prstDash val="sysDot"/>
           </a:ln>
         </p:spPr>
         <p:style>
@@ -14950,6 +17250,7 @@
             <a:solidFill>
               <a:schemeClr val="tx1"/>
             </a:solidFill>
+            <a:prstDash val="sysDot"/>
           </a:ln>
         </p:spPr>
         <p:style>
@@ -14987,6 +17288,7 @@
             <a:solidFill>
               <a:schemeClr val="tx1"/>
             </a:solidFill>
+            <a:prstDash val="sysDot"/>
           </a:ln>
         </p:spPr>
         <p:style>
@@ -15156,45 +17458,318 @@
           </a:fontRef>
         </p:style>
       </p:cxnSp>
-      <p:pic>
-        <p:nvPicPr>
-          <p:cNvPr id="2073" name="Picture 10" descr="Image result for signal icon"/>
-          <p:cNvPicPr>
-            <a:picLocks noChangeAspect="1" noChangeArrowheads="1"/>
-          </p:cNvPicPr>
-          <p:nvPr/>
-        </p:nvPicPr>
-        <p:blipFill rotWithShape="1">
-          <a:blip r:embed="rId4">
+      <p:grpSp>
+        <p:nvGrpSpPr>
+          <p:cNvPr id="2" name="Group 1"/>
+          <p:cNvGrpSpPr/>
+          <p:nvPr/>
+        </p:nvGrpSpPr>
+        <p:grpSpPr>
+          <a:xfrm>
+            <a:off x="4691639" y="4413599"/>
+            <a:ext cx="797090" cy="1189804"/>
+            <a:chOff x="4617521" y="3956993"/>
+            <a:chExt cx="797090" cy="1189804"/>
+          </a:xfrm>
+        </p:grpSpPr>
+        <p:grpSp>
+          <p:nvGrpSpPr>
+            <p:cNvPr id="10" name="Group 9"/>
+            <p:cNvGrpSpPr/>
+            <p:nvPr/>
+          </p:nvGrpSpPr>
+          <p:grpSpPr>
+            <a:xfrm>
+              <a:off x="4617521" y="3956993"/>
+              <a:ext cx="590550" cy="1189804"/>
+              <a:chOff x="3028217" y="4658916"/>
+              <a:chExt cx="590550" cy="1189804"/>
+            </a:xfrm>
+          </p:grpSpPr>
+          <p:pic>
+            <p:nvPicPr>
+              <p:cNvPr id="2056" name="Picture 8" descr="Image result for mobile phone icon"/>
+              <p:cNvPicPr>
+                <a:picLocks noChangeAspect="1" noChangeArrowheads="1"/>
+              </p:cNvPicPr>
+              <p:nvPr/>
+            </p:nvPicPr>
+            <p:blipFill>
+              <a:blip r:embed="rId3">
+                <a:extLst>
+                  <a:ext uri="{28A0092B-C50C-407E-A947-70E740481C1C}">
+                    <a14:useLocalDpi xmlns:a14="http://schemas.microsoft.com/office/drawing/2010/main" val="0"/>
+                  </a:ext>
+                </a:extLst>
+              </a:blip>
+              <a:srcRect/>
+              <a:stretch>
+                <a:fillRect/>
+              </a:stretch>
+            </p:blipFill>
+            <p:spPr bwMode="auto">
+              <a:xfrm>
+                <a:off x="3028217" y="4658916"/>
+                <a:ext cx="590550" cy="804928"/>
+              </a:xfrm>
+              <a:prstGeom prst="rect">
+                <a:avLst/>
+              </a:prstGeom>
+              <a:noFill/>
+              <a:extLst>
+                <a:ext uri="{909E8E84-426E-40DD-AFC4-6F175D3DCCD1}">
+                  <a14:hiddenFill xmlns:a14="http://schemas.microsoft.com/office/drawing/2010/main">
+                    <a:solidFill>
+                      <a:srgbClr val="FFFFFF"/>
+                    </a:solidFill>
+                  </a14:hiddenFill>
+                </a:ext>
+              </a:extLst>
+            </p:spPr>
+          </p:pic>
+          <p:sp>
+            <p:nvSpPr>
+              <p:cNvPr id="4" name="TextBox 3"/>
+              <p:cNvSpPr txBox="1"/>
+              <p:nvPr/>
+            </p:nvSpPr>
+            <p:spPr>
+              <a:xfrm>
+                <a:off x="3174415" y="5479388"/>
+                <a:ext cx="444352" cy="369332"/>
+              </a:xfrm>
+              <a:prstGeom prst="rect">
+                <a:avLst/>
+              </a:prstGeom>
+              <a:noFill/>
+            </p:spPr>
+            <p:txBody>
+              <a:bodyPr wrap="none" rtlCol="0">
+                <a:spAutoFit/>
+              </a:bodyPr>
+              <a:lstStyle/>
+              <a:p>
+                <a:r>
+                  <a:rPr lang="en-US" dirty="0"/>
+                  <a:t>UE</a:t>
+                </a:r>
+              </a:p>
+            </p:txBody>
+          </p:sp>
+        </p:grpSp>
+        <p:pic>
+          <p:nvPicPr>
+            <p:cNvPr id="2073" name="Picture 10" descr="Image result for signal icon"/>
+            <p:cNvPicPr>
+              <a:picLocks noChangeAspect="1" noChangeArrowheads="1"/>
+            </p:cNvPicPr>
+            <p:nvPr/>
+          </p:nvPicPr>
+          <p:blipFill rotWithShape="1">
+            <a:blip r:embed="rId4">
+              <a:extLst>
+                <a:ext uri="{28A0092B-C50C-407E-A947-70E740481C1C}">
+                  <a14:useLocalDpi xmlns:a14="http://schemas.microsoft.com/office/drawing/2010/main" val="0"/>
+                </a:ext>
+              </a:extLst>
+            </a:blip>
+            <a:srcRect t="66398" r="57203"/>
+            <a:stretch/>
+          </p:blipFill>
+          <p:spPr bwMode="auto">
+            <a:xfrm rot="676917" flipH="1" flipV="1">
+              <a:off x="5001531" y="4035131"/>
+              <a:ext cx="413080" cy="324326"/>
+            </a:xfrm>
+            <a:prstGeom prst="rect">
+              <a:avLst/>
+            </a:prstGeom>
+            <a:noFill/>
             <a:extLst>
-              <a:ext uri="{28A0092B-C50C-407E-A947-70E740481C1C}">
-                <a14:useLocalDpi xmlns:a14="http://schemas.microsoft.com/office/drawing/2010/main" val="0"/>
+              <a:ext uri="{909E8E84-426E-40DD-AFC4-6F175D3DCCD1}">
+                <a14:hiddenFill xmlns:a14="http://schemas.microsoft.com/office/drawing/2010/main">
+                  <a:solidFill>
+                    <a:srgbClr val="FFFFFF"/>
+                  </a:solidFill>
+                </a14:hiddenFill>
               </a:ext>
             </a:extLst>
-          </a:blip>
-          <a:srcRect t="66398" r="57203"/>
-          <a:stretch/>
-        </p:blipFill>
-        <p:spPr bwMode="auto">
-          <a:xfrm rot="676917" flipH="1" flipV="1">
-            <a:off x="5001531" y="4035131"/>
-            <a:ext cx="413080" cy="324326"/>
+          </p:spPr>
+        </p:pic>
+      </p:grpSp>
+      <p:sp>
+        <p:nvSpPr>
+          <p:cNvPr id="3" name="Isosceles Triangle 2"/>
+          <p:cNvSpPr/>
+          <p:nvPr/>
+        </p:nvSpPr>
+        <p:spPr>
+          <a:xfrm rot="3593201">
+            <a:off x="5146514" y="3849162"/>
+            <a:ext cx="1343332" cy="1388110"/>
+          </a:xfrm>
+          <a:prstGeom prst="triangle">
+            <a:avLst/>
+          </a:prstGeom>
+          <a:noFill/>
+          <a:ln>
+            <a:solidFill>
+              <a:schemeClr val="tx1"/>
+            </a:solidFill>
+            <a:prstDash val="sysDot"/>
+          </a:ln>
+        </p:spPr>
+        <p:style>
+          <a:lnRef idx="2">
+            <a:schemeClr val="accent1">
+              <a:shade val="50000"/>
+            </a:schemeClr>
+          </a:lnRef>
+          <a:fillRef idx="1">
+            <a:schemeClr val="accent1"/>
+          </a:fillRef>
+          <a:effectRef idx="0">
+            <a:schemeClr val="accent1"/>
+          </a:effectRef>
+          <a:fontRef idx="minor">
+            <a:schemeClr val="lt1"/>
+          </a:fontRef>
+        </p:style>
+        <p:txBody>
+          <a:bodyPr rtlCol="0" anchor="ctr"/>
+          <a:lstStyle/>
+          <a:p>
+            <a:pPr algn="ctr"/>
+            <a:endParaRPr lang="en-US"/>
+          </a:p>
+        </p:txBody>
+      </p:sp>
+      <p:sp>
+        <p:nvSpPr>
+          <p:cNvPr id="7" name="TextBox 6"/>
+          <p:cNvSpPr txBox="1"/>
+          <p:nvPr/>
+        </p:nvSpPr>
+        <p:spPr>
+          <a:xfrm>
+            <a:off x="6257046" y="3072408"/>
+            <a:ext cx="529312" cy="369332"/>
           </a:xfrm>
           <a:prstGeom prst="rect">
             <a:avLst/>
           </a:prstGeom>
           <a:noFill/>
-          <a:extLst>
-            <a:ext uri="{909E8E84-426E-40DD-AFC4-6F175D3DCCD1}">
-              <a14:hiddenFill xmlns:a14="http://schemas.microsoft.com/office/drawing/2010/main">
-                <a:solidFill>
-                  <a:srgbClr val="FFFFFF"/>
-                </a:solidFill>
-              </a14:hiddenFill>
-            </a:ext>
-          </a:extLst>
-        </p:spPr>
-      </p:pic>
+        </p:spPr>
+        <p:txBody>
+          <a:bodyPr wrap="none" rtlCol="0">
+            <a:spAutoFit/>
+          </a:bodyPr>
+          <a:lstStyle/>
+          <a:p>
+            <a:r>
+              <a:rPr lang="en-US" dirty="0"/>
+              <a:t>Cell</a:t>
+            </a:r>
+          </a:p>
+        </p:txBody>
+      </p:sp>
+      <p:sp>
+        <p:nvSpPr>
+          <p:cNvPr id="32" name="Isosceles Triangle 31"/>
+          <p:cNvSpPr/>
+          <p:nvPr/>
+        </p:nvSpPr>
+        <p:spPr>
+          <a:xfrm rot="18211451">
+            <a:off x="6601450" y="3875853"/>
+            <a:ext cx="1343332" cy="1388110"/>
+          </a:xfrm>
+          <a:prstGeom prst="triangle">
+            <a:avLst/>
+          </a:prstGeom>
+          <a:noFill/>
+          <a:ln>
+            <a:solidFill>
+              <a:schemeClr val="tx1"/>
+            </a:solidFill>
+            <a:prstDash val="sysDot"/>
+          </a:ln>
+        </p:spPr>
+        <p:style>
+          <a:lnRef idx="2">
+            <a:schemeClr val="accent1">
+              <a:shade val="50000"/>
+            </a:schemeClr>
+          </a:lnRef>
+          <a:fillRef idx="1">
+            <a:schemeClr val="accent1"/>
+          </a:fillRef>
+          <a:effectRef idx="0">
+            <a:schemeClr val="accent1"/>
+          </a:effectRef>
+          <a:fontRef idx="minor">
+            <a:schemeClr val="lt1"/>
+          </a:fontRef>
+        </p:style>
+        <p:txBody>
+          <a:bodyPr rtlCol="0" anchor="ctr"/>
+          <a:lstStyle/>
+          <a:p>
+            <a:pPr algn="ctr"/>
+            <a:endParaRPr lang="en-US"/>
+          </a:p>
+        </p:txBody>
+      </p:sp>
+      <p:sp>
+        <p:nvSpPr>
+          <p:cNvPr id="33" name="Isosceles Triangle 32"/>
+          <p:cNvSpPr/>
+          <p:nvPr/>
+        </p:nvSpPr>
+        <p:spPr>
+          <a:xfrm rot="20058768">
+            <a:off x="7606638" y="3001430"/>
+            <a:ext cx="1343332" cy="1388110"/>
+          </a:xfrm>
+          <a:prstGeom prst="triangle">
+            <a:avLst/>
+          </a:prstGeom>
+          <a:noFill/>
+          <a:ln>
+            <a:solidFill>
+              <a:schemeClr val="tx1"/>
+            </a:solidFill>
+            <a:prstDash val="sysDot"/>
+          </a:ln>
+        </p:spPr>
+        <p:style>
+          <a:lnRef idx="2">
+            <a:schemeClr val="accent1">
+              <a:shade val="50000"/>
+            </a:schemeClr>
+          </a:lnRef>
+          <a:fillRef idx="1">
+            <a:schemeClr val="accent1"/>
+          </a:fillRef>
+          <a:effectRef idx="0">
+            <a:schemeClr val="accent1"/>
+          </a:effectRef>
+          <a:fontRef idx="minor">
+            <a:schemeClr val="lt1"/>
+          </a:fontRef>
+        </p:style>
+        <p:txBody>
+          <a:bodyPr rtlCol="0" anchor="ctr"/>
+          <a:lstStyle/>
+          <a:p>
+            <a:pPr algn="ctr"/>
+            <a:r>
+              <a:rPr lang="en-US" dirty="0"/>
+              <a:t>0</a:t>
+            </a:r>
+          </a:p>
+        </p:txBody>
+      </p:sp>
     </p:spTree>
     <p:extLst>
       <p:ext uri="{BB962C8B-B14F-4D97-AF65-F5344CB8AC3E}">
@@ -15275,7 +17850,7 @@
                               <a:solidFill>
                                 <a:schemeClr val="tx1"/>
                               </a:solidFill>
-                              <a:latin typeface="Cambria Math" charset="0"/>
+                              <a:latin typeface="Cambria Math" panose="02040503050406030204" pitchFamily="18" charset="0"/>
                             </a:rPr>
                           </m:ctrlPr>
                         </m:sSubPr>
@@ -15404,7 +17979,7 @@
                               <a:solidFill>
                                 <a:schemeClr val="tx1"/>
                               </a:solidFill>
-                              <a:latin typeface="Cambria Math" charset="0"/>
+                              <a:latin typeface="Cambria Math" panose="02040503050406030204" pitchFamily="18" charset="0"/>
                             </a:rPr>
                           </m:ctrlPr>
                         </m:sSubPr>
@@ -15533,7 +18108,7 @@
                               <a:solidFill>
                                 <a:schemeClr val="tx1"/>
                               </a:solidFill>
-                              <a:latin typeface="Cambria Math" charset="0"/>
+                              <a:latin typeface="Cambria Math" panose="02040503050406030204" pitchFamily="18" charset="0"/>
                             </a:rPr>
                           </m:ctrlPr>
                         </m:sSubPr>
@@ -15662,7 +18237,7 @@
                               <a:solidFill>
                                 <a:schemeClr val="tx1"/>
                               </a:solidFill>
-                              <a:latin typeface="Cambria Math" charset="0"/>
+                              <a:latin typeface="Cambria Math" panose="02040503050406030204" pitchFamily="18" charset="0"/>
                             </a:rPr>
                           </m:ctrlPr>
                         </m:sSubPr>
@@ -15791,7 +18366,7 @@
                               <a:solidFill>
                                 <a:schemeClr val="tx1"/>
                               </a:solidFill>
-                              <a:latin typeface="Cambria Math" charset="0"/>
+                              <a:latin typeface="Cambria Math" panose="02040503050406030204" pitchFamily="18" charset="0"/>
                             </a:rPr>
                           </m:ctrlPr>
                         </m:sSubPr>
@@ -15920,7 +18495,7 @@
                               <a:solidFill>
                                 <a:schemeClr val="tx1"/>
                               </a:solidFill>
-                              <a:latin typeface="Cambria Math" charset="0"/>
+                              <a:latin typeface="Cambria Math" panose="02040503050406030204" pitchFamily="18" charset="0"/>
                             </a:rPr>
                           </m:ctrlPr>
                         </m:sSubPr>
@@ -16049,7 +18624,7 @@
                               <a:solidFill>
                                 <a:schemeClr val="tx1"/>
                               </a:solidFill>
-                              <a:latin typeface="Cambria Math" charset="0"/>
+                              <a:latin typeface="Cambria Math" panose="02040503050406030204" pitchFamily="18" charset="0"/>
                             </a:rPr>
                           </m:ctrlPr>
                         </m:sSubPr>
@@ -16178,7 +18753,7 @@
                               <a:solidFill>
                                 <a:schemeClr val="tx1"/>
                               </a:solidFill>
-                              <a:latin typeface="Cambria Math" charset="0"/>
+                              <a:latin typeface="Cambria Math" panose="02040503050406030204" pitchFamily="18" charset="0"/>
                             </a:rPr>
                           </m:ctrlPr>
                         </m:sSubPr>

--- a/Document/graphic.pptx
+++ b/Document/graphic.pptx
@@ -125,8 +125,20 @@
 </p:presentation>
 </file>
 
+<file path=ppt/commentAuthors.xml><?xml version="1.0" encoding="utf-8"?>
+<p:cmAuthorLst xmlns:a="http://schemas.openxmlformats.org/drawingml/2006/main" xmlns:r="http://schemas.openxmlformats.org/officeDocument/2006/relationships" xmlns:p="http://schemas.openxmlformats.org/presentationml/2006/main">
+  <p:cmAuthor id="1" name="Araya Eamrurksiri" initials="AE" lastIdx="1" clrIdx="0">
+    <p:extLst>
+      <p:ext uri="{19B8F6BF-5375-455C-9EA6-DF929625EA0E}">
+        <p15:presenceInfo xmlns:p15="http://schemas.microsoft.com/office/powerpoint/2012/main" userId="" providerId=""/>
+      </p:ext>
+    </p:extLst>
+  </p:cmAuthor>
+</p:cmAuthorLst>
+</file>
+
 <file path=ppt/charts/chart1.xml><?xml version="1.0" encoding="utf-8"?>
-<c:chartSpace xmlns:c="http://schemas.openxmlformats.org/drawingml/2006/chart" xmlns:a="http://schemas.openxmlformats.org/drawingml/2006/main" xmlns:r="http://schemas.openxmlformats.org/officeDocument/2006/relationships" xmlns:c16r2="http://schemas.microsoft.com/office/drawing/2015/06/chart">
+<c:chartSpace xmlns:c="http://schemas.openxmlformats.org/drawingml/2006/chart" xmlns:a="http://schemas.openxmlformats.org/drawingml/2006/main" xmlns:r="http://schemas.openxmlformats.org/officeDocument/2006/relationships">
   <c:date1904 val="0"/>
   <c:lang val="en-US"/>
   <c:roundedCorners val="0"/>
@@ -178,64 +190,64 @@
                 <c:formatCode>General</c:formatCode>
                 <c:ptCount val="20"/>
                 <c:pt idx="0">
-                  <c:v>1</c:v>
+                  <c:v>1.0</c:v>
                 </c:pt>
                 <c:pt idx="1">
-                  <c:v>2</c:v>
+                  <c:v>2.0</c:v>
                 </c:pt>
                 <c:pt idx="2">
-                  <c:v>3</c:v>
+                  <c:v>3.0</c:v>
                 </c:pt>
                 <c:pt idx="3">
-                  <c:v>4</c:v>
+                  <c:v>4.0</c:v>
                 </c:pt>
                 <c:pt idx="4">
-                  <c:v>5</c:v>
+                  <c:v>5.0</c:v>
                 </c:pt>
                 <c:pt idx="5">
-                  <c:v>6</c:v>
+                  <c:v>6.0</c:v>
                 </c:pt>
                 <c:pt idx="6">
-                  <c:v>7</c:v>
+                  <c:v>7.0</c:v>
                 </c:pt>
                 <c:pt idx="7">
-                  <c:v>8</c:v>
+                  <c:v>8.0</c:v>
                 </c:pt>
                 <c:pt idx="8">
-                  <c:v>9</c:v>
+                  <c:v>9.0</c:v>
                 </c:pt>
                 <c:pt idx="9">
-                  <c:v>10</c:v>
+                  <c:v>10.0</c:v>
                 </c:pt>
                 <c:pt idx="10">
-                  <c:v>11</c:v>
+                  <c:v>11.0</c:v>
                 </c:pt>
                 <c:pt idx="11">
-                  <c:v>12</c:v>
+                  <c:v>12.0</c:v>
                 </c:pt>
                 <c:pt idx="12">
-                  <c:v>13</c:v>
+                  <c:v>13.0</c:v>
                 </c:pt>
                 <c:pt idx="13">
-                  <c:v>14</c:v>
+                  <c:v>14.0</c:v>
                 </c:pt>
                 <c:pt idx="14">
-                  <c:v>15</c:v>
+                  <c:v>15.0</c:v>
                 </c:pt>
                 <c:pt idx="15">
-                  <c:v>16</c:v>
+                  <c:v>16.0</c:v>
                 </c:pt>
                 <c:pt idx="16">
-                  <c:v>17</c:v>
+                  <c:v>17.0</c:v>
                 </c:pt>
                 <c:pt idx="17">
-                  <c:v>18</c:v>
+                  <c:v>18.0</c:v>
                 </c:pt>
                 <c:pt idx="18">
-                  <c:v>19</c:v>
+                  <c:v>19.0</c:v>
                 </c:pt>
                 <c:pt idx="19">
-                  <c:v>20</c:v>
+                  <c:v>20.0</c:v>
                 </c:pt>
               </c:numCache>
             </c:numRef>
@@ -277,7 +289,7 @@
             </c:numRef>
           </c:val>
           <c:smooth val="0"/>
-          <c:extLst>
+          <c:extLst xmlns:c16r2="http://schemas.microsoft.com/office/drawing/2015/06/chart">
             <c:ext xmlns:c16="http://schemas.microsoft.com/office/drawing/2014/chart" uri="{C3380CC4-5D6E-409C-BE32-E72D297353CC}">
               <c16:uniqueId val="{00000000-0505-4674-88D6-32E912049685}"/>
             </c:ext>
@@ -316,64 +328,64 @@
                 <c:formatCode>General</c:formatCode>
                 <c:ptCount val="20"/>
                 <c:pt idx="0">
-                  <c:v>1</c:v>
+                  <c:v>1.0</c:v>
                 </c:pt>
                 <c:pt idx="1">
-                  <c:v>2</c:v>
+                  <c:v>2.0</c:v>
                 </c:pt>
                 <c:pt idx="2">
-                  <c:v>3</c:v>
+                  <c:v>3.0</c:v>
                 </c:pt>
                 <c:pt idx="3">
-                  <c:v>4</c:v>
+                  <c:v>4.0</c:v>
                 </c:pt>
                 <c:pt idx="4">
-                  <c:v>5</c:v>
+                  <c:v>5.0</c:v>
                 </c:pt>
                 <c:pt idx="5">
-                  <c:v>6</c:v>
+                  <c:v>6.0</c:v>
                 </c:pt>
                 <c:pt idx="6">
-                  <c:v>7</c:v>
+                  <c:v>7.0</c:v>
                 </c:pt>
                 <c:pt idx="7">
-                  <c:v>8</c:v>
+                  <c:v>8.0</c:v>
                 </c:pt>
                 <c:pt idx="8">
-                  <c:v>9</c:v>
+                  <c:v>9.0</c:v>
                 </c:pt>
                 <c:pt idx="9">
-                  <c:v>10</c:v>
+                  <c:v>10.0</c:v>
                 </c:pt>
                 <c:pt idx="10">
-                  <c:v>11</c:v>
+                  <c:v>11.0</c:v>
                 </c:pt>
                 <c:pt idx="11">
-                  <c:v>12</c:v>
+                  <c:v>12.0</c:v>
                 </c:pt>
                 <c:pt idx="12">
-                  <c:v>13</c:v>
+                  <c:v>13.0</c:v>
                 </c:pt>
                 <c:pt idx="13">
-                  <c:v>14</c:v>
+                  <c:v>14.0</c:v>
                 </c:pt>
                 <c:pt idx="14">
-                  <c:v>15</c:v>
+                  <c:v>15.0</c:v>
                 </c:pt>
                 <c:pt idx="15">
-                  <c:v>16</c:v>
+                  <c:v>16.0</c:v>
                 </c:pt>
                 <c:pt idx="16">
-                  <c:v>17</c:v>
+                  <c:v>17.0</c:v>
                 </c:pt>
                 <c:pt idx="17">
-                  <c:v>18</c:v>
+                  <c:v>18.0</c:v>
                 </c:pt>
                 <c:pt idx="18">
-                  <c:v>19</c:v>
+                  <c:v>19.0</c:v>
                 </c:pt>
                 <c:pt idx="19">
-                  <c:v>20</c:v>
+                  <c:v>20.0</c:v>
                 </c:pt>
               </c:numCache>
             </c:numRef>
@@ -412,7 +424,7 @@
             </c:numRef>
           </c:val>
           <c:smooth val="0"/>
-          <c:extLst>
+          <c:extLst xmlns:c16r2="http://schemas.microsoft.com/office/drawing/2015/06/chart">
             <c:ext xmlns:c16="http://schemas.microsoft.com/office/drawing/2014/chart" uri="{C3380CC4-5D6E-409C-BE32-E72D297353CC}">
               <c16:uniqueId val="{00000001-0505-4674-88D6-32E912049685}"/>
             </c:ext>
@@ -451,64 +463,64 @@
                 <c:formatCode>General</c:formatCode>
                 <c:ptCount val="20"/>
                 <c:pt idx="0">
-                  <c:v>1</c:v>
+                  <c:v>1.0</c:v>
                 </c:pt>
                 <c:pt idx="1">
-                  <c:v>2</c:v>
+                  <c:v>2.0</c:v>
                 </c:pt>
                 <c:pt idx="2">
-                  <c:v>3</c:v>
+                  <c:v>3.0</c:v>
                 </c:pt>
                 <c:pt idx="3">
-                  <c:v>4</c:v>
+                  <c:v>4.0</c:v>
                 </c:pt>
                 <c:pt idx="4">
-                  <c:v>5</c:v>
+                  <c:v>5.0</c:v>
                 </c:pt>
                 <c:pt idx="5">
-                  <c:v>6</c:v>
+                  <c:v>6.0</c:v>
                 </c:pt>
                 <c:pt idx="6">
-                  <c:v>7</c:v>
+                  <c:v>7.0</c:v>
                 </c:pt>
                 <c:pt idx="7">
-                  <c:v>8</c:v>
+                  <c:v>8.0</c:v>
                 </c:pt>
                 <c:pt idx="8">
-                  <c:v>9</c:v>
+                  <c:v>9.0</c:v>
                 </c:pt>
                 <c:pt idx="9">
-                  <c:v>10</c:v>
+                  <c:v>10.0</c:v>
                 </c:pt>
                 <c:pt idx="10">
-                  <c:v>11</c:v>
+                  <c:v>11.0</c:v>
                 </c:pt>
                 <c:pt idx="11">
-                  <c:v>12</c:v>
+                  <c:v>12.0</c:v>
                 </c:pt>
                 <c:pt idx="12">
-                  <c:v>13</c:v>
+                  <c:v>13.0</c:v>
                 </c:pt>
                 <c:pt idx="13">
-                  <c:v>14</c:v>
+                  <c:v>14.0</c:v>
                 </c:pt>
                 <c:pt idx="14">
-                  <c:v>15</c:v>
+                  <c:v>15.0</c:v>
                 </c:pt>
                 <c:pt idx="15">
-                  <c:v>16</c:v>
+                  <c:v>16.0</c:v>
                 </c:pt>
                 <c:pt idx="16">
-                  <c:v>17</c:v>
+                  <c:v>17.0</c:v>
                 </c:pt>
                 <c:pt idx="17">
-                  <c:v>18</c:v>
+                  <c:v>18.0</c:v>
                 </c:pt>
                 <c:pt idx="18">
-                  <c:v>19</c:v>
+                  <c:v>19.0</c:v>
                 </c:pt>
                 <c:pt idx="19">
-                  <c:v>20</c:v>
+                  <c:v>20.0</c:v>
                 </c:pt>
               </c:numCache>
             </c:numRef>
@@ -547,7 +559,7 @@
             </c:numRef>
           </c:val>
           <c:smooth val="0"/>
-          <c:extLst>
+          <c:extLst xmlns:c16r2="http://schemas.microsoft.com/office/drawing/2015/06/chart">
             <c:ext xmlns:c16="http://schemas.microsoft.com/office/drawing/2014/chart" uri="{C3380CC4-5D6E-409C-BE32-E72D297353CC}">
               <c16:uniqueId val="{00000003-0505-4674-88D6-32E912049685}"/>
             </c:ext>
@@ -575,11 +587,11 @@
           </c:spPr>
         </c:hiLowLines>
         <c:smooth val="0"/>
-        <c:axId val="1326243728"/>
-        <c:axId val="1332277168"/>
+        <c:axId val="-1469214992"/>
+        <c:axId val="-1471497968"/>
       </c:lineChart>
       <c:catAx>
-        <c:axId val="1326243728"/>
+        <c:axId val="-1469214992"/>
         <c:scaling>
           <c:orientation val="minMax"/>
         </c:scaling>
@@ -603,7 +615,7 @@
         <c:majorTickMark val="none"/>
         <c:minorTickMark val="none"/>
         <c:tickLblPos val="nextTo"/>
-        <c:crossAx val="1332277168"/>
+        <c:crossAx val="-1471497968"/>
         <c:crosses val="autoZero"/>
         <c:auto val="1"/>
         <c:lblAlgn val="ctr"/>
@@ -611,11 +623,11 @@
         <c:noMultiLvlLbl val="0"/>
       </c:catAx>
       <c:valAx>
-        <c:axId val="1332277168"/>
+        <c:axId val="-1471497968"/>
         <c:scaling>
           <c:orientation val="minMax"/>
-          <c:max val="4"/>
-          <c:min val="1"/>
+          <c:max val="4.0"/>
+          <c:min val="1.0"/>
         </c:scaling>
         <c:delete val="1"/>
         <c:axPos val="l"/>
@@ -623,7 +635,7 @@
         <c:majorTickMark val="none"/>
         <c:minorTickMark val="none"/>
         <c:tickLblPos val="nextTo"/>
-        <c:crossAx val="1326243728"/>
+        <c:crossAx val="-1469214992"/>
         <c:crosses val="autoZero"/>
         <c:crossBetween val="between"/>
       </c:valAx>
@@ -637,6 +649,7 @@
     </c:plotArea>
     <c:legend>
       <c:legendPos val="b"/>
+      <c:layout/>
       <c:overlay val="0"/>
       <c:spPr>
         <a:noFill/>
@@ -694,7 +707,7 @@
 </file>
 
 <file path=ppt/charts/chart2.xml><?xml version="1.0" encoding="utf-8"?>
-<c:chartSpace xmlns:c="http://schemas.openxmlformats.org/drawingml/2006/chart" xmlns:a="http://schemas.openxmlformats.org/drawingml/2006/main" xmlns:r="http://schemas.openxmlformats.org/officeDocument/2006/relationships" xmlns:c16r2="http://schemas.microsoft.com/office/drawing/2015/06/chart">
+<c:chartSpace xmlns:c="http://schemas.openxmlformats.org/drawingml/2006/chart" xmlns:a="http://schemas.openxmlformats.org/drawingml/2006/main" xmlns:r="http://schemas.openxmlformats.org/officeDocument/2006/relationships">
   <c:date1904 val="0"/>
   <c:lang val="en-US"/>
   <c:roundedCorners val="0"/>
@@ -759,34 +772,34 @@
                 <c:formatCode>General</c:formatCode>
                 <c:ptCount val="10"/>
                 <c:pt idx="0">
-                  <c:v>1</c:v>
+                  <c:v>1.0</c:v>
                 </c:pt>
                 <c:pt idx="1">
-                  <c:v>2</c:v>
+                  <c:v>2.0</c:v>
                 </c:pt>
                 <c:pt idx="2">
-                  <c:v>3</c:v>
+                  <c:v>3.0</c:v>
                 </c:pt>
                 <c:pt idx="3">
-                  <c:v>4</c:v>
+                  <c:v>4.0</c:v>
                 </c:pt>
                 <c:pt idx="4">
-                  <c:v>5</c:v>
+                  <c:v>5.0</c:v>
                 </c:pt>
                 <c:pt idx="5">
-                  <c:v>6</c:v>
+                  <c:v>6.0</c:v>
                 </c:pt>
                 <c:pt idx="6">
-                  <c:v>7</c:v>
+                  <c:v>7.0</c:v>
                 </c:pt>
                 <c:pt idx="7">
-                  <c:v>8</c:v>
+                  <c:v>8.0</c:v>
                 </c:pt>
                 <c:pt idx="8">
-                  <c:v>9</c:v>
+                  <c:v>9.0</c:v>
                 </c:pt>
                 <c:pt idx="9">
-                  <c:v>10</c:v>
+                  <c:v>10.0</c:v>
                 </c:pt>
               </c:numCache>
             </c:numRef>
@@ -798,10 +811,10 @@
                 <c:formatCode>General</c:formatCode>
                 <c:ptCount val="10"/>
                 <c:pt idx="0">
-                  <c:v>2</c:v>
+                  <c:v>2.0</c:v>
                 </c:pt>
                 <c:pt idx="1">
-                  <c:v>4</c:v>
+                  <c:v>4.0</c:v>
                 </c:pt>
                 <c:pt idx="2">
                   <c:v>2.7</c:v>
@@ -819,10 +832,10 @@
                   <c:v>1.3</c:v>
                 </c:pt>
                 <c:pt idx="7">
-                  <c:v>3</c:v>
+                  <c:v>3.0</c:v>
                 </c:pt>
                 <c:pt idx="8">
-                  <c:v>2</c:v>
+                  <c:v>2.0</c:v>
                 </c:pt>
                 <c:pt idx="9">
                   <c:v>1.2</c:v>
@@ -831,7 +844,7 @@
             </c:numRef>
           </c:val>
           <c:smooth val="0"/>
-          <c:extLst>
+          <c:extLst xmlns:c16r2="http://schemas.microsoft.com/office/drawing/2015/06/chart">
             <c:ext xmlns:c16="http://schemas.microsoft.com/office/drawing/2014/chart" uri="{C3380CC4-5D6E-409C-BE32-E72D297353CC}">
               <c16:uniqueId val="{00000000-EAD8-46E6-BD23-9DE1EB8525AE}"/>
             </c:ext>
@@ -860,11 +873,11 @@
         </c:hiLowLines>
         <c:marker val="1"/>
         <c:smooth val="0"/>
-        <c:axId val="1333100112"/>
-        <c:axId val="1333108544"/>
+        <c:axId val="-1392480272"/>
+        <c:axId val="-1392477952"/>
       </c:lineChart>
       <c:catAx>
-        <c:axId val="1333100112"/>
+        <c:axId val="-1392480272"/>
         <c:scaling>
           <c:orientation val="minMax"/>
         </c:scaling>
@@ -888,7 +901,7 @@
         <c:majorTickMark val="none"/>
         <c:minorTickMark val="none"/>
         <c:tickLblPos val="nextTo"/>
-        <c:crossAx val="1333108544"/>
+        <c:crossAx val="-1392477952"/>
         <c:crosses val="autoZero"/>
         <c:auto val="1"/>
         <c:lblAlgn val="ctr"/>
@@ -896,11 +909,11 @@
         <c:noMultiLvlLbl val="0"/>
       </c:catAx>
       <c:valAx>
-        <c:axId val="1333108544"/>
+        <c:axId val="-1392477952"/>
         <c:scaling>
           <c:orientation val="minMax"/>
-          <c:max val="4"/>
-          <c:min val="1"/>
+          <c:max val="4.0"/>
+          <c:min val="1.0"/>
         </c:scaling>
         <c:delete val="1"/>
         <c:axPos val="l"/>
@@ -908,7 +921,7 @@
         <c:majorTickMark val="none"/>
         <c:minorTickMark val="none"/>
         <c:tickLblPos val="nextTo"/>
-        <c:crossAx val="1333100112"/>
+        <c:crossAx val="-1392480272"/>
         <c:crosses val="autoZero"/>
         <c:crossBetween val="between"/>
       </c:valAx>
@@ -948,7 +961,7 @@
 </file>
 
 <file path=ppt/charts/chart3.xml><?xml version="1.0" encoding="utf-8"?>
-<c:chartSpace xmlns:c="http://schemas.openxmlformats.org/drawingml/2006/chart" xmlns:a="http://schemas.openxmlformats.org/drawingml/2006/main" xmlns:r="http://schemas.openxmlformats.org/officeDocument/2006/relationships" xmlns:c16r2="http://schemas.microsoft.com/office/drawing/2015/06/chart">
+<c:chartSpace xmlns:c="http://schemas.openxmlformats.org/drawingml/2006/chart" xmlns:a="http://schemas.openxmlformats.org/drawingml/2006/main" xmlns:r="http://schemas.openxmlformats.org/officeDocument/2006/relationships">
   <c:date1904 val="0"/>
   <c:lang val="en-US"/>
   <c:roundedCorners val="0"/>
@@ -1000,112 +1013,112 @@
                 <c:formatCode>General</c:formatCode>
                 <c:ptCount val="36"/>
                 <c:pt idx="0">
-                  <c:v>1890</c:v>
+                  <c:v>1890.0</c:v>
                 </c:pt>
                 <c:pt idx="1">
-                  <c:v>1891</c:v>
+                  <c:v>1891.0</c:v>
                 </c:pt>
                 <c:pt idx="2">
-                  <c:v>1892</c:v>
+                  <c:v>1892.0</c:v>
                 </c:pt>
                 <c:pt idx="3">
-                  <c:v>1893</c:v>
+                  <c:v>1893.0</c:v>
                 </c:pt>
                 <c:pt idx="4">
-                  <c:v>1894</c:v>
+                  <c:v>1894.0</c:v>
                 </c:pt>
                 <c:pt idx="5">
-                  <c:v>1895</c:v>
+                  <c:v>1895.0</c:v>
                 </c:pt>
                 <c:pt idx="6">
-                  <c:v>1896</c:v>
+                  <c:v>1896.0</c:v>
                 </c:pt>
                 <c:pt idx="7">
-                  <c:v>1897</c:v>
+                  <c:v>1897.0</c:v>
                 </c:pt>
                 <c:pt idx="8">
-                  <c:v>1898</c:v>
+                  <c:v>1898.0</c:v>
                 </c:pt>
                 <c:pt idx="9">
-                  <c:v>1899</c:v>
+                  <c:v>1899.0</c:v>
                 </c:pt>
                 <c:pt idx="10">
-                  <c:v>1900</c:v>
+                  <c:v>1900.0</c:v>
                 </c:pt>
                 <c:pt idx="11">
-                  <c:v>1901</c:v>
+                  <c:v>1901.0</c:v>
                 </c:pt>
                 <c:pt idx="12">
-                  <c:v>1902</c:v>
+                  <c:v>1902.0</c:v>
                 </c:pt>
                 <c:pt idx="13">
-                  <c:v>1903</c:v>
+                  <c:v>1903.0</c:v>
                 </c:pt>
                 <c:pt idx="14">
-                  <c:v>1904</c:v>
+                  <c:v>1904.0</c:v>
                 </c:pt>
                 <c:pt idx="15">
-                  <c:v>1905</c:v>
+                  <c:v>1905.0</c:v>
                 </c:pt>
                 <c:pt idx="16">
-                  <c:v>1906</c:v>
+                  <c:v>1906.0</c:v>
                 </c:pt>
                 <c:pt idx="17">
-                  <c:v>1907</c:v>
+                  <c:v>1907.0</c:v>
                 </c:pt>
                 <c:pt idx="18">
-                  <c:v>1908</c:v>
+                  <c:v>1908.0</c:v>
                 </c:pt>
                 <c:pt idx="19">
-                  <c:v>1909</c:v>
+                  <c:v>1909.0</c:v>
                 </c:pt>
                 <c:pt idx="20">
-                  <c:v>1910</c:v>
+                  <c:v>1910.0</c:v>
                 </c:pt>
                 <c:pt idx="21">
-                  <c:v>1911</c:v>
+                  <c:v>1911.0</c:v>
                 </c:pt>
                 <c:pt idx="22">
-                  <c:v>1912</c:v>
+                  <c:v>1912.0</c:v>
                 </c:pt>
                 <c:pt idx="23">
-                  <c:v>1913</c:v>
+                  <c:v>1913.0</c:v>
                 </c:pt>
                 <c:pt idx="24">
-                  <c:v>1914</c:v>
+                  <c:v>1914.0</c:v>
                 </c:pt>
                 <c:pt idx="25">
-                  <c:v>1915</c:v>
+                  <c:v>1915.0</c:v>
                 </c:pt>
                 <c:pt idx="26">
-                  <c:v>1916</c:v>
+                  <c:v>1916.0</c:v>
                 </c:pt>
                 <c:pt idx="27">
-                  <c:v>1917</c:v>
+                  <c:v>1917.0</c:v>
                 </c:pt>
                 <c:pt idx="28">
-                  <c:v>1918</c:v>
+                  <c:v>1918.0</c:v>
                 </c:pt>
                 <c:pt idx="29">
-                  <c:v>1919</c:v>
+                  <c:v>1919.0</c:v>
                 </c:pt>
                 <c:pt idx="30">
-                  <c:v>1920</c:v>
+                  <c:v>1920.0</c:v>
                 </c:pt>
                 <c:pt idx="31">
-                  <c:v>1921</c:v>
+                  <c:v>1921.0</c:v>
                 </c:pt>
                 <c:pt idx="32">
-                  <c:v>1922</c:v>
+                  <c:v>1922.0</c:v>
                 </c:pt>
                 <c:pt idx="33">
-                  <c:v>1923</c:v>
+                  <c:v>1923.0</c:v>
                 </c:pt>
                 <c:pt idx="34">
-                  <c:v>1924</c:v>
+                  <c:v>1924.0</c:v>
                 </c:pt>
                 <c:pt idx="35">
-                  <c:v>1925</c:v>
+                  <c:v>1925.0</c:v>
                 </c:pt>
               </c:numCache>
             </c:numRef>
@@ -1117,118 +1130,118 @@
                 <c:formatCode>General</c:formatCode>
                 <c:ptCount val="36"/>
                 <c:pt idx="0">
-                  <c:v>1140</c:v>
+                  <c:v>1140.0</c:v>
                 </c:pt>
                 <c:pt idx="1">
-                  <c:v>1100</c:v>
+                  <c:v>1100.0</c:v>
                 </c:pt>
                 <c:pt idx="2">
-                  <c:v>1210</c:v>
+                  <c:v>1210.0</c:v>
                 </c:pt>
                 <c:pt idx="3">
-                  <c:v>1150</c:v>
+                  <c:v>1150.0</c:v>
                 </c:pt>
                 <c:pt idx="4">
-                  <c:v>1250</c:v>
+                  <c:v>1250.0</c:v>
                 </c:pt>
                 <c:pt idx="5">
-                  <c:v>1260</c:v>
+                  <c:v>1260.0</c:v>
                 </c:pt>
                 <c:pt idx="6">
-                  <c:v>1220</c:v>
+                  <c:v>1220.0</c:v>
                 </c:pt>
                 <c:pt idx="7">
-                  <c:v>1030</c:v>
+                  <c:v>1030.0</c:v>
                 </c:pt>
                 <c:pt idx="8">
-                  <c:v>1100</c:v>
+                  <c:v>1100.0</c:v>
                 </c:pt>
                 <c:pt idx="9">
-                  <c:v>774</c:v>
+                  <c:v>774.0</c:v>
                 </c:pt>
                 <c:pt idx="10">
-                  <c:v>840</c:v>
+                  <c:v>840.0</c:v>
                 </c:pt>
                 <c:pt idx="11">
-                  <c:v>874</c:v>
+                  <c:v>874.0</c:v>
                 </c:pt>
                 <c:pt idx="12">
-                  <c:v>694</c:v>
+                  <c:v>694.0</c:v>
                 </c:pt>
                 <c:pt idx="13">
-                  <c:v>700</c:v>
+                  <c:v>700.0</c:v>
                 </c:pt>
                 <c:pt idx="14">
-                  <c:v>833</c:v>
+                  <c:v>833.0</c:v>
                 </c:pt>
                 <c:pt idx="15">
-                  <c:v>701</c:v>
+                  <c:v>701.0</c:v>
                 </c:pt>
                 <c:pt idx="16">
-                  <c:v>800</c:v>
+                  <c:v>800.0</c:v>
                 </c:pt>
                 <c:pt idx="17">
-                  <c:v>850</c:v>
+                  <c:v>850.0</c:v>
                 </c:pt>
                 <c:pt idx="18">
-                  <c:v>1020</c:v>
+                  <c:v>1020.0</c:v>
                 </c:pt>
                 <c:pt idx="19">
-                  <c:v>1050</c:v>
+                  <c:v>1050.0</c:v>
                 </c:pt>
                 <c:pt idx="20">
-                  <c:v>969</c:v>
+                  <c:v>969.0</c:v>
                 </c:pt>
                 <c:pt idx="21">
-                  <c:v>831</c:v>
+                  <c:v>831.0</c:v>
                 </c:pt>
                 <c:pt idx="22">
-                  <c:v>726</c:v>
+                  <c:v>726.0</c:v>
                 </c:pt>
                 <c:pt idx="23">
-                  <c:v>650</c:v>
+                  <c:v>650.0</c:v>
                 </c:pt>
                 <c:pt idx="24">
-                  <c:v>500</c:v>
+                  <c:v>500.0</c:v>
                 </c:pt>
                 <c:pt idx="25">
-                  <c:v>520</c:v>
+                  <c:v>520.0</c:v>
                 </c:pt>
                 <c:pt idx="26">
-                  <c:v>480</c:v>
+                  <c:v>480.0</c:v>
                 </c:pt>
                 <c:pt idx="27">
-                  <c:v>560</c:v>
+                  <c:v>560.0</c:v>
                 </c:pt>
                 <c:pt idx="28">
-                  <c:v>832</c:v>
+                  <c:v>832.0</c:v>
                 </c:pt>
                 <c:pt idx="29">
-                  <c:v>764</c:v>
+                  <c:v>764.0</c:v>
                 </c:pt>
                 <c:pt idx="30">
-                  <c:v>800</c:v>
+                  <c:v>800.0</c:v>
                 </c:pt>
                 <c:pt idx="31">
-                  <c:v>850</c:v>
+                  <c:v>850.0</c:v>
                 </c:pt>
                 <c:pt idx="32">
-                  <c:v>845</c:v>
+                  <c:v>845.0</c:v>
                 </c:pt>
                 <c:pt idx="33">
-                  <c:v>950</c:v>
+                  <c:v>950.0</c:v>
                 </c:pt>
                 <c:pt idx="34">
-                  <c:v>862</c:v>
+                  <c:v>862.0</c:v>
                 </c:pt>
                 <c:pt idx="35">
-                  <c:v>698</c:v>
+                  <c:v>698.0</c:v>
                 </c:pt>
               </c:numCache>
             </c:numRef>
           </c:val>
           <c:smooth val="0"/>
-          <c:extLst>
+          <c:extLst xmlns:c16r2="http://schemas.microsoft.com/office/drawing/2015/06/chart">
             <c:ext xmlns:c16="http://schemas.microsoft.com/office/drawing/2014/chart" uri="{C3380CC4-5D6E-409C-BE32-E72D297353CC}">
               <c16:uniqueId val="{00000000-1D80-4542-8972-0DC6CB6CD929}"/>
             </c:ext>
@@ -1243,11 +1256,11 @@
           <c:showBubbleSize val="0"/>
         </c:dLbls>
         <c:smooth val="0"/>
-        <c:axId val="1393840208"/>
-        <c:axId val="1393842528"/>
+        <c:axId val="-1391870768"/>
+        <c:axId val="-1391868016"/>
       </c:lineChart>
       <c:catAx>
-        <c:axId val="1393840208"/>
+        <c:axId val="-1391870768"/>
         <c:scaling>
           <c:orientation val="minMax"/>
         </c:scaling>
@@ -1290,7 +1303,7 @@
             <a:endParaRPr lang="en-US"/>
           </a:p>
         </c:txPr>
-        <c:crossAx val="1393842528"/>
+        <c:crossAx val="-1391868016"/>
         <c:crosses val="autoZero"/>
         <c:auto val="1"/>
         <c:lblAlgn val="ctr"/>
@@ -1298,7 +1311,7 @@
         <c:noMultiLvlLbl val="0"/>
       </c:catAx>
       <c:valAx>
-        <c:axId val="1393842528"/>
+        <c:axId val="-1391868016"/>
         <c:scaling>
           <c:orientation val="minMax"/>
         </c:scaling>
@@ -1349,7 +1362,7 @@
             <a:endParaRPr lang="en-US"/>
           </a:p>
         </c:txPr>
-        <c:crossAx val="1393840208"/>
+        <c:crossAx val="-1391870768"/>
         <c:crosses val="autoZero"/>
         <c:crossBetween val="between"/>
       </c:valAx>
@@ -1389,7 +1402,7 @@
 </file>
 
 <file path=ppt/charts/chart4.xml><?xml version="1.0" encoding="utf-8"?>
-<c:chartSpace xmlns:c="http://schemas.openxmlformats.org/drawingml/2006/chart" xmlns:a="http://schemas.openxmlformats.org/drawingml/2006/main" xmlns:r="http://schemas.openxmlformats.org/officeDocument/2006/relationships" xmlns:c16r2="http://schemas.microsoft.com/office/drawing/2015/06/chart">
+<c:chartSpace xmlns:c="http://schemas.openxmlformats.org/drawingml/2006/chart" xmlns:a="http://schemas.openxmlformats.org/drawingml/2006/main" xmlns:r="http://schemas.openxmlformats.org/officeDocument/2006/relationships">
   <c:date1904 val="0"/>
   <c:lang val="en-US"/>
   <c:roundedCorners val="0"/>
@@ -1441,112 +1454,112 @@
                 <c:formatCode>General</c:formatCode>
                 <c:ptCount val="36"/>
                 <c:pt idx="0">
-                  <c:v>1890</c:v>
+                  <c:v>1890.0</c:v>
                 </c:pt>
                 <c:pt idx="1">
-                  <c:v>1891</c:v>
+                  <c:v>1891.0</c:v>
                 </c:pt>
                 <c:pt idx="2">
-                  <c:v>1892</c:v>
+                  <c:v>1892.0</c:v>
                 </c:pt>
                 <c:pt idx="3">
-                  <c:v>1893</c:v>
+                  <c:v>1893.0</c:v>
                 </c:pt>
                 <c:pt idx="4">
-                  <c:v>1894</c:v>
+                  <c:v>1894.0</c:v>
                 </c:pt>
                 <c:pt idx="5">
-                  <c:v>1895</c:v>
+                  <c:v>1895.0</c:v>
                 </c:pt>
                 <c:pt idx="6">
-                  <c:v>1896</c:v>
+                  <c:v>1896.0</c:v>
                 </c:pt>
                 <c:pt idx="7">
-                  <c:v>1897</c:v>
+                  <c:v>1897.0</c:v>
                 </c:pt>
                 <c:pt idx="8">
-                  <c:v>1898</c:v>
+                  <c:v>1898.0</c:v>
                 </c:pt>
                 <c:pt idx="9">
-                  <c:v>1899</c:v>
+                  <c:v>1899.0</c:v>
                 </c:pt>
                 <c:pt idx="10">
-                  <c:v>1900</c:v>
+                  <c:v>1900.0</c:v>
                 </c:pt>
                 <c:pt idx="11">
-                  <c:v>1901</c:v>
+                  <c:v>1901.0</c:v>
                 </c:pt>
                 <c:pt idx="12">
-                  <c:v>1902</c:v>
+                  <c:v>1902.0</c:v>
                 </c:pt>
                 <c:pt idx="13">
-                  <c:v>1903</c:v>
+                  <c:v>1903.0</c:v>
                 </c:pt>
                 <c:pt idx="14">
-                  <c:v>1904</c:v>
+                  <c:v>1904.0</c:v>
                 </c:pt>
                 <c:pt idx="15">
-                  <c:v>1905</c:v>
+                  <c:v>1905.0</c:v>
                 </c:pt>
                 <c:pt idx="16">
-                  <c:v>1906</c:v>
+                  <c:v>1906.0</c:v>
                 </c:pt>
                 <c:pt idx="17">
-                  <c:v>1907</c:v>
+                  <c:v>1907.0</c:v>
                 </c:pt>
                 <c:pt idx="18">
-                  <c:v>1908</c:v>
+                  <c:v>1908.0</c:v>
                 </c:pt>
                 <c:pt idx="19">
-                  <c:v>1909</c:v>
+                  <c:v>1909.0</c:v>
                 </c:pt>
                 <c:pt idx="20">
-                  <c:v>1910</c:v>
+                  <c:v>1910.0</c:v>
                 </c:pt>
                 <c:pt idx="21">
-                  <c:v>1911</c:v>
+                  <c:v>1911.0</c:v>
                 </c:pt>
                 <c:pt idx="22">
-                  <c:v>1912</c:v>
+                  <c:v>1912.0</c:v>
                 </c:pt>
                 <c:pt idx="23">
-                  <c:v>1913</c:v>
+                  <c:v>1913.0</c:v>
                 </c:pt>
                 <c:pt idx="24">
-                  <c:v>1914</c:v>
+                  <c:v>1914.0</c:v>
                 </c:pt>
                 <c:pt idx="25">
-                  <c:v>1915</c:v>
+                  <c:v>1915.0</c:v>
                 </c:pt>
                 <c:pt idx="26">
-                  <c:v>1916</c:v>
+                  <c:v>1916.0</c:v>
                 </c:pt>
                 <c:pt idx="27">
-                  <c:v>1917</c:v>
+                  <c:v>1917.0</c:v>
                 </c:pt>
                 <c:pt idx="28">
-                  <c:v>1918</c:v>
+                  <c:v>1918.0</c:v>
                 </c:pt>
                 <c:pt idx="29">
-                  <c:v>1919</c:v>
+                  <c:v>1919.0</c:v>
                 </c:pt>
                 <c:pt idx="30">
-                  <c:v>1920</c:v>
+                  <c:v>1920.0</c:v>
                 </c:pt>
                 <c:pt idx="31">
-                  <c:v>1921</c:v>
+                  <c:v>1921.0</c:v>
                 </c:pt>
                 <c:pt idx="32">
-                  <c:v>1922</c:v>
+                  <c:v>1922.0</c:v>
                 </c:pt>
                 <c:pt idx="33">
-                  <c:v>1923</c:v>
+                  <c:v>1923.0</c:v>
                 </c:pt>
                 <c:pt idx="34">
-                  <c:v>1924</c:v>
+                  <c:v>1924.0</c:v>
                 </c:pt>
                 <c:pt idx="35">
-                  <c:v>1925</c:v>
+                  <c:v>1925.0</c:v>
                 </c:pt>
               </c:numCache>
             </c:numRef>
@@ -1558,70 +1571,70 @@
                 <c:formatCode>General</c:formatCode>
                 <c:ptCount val="36"/>
                 <c:pt idx="0">
-                  <c:v>3</c:v>
+                  <c:v>3.0</c:v>
                 </c:pt>
                 <c:pt idx="1">
-                  <c:v>3</c:v>
+                  <c:v>3.0</c:v>
                 </c:pt>
                 <c:pt idx="2">
-                  <c:v>3</c:v>
+                  <c:v>3.0</c:v>
                 </c:pt>
                 <c:pt idx="3">
-                  <c:v>3</c:v>
+                  <c:v>3.0</c:v>
                 </c:pt>
                 <c:pt idx="4">
-                  <c:v>3</c:v>
+                  <c:v>3.0</c:v>
                 </c:pt>
                 <c:pt idx="5">
-                  <c:v>3</c:v>
+                  <c:v>3.0</c:v>
                 </c:pt>
                 <c:pt idx="14">
-                  <c:v>3</c:v>
+                  <c:v>3.0</c:v>
                 </c:pt>
                 <c:pt idx="15">
-                  <c:v>3</c:v>
+                  <c:v>3.0</c:v>
                 </c:pt>
                 <c:pt idx="16">
-                  <c:v>3</c:v>
+                  <c:v>3.0</c:v>
                 </c:pt>
                 <c:pt idx="17">
-                  <c:v>3</c:v>
+                  <c:v>3.0</c:v>
                 </c:pt>
                 <c:pt idx="18">
-                  <c:v>3</c:v>
+                  <c:v>3.0</c:v>
                 </c:pt>
                 <c:pt idx="19">
-                  <c:v>3</c:v>
+                  <c:v>3.0</c:v>
                 </c:pt>
                 <c:pt idx="26">
-                  <c:v>3</c:v>
+                  <c:v>3.0</c:v>
                 </c:pt>
                 <c:pt idx="27">
-                  <c:v>3</c:v>
+                  <c:v>3.0</c:v>
                 </c:pt>
                 <c:pt idx="28">
-                  <c:v>3</c:v>
+                  <c:v>3.0</c:v>
                 </c:pt>
                 <c:pt idx="29">
-                  <c:v>3</c:v>
+                  <c:v>3.0</c:v>
                 </c:pt>
                 <c:pt idx="30">
-                  <c:v>3</c:v>
+                  <c:v>3.0</c:v>
                 </c:pt>
                 <c:pt idx="31">
-                  <c:v>3</c:v>
+                  <c:v>3.0</c:v>
                 </c:pt>
                 <c:pt idx="32">
-                  <c:v>3</c:v>
+                  <c:v>3.0</c:v>
                 </c:pt>
                 <c:pt idx="33">
-                  <c:v>3</c:v>
+                  <c:v>3.0</c:v>
                 </c:pt>
               </c:numCache>
             </c:numRef>
           </c:val>
           <c:smooth val="0"/>
-          <c:extLst>
+          <c:extLst xmlns:c16r2="http://schemas.microsoft.com/office/drawing/2015/06/chart">
             <c:ext xmlns:c16="http://schemas.microsoft.com/office/drawing/2014/chart" uri="{C3380CC4-5D6E-409C-BE32-E72D297353CC}">
               <c16:uniqueId val="{00000000-C7EF-4ED0-9E61-565D8135B050}"/>
             </c:ext>
@@ -1660,112 +1673,112 @@
                 <c:formatCode>General</c:formatCode>
                 <c:ptCount val="36"/>
                 <c:pt idx="0">
-                  <c:v>1890</c:v>
+                  <c:v>1890.0</c:v>
                 </c:pt>
                 <c:pt idx="1">
-                  <c:v>1891</c:v>
+                  <c:v>1891.0</c:v>
                 </c:pt>
                 <c:pt idx="2">
-                  <c:v>1892</c:v>
+                  <c:v>1892.0</c:v>
                 </c:pt>
                 <c:pt idx="3">
-                  <c:v>1893</c:v>
+                  <c:v>1893.0</c:v>
                 </c:pt>
                 <c:pt idx="4">
-                  <c:v>1894</c:v>
+                  <c:v>1894.0</c:v>
                 </c:pt>
                 <c:pt idx="5">
-                  <c:v>1895</c:v>
+                  <c:v>1895.0</c:v>
                 </c:pt>
                 <c:pt idx="6">
-                  <c:v>1896</c:v>
+                  <c:v>1896.0</c:v>
                 </c:pt>
                 <c:pt idx="7">
-                  <c:v>1897</c:v>
+                  <c:v>1897.0</c:v>
                 </c:pt>
                 <c:pt idx="8">
-                  <c:v>1898</c:v>
+                  <c:v>1898.0</c:v>
                 </c:pt>
                 <c:pt idx="9">
-                  <c:v>1899</c:v>
+                  <c:v>1899.0</c:v>
                 </c:pt>
                 <c:pt idx="10">
-                  <c:v>1900</c:v>
+                  <c:v>1900.0</c:v>
                 </c:pt>
                 <c:pt idx="11">
-                  <c:v>1901</c:v>
+                  <c:v>1901.0</c:v>
                 </c:pt>
                 <c:pt idx="12">
-                  <c:v>1902</c:v>
+                  <c:v>1902.0</c:v>
                 </c:pt>
                 <c:pt idx="13">
-                  <c:v>1903</c:v>
+                  <c:v>1903.0</c:v>
                 </c:pt>
                 <c:pt idx="14">
-                  <c:v>1904</c:v>
+                  <c:v>1904.0</c:v>
                 </c:pt>
                 <c:pt idx="15">
-                  <c:v>1905</c:v>
+                  <c:v>1905.0</c:v>
                 </c:pt>
                 <c:pt idx="16">
-                  <c:v>1906</c:v>
+                  <c:v>1906.0</c:v>
                 </c:pt>
                 <c:pt idx="17">
-                  <c:v>1907</c:v>
+                  <c:v>1907.0</c:v>
                 </c:pt>
                 <c:pt idx="18">
-                  <c:v>1908</c:v>
+                  <c:v>1908.0</c:v>
                 </c:pt>
                 <c:pt idx="19">
-                  <c:v>1909</c:v>
+                  <c:v>1909.0</c:v>
                 </c:pt>
                 <c:pt idx="20">
-                  <c:v>1910</c:v>
+                  <c:v>1910.0</c:v>
                 </c:pt>
                 <c:pt idx="21">
-                  <c:v>1911</c:v>
+                  <c:v>1911.0</c:v>
                 </c:pt>
                 <c:pt idx="22">
-                  <c:v>1912</c:v>
+                  <c:v>1912.0</c:v>
                 </c:pt>
                 <c:pt idx="23">
-                  <c:v>1913</c:v>
+                  <c:v>1913.0</c:v>
                 </c:pt>
                 <c:pt idx="24">
-                  <c:v>1914</c:v>
+                  <c:v>1914.0</c:v>
                 </c:pt>
                 <c:pt idx="25">
-                  <c:v>1915</c:v>
+                  <c:v>1915.0</c:v>
                 </c:pt>
                 <c:pt idx="26">
-                  <c:v>1916</c:v>
+                  <c:v>1916.0</c:v>
                 </c:pt>
                 <c:pt idx="27">
-                  <c:v>1917</c:v>
+                  <c:v>1917.0</c:v>
                 </c:pt>
                 <c:pt idx="28">
-                  <c:v>1918</c:v>
+                  <c:v>1918.0</c:v>
                 </c:pt>
                 <c:pt idx="29">
-                  <c:v>1919</c:v>
+                  <c:v>1919.0</c:v>
                 </c:pt>
                 <c:pt idx="30">
-                  <c:v>1920</c:v>
+                  <c:v>1920.0</c:v>
                 </c:pt>
                 <c:pt idx="31">
-                  <c:v>1921</c:v>
+                  <c:v>1921.0</c:v>
                 </c:pt>
                 <c:pt idx="32">
-                  <c:v>1922</c:v>
+                  <c:v>1922.0</c:v>
                 </c:pt>
                 <c:pt idx="33">
-                  <c:v>1923</c:v>
+                  <c:v>1923.0</c:v>
                 </c:pt>
                 <c:pt idx="34">
-                  <c:v>1924</c:v>
+                  <c:v>1924.0</c:v>
                 </c:pt>
                 <c:pt idx="35">
-                  <c:v>1925</c:v>
+                  <c:v>1925.0</c:v>
                 </c:pt>
               </c:numCache>
             </c:numRef>
@@ -1777,73 +1790,73 @@
                 <c:formatCode>General</c:formatCode>
                 <c:ptCount val="36"/>
                 <c:pt idx="5">
-                  <c:v>1</c:v>
+                  <c:v>1.0</c:v>
                 </c:pt>
                 <c:pt idx="6">
-                  <c:v>1</c:v>
+                  <c:v>1.0</c:v>
                 </c:pt>
                 <c:pt idx="7">
-                  <c:v>1</c:v>
+                  <c:v>1.0</c:v>
                 </c:pt>
                 <c:pt idx="8">
-                  <c:v>1</c:v>
+                  <c:v>1.0</c:v>
                 </c:pt>
                 <c:pt idx="9">
-                  <c:v>1</c:v>
+                  <c:v>1.0</c:v>
                 </c:pt>
                 <c:pt idx="10">
-                  <c:v>1</c:v>
+                  <c:v>1.0</c:v>
                 </c:pt>
                 <c:pt idx="11">
-                  <c:v>1</c:v>
+                  <c:v>1.0</c:v>
                 </c:pt>
                 <c:pt idx="12">
-                  <c:v>1</c:v>
+                  <c:v>1.0</c:v>
                 </c:pt>
                 <c:pt idx="13">
-                  <c:v>1</c:v>
+                  <c:v>1.0</c:v>
                 </c:pt>
                 <c:pt idx="14">
-                  <c:v>1</c:v>
+                  <c:v>1.0</c:v>
                 </c:pt>
                 <c:pt idx="19">
-                  <c:v>1</c:v>
+                  <c:v>1.0</c:v>
                 </c:pt>
                 <c:pt idx="20">
-                  <c:v>1</c:v>
+                  <c:v>1.0</c:v>
                 </c:pt>
                 <c:pt idx="21">
-                  <c:v>1</c:v>
+                  <c:v>1.0</c:v>
                 </c:pt>
                 <c:pt idx="22">
-                  <c:v>1</c:v>
+                  <c:v>1.0</c:v>
                 </c:pt>
                 <c:pt idx="23">
-                  <c:v>1</c:v>
+                  <c:v>1.0</c:v>
                 </c:pt>
                 <c:pt idx="24">
-                  <c:v>1</c:v>
+                  <c:v>1.0</c:v>
                 </c:pt>
                 <c:pt idx="25">
-                  <c:v>1</c:v>
+                  <c:v>1.0</c:v>
                 </c:pt>
                 <c:pt idx="26">
-                  <c:v>1</c:v>
+                  <c:v>1.0</c:v>
                 </c:pt>
                 <c:pt idx="33">
-                  <c:v>1</c:v>
+                  <c:v>1.0</c:v>
                 </c:pt>
                 <c:pt idx="34">
-                  <c:v>1</c:v>
+                  <c:v>1.0</c:v>
                 </c:pt>
                 <c:pt idx="35">
-                  <c:v>1</c:v>
+                  <c:v>1.0</c:v>
                 </c:pt>
               </c:numCache>
             </c:numRef>
           </c:val>
           <c:smooth val="0"/>
-          <c:extLst>
+          <c:extLst xmlns:c16r2="http://schemas.microsoft.com/office/drawing/2015/06/chart">
             <c:ext xmlns:c16="http://schemas.microsoft.com/office/drawing/2014/chart" uri="{C3380CC4-5D6E-409C-BE32-E72D297353CC}">
               <c16:uniqueId val="{00000001-C7EF-4ED0-9E61-565D8135B050}"/>
             </c:ext>
@@ -1896,11 +1909,11 @@
           </c:downBars>
         </c:upDownBars>
         <c:smooth val="0"/>
-        <c:axId val="1332798608"/>
-        <c:axId val="1273939184"/>
+        <c:axId val="-1391844016"/>
+        <c:axId val="-1391841264"/>
       </c:lineChart>
       <c:catAx>
-        <c:axId val="1332798608"/>
+        <c:axId val="-1391844016"/>
         <c:scaling>
           <c:orientation val="minMax"/>
         </c:scaling>
@@ -1910,7 +1923,7 @@
         <c:majorTickMark val="none"/>
         <c:minorTickMark val="none"/>
         <c:tickLblPos val="nextTo"/>
-        <c:crossAx val="1273939184"/>
+        <c:crossAx val="-1391841264"/>
         <c:crosses val="autoZero"/>
         <c:auto val="1"/>
         <c:lblAlgn val="ctr"/>
@@ -1918,7 +1931,7 @@
         <c:noMultiLvlLbl val="0"/>
       </c:catAx>
       <c:valAx>
-        <c:axId val="1273939184"/>
+        <c:axId val="-1391841264"/>
         <c:scaling>
           <c:orientation val="minMax"/>
         </c:scaling>
@@ -1942,7 +1955,7 @@
         <c:majorTickMark val="out"/>
         <c:minorTickMark val="none"/>
         <c:tickLblPos val="nextTo"/>
-        <c:crossAx val="1332798608"/>
+        <c:crossAx val="-1391844016"/>
         <c:crosses val="autoZero"/>
         <c:crossBetween val="between"/>
       </c:valAx>
@@ -4339,7 +4352,7 @@
           <a:p>
             <a:fld id="{7AB7A67C-34C4-4220-9C1B-5040709E815C}" type="datetimeFigureOut">
               <a:rPr lang="en-US" smtClean="0"/>
-              <a:t>2017-05-05</a:t>
+              <a:t>5/5/17</a:t>
             </a:fld>
             <a:endParaRPr lang="en-US"/>
           </a:p>
@@ -4507,7 +4520,7 @@
           <a:p>
             <a:fld id="{7AB7A67C-34C4-4220-9C1B-5040709E815C}" type="datetimeFigureOut">
               <a:rPr lang="en-US" smtClean="0"/>
-              <a:t>2017-05-05</a:t>
+              <a:t>5/5/17</a:t>
             </a:fld>
             <a:endParaRPr lang="en-US"/>
           </a:p>
@@ -4685,7 +4698,7 @@
           <a:p>
             <a:fld id="{7AB7A67C-34C4-4220-9C1B-5040709E815C}" type="datetimeFigureOut">
               <a:rPr lang="en-US" smtClean="0"/>
-              <a:t>2017-05-05</a:t>
+              <a:t>5/5/17</a:t>
             </a:fld>
             <a:endParaRPr lang="en-US"/>
           </a:p>
@@ -4853,7 +4866,7 @@
           <a:p>
             <a:fld id="{7AB7A67C-34C4-4220-9C1B-5040709E815C}" type="datetimeFigureOut">
               <a:rPr lang="en-US" smtClean="0"/>
-              <a:t>2017-05-05</a:t>
+              <a:t>5/5/17</a:t>
             </a:fld>
             <a:endParaRPr lang="en-US"/>
           </a:p>
@@ -5098,7 +5111,7 @@
           <a:p>
             <a:fld id="{7AB7A67C-34C4-4220-9C1B-5040709E815C}" type="datetimeFigureOut">
               <a:rPr lang="en-US" smtClean="0"/>
-              <a:t>2017-05-05</a:t>
+              <a:t>5/5/17</a:t>
             </a:fld>
             <a:endParaRPr lang="en-US"/>
           </a:p>
@@ -5327,7 +5340,7 @@
           <a:p>
             <a:fld id="{7AB7A67C-34C4-4220-9C1B-5040709E815C}" type="datetimeFigureOut">
               <a:rPr lang="en-US" smtClean="0"/>
-              <a:t>2017-05-05</a:t>
+              <a:t>5/5/17</a:t>
             </a:fld>
             <a:endParaRPr lang="en-US"/>
           </a:p>
@@ -5691,7 +5704,7 @@
           <a:p>
             <a:fld id="{7AB7A67C-34C4-4220-9C1B-5040709E815C}" type="datetimeFigureOut">
               <a:rPr lang="en-US" smtClean="0"/>
-              <a:t>2017-05-05</a:t>
+              <a:t>5/5/17</a:t>
             </a:fld>
             <a:endParaRPr lang="en-US"/>
           </a:p>
@@ -5808,7 +5821,7 @@
           <a:p>
             <a:fld id="{7AB7A67C-34C4-4220-9C1B-5040709E815C}" type="datetimeFigureOut">
               <a:rPr lang="en-US" smtClean="0"/>
-              <a:t>2017-05-05</a:t>
+              <a:t>5/5/17</a:t>
             </a:fld>
             <a:endParaRPr lang="en-US"/>
           </a:p>
@@ -5903,7 +5916,7 @@
           <a:p>
             <a:fld id="{7AB7A67C-34C4-4220-9C1B-5040709E815C}" type="datetimeFigureOut">
               <a:rPr lang="en-US" smtClean="0"/>
-              <a:t>2017-05-05</a:t>
+              <a:t>5/5/17</a:t>
             </a:fld>
             <a:endParaRPr lang="en-US"/>
           </a:p>
@@ -6178,7 +6191,7 @@
           <a:p>
             <a:fld id="{7AB7A67C-34C4-4220-9C1B-5040709E815C}" type="datetimeFigureOut">
               <a:rPr lang="en-US" smtClean="0"/>
-              <a:t>2017-05-05</a:t>
+              <a:t>5/5/17</a:t>
             </a:fld>
             <a:endParaRPr lang="en-US"/>
           </a:p>
@@ -6430,7 +6443,7 @@
           <a:p>
             <a:fld id="{7AB7A67C-34C4-4220-9C1B-5040709E815C}" type="datetimeFigureOut">
               <a:rPr lang="en-US" smtClean="0"/>
-              <a:t>2017-05-05</a:t>
+              <a:t>5/5/17</a:t>
             </a:fld>
             <a:endParaRPr lang="en-US"/>
           </a:p>
@@ -6641,7 +6654,7 @@
           <a:p>
             <a:fld id="{7AB7A67C-34C4-4220-9C1B-5040709E815C}" type="datetimeFigureOut">
               <a:rPr lang="en-US" smtClean="0"/>
-              <a:t>2017-05-05</a:t>
+              <a:t>5/5/17</a:t>
             </a:fld>
             <a:endParaRPr lang="en-US"/>
           </a:p>
@@ -7270,7 +7283,7 @@
                       <m:sSubPr>
                         <m:ctrlPr>
                           <a:rPr lang="en-US" i="1" smtClean="0">
-                            <a:latin typeface="Cambria Math" panose="02040503050406030204" pitchFamily="18" charset="0"/>
+                            <a:latin typeface="Cambria Math" charset="0"/>
                           </a:rPr>
                         </m:ctrlPr>
                       </m:sSubPr>
@@ -7383,7 +7396,7 @@
                       <m:sSubPr>
                         <m:ctrlPr>
                           <a:rPr lang="en-US" i="1" smtClean="0">
-                            <a:latin typeface="Cambria Math" panose="02040503050406030204" pitchFamily="18" charset="0"/>
+                            <a:latin typeface="Cambria Math" charset="0"/>
                           </a:rPr>
                         </m:ctrlPr>
                       </m:sSubPr>
@@ -7519,7 +7532,7 @@
                                   <a:lumOff val="35000"/>
                                 </a:schemeClr>
                               </a:solidFill>
-                              <a:latin typeface="Cambria Math" panose="02040503050406030204" pitchFamily="18" charset="0"/>
+                              <a:latin typeface="Cambria Math" charset="0"/>
                             </a:rPr>
                           </m:ctrlPr>
                         </m:sSubPr>
@@ -7647,7 +7660,7 @@
                                   <a:lumOff val="35000"/>
                                 </a:schemeClr>
                               </a:solidFill>
-                              <a:latin typeface="Cambria Math" panose="02040503050406030204" pitchFamily="18" charset="0"/>
+                              <a:latin typeface="Cambria Math" charset="0"/>
                             </a:rPr>
                           </m:ctrlPr>
                         </m:sSubPr>
@@ -7950,7 +7963,7 @@
                               <a:solidFill>
                                 <a:schemeClr val="tx1"/>
                               </a:solidFill>
-                              <a:latin typeface="Cambria Math" panose="02040503050406030204" pitchFamily="18" charset="0"/>
+                              <a:latin typeface="Cambria Math" charset="0"/>
                             </a:rPr>
                           </m:ctrlPr>
                         </m:sSubPr>
@@ -8079,7 +8092,7 @@
                               <a:solidFill>
                                 <a:schemeClr val="tx1"/>
                               </a:solidFill>
-                              <a:latin typeface="Cambria Math" panose="02040503050406030204" pitchFamily="18" charset="0"/>
+                              <a:latin typeface="Cambria Math" charset="0"/>
                             </a:rPr>
                           </m:ctrlPr>
                         </m:sSubPr>
@@ -8349,7 +8362,7 @@
                         <m:sSubPr>
                           <m:ctrlPr>
                             <a:rPr lang="en-US" i="1" smtClean="0">
-                              <a:latin typeface="Cambria Math" panose="02040503050406030204" pitchFamily="18" charset="0"/>
+                              <a:latin typeface="Cambria Math" charset="0"/>
                             </a:rPr>
                           </m:ctrlPr>
                         </m:sSubPr>
@@ -8455,7 +8468,7 @@
                         <m:sSubPr>
                           <m:ctrlPr>
                             <a:rPr lang="en-US" i="1" smtClean="0">
-                              <a:latin typeface="Cambria Math" panose="02040503050406030204" pitchFamily="18" charset="0"/>
+                              <a:latin typeface="Cambria Math" charset="0"/>
                             </a:rPr>
                           </m:ctrlPr>
                         </m:sSubPr>
@@ -8570,7 +8583,7 @@
                         <m:sSubPr>
                           <m:ctrlPr>
                             <a:rPr lang="en-US" i="1" smtClean="0">
-                              <a:latin typeface="Cambria Math" panose="02040503050406030204" pitchFamily="18" charset="0"/>
+                              <a:latin typeface="Cambria Math" charset="0"/>
                             </a:rPr>
                           </m:ctrlPr>
                         </m:sSubPr>
@@ -8676,7 +8689,7 @@
                         <m:sSubPr>
                           <m:ctrlPr>
                             <a:rPr lang="en-US" i="1" smtClean="0">
-                              <a:latin typeface="Cambria Math" panose="02040503050406030204" pitchFamily="18" charset="0"/>
+                              <a:latin typeface="Cambria Math" charset="0"/>
                             </a:rPr>
                           </m:ctrlPr>
                         </m:sSubPr>
@@ -10395,7 +10408,7 @@
         </p:nvSpPr>
         <p:spPr>
           <a:xfrm>
-            <a:off x="1079500" y="2654303"/>
+            <a:off x="824670" y="2654303"/>
             <a:ext cx="863600" cy="520700"/>
           </a:xfrm>
           <a:prstGeom prst="flowChartTerminator">
@@ -10436,7 +10449,7 @@
         </p:nvSpPr>
         <p:spPr>
           <a:xfrm>
-            <a:off x="10262846" y="2654303"/>
+            <a:off x="10850234" y="2654303"/>
             <a:ext cx="863600" cy="520700"/>
           </a:xfrm>
           <a:prstGeom prst="flowChartTerminator">
@@ -10477,7 +10490,7 @@
         </p:nvSpPr>
         <p:spPr>
           <a:xfrm>
-            <a:off x="6664947" y="2676528"/>
+            <a:off x="6410117" y="2676528"/>
             <a:ext cx="1320800" cy="476250"/>
           </a:xfrm>
           <a:prstGeom prst="flowChartAlternateProcess">
@@ -10518,8 +10531,8 @@
         </p:nvSpPr>
         <p:spPr>
           <a:xfrm>
-            <a:off x="8345147" y="2470153"/>
-            <a:ext cx="1549400" cy="889000"/>
+            <a:off x="8071441" y="2470153"/>
+            <a:ext cx="2356720" cy="889000"/>
           </a:xfrm>
           <a:prstGeom prst="flowChartDecision">
             <a:avLst/>
@@ -10559,7 +10572,7 @@
         </p:nvSpPr>
         <p:spPr>
           <a:xfrm>
-            <a:off x="1955036" y="2355278"/>
+            <a:off x="1700206" y="2355278"/>
             <a:ext cx="709040" cy="584775"/>
           </a:xfrm>
           <a:prstGeom prst="rect">
@@ -10598,8 +10611,8 @@
         </p:nvCxnSpPr>
         <p:spPr>
           <a:xfrm>
-            <a:off x="9894547" y="2914653"/>
-            <a:ext cx="368299" cy="0"/>
+            <a:off x="10428161" y="2914653"/>
+            <a:ext cx="422073" cy="0"/>
           </a:xfrm>
           <a:prstGeom prst="straightConnector1">
             <a:avLst/>
@@ -10635,7 +10648,7 @@
         </p:nvCxnSpPr>
         <p:spPr>
           <a:xfrm>
-            <a:off x="1943100" y="2914653"/>
+            <a:off x="1688270" y="2914653"/>
             <a:ext cx="1202700" cy="0"/>
           </a:xfrm>
           <a:prstGeom prst="straightConnector1">
@@ -10671,8 +10684,8 @@
         </p:nvCxnSpPr>
         <p:spPr>
           <a:xfrm>
-            <a:off x="7985747" y="2914653"/>
-            <a:ext cx="359400" cy="0"/>
+            <a:off x="7730917" y="2914653"/>
+            <a:ext cx="340524" cy="0"/>
           </a:xfrm>
           <a:prstGeom prst="straightConnector1">
             <a:avLst/>
@@ -10707,7 +10720,7 @@
         </p:nvCxnSpPr>
         <p:spPr>
           <a:xfrm>
-            <a:off x="4466600" y="2914653"/>
+            <a:off x="4211770" y="2914653"/>
             <a:ext cx="363198" cy="0"/>
           </a:xfrm>
           <a:prstGeom prst="straightConnector1">
@@ -10742,7 +10755,7 @@
         </p:nvCxnSpPr>
         <p:spPr>
           <a:xfrm>
-            <a:off x="4181884" y="1981200"/>
+            <a:off x="3927054" y="1981200"/>
             <a:ext cx="0" cy="695328"/>
           </a:xfrm>
           <a:prstGeom prst="straightConnector1">
@@ -10770,15 +10783,13 @@
       <p:cxnSp>
         <p:nvCxnSpPr>
           <p:cNvPr id="21" name="Straight Connector 20"/>
-          <p:cNvCxnSpPr>
-            <a:stCxn id="10" idx="0"/>
-          </p:cNvCxnSpPr>
+          <p:cNvCxnSpPr/>
           <p:nvPr/>
         </p:nvCxnSpPr>
         <p:spPr>
           <a:xfrm flipH="1" flipV="1">
-            <a:off x="9118600" y="1981200"/>
-            <a:ext cx="1247" cy="488953"/>
+            <a:off x="9238159" y="1980000"/>
+            <a:ext cx="0" cy="488953"/>
           </a:xfrm>
           <a:prstGeom prst="line">
             <a:avLst/>
@@ -10809,8 +10820,8 @@
         </p:nvCxnSpPr>
         <p:spPr>
           <a:xfrm flipH="1">
-            <a:off x="4181884" y="1981200"/>
-            <a:ext cx="4936716" cy="0"/>
+            <a:off x="3927055" y="1978800"/>
+            <a:ext cx="5307756" cy="2400"/>
           </a:xfrm>
           <a:prstGeom prst="line">
             <a:avLst/>
@@ -10839,7 +10850,7 @@
         </p:nvGrpSpPr>
         <p:grpSpPr>
           <a:xfrm>
-            <a:off x="3145800" y="2676528"/>
+            <a:off x="2890970" y="2676528"/>
             <a:ext cx="1336747" cy="787430"/>
             <a:chOff x="2587000" y="2676528"/>
             <a:chExt cx="1336747" cy="787430"/>
@@ -10924,7 +10935,7 @@
         </p:nvGrpSpPr>
         <p:grpSpPr>
           <a:xfrm>
-            <a:off x="4829798" y="2676528"/>
+            <a:off x="4574968" y="2676528"/>
             <a:ext cx="1362762" cy="787430"/>
             <a:chOff x="4270998" y="2676528"/>
             <a:chExt cx="1362762" cy="787430"/>
@@ -11012,7 +11023,7 @@
         </p:nvCxnSpPr>
         <p:spPr>
           <a:xfrm>
-            <a:off x="6150598" y="2914653"/>
+            <a:off x="5895768" y="2914653"/>
             <a:ext cx="514349" cy="0"/>
           </a:xfrm>
           <a:prstGeom prst="straightConnector1">
@@ -11045,7 +11056,7 @@
         </p:nvSpPr>
         <p:spPr>
           <a:xfrm>
-            <a:off x="2648663" y="2209800"/>
+            <a:off x="2393833" y="2209800"/>
             <a:ext cx="3843159" cy="1524000"/>
           </a:xfrm>
           <a:prstGeom prst="rect">
@@ -11092,7 +11103,7 @@
         </p:nvSpPr>
         <p:spPr>
           <a:xfrm>
-            <a:off x="2754874" y="1981203"/>
+            <a:off x="2500044" y="1981203"/>
             <a:ext cx="1320800" cy="476250"/>
           </a:xfrm>
           <a:prstGeom prst="flowChartAlternateProcess">
@@ -11122,6 +11133,66 @@
               <a:rPr lang="en-US" dirty="0"/>
               <a:t>E-step</a:t>
             </a:r>
+          </a:p>
+        </p:txBody>
+      </p:sp>
+      <p:sp>
+        <p:nvSpPr>
+          <p:cNvPr id="26" name="TextBox 25"/>
+          <p:cNvSpPr txBox="1"/>
+          <p:nvPr/>
+        </p:nvSpPr>
+        <p:spPr>
+          <a:xfrm>
+            <a:off x="10335120" y="2556529"/>
+            <a:ext cx="553485" cy="338554"/>
+          </a:xfrm>
+          <a:prstGeom prst="rect">
+            <a:avLst/>
+          </a:prstGeom>
+          <a:noFill/>
+        </p:spPr>
+        <p:txBody>
+          <a:bodyPr wrap="none" rtlCol="0">
+            <a:spAutoFit/>
+          </a:bodyPr>
+          <a:lstStyle/>
+          <a:p>
+            <a:r>
+              <a:rPr lang="en-US" sz="1600" dirty="0" smtClean="0"/>
+              <a:t>True</a:t>
+            </a:r>
+            <a:endParaRPr lang="en-US" sz="1600" dirty="0"/>
+          </a:p>
+        </p:txBody>
+      </p:sp>
+      <p:sp>
+        <p:nvSpPr>
+          <p:cNvPr id="28" name="TextBox 27"/>
+          <p:cNvSpPr txBox="1"/>
+          <p:nvPr/>
+        </p:nvSpPr>
+        <p:spPr>
+          <a:xfrm>
+            <a:off x="9214977" y="2055799"/>
+            <a:ext cx="600934" cy="338554"/>
+          </a:xfrm>
+          <a:prstGeom prst="rect">
+            <a:avLst/>
+          </a:prstGeom>
+          <a:noFill/>
+        </p:spPr>
+        <p:txBody>
+          <a:bodyPr wrap="none" rtlCol="0">
+            <a:spAutoFit/>
+          </a:bodyPr>
+          <a:lstStyle/>
+          <a:p>
+            <a:r>
+              <a:rPr lang="en-US" sz="1600" dirty="0" smtClean="0"/>
+              <a:t>False</a:t>
+            </a:r>
+            <a:endParaRPr lang="en-US" sz="1600" dirty="0"/>
           </a:p>
         </p:txBody>
       </p:sp>
@@ -11207,7 +11278,7 @@
                               <a:solidFill>
                                 <a:schemeClr val="bg1"/>
                               </a:solidFill>
-                              <a:latin typeface="Cambria Math" panose="02040503050406030204" pitchFamily="18" charset="0"/>
+                              <a:latin typeface="Cambria Math" charset="0"/>
                             </a:rPr>
                           </m:ctrlPr>
                         </m:sSubPr>
@@ -11337,7 +11408,7 @@
                               <a:solidFill>
                                 <a:schemeClr val="bg1"/>
                               </a:solidFill>
-                              <a:latin typeface="Cambria Math" panose="02040503050406030204" pitchFamily="18" charset="0"/>
+                              <a:latin typeface="Cambria Math" charset="0"/>
                             </a:rPr>
                           </m:ctrlPr>
                         </m:sSubPr>
@@ -11467,7 +11538,7 @@
                               <a:solidFill>
                                 <a:schemeClr val="bg1"/>
                               </a:solidFill>
-                              <a:latin typeface="Cambria Math" panose="02040503050406030204" pitchFamily="18" charset="0"/>
+                              <a:latin typeface="Cambria Math" charset="0"/>
                             </a:rPr>
                           </m:ctrlPr>
                         </m:sSubPr>
@@ -17850,7 +17921,7 @@
                               <a:solidFill>
                                 <a:schemeClr val="tx1"/>
                               </a:solidFill>
-                              <a:latin typeface="Cambria Math" panose="02040503050406030204" pitchFamily="18" charset="0"/>
+                              <a:latin typeface="Cambria Math" charset="0"/>
                             </a:rPr>
                           </m:ctrlPr>
                         </m:sSubPr>
@@ -17979,7 +18050,7 @@
                               <a:solidFill>
                                 <a:schemeClr val="tx1"/>
                               </a:solidFill>
-                              <a:latin typeface="Cambria Math" panose="02040503050406030204" pitchFamily="18" charset="0"/>
+                              <a:latin typeface="Cambria Math" charset="0"/>
                             </a:rPr>
                           </m:ctrlPr>
                         </m:sSubPr>
@@ -18108,7 +18179,7 @@
                               <a:solidFill>
                                 <a:schemeClr val="tx1"/>
                               </a:solidFill>
-                              <a:latin typeface="Cambria Math" panose="02040503050406030204" pitchFamily="18" charset="0"/>
+                              <a:latin typeface="Cambria Math" charset="0"/>
                             </a:rPr>
                           </m:ctrlPr>
                         </m:sSubPr>
@@ -18237,7 +18308,7 @@
                               <a:solidFill>
                                 <a:schemeClr val="tx1"/>
                               </a:solidFill>
-                              <a:latin typeface="Cambria Math" panose="02040503050406030204" pitchFamily="18" charset="0"/>
+                              <a:latin typeface="Cambria Math" charset="0"/>
                             </a:rPr>
                           </m:ctrlPr>
                         </m:sSubPr>
@@ -18366,7 +18437,7 @@
                               <a:solidFill>
                                 <a:schemeClr val="tx1"/>
                               </a:solidFill>
-                              <a:latin typeface="Cambria Math" panose="02040503050406030204" pitchFamily="18" charset="0"/>
+                              <a:latin typeface="Cambria Math" charset="0"/>
                             </a:rPr>
                           </m:ctrlPr>
                         </m:sSubPr>
@@ -18495,7 +18566,7 @@
                               <a:solidFill>
                                 <a:schemeClr val="tx1"/>
                               </a:solidFill>
-                              <a:latin typeface="Cambria Math" panose="02040503050406030204" pitchFamily="18" charset="0"/>
+                              <a:latin typeface="Cambria Math" charset="0"/>
                             </a:rPr>
                           </m:ctrlPr>
                         </m:sSubPr>
@@ -18624,7 +18695,7 @@
                               <a:solidFill>
                                 <a:schemeClr val="tx1"/>
                               </a:solidFill>
-                              <a:latin typeface="Cambria Math" panose="02040503050406030204" pitchFamily="18" charset="0"/>
+                              <a:latin typeface="Cambria Math" charset="0"/>
                             </a:rPr>
                           </m:ctrlPr>
                         </m:sSubPr>
@@ -18753,7 +18824,7 @@
                               <a:solidFill>
                                 <a:schemeClr val="tx1"/>
                               </a:solidFill>
-                              <a:latin typeface="Cambria Math" panose="02040503050406030204" pitchFamily="18" charset="0"/>
+                              <a:latin typeface="Cambria Math" charset="0"/>
                             </a:rPr>
                           </m:ctrlPr>
                         </m:sSubPr>

--- a/Document/graphic.pptx
+++ b/Document/graphic.pptx
@@ -19,6 +19,7 @@
     <p:sldId id="268" r:id="rId13"/>
     <p:sldId id="269" r:id="rId14"/>
     <p:sldId id="270" r:id="rId15"/>
+    <p:sldId id="271" r:id="rId16"/>
   </p:sldIdLst>
   <p:sldSz cx="12192000" cy="6858000"/>
   <p:notesSz cx="6858000" cy="9144000"/>
@@ -128,17 +129,13 @@
 <file path=ppt/commentAuthors.xml><?xml version="1.0" encoding="utf-8"?>
 <p:cmAuthorLst xmlns:a="http://schemas.openxmlformats.org/drawingml/2006/main" xmlns:r="http://schemas.openxmlformats.org/officeDocument/2006/relationships" xmlns:p="http://schemas.openxmlformats.org/presentationml/2006/main">
   <p:cmAuthor id="1" name="Araya Eamrurksiri" initials="AE" lastIdx="1" clrIdx="0">
-    <p:extLst>
-      <p:ext uri="{19B8F6BF-5375-455C-9EA6-DF929625EA0E}">
-        <p15:presenceInfo xmlns:p15="http://schemas.microsoft.com/office/powerpoint/2012/main" userId="" providerId=""/>
-      </p:ext>
-    </p:extLst>
+    <p:extLst/>
   </p:cmAuthor>
 </p:cmAuthorLst>
 </file>
 
 <file path=ppt/charts/chart1.xml><?xml version="1.0" encoding="utf-8"?>
-<c:chartSpace xmlns:c="http://schemas.openxmlformats.org/drawingml/2006/chart" xmlns:a="http://schemas.openxmlformats.org/drawingml/2006/main" xmlns:r="http://schemas.openxmlformats.org/officeDocument/2006/relationships">
+<c:chartSpace xmlns:c="http://schemas.openxmlformats.org/drawingml/2006/chart" xmlns:a="http://schemas.openxmlformats.org/drawingml/2006/main" xmlns:r="http://schemas.openxmlformats.org/officeDocument/2006/relationships" xmlns:c16r2="http://schemas.microsoft.com/office/drawing/2015/06/chart">
   <c:date1904 val="0"/>
   <c:lang val="en-US"/>
   <c:roundedCorners val="0"/>
@@ -190,64 +187,64 @@
                 <c:formatCode>General</c:formatCode>
                 <c:ptCount val="20"/>
                 <c:pt idx="0">
-                  <c:v>1.0</c:v>
+                  <c:v>1</c:v>
                 </c:pt>
                 <c:pt idx="1">
-                  <c:v>2.0</c:v>
+                  <c:v>2</c:v>
                 </c:pt>
                 <c:pt idx="2">
-                  <c:v>3.0</c:v>
+                  <c:v>3</c:v>
                 </c:pt>
                 <c:pt idx="3">
-                  <c:v>4.0</c:v>
+                  <c:v>4</c:v>
                 </c:pt>
                 <c:pt idx="4">
-                  <c:v>5.0</c:v>
+                  <c:v>5</c:v>
                 </c:pt>
                 <c:pt idx="5">
-                  <c:v>6.0</c:v>
+                  <c:v>6</c:v>
                 </c:pt>
                 <c:pt idx="6">
-                  <c:v>7.0</c:v>
+                  <c:v>7</c:v>
                 </c:pt>
                 <c:pt idx="7">
-                  <c:v>8.0</c:v>
+                  <c:v>8</c:v>
                 </c:pt>
                 <c:pt idx="8">
-                  <c:v>9.0</c:v>
+                  <c:v>9</c:v>
                 </c:pt>
                 <c:pt idx="9">
-                  <c:v>10.0</c:v>
+                  <c:v>10</c:v>
                 </c:pt>
                 <c:pt idx="10">
-                  <c:v>11.0</c:v>
+                  <c:v>11</c:v>
                 </c:pt>
                 <c:pt idx="11">
-                  <c:v>12.0</c:v>
+                  <c:v>12</c:v>
                 </c:pt>
                 <c:pt idx="12">
-                  <c:v>13.0</c:v>
+                  <c:v>13</c:v>
                 </c:pt>
                 <c:pt idx="13">
-                  <c:v>14.0</c:v>
+                  <c:v>14</c:v>
                 </c:pt>
                 <c:pt idx="14">
-                  <c:v>15.0</c:v>
+                  <c:v>15</c:v>
                 </c:pt>
                 <c:pt idx="15">
-                  <c:v>16.0</c:v>
+                  <c:v>16</c:v>
                 </c:pt>
                 <c:pt idx="16">
-                  <c:v>17.0</c:v>
+                  <c:v>17</c:v>
                 </c:pt>
                 <c:pt idx="17">
-                  <c:v>18.0</c:v>
+                  <c:v>18</c:v>
                 </c:pt>
                 <c:pt idx="18">
-                  <c:v>19.0</c:v>
+                  <c:v>19</c:v>
                 </c:pt>
                 <c:pt idx="19">
-                  <c:v>20.0</c:v>
+                  <c:v>20</c:v>
                 </c:pt>
               </c:numCache>
             </c:numRef>
@@ -289,7 +286,7 @@
             </c:numRef>
           </c:val>
           <c:smooth val="0"/>
-          <c:extLst xmlns:c16r2="http://schemas.microsoft.com/office/drawing/2015/06/chart">
+          <c:extLst>
             <c:ext xmlns:c16="http://schemas.microsoft.com/office/drawing/2014/chart" uri="{C3380CC4-5D6E-409C-BE32-E72D297353CC}">
               <c16:uniqueId val="{00000000-0505-4674-88D6-32E912049685}"/>
             </c:ext>
@@ -328,64 +325,64 @@
                 <c:formatCode>General</c:formatCode>
                 <c:ptCount val="20"/>
                 <c:pt idx="0">
-                  <c:v>1.0</c:v>
+                  <c:v>1</c:v>
                 </c:pt>
                 <c:pt idx="1">
-                  <c:v>2.0</c:v>
+                  <c:v>2</c:v>
                 </c:pt>
                 <c:pt idx="2">
-                  <c:v>3.0</c:v>
+                  <c:v>3</c:v>
                 </c:pt>
                 <c:pt idx="3">
-                  <c:v>4.0</c:v>
+                  <c:v>4</c:v>
                 </c:pt>
                 <c:pt idx="4">
-                  <c:v>5.0</c:v>
+                  <c:v>5</c:v>
                 </c:pt>
                 <c:pt idx="5">
-                  <c:v>6.0</c:v>
+                  <c:v>6</c:v>
                 </c:pt>
                 <c:pt idx="6">
-                  <c:v>7.0</c:v>
+                  <c:v>7</c:v>
                 </c:pt>
                 <c:pt idx="7">
-                  <c:v>8.0</c:v>
+                  <c:v>8</c:v>
                 </c:pt>
                 <c:pt idx="8">
-                  <c:v>9.0</c:v>
+                  <c:v>9</c:v>
                 </c:pt>
                 <c:pt idx="9">
-                  <c:v>10.0</c:v>
+                  <c:v>10</c:v>
                 </c:pt>
                 <c:pt idx="10">
-                  <c:v>11.0</c:v>
+                  <c:v>11</c:v>
                 </c:pt>
                 <c:pt idx="11">
-                  <c:v>12.0</c:v>
+                  <c:v>12</c:v>
                 </c:pt>
                 <c:pt idx="12">
-                  <c:v>13.0</c:v>
+                  <c:v>13</c:v>
                 </c:pt>
                 <c:pt idx="13">
-                  <c:v>14.0</c:v>
+                  <c:v>14</c:v>
                 </c:pt>
                 <c:pt idx="14">
-                  <c:v>15.0</c:v>
+                  <c:v>15</c:v>
                 </c:pt>
                 <c:pt idx="15">
-                  <c:v>16.0</c:v>
+                  <c:v>16</c:v>
                 </c:pt>
                 <c:pt idx="16">
-                  <c:v>17.0</c:v>
+                  <c:v>17</c:v>
                 </c:pt>
                 <c:pt idx="17">
-                  <c:v>18.0</c:v>
+                  <c:v>18</c:v>
                 </c:pt>
                 <c:pt idx="18">
-                  <c:v>19.0</c:v>
+                  <c:v>19</c:v>
                 </c:pt>
                 <c:pt idx="19">
-                  <c:v>20.0</c:v>
+                  <c:v>20</c:v>
                 </c:pt>
               </c:numCache>
             </c:numRef>
@@ -424,7 +421,7 @@
             </c:numRef>
           </c:val>
           <c:smooth val="0"/>
-          <c:extLst xmlns:c16r2="http://schemas.microsoft.com/office/drawing/2015/06/chart">
+          <c:extLst>
             <c:ext xmlns:c16="http://schemas.microsoft.com/office/drawing/2014/chart" uri="{C3380CC4-5D6E-409C-BE32-E72D297353CC}">
               <c16:uniqueId val="{00000001-0505-4674-88D6-32E912049685}"/>
             </c:ext>
@@ -463,64 +460,64 @@
                 <c:formatCode>General</c:formatCode>
                 <c:ptCount val="20"/>
                 <c:pt idx="0">
-                  <c:v>1.0</c:v>
+                  <c:v>1</c:v>
                 </c:pt>
                 <c:pt idx="1">
-                  <c:v>2.0</c:v>
+                  <c:v>2</c:v>
                 </c:pt>
                 <c:pt idx="2">
-                  <c:v>3.0</c:v>
+                  <c:v>3</c:v>
                 </c:pt>
                 <c:pt idx="3">
-                  <c:v>4.0</c:v>
+                  <c:v>4</c:v>
                 </c:pt>
                 <c:pt idx="4">
-                  <c:v>5.0</c:v>
+                  <c:v>5</c:v>
                 </c:pt>
                 <c:pt idx="5">
-                  <c:v>6.0</c:v>
+                  <c:v>6</c:v>
                 </c:pt>
                 <c:pt idx="6">
-                  <c:v>7.0</c:v>
+                  <c:v>7</c:v>
                 </c:pt>
                 <c:pt idx="7">
-                  <c:v>8.0</c:v>
+                  <c:v>8</c:v>
                 </c:pt>
                 <c:pt idx="8">
-                  <c:v>9.0</c:v>
+                  <c:v>9</c:v>
                 </c:pt>
                 <c:pt idx="9">
-                  <c:v>10.0</c:v>
+                  <c:v>10</c:v>
                 </c:pt>
                 <c:pt idx="10">
-                  <c:v>11.0</c:v>
+                  <c:v>11</c:v>
                 </c:pt>
                 <c:pt idx="11">
-                  <c:v>12.0</c:v>
+                  <c:v>12</c:v>
                 </c:pt>
                 <c:pt idx="12">
-                  <c:v>13.0</c:v>
+                  <c:v>13</c:v>
                 </c:pt>
                 <c:pt idx="13">
-                  <c:v>14.0</c:v>
+                  <c:v>14</c:v>
                 </c:pt>
                 <c:pt idx="14">
-                  <c:v>15.0</c:v>
+                  <c:v>15</c:v>
                 </c:pt>
                 <c:pt idx="15">
-                  <c:v>16.0</c:v>
+                  <c:v>16</c:v>
                 </c:pt>
                 <c:pt idx="16">
-                  <c:v>17.0</c:v>
+                  <c:v>17</c:v>
                 </c:pt>
                 <c:pt idx="17">
-                  <c:v>18.0</c:v>
+                  <c:v>18</c:v>
                 </c:pt>
                 <c:pt idx="18">
-                  <c:v>19.0</c:v>
+                  <c:v>19</c:v>
                 </c:pt>
                 <c:pt idx="19">
-                  <c:v>20.0</c:v>
+                  <c:v>20</c:v>
                 </c:pt>
               </c:numCache>
             </c:numRef>
@@ -559,7 +556,7 @@
             </c:numRef>
           </c:val>
           <c:smooth val="0"/>
-          <c:extLst xmlns:c16r2="http://schemas.microsoft.com/office/drawing/2015/06/chart">
+          <c:extLst>
             <c:ext xmlns:c16="http://schemas.microsoft.com/office/drawing/2014/chart" uri="{C3380CC4-5D6E-409C-BE32-E72D297353CC}">
               <c16:uniqueId val="{00000003-0505-4674-88D6-32E912049685}"/>
             </c:ext>
@@ -626,8 +623,8 @@
         <c:axId val="-1471497968"/>
         <c:scaling>
           <c:orientation val="minMax"/>
-          <c:max val="4.0"/>
-          <c:min val="1.0"/>
+          <c:max val="4"/>
+          <c:min val="1"/>
         </c:scaling>
         <c:delete val="1"/>
         <c:axPos val="l"/>
@@ -649,7 +646,6 @@
     </c:plotArea>
     <c:legend>
       <c:legendPos val="b"/>
-      <c:layout/>
       <c:overlay val="0"/>
       <c:spPr>
         <a:noFill/>
@@ -707,7 +703,7 @@
 </file>
 
 <file path=ppt/charts/chart2.xml><?xml version="1.0" encoding="utf-8"?>
-<c:chartSpace xmlns:c="http://schemas.openxmlformats.org/drawingml/2006/chart" xmlns:a="http://schemas.openxmlformats.org/drawingml/2006/main" xmlns:r="http://schemas.openxmlformats.org/officeDocument/2006/relationships">
+<c:chartSpace xmlns:c="http://schemas.openxmlformats.org/drawingml/2006/chart" xmlns:a="http://schemas.openxmlformats.org/drawingml/2006/main" xmlns:r="http://schemas.openxmlformats.org/officeDocument/2006/relationships" xmlns:c16r2="http://schemas.microsoft.com/office/drawing/2015/06/chart">
   <c:date1904 val="0"/>
   <c:lang val="en-US"/>
   <c:roundedCorners val="0"/>
@@ -772,34 +768,34 @@
                 <c:formatCode>General</c:formatCode>
                 <c:ptCount val="10"/>
                 <c:pt idx="0">
-                  <c:v>1.0</c:v>
+                  <c:v>1</c:v>
                 </c:pt>
                 <c:pt idx="1">
-                  <c:v>2.0</c:v>
+                  <c:v>2</c:v>
                 </c:pt>
                 <c:pt idx="2">
-                  <c:v>3.0</c:v>
+                  <c:v>3</c:v>
                 </c:pt>
                 <c:pt idx="3">
-                  <c:v>4.0</c:v>
+                  <c:v>4</c:v>
                 </c:pt>
                 <c:pt idx="4">
-                  <c:v>5.0</c:v>
+                  <c:v>5</c:v>
                 </c:pt>
                 <c:pt idx="5">
-                  <c:v>6.0</c:v>
+                  <c:v>6</c:v>
                 </c:pt>
                 <c:pt idx="6">
-                  <c:v>7.0</c:v>
+                  <c:v>7</c:v>
                 </c:pt>
                 <c:pt idx="7">
-                  <c:v>8.0</c:v>
+                  <c:v>8</c:v>
                 </c:pt>
                 <c:pt idx="8">
-                  <c:v>9.0</c:v>
+                  <c:v>9</c:v>
                 </c:pt>
                 <c:pt idx="9">
-                  <c:v>10.0</c:v>
+                  <c:v>10</c:v>
                 </c:pt>
               </c:numCache>
             </c:numRef>
@@ -811,10 +807,10 @@
                 <c:formatCode>General</c:formatCode>
                 <c:ptCount val="10"/>
                 <c:pt idx="0">
-                  <c:v>2.0</c:v>
+                  <c:v>2</c:v>
                 </c:pt>
                 <c:pt idx="1">
-                  <c:v>4.0</c:v>
+                  <c:v>4</c:v>
                 </c:pt>
                 <c:pt idx="2">
                   <c:v>2.7</c:v>
@@ -832,10 +828,10 @@
                   <c:v>1.3</c:v>
                 </c:pt>
                 <c:pt idx="7">
-                  <c:v>3.0</c:v>
+                  <c:v>3</c:v>
                 </c:pt>
                 <c:pt idx="8">
-                  <c:v>2.0</c:v>
+                  <c:v>2</c:v>
                 </c:pt>
                 <c:pt idx="9">
                   <c:v>1.2</c:v>
@@ -844,7 +840,7 @@
             </c:numRef>
           </c:val>
           <c:smooth val="0"/>
-          <c:extLst xmlns:c16r2="http://schemas.microsoft.com/office/drawing/2015/06/chart">
+          <c:extLst>
             <c:ext xmlns:c16="http://schemas.microsoft.com/office/drawing/2014/chart" uri="{C3380CC4-5D6E-409C-BE32-E72D297353CC}">
               <c16:uniqueId val="{00000000-EAD8-46E6-BD23-9DE1EB8525AE}"/>
             </c:ext>
@@ -912,8 +908,8 @@
         <c:axId val="-1392477952"/>
         <c:scaling>
           <c:orientation val="minMax"/>
-          <c:max val="4.0"/>
-          <c:min val="1.0"/>
+          <c:max val="4"/>
+          <c:min val="1"/>
         </c:scaling>
         <c:delete val="1"/>
         <c:axPos val="l"/>
@@ -961,7 +957,7 @@
 </file>
 
 <file path=ppt/charts/chart3.xml><?xml version="1.0" encoding="utf-8"?>
-<c:chartSpace xmlns:c="http://schemas.openxmlformats.org/drawingml/2006/chart" xmlns:a="http://schemas.openxmlformats.org/drawingml/2006/main" xmlns:r="http://schemas.openxmlformats.org/officeDocument/2006/relationships">
+<c:chartSpace xmlns:c="http://schemas.openxmlformats.org/drawingml/2006/chart" xmlns:a="http://schemas.openxmlformats.org/drawingml/2006/main" xmlns:r="http://schemas.openxmlformats.org/officeDocument/2006/relationships" xmlns:c16r2="http://schemas.microsoft.com/office/drawing/2015/06/chart">
   <c:date1904 val="0"/>
   <c:lang val="en-US"/>
   <c:roundedCorners val="0"/>
@@ -1013,112 +1009,112 @@
                 <c:formatCode>General</c:formatCode>
                 <c:ptCount val="36"/>
                 <c:pt idx="0">
-                  <c:v>1890.0</c:v>
+                  <c:v>1890</c:v>
                 </c:pt>
                 <c:pt idx="1">
-                  <c:v>1891.0</c:v>
+                  <c:v>1891</c:v>
                 </c:pt>
                 <c:pt idx="2">
-                  <c:v>1892.0</c:v>
+                  <c:v>1892</c:v>
                 </c:pt>
                 <c:pt idx="3">
-                  <c:v>1893.0</c:v>
+                  <c:v>1893</c:v>
                 </c:pt>
                 <c:pt idx="4">
-                  <c:v>1894.0</c:v>
+                  <c:v>1894</c:v>
                 </c:pt>
                 <c:pt idx="5">
-                  <c:v>1895.0</c:v>
+                  <c:v>1895</c:v>
                 </c:pt>
                 <c:pt idx="6">
-                  <c:v>1896.0</c:v>
+                  <c:v>1896</c:v>
                 </c:pt>
                 <c:pt idx="7">
-                  <c:v>1897.0</c:v>
+                  <c:v>1897</c:v>
                 </c:pt>
                 <c:pt idx="8">
-                  <c:v>1898.0</c:v>
+                  <c:v>1898</c:v>
                 </c:pt>
                 <c:pt idx="9">
-                  <c:v>1899.0</c:v>
+                  <c:v>1899</c:v>
                 </c:pt>
                 <c:pt idx="10">
-                  <c:v>1900.0</c:v>
+                  <c:v>1900</c:v>
                 </c:pt>
                 <c:pt idx="11">
-                  <c:v>1901.0</c:v>
+                  <c:v>1901</c:v>
                 </c:pt>
                 <c:pt idx="12">
-                  <c:v>1902.0</c:v>
+                  <c:v>1902</c:v>
                 </c:pt>
                 <c:pt idx="13">
-                  <c:v>1903.0</c:v>
+                  <c:v>1903</c:v>
                 </c:pt>
                 <c:pt idx="14">
-                  <c:v>1904.0</c:v>
+                  <c:v>1904</c:v>
                 </c:pt>
                 <c:pt idx="15">
-                  <c:v>1905.0</c:v>
+                  <c:v>1905</c:v>
                 </c:pt>
                 <c:pt idx="16">
-                  <c:v>1906.0</c:v>
+                  <c:v>1906</c:v>
                 </c:pt>
                 <c:pt idx="17">
-                  <c:v>1907.0</c:v>
+                  <c:v>1907</c:v>
                 </c:pt>
                 <c:pt idx="18">
-                  <c:v>1908.0</c:v>
+                  <c:v>1908</c:v>
                 </c:pt>
                 <c:pt idx="19">
-                  <c:v>1909.0</c:v>
+                  <c:v>1909</c:v>
                 </c:pt>
                 <c:pt idx="20">
-                  <c:v>1910.0</c:v>
+                  <c:v>1910</c:v>
                 </c:pt>
                 <c:pt idx="21">
-                  <c:v>1911.0</c:v>
+                  <c:v>1911</c:v>
                 </c:pt>
                 <c:pt idx="22">
-                  <c:v>1912.0</c:v>
+                  <c:v>1912</c:v>
                 </c:pt>
                 <c:pt idx="23">
-                  <c:v>1913.0</c:v>
+                  <c:v>1913</c:v>
                 </c:pt>
                 <c:pt idx="24">
-                  <c:v>1914.0</c:v>
+                  <c:v>1914</c:v>
                 </c:pt>
                 <c:pt idx="25">
-                  <c:v>1915.0</c:v>
+                  <c:v>1915</c:v>
                 </c:pt>
                 <c:pt idx="26">
-                  <c:v>1916.0</c:v>
+                  <c:v>1916</c:v>
                 </c:pt>
                 <c:pt idx="27">
-                  <c:v>1917.0</c:v>
+                  <c:v>1917</c:v>
                 </c:pt>
                 <c:pt idx="28">
-                  <c:v>1918.0</c:v>
+                  <c:v>1918</c:v>
                 </c:pt>
                 <c:pt idx="29">
-                  <c:v>1919.0</c:v>
+                  <c:v>1919</c:v>
                 </c:pt>
                 <c:pt idx="30">
-                  <c:v>1920.0</c:v>
+                  <c:v>1920</c:v>
                 </c:pt>
                 <c:pt idx="31">
-                  <c:v>1921.0</c:v>
+                  <c:v>1921</c:v>
                 </c:pt>
                 <c:pt idx="32">
-                  <c:v>1922.0</c:v>
+                  <c:v>1922</c:v>
                 </c:pt>
                 <c:pt idx="33">
-                  <c:v>1923.0</c:v>
+                  <c:v>1923</c:v>
                 </c:pt>
                 <c:pt idx="34">
-                  <c:v>1924.0</c:v>
+                  <c:v>1924</c:v>
                 </c:pt>
                 <c:pt idx="35">
-                  <c:v>1925.0</c:v>
+                  <c:v>1925</c:v>
                 </c:pt>
               </c:numCache>
             </c:numRef>
@@ -1130,118 +1126,118 @@
                 <c:formatCode>General</c:formatCode>
                 <c:ptCount val="36"/>
                 <c:pt idx="0">
-                  <c:v>1140.0</c:v>
+                  <c:v>1140</c:v>
                 </c:pt>
                 <c:pt idx="1">
-                  <c:v>1100.0</c:v>
+                  <c:v>1100</c:v>
                 </c:pt>
                 <c:pt idx="2">
-                  <c:v>1210.0</c:v>
+                  <c:v>1210</c:v>
                 </c:pt>
                 <c:pt idx="3">
-                  <c:v>1150.0</c:v>
+                  <c:v>1150</c:v>
                 </c:pt>
                 <c:pt idx="4">
-                  <c:v>1250.0</c:v>
+                  <c:v>1250</c:v>
                 </c:pt>
                 <c:pt idx="5">
-                  <c:v>1260.0</c:v>
+                  <c:v>1260</c:v>
                 </c:pt>
                 <c:pt idx="6">
-                  <c:v>1220.0</c:v>
+                  <c:v>1220</c:v>
                 </c:pt>
                 <c:pt idx="7">
-                  <c:v>1030.0</c:v>
+                  <c:v>1030</c:v>
                 </c:pt>
                 <c:pt idx="8">
-                  <c:v>1100.0</c:v>
+                  <c:v>1100</c:v>
                 </c:pt>
                 <c:pt idx="9">
-                  <c:v>774.0</c:v>
+                  <c:v>774</c:v>
                 </c:pt>
                 <c:pt idx="10">
-                  <c:v>840.0</c:v>
+                  <c:v>840</c:v>
                 </c:pt>
                 <c:pt idx="11">
-                  <c:v>874.0</c:v>
+                  <c:v>874</c:v>
                 </c:pt>
                 <c:pt idx="12">
-                  <c:v>694.0</c:v>
+                  <c:v>694</c:v>
                 </c:pt>
                 <c:pt idx="13">
-                  <c:v>700.0</c:v>
+                  <c:v>700</c:v>
                 </c:pt>
                 <c:pt idx="14">
-                  <c:v>833.0</c:v>
+                  <c:v>833</c:v>
                 </c:pt>
                 <c:pt idx="15">
-                  <c:v>701.0</c:v>
+                  <c:v>701</c:v>
                 </c:pt>
                 <c:pt idx="16">
-                  <c:v>800.0</c:v>
+                  <c:v>800</c:v>
                 </c:pt>
                 <c:pt idx="17">
-                  <c:v>850.0</c:v>
+                  <c:v>850</c:v>
                 </c:pt>
                 <c:pt idx="18">
-                  <c:v>1020.0</c:v>
+                  <c:v>1020</c:v>
                 </c:pt>
                 <c:pt idx="19">
-                  <c:v>1050.0</c:v>
+                  <c:v>1050</c:v>
                 </c:pt>
                 <c:pt idx="20">
-                  <c:v>969.0</c:v>
+                  <c:v>969</c:v>
                 </c:pt>
                 <c:pt idx="21">
-                  <c:v>831.0</c:v>
+                  <c:v>831</c:v>
                 </c:pt>
                 <c:pt idx="22">
-                  <c:v>726.0</c:v>
+                  <c:v>726</c:v>
                 </c:pt>
                 <c:pt idx="23">
-                  <c:v>650.0</c:v>
+                  <c:v>650</c:v>
                 </c:pt>
                 <c:pt idx="24">
-                  <c:v>500.0</c:v>
+                  <c:v>500</c:v>
                 </c:pt>
                 <c:pt idx="25">
-                  <c:v>520.0</c:v>
+                  <c:v>520</c:v>
                 </c:pt>
                 <c:pt idx="26">
-                  <c:v>480.0</c:v>
+                  <c:v>480</c:v>
                 </c:pt>
                 <c:pt idx="27">
-                  <c:v>560.0</c:v>
+                  <c:v>560</c:v>
                 </c:pt>
                 <c:pt idx="28">
-                  <c:v>832.0</c:v>
+                  <c:v>832</c:v>
                 </c:pt>
                 <c:pt idx="29">
-                  <c:v>764.0</c:v>
+                  <c:v>764</c:v>
                 </c:pt>
                 <c:pt idx="30">
-                  <c:v>800.0</c:v>
+                  <c:v>800</c:v>
                 </c:pt>
                 <c:pt idx="31">
-                  <c:v>850.0</c:v>
+                  <c:v>850</c:v>
                 </c:pt>
                 <c:pt idx="32">
-                  <c:v>845.0</c:v>
+                  <c:v>845</c:v>
                 </c:pt>
                 <c:pt idx="33">
-                  <c:v>950.0</c:v>
+                  <c:v>950</c:v>
                 </c:pt>
                 <c:pt idx="34">
-                  <c:v>862.0</c:v>
+                  <c:v>862</c:v>
                 </c:pt>
                 <c:pt idx="35">
-                  <c:v>698.0</c:v>
+                  <c:v>698</c:v>
                 </c:pt>
               </c:numCache>
             </c:numRef>
           </c:val>
           <c:smooth val="0"/>
-          <c:extLst xmlns:c16r2="http://schemas.microsoft.com/office/drawing/2015/06/chart">
+          <c:extLst>
             <c:ext xmlns:c16="http://schemas.microsoft.com/office/drawing/2014/chart" uri="{C3380CC4-5D6E-409C-BE32-E72D297353CC}">
               <c16:uniqueId val="{00000000-1D80-4542-8972-0DC6CB6CD929}"/>
             </c:ext>
@@ -1402,7 +1398,7 @@
 </file>
 
 <file path=ppt/charts/chart4.xml><?xml version="1.0" encoding="utf-8"?>
-<c:chartSpace xmlns:c="http://schemas.openxmlformats.org/drawingml/2006/chart" xmlns:a="http://schemas.openxmlformats.org/drawingml/2006/main" xmlns:r="http://schemas.openxmlformats.org/officeDocument/2006/relationships">
+<c:chartSpace xmlns:c="http://schemas.openxmlformats.org/drawingml/2006/chart" xmlns:a="http://schemas.openxmlformats.org/drawingml/2006/main" xmlns:r="http://schemas.openxmlformats.org/officeDocument/2006/relationships" xmlns:c16r2="http://schemas.microsoft.com/office/drawing/2015/06/chart">
   <c:date1904 val="0"/>
   <c:lang val="en-US"/>
   <c:roundedCorners val="0"/>
@@ -1454,112 +1450,112 @@
                 <c:formatCode>General</c:formatCode>
                 <c:ptCount val="36"/>
                 <c:pt idx="0">
-                  <c:v>1890.0</c:v>
+                  <c:v>1890</c:v>
                 </c:pt>
                 <c:pt idx="1">
-                  <c:v>1891.0</c:v>
+                  <c:v>1891</c:v>
                 </c:pt>
                 <c:pt idx="2">
-                  <c:v>1892.0</c:v>
+                  <c:v>1892</c:v>
                 </c:pt>
                 <c:pt idx="3">
-                  <c:v>1893.0</c:v>
+                  <c:v>1893</c:v>
                 </c:pt>
                 <c:pt idx="4">
-                  <c:v>1894.0</c:v>
+                  <c:v>1894</c:v>
                 </c:pt>
                 <c:pt idx="5">
-                  <c:v>1895.0</c:v>
+                  <c:v>1895</c:v>
                 </c:pt>
                 <c:pt idx="6">
-                  <c:v>1896.0</c:v>
+                  <c:v>1896</c:v>
                 </c:pt>
                 <c:pt idx="7">
-                  <c:v>1897.0</c:v>
+                  <c:v>1897</c:v>
                 </c:pt>
                 <c:pt idx="8">
-                  <c:v>1898.0</c:v>
+                  <c:v>1898</c:v>
                 </c:pt>
                 <c:pt idx="9">
-                  <c:v>1899.0</c:v>
+                  <c:v>1899</c:v>
                 </c:pt>
                 <c:pt idx="10">
-                  <c:v>1900.0</c:v>
+                  <c:v>1900</c:v>
                 </c:pt>
                 <c:pt idx="11">
-                  <c:v>1901.0</c:v>
+                  <c:v>1901</c:v>
                 </c:pt>
                 <c:pt idx="12">
-                  <c:v>1902.0</c:v>
+                  <c:v>1902</c:v>
                 </c:pt>
                 <c:pt idx="13">
-                  <c:v>1903.0</c:v>
+                  <c:v>1903</c:v>
                 </c:pt>
                 <c:pt idx="14">
-                  <c:v>1904.0</c:v>
+                  <c:v>1904</c:v>
                 </c:pt>
                 <c:pt idx="15">
-                  <c:v>1905.0</c:v>
+                  <c:v>1905</c:v>
                 </c:pt>
                 <c:pt idx="16">
-                  <c:v>1906.0</c:v>
+                  <c:v>1906</c:v>
                 </c:pt>
                 <c:pt idx="17">
-                  <c:v>1907.0</c:v>
+                  <c:v>1907</c:v>
                 </c:pt>
                 <c:pt idx="18">
-                  <c:v>1908.0</c:v>
+                  <c:v>1908</c:v>
                 </c:pt>
                 <c:pt idx="19">
-                  <c:v>1909.0</c:v>
+                  <c:v>1909</c:v>
                 </c:pt>
                 <c:pt idx="20">
-                  <c:v>1910.0</c:v>
+                  <c:v>1910</c:v>
                 </c:pt>
                 <c:pt idx="21">
-                  <c:v>1911.0</c:v>
+                  <c:v>1911</c:v>
                 </c:pt>
                 <c:pt idx="22">
-                  <c:v>1912.0</c:v>
+                  <c:v>1912</c:v>
                 </c:pt>
                 <c:pt idx="23">
-                  <c:v>1913.0</c:v>
+                  <c:v>1913</c:v>
                 </c:pt>
                 <c:pt idx="24">
-                  <c:v>1914.0</c:v>
+                  <c:v>1914</c:v>
                 </c:pt>
                 <c:pt idx="25">
-                  <c:v>1915.0</c:v>
+                  <c:v>1915</c:v>
                 </c:pt>
                 <c:pt idx="26">
-                  <c:v>1916.0</c:v>
+                  <c:v>1916</c:v>
                 </c:pt>
                 <c:pt idx="27">
-                  <c:v>1917.0</c:v>
+                  <c:v>1917</c:v>
                 </c:pt>
                 <c:pt idx="28">
-                  <c:v>1918.0</c:v>
+                  <c:v>1918</c:v>
                 </c:pt>
                 <c:pt idx="29">
-                  <c:v>1919.0</c:v>
+                  <c:v>1919</c:v>
                 </c:pt>
                 <c:pt idx="30">
-                  <c:v>1920.0</c:v>
+                  <c:v>1920</c:v>
                 </c:pt>
                 <c:pt idx="31">
-                  <c:v>1921.0</c:v>
+                  <c:v>1921</c:v>
                 </c:pt>
                 <c:pt idx="32">
-                  <c:v>1922.0</c:v>
+                  <c:v>1922</c:v>
                 </c:pt>
                 <c:pt idx="33">
-                  <c:v>1923.0</c:v>
+                  <c:v>1923</c:v>
                 </c:pt>
                 <c:pt idx="34">
-                  <c:v>1924.0</c:v>
+                  <c:v>1924</c:v>
                 </c:pt>
                 <c:pt idx="35">
-                  <c:v>1925.0</c:v>
+                  <c:v>1925</c:v>
                 </c:pt>
               </c:numCache>
             </c:numRef>
@@ -1571,70 +1567,70 @@
                 <c:formatCode>General</c:formatCode>
                 <c:ptCount val="36"/>
                 <c:pt idx="0">
-                  <c:v>3.0</c:v>
+                  <c:v>3</c:v>
                 </c:pt>
                 <c:pt idx="1">
-                  <c:v>3.0</c:v>
+                  <c:v>3</c:v>
                 </c:pt>
                 <c:pt idx="2">
-                  <c:v>3.0</c:v>
+                  <c:v>3</c:v>
                 </c:pt>
                 <c:pt idx="3">
-                  <c:v>3.0</c:v>
+                  <c:v>3</c:v>
                 </c:pt>
                 <c:pt idx="4">
-                  <c:v>3.0</c:v>
+                  <c:v>3</c:v>
                 </c:pt>
                 <c:pt idx="5">
-                  <c:v>3.0</c:v>
+                  <c:v>3</c:v>
                 </c:pt>
                 <c:pt idx="14">
-                  <c:v>3.0</c:v>
+                  <c:v>3</c:v>
                 </c:pt>
                 <c:pt idx="15">
-                  <c:v>3.0</c:v>
+                  <c:v>3</c:v>
                 </c:pt>
                 <c:pt idx="16">
-                  <c:v>3.0</c:v>
+                  <c:v>3</c:v>
                 </c:pt>
                 <c:pt idx="17">
-                  <c:v>3.0</c:v>
+                  <c:v>3</c:v>
                 </c:pt>
                 <c:pt idx="18">
-                  <c:v>3.0</c:v>
+                  <c:v>3</c:v>
                 </c:pt>
                 <c:pt idx="19">
-                  <c:v>3.0</c:v>
+                  <c:v>3</c:v>
                 </c:pt>
                 <c:pt idx="26">
-                  <c:v>3.0</c:v>
+                  <c:v>3</c:v>
                 </c:pt>
                 <c:pt idx="27">
-                  <c:v>3.0</c:v>
+                  <c:v>3</c:v>
                 </c:pt>
                 <c:pt idx="28">
-                  <c:v>3.0</c:v>
+                  <c:v>3</c:v>
                 </c:pt>
                 <c:pt idx="29">
-                  <c:v>3.0</c:v>
+                  <c:v>3</c:v>
                 </c:pt>
                 <c:pt idx="30">
-                  <c:v>3.0</c:v>
+                  <c:v>3</c:v>
                 </c:pt>
                 <c:pt idx="31">
-                  <c:v>3.0</c:v>
+                  <c:v>3</c:v>
                 </c:pt>
                 <c:pt idx="32">
-                  <c:v>3.0</c:v>
+                  <c:v>3</c:v>
                 </c:pt>
                 <c:pt idx="33">
-                  <c:v>3.0</c:v>
+                  <c:v>3</c:v>
                 </c:pt>
               </c:numCache>
             </c:numRef>
           </c:val>
           <c:smooth val="0"/>
-          <c:extLst xmlns:c16r2="http://schemas.microsoft.com/office/drawing/2015/06/chart">
+          <c:extLst>
             <c:ext xmlns:c16="http://schemas.microsoft.com/office/drawing/2014/chart" uri="{C3380CC4-5D6E-409C-BE32-E72D297353CC}">
               <c16:uniqueId val="{00000000-C7EF-4ED0-9E61-565D8135B050}"/>
             </c:ext>
@@ -1673,112 +1669,112 @@
                 <c:formatCode>General</c:formatCode>
                 <c:ptCount val="36"/>
                 <c:pt idx="0">
-                  <c:v>1890.0</c:v>
+                  <c:v>1890</c:v>
                 </c:pt>
                 <c:pt idx="1">
-                  <c:v>1891.0</c:v>
+                  <c:v>1891</c:v>
                 </c:pt>
                 <c:pt idx="2">
-                  <c:v>1892.0</c:v>
+                  <c:v>1892</c:v>
                 </c:pt>
                 <c:pt idx="3">
-                  <c:v>1893.0</c:v>
+                  <c:v>1893</c:v>
                 </c:pt>
                 <c:pt idx="4">
-                  <c:v>1894.0</c:v>
+                  <c:v>1894</c:v>
                 </c:pt>
                 <c:pt idx="5">
-                  <c:v>1895.0</c:v>
+                  <c:v>1895</c:v>
                 </c:pt>
                 <c:pt idx="6">
-                  <c:v>1896.0</c:v>
+                  <c:v>1896</c:v>
                 </c:pt>
                 <c:pt idx="7">
-                  <c:v>1897.0</c:v>
+                  <c:v>1897</c:v>
                 </c:pt>
                 <c:pt idx="8">
-                  <c:v>1898.0</c:v>
+                  <c:v>1898</c:v>
                 </c:pt>
                 <c:pt idx="9">
-                  <c:v>1899.0</c:v>
+                  <c:v>1899</c:v>
                 </c:pt>
                 <c:pt idx="10">
-                  <c:v>1900.0</c:v>
+                  <c:v>1900</c:v>
                 </c:pt>
                 <c:pt idx="11">
-                  <c:v>1901.0</c:v>
+                  <c:v>1901</c:v>
                 </c:pt>
                 <c:pt idx="12">
-                  <c:v>1902.0</c:v>
+                  <c:v>1902</c:v>
                 </c:pt>
                 <c:pt idx="13">
-                  <c:v>1903.0</c:v>
+                  <c:v>1903</c:v>
                 </c:pt>
                 <c:pt idx="14">
-                  <c:v>1904.0</c:v>
+                  <c:v>1904</c:v>
                 </c:pt>
                 <c:pt idx="15">
-                  <c:v>1905.0</c:v>
+                  <c:v>1905</c:v>
                 </c:pt>
                 <c:pt idx="16">
-                  <c:v>1906.0</c:v>
+                  <c:v>1906</c:v>
                 </c:pt>
                 <c:pt idx="17">
-                  <c:v>1907.0</c:v>
+                  <c:v>1907</c:v>
                 </c:pt>
                 <c:pt idx="18">
-                  <c:v>1908.0</c:v>
+                  <c:v>1908</c:v>
                 </c:pt>
                 <c:pt idx="19">
-                  <c:v>1909.0</c:v>
+                  <c:v>1909</c:v>
                 </c:pt>
                 <c:pt idx="20">
-                  <c:v>1910.0</c:v>
+                  <c:v>1910</c:v>
                 </c:pt>
                 <c:pt idx="21">
-                  <c:v>1911.0</c:v>
+                  <c:v>1911</c:v>
                 </c:pt>
                 <c:pt idx="22">
-                  <c:v>1912.0</c:v>
+                  <c:v>1912</c:v>
                 </c:pt>
                 <c:pt idx="23">
-                  <c:v>1913.0</c:v>
+                  <c:v>1913</c:v>
                 </c:pt>
                 <c:pt idx="24">
-                  <c:v>1914.0</c:v>
+                  <c:v>1914</c:v>
                 </c:pt>
                 <c:pt idx="25">
-                  <c:v>1915.0</c:v>
+                  <c:v>1915</c:v>
                 </c:pt>
                 <c:pt idx="26">
-                  <c:v>1916.0</c:v>
+                  <c:v>1916</c:v>
                 </c:pt>
                 <c:pt idx="27">
-                  <c:v>1917.0</c:v>
+                  <c:v>1917</c:v>
                 </c:pt>
                 <c:pt idx="28">
-                  <c:v>1918.0</c:v>
+                  <c:v>1918</c:v>
                 </c:pt>
                 <c:pt idx="29">
-                  <c:v>1919.0</c:v>
+                  <c:v>1919</c:v>
                 </c:pt>
                 <c:pt idx="30">
-                  <c:v>1920.0</c:v>
+                  <c:v>1920</c:v>
                 </c:pt>
                 <c:pt idx="31">
-                  <c:v>1921.0</c:v>
+                  <c:v>1921</c:v>
                 </c:pt>
                 <c:pt idx="32">
-                  <c:v>1922.0</c:v>
+                  <c:v>1922</c:v>
                 </c:pt>
                 <c:pt idx="33">
-                  <c:v>1923.0</c:v>
+                  <c:v>1923</c:v>
                 </c:pt>
                 <c:pt idx="34">
-                  <c:v>1924.0</c:v>
+                  <c:v>1924</c:v>
                 </c:pt>
                 <c:pt idx="35">
-                  <c:v>1925.0</c:v>
+                  <c:v>1925</c:v>
                 </c:pt>
               </c:numCache>
             </c:numRef>
@@ -1790,73 +1786,73 @@
                 <c:formatCode>General</c:formatCode>
                 <c:ptCount val="36"/>
                 <c:pt idx="5">
-                  <c:v>1.0</c:v>
+                  <c:v>1</c:v>
                 </c:pt>
                 <c:pt idx="6">
-                  <c:v>1.0</c:v>
+                  <c:v>1</c:v>
                 </c:pt>
                 <c:pt idx="7">
-                  <c:v>1.0</c:v>
+                  <c:v>1</c:v>
                 </c:pt>
                 <c:pt idx="8">
-                  <c:v>1.0</c:v>
+                  <c:v>1</c:v>
                 </c:pt>
                 <c:pt idx="9">
-                  <c:v>1.0</c:v>
+                  <c:v>1</c:v>
                 </c:pt>
                 <c:pt idx="10">
-                  <c:v>1.0</c:v>
+                  <c:v>1</c:v>
                 </c:pt>
                 <c:pt idx="11">
-                  <c:v>1.0</c:v>
+                  <c:v>1</c:v>
                 </c:pt>
                 <c:pt idx="12">
-                  <c:v>1.0</c:v>
+                  <c:v>1</c:v>
                 </c:pt>
                 <c:pt idx="13">
-                  <c:v>1.0</c:v>
+                  <c:v>1</c:v>
                 </c:pt>
                 <c:pt idx="14">
-                  <c:v>1.0</c:v>
+                  <c:v>1</c:v>
                 </c:pt>
                 <c:pt idx="19">
-                  <c:v>1.0</c:v>
+                  <c:v>1</c:v>
                 </c:pt>
                 <c:pt idx="20">
-                  <c:v>1.0</c:v>
+                  <c:v>1</c:v>
                 </c:pt>
                 <c:pt idx="21">
-                  <c:v>1.0</c:v>
+                  <c:v>1</c:v>
                 </c:pt>
                 <c:pt idx="22">
-                  <c:v>1.0</c:v>
+                  <c:v>1</c:v>
                 </c:pt>
                 <c:pt idx="23">
-                  <c:v>1.0</c:v>
+                  <c:v>1</c:v>
                 </c:pt>
                 <c:pt idx="24">
-                  <c:v>1.0</c:v>
+                  <c:v>1</c:v>
                 </c:pt>
                 <c:pt idx="25">
-                  <c:v>1.0</c:v>
+                  <c:v>1</c:v>
                 </c:pt>
                 <c:pt idx="26">
-                  <c:v>1.0</c:v>
+                  <c:v>1</c:v>
                 </c:pt>
                 <c:pt idx="33">
-                  <c:v>1.0</c:v>
+                  <c:v>1</c:v>
                 </c:pt>
                 <c:pt idx="34">
-                  <c:v>1.0</c:v>
+                  <c:v>1</c:v>
                 </c:pt>
                 <c:pt idx="35">
-                  <c:v>1.0</c:v>
+                  <c:v>1</c:v>
                 </c:pt>
               </c:numCache>
             </c:numRef>
           </c:val>
           <c:smooth val="0"/>
-          <c:extLst xmlns:c16r2="http://schemas.microsoft.com/office/drawing/2015/06/chart">
+          <c:extLst>
             <c:ext xmlns:c16="http://schemas.microsoft.com/office/drawing/2014/chart" uri="{C3380CC4-5D6E-409C-BE32-E72D297353CC}">
               <c16:uniqueId val="{00000001-C7EF-4ED0-9E61-565D8135B050}"/>
             </c:ext>
@@ -4352,7 +4348,7 @@
           <a:p>
             <a:fld id="{7AB7A67C-34C4-4220-9C1B-5040709E815C}" type="datetimeFigureOut">
               <a:rPr lang="en-US" smtClean="0"/>
-              <a:t>5/5/17</a:t>
+              <a:t>2017-05-11</a:t>
             </a:fld>
             <a:endParaRPr lang="en-US"/>
           </a:p>
@@ -4520,7 +4516,7 @@
           <a:p>
             <a:fld id="{7AB7A67C-34C4-4220-9C1B-5040709E815C}" type="datetimeFigureOut">
               <a:rPr lang="en-US" smtClean="0"/>
-              <a:t>5/5/17</a:t>
+              <a:t>2017-05-11</a:t>
             </a:fld>
             <a:endParaRPr lang="en-US"/>
           </a:p>
@@ -4698,7 +4694,7 @@
           <a:p>
             <a:fld id="{7AB7A67C-34C4-4220-9C1B-5040709E815C}" type="datetimeFigureOut">
               <a:rPr lang="en-US" smtClean="0"/>
-              <a:t>5/5/17</a:t>
+              <a:t>2017-05-11</a:t>
             </a:fld>
             <a:endParaRPr lang="en-US"/>
           </a:p>
@@ -4866,7 +4862,7 @@
           <a:p>
             <a:fld id="{7AB7A67C-34C4-4220-9C1B-5040709E815C}" type="datetimeFigureOut">
               <a:rPr lang="en-US" smtClean="0"/>
-              <a:t>5/5/17</a:t>
+              <a:t>2017-05-11</a:t>
             </a:fld>
             <a:endParaRPr lang="en-US"/>
           </a:p>
@@ -5111,7 +5107,7 @@
           <a:p>
             <a:fld id="{7AB7A67C-34C4-4220-9C1B-5040709E815C}" type="datetimeFigureOut">
               <a:rPr lang="en-US" smtClean="0"/>
-              <a:t>5/5/17</a:t>
+              <a:t>2017-05-11</a:t>
             </a:fld>
             <a:endParaRPr lang="en-US"/>
           </a:p>
@@ -5340,7 +5336,7 @@
           <a:p>
             <a:fld id="{7AB7A67C-34C4-4220-9C1B-5040709E815C}" type="datetimeFigureOut">
               <a:rPr lang="en-US" smtClean="0"/>
-              <a:t>5/5/17</a:t>
+              <a:t>2017-05-11</a:t>
             </a:fld>
             <a:endParaRPr lang="en-US"/>
           </a:p>
@@ -5704,7 +5700,7 @@
           <a:p>
             <a:fld id="{7AB7A67C-34C4-4220-9C1B-5040709E815C}" type="datetimeFigureOut">
               <a:rPr lang="en-US" smtClean="0"/>
-              <a:t>5/5/17</a:t>
+              <a:t>2017-05-11</a:t>
             </a:fld>
             <a:endParaRPr lang="en-US"/>
           </a:p>
@@ -5821,7 +5817,7 @@
           <a:p>
             <a:fld id="{7AB7A67C-34C4-4220-9C1B-5040709E815C}" type="datetimeFigureOut">
               <a:rPr lang="en-US" smtClean="0"/>
-              <a:t>5/5/17</a:t>
+              <a:t>2017-05-11</a:t>
             </a:fld>
             <a:endParaRPr lang="en-US"/>
           </a:p>
@@ -5916,7 +5912,7 @@
           <a:p>
             <a:fld id="{7AB7A67C-34C4-4220-9C1B-5040709E815C}" type="datetimeFigureOut">
               <a:rPr lang="en-US" smtClean="0"/>
-              <a:t>5/5/17</a:t>
+              <a:t>2017-05-11</a:t>
             </a:fld>
             <a:endParaRPr lang="en-US"/>
           </a:p>
@@ -6191,7 +6187,7 @@
           <a:p>
             <a:fld id="{7AB7A67C-34C4-4220-9C1B-5040709E815C}" type="datetimeFigureOut">
               <a:rPr lang="en-US" smtClean="0"/>
-              <a:t>5/5/17</a:t>
+              <a:t>2017-05-11</a:t>
             </a:fld>
             <a:endParaRPr lang="en-US"/>
           </a:p>
@@ -6443,7 +6439,7 @@
           <a:p>
             <a:fld id="{7AB7A67C-34C4-4220-9C1B-5040709E815C}" type="datetimeFigureOut">
               <a:rPr lang="en-US" smtClean="0"/>
-              <a:t>5/5/17</a:t>
+              <a:t>2017-05-11</a:t>
             </a:fld>
             <a:endParaRPr lang="en-US"/>
           </a:p>
@@ -6654,7 +6650,7 @@
           <a:p>
             <a:fld id="{7AB7A67C-34C4-4220-9C1B-5040709E815C}" type="datetimeFigureOut">
               <a:rPr lang="en-US" smtClean="0"/>
-              <a:t>5/5/17</a:t>
+              <a:t>2017-05-11</a:t>
             </a:fld>
             <a:endParaRPr lang="en-US"/>
           </a:p>
@@ -7283,7 +7279,7 @@
                       <m:sSubPr>
                         <m:ctrlPr>
                           <a:rPr lang="en-US" i="1" smtClean="0">
-                            <a:latin typeface="Cambria Math" charset="0"/>
+                            <a:latin typeface="Cambria Math" panose="02040503050406030204" pitchFamily="18" charset="0"/>
                           </a:rPr>
                         </m:ctrlPr>
                       </m:sSubPr>
@@ -7396,7 +7392,7 @@
                       <m:sSubPr>
                         <m:ctrlPr>
                           <a:rPr lang="en-US" i="1" smtClean="0">
-                            <a:latin typeface="Cambria Math" charset="0"/>
+                            <a:latin typeface="Cambria Math" panose="02040503050406030204" pitchFamily="18" charset="0"/>
                           </a:rPr>
                         </m:ctrlPr>
                       </m:sSubPr>
@@ -7532,7 +7528,7 @@
                                   <a:lumOff val="35000"/>
                                 </a:schemeClr>
                               </a:solidFill>
-                              <a:latin typeface="Cambria Math" charset="0"/>
+                              <a:latin typeface="Cambria Math" panose="02040503050406030204" pitchFamily="18" charset="0"/>
                             </a:rPr>
                           </m:ctrlPr>
                         </m:sSubPr>
@@ -7660,7 +7656,7 @@
                                   <a:lumOff val="35000"/>
                                 </a:schemeClr>
                               </a:solidFill>
-                              <a:latin typeface="Cambria Math" charset="0"/>
+                              <a:latin typeface="Cambria Math" panose="02040503050406030204" pitchFamily="18" charset="0"/>
                             </a:rPr>
                           </m:ctrlPr>
                         </m:sSubPr>
@@ -7963,7 +7959,7 @@
                               <a:solidFill>
                                 <a:schemeClr val="tx1"/>
                               </a:solidFill>
-                              <a:latin typeface="Cambria Math" charset="0"/>
+                              <a:latin typeface="Cambria Math" panose="02040503050406030204" pitchFamily="18" charset="0"/>
                             </a:rPr>
                           </m:ctrlPr>
                         </m:sSubPr>
@@ -8092,7 +8088,7 @@
                               <a:solidFill>
                                 <a:schemeClr val="tx1"/>
                               </a:solidFill>
-                              <a:latin typeface="Cambria Math" charset="0"/>
+                              <a:latin typeface="Cambria Math" panose="02040503050406030204" pitchFamily="18" charset="0"/>
                             </a:rPr>
                           </m:ctrlPr>
                         </m:sSubPr>
@@ -8362,7 +8358,7 @@
                         <m:sSubPr>
                           <m:ctrlPr>
                             <a:rPr lang="en-US" i="1" smtClean="0">
-                              <a:latin typeface="Cambria Math" charset="0"/>
+                              <a:latin typeface="Cambria Math" panose="02040503050406030204" pitchFamily="18" charset="0"/>
                             </a:rPr>
                           </m:ctrlPr>
                         </m:sSubPr>
@@ -8468,7 +8464,7 @@
                         <m:sSubPr>
                           <m:ctrlPr>
                             <a:rPr lang="en-US" i="1" smtClean="0">
-                              <a:latin typeface="Cambria Math" charset="0"/>
+                              <a:latin typeface="Cambria Math" panose="02040503050406030204" pitchFamily="18" charset="0"/>
                             </a:rPr>
                           </m:ctrlPr>
                         </m:sSubPr>
@@ -8583,7 +8579,7 @@
                         <m:sSubPr>
                           <m:ctrlPr>
                             <a:rPr lang="en-US" i="1" smtClean="0">
-                              <a:latin typeface="Cambria Math" charset="0"/>
+                              <a:latin typeface="Cambria Math" panose="02040503050406030204" pitchFamily="18" charset="0"/>
                             </a:rPr>
                           </m:ctrlPr>
                         </m:sSubPr>
@@ -8689,7 +8685,7 @@
                         <m:sSubPr>
                           <m:ctrlPr>
                             <a:rPr lang="en-US" i="1" smtClean="0">
-                              <a:latin typeface="Cambria Math" charset="0"/>
+                              <a:latin typeface="Cambria Math" panose="02040503050406030204" pitchFamily="18" charset="0"/>
                             </a:rPr>
                           </m:ctrlPr>
                         </m:sSubPr>
@@ -11159,10 +11155,9 @@
           <a:lstStyle/>
           <a:p>
             <a:r>
-              <a:rPr lang="en-US" sz="1600" dirty="0" smtClean="0"/>
+              <a:rPr lang="en-US" sz="1600" dirty="0"/>
               <a:t>True</a:t>
             </a:r>
-            <a:endParaRPr lang="en-US" sz="1600" dirty="0"/>
           </a:p>
         </p:txBody>
       </p:sp>
@@ -11189,10 +11184,9 @@
           <a:lstStyle/>
           <a:p>
             <a:r>
-              <a:rPr lang="en-US" sz="1600" dirty="0" smtClean="0"/>
+              <a:rPr lang="en-US" sz="1600" dirty="0"/>
               <a:t>False</a:t>
             </a:r>
-            <a:endParaRPr lang="en-US" sz="1600" dirty="0"/>
           </a:p>
         </p:txBody>
       </p:sp>
@@ -11200,6 +11194,671 @@
     <p:extLst>
       <p:ext uri="{BB962C8B-B14F-4D97-AF65-F5344CB8AC3E}">
         <p14:creationId xmlns:p14="http://schemas.microsoft.com/office/powerpoint/2010/main" val="1383758845"/>
+      </p:ext>
+    </p:extLst>
+  </p:cSld>
+  <p:clrMapOvr>
+    <a:masterClrMapping/>
+  </p:clrMapOvr>
+</p:sld>
+</file>
+
+<file path=ppt/slides/slide15.xml><?xml version="1.0" encoding="utf-8"?>
+<p:sld xmlns:a="http://schemas.openxmlformats.org/drawingml/2006/main" xmlns:r="http://schemas.openxmlformats.org/officeDocument/2006/relationships" xmlns:p="http://schemas.openxmlformats.org/presentationml/2006/main">
+  <p:cSld>
+    <p:spTree>
+      <p:nvGrpSpPr>
+        <p:cNvPr id="1" name=""/>
+        <p:cNvGrpSpPr/>
+        <p:nvPr/>
+      </p:nvGrpSpPr>
+      <p:grpSpPr>
+        <a:xfrm>
+          <a:off x="0" y="0"/>
+          <a:ext cx="0" cy="0"/>
+          <a:chOff x="0" y="0"/>
+          <a:chExt cx="0" cy="0"/>
+        </a:xfrm>
+      </p:grpSpPr>
+      <p:sp>
+        <p:nvSpPr>
+          <p:cNvPr id="4" name="Rectangle: Rounded Corners 3"/>
+          <p:cNvSpPr/>
+          <p:nvPr/>
+        </p:nvSpPr>
+        <p:spPr>
+          <a:xfrm>
+            <a:off x="4660900" y="1320800"/>
+            <a:ext cx="1612900" cy="622300"/>
+          </a:xfrm>
+          <a:prstGeom prst="roundRect">
+            <a:avLst/>
+          </a:prstGeom>
+        </p:spPr>
+        <p:style>
+          <a:lnRef idx="2">
+            <a:schemeClr val="dk1"/>
+          </a:lnRef>
+          <a:fillRef idx="1">
+            <a:schemeClr val="lt1"/>
+          </a:fillRef>
+          <a:effectRef idx="0">
+            <a:schemeClr val="dk1"/>
+          </a:effectRef>
+          <a:fontRef idx="minor">
+            <a:schemeClr val="dk1"/>
+          </a:fontRef>
+        </p:style>
+        <p:txBody>
+          <a:bodyPr rtlCol="0" anchor="ctr"/>
+          <a:lstStyle/>
+          <a:p>
+            <a:pPr algn="ctr"/>
+            <a:r>
+              <a:rPr lang="en-US" dirty="0"/>
+              <a:t>[A, B, C, D, E]</a:t>
+            </a:r>
+          </a:p>
+        </p:txBody>
+      </p:sp>
+      <p:sp>
+        <p:nvSpPr>
+          <p:cNvPr id="5" name="Rectangle: Rounded Corners 4"/>
+          <p:cNvSpPr/>
+          <p:nvPr/>
+        </p:nvSpPr>
+        <p:spPr>
+          <a:xfrm>
+            <a:off x="3784600" y="2463800"/>
+            <a:ext cx="1092200" cy="622300"/>
+          </a:xfrm>
+          <a:prstGeom prst="roundRect">
+            <a:avLst/>
+          </a:prstGeom>
+        </p:spPr>
+        <p:style>
+          <a:lnRef idx="2">
+            <a:schemeClr val="dk1"/>
+          </a:lnRef>
+          <a:fillRef idx="1">
+            <a:schemeClr val="lt1"/>
+          </a:fillRef>
+          <a:effectRef idx="0">
+            <a:schemeClr val="dk1"/>
+          </a:effectRef>
+          <a:fontRef idx="minor">
+            <a:schemeClr val="dk1"/>
+          </a:fontRef>
+        </p:style>
+        <p:txBody>
+          <a:bodyPr rtlCol="0" anchor="ctr"/>
+          <a:lstStyle/>
+          <a:p>
+            <a:pPr algn="ctr"/>
+            <a:r>
+              <a:rPr lang="en-US" dirty="0"/>
+              <a:t>[A, B, D]</a:t>
+            </a:r>
+          </a:p>
+        </p:txBody>
+      </p:sp>
+      <p:sp>
+        <p:nvSpPr>
+          <p:cNvPr id="6" name="Rectangle: Rounded Corners 5"/>
+          <p:cNvSpPr/>
+          <p:nvPr/>
+        </p:nvSpPr>
+        <p:spPr>
+          <a:xfrm>
+            <a:off x="6045200" y="2463800"/>
+            <a:ext cx="1092200" cy="622300"/>
+          </a:xfrm>
+          <a:prstGeom prst="roundRect">
+            <a:avLst/>
+          </a:prstGeom>
+        </p:spPr>
+        <p:style>
+          <a:lnRef idx="2">
+            <a:schemeClr val="dk1"/>
+          </a:lnRef>
+          <a:fillRef idx="1">
+            <a:schemeClr val="lt1"/>
+          </a:fillRef>
+          <a:effectRef idx="0">
+            <a:schemeClr val="dk1"/>
+          </a:effectRef>
+          <a:fontRef idx="minor">
+            <a:schemeClr val="dk1"/>
+          </a:fontRef>
+        </p:style>
+        <p:txBody>
+          <a:bodyPr rtlCol="0" anchor="ctr"/>
+          <a:lstStyle/>
+          <a:p>
+            <a:pPr algn="ctr"/>
+            <a:r>
+              <a:rPr lang="en-US" dirty="0"/>
+              <a:t>[C, E]</a:t>
+            </a:r>
+          </a:p>
+        </p:txBody>
+      </p:sp>
+      <p:sp>
+        <p:nvSpPr>
+          <p:cNvPr id="7" name="Rectangle: Rounded Corners 6"/>
+          <p:cNvSpPr/>
+          <p:nvPr/>
+        </p:nvSpPr>
+        <p:spPr>
+          <a:xfrm>
+            <a:off x="3181350" y="3492500"/>
+            <a:ext cx="1092200" cy="622300"/>
+          </a:xfrm>
+          <a:prstGeom prst="roundRect">
+            <a:avLst/>
+          </a:prstGeom>
+        </p:spPr>
+        <p:style>
+          <a:lnRef idx="2">
+            <a:schemeClr val="dk1"/>
+          </a:lnRef>
+          <a:fillRef idx="1">
+            <a:schemeClr val="lt1"/>
+          </a:fillRef>
+          <a:effectRef idx="0">
+            <a:schemeClr val="dk1"/>
+          </a:effectRef>
+          <a:fontRef idx="minor">
+            <a:schemeClr val="dk1"/>
+          </a:fontRef>
+        </p:style>
+        <p:txBody>
+          <a:bodyPr rtlCol="0" anchor="ctr"/>
+          <a:lstStyle/>
+          <a:p>
+            <a:pPr algn="ctr"/>
+            <a:r>
+              <a:rPr lang="en-US" dirty="0"/>
+              <a:t>[A, D]</a:t>
+            </a:r>
+          </a:p>
+        </p:txBody>
+      </p:sp>
+      <p:sp>
+        <p:nvSpPr>
+          <p:cNvPr id="8" name="Rectangle: Rounded Corners 7"/>
+          <p:cNvSpPr/>
+          <p:nvPr/>
+        </p:nvSpPr>
+        <p:spPr>
+          <a:xfrm>
+            <a:off x="4811712" y="4495800"/>
+            <a:ext cx="698500" cy="622300"/>
+          </a:xfrm>
+          <a:prstGeom prst="roundRect">
+            <a:avLst/>
+          </a:prstGeom>
+        </p:spPr>
+        <p:style>
+          <a:lnRef idx="2">
+            <a:schemeClr val="dk1"/>
+          </a:lnRef>
+          <a:fillRef idx="1">
+            <a:schemeClr val="lt1"/>
+          </a:fillRef>
+          <a:effectRef idx="0">
+            <a:schemeClr val="dk1"/>
+          </a:effectRef>
+          <a:fontRef idx="minor">
+            <a:schemeClr val="dk1"/>
+          </a:fontRef>
+        </p:style>
+        <p:txBody>
+          <a:bodyPr rtlCol="0" anchor="ctr"/>
+          <a:lstStyle/>
+          <a:p>
+            <a:pPr algn="ctr"/>
+            <a:r>
+              <a:rPr lang="en-US" dirty="0"/>
+              <a:t>B</a:t>
+            </a:r>
+          </a:p>
+        </p:txBody>
+      </p:sp>
+      <p:sp>
+        <p:nvSpPr>
+          <p:cNvPr id="9" name="Rectangle: Rounded Corners 8"/>
+          <p:cNvSpPr/>
+          <p:nvPr/>
+        </p:nvSpPr>
+        <p:spPr>
+          <a:xfrm>
+            <a:off x="5762624" y="4495800"/>
+            <a:ext cx="698500" cy="622300"/>
+          </a:xfrm>
+          <a:prstGeom prst="roundRect">
+            <a:avLst/>
+          </a:prstGeom>
+        </p:spPr>
+        <p:style>
+          <a:lnRef idx="2">
+            <a:schemeClr val="dk1"/>
+          </a:lnRef>
+          <a:fillRef idx="1">
+            <a:schemeClr val="lt1"/>
+          </a:fillRef>
+          <a:effectRef idx="0">
+            <a:schemeClr val="dk1"/>
+          </a:effectRef>
+          <a:fontRef idx="minor">
+            <a:schemeClr val="dk1"/>
+          </a:fontRef>
+        </p:style>
+        <p:txBody>
+          <a:bodyPr rtlCol="0" anchor="ctr"/>
+          <a:lstStyle/>
+          <a:p>
+            <a:pPr algn="ctr"/>
+            <a:r>
+              <a:rPr lang="en-US" dirty="0"/>
+              <a:t>C</a:t>
+            </a:r>
+          </a:p>
+        </p:txBody>
+      </p:sp>
+      <p:sp>
+        <p:nvSpPr>
+          <p:cNvPr id="10" name="Rectangle: Rounded Corners 9"/>
+          <p:cNvSpPr/>
+          <p:nvPr/>
+        </p:nvSpPr>
+        <p:spPr>
+          <a:xfrm>
+            <a:off x="6713536" y="4495800"/>
+            <a:ext cx="698500" cy="622300"/>
+          </a:xfrm>
+          <a:prstGeom prst="roundRect">
+            <a:avLst/>
+          </a:prstGeom>
+        </p:spPr>
+        <p:style>
+          <a:lnRef idx="2">
+            <a:schemeClr val="dk1"/>
+          </a:lnRef>
+          <a:fillRef idx="1">
+            <a:schemeClr val="lt1"/>
+          </a:fillRef>
+          <a:effectRef idx="0">
+            <a:schemeClr val="dk1"/>
+          </a:effectRef>
+          <a:fontRef idx="minor">
+            <a:schemeClr val="dk1"/>
+          </a:fontRef>
+        </p:style>
+        <p:txBody>
+          <a:bodyPr rtlCol="0" anchor="ctr"/>
+          <a:lstStyle/>
+          <a:p>
+            <a:pPr algn="ctr"/>
+            <a:r>
+              <a:rPr lang="en-US" dirty="0"/>
+              <a:t>E</a:t>
+            </a:r>
+          </a:p>
+        </p:txBody>
+      </p:sp>
+      <p:sp>
+        <p:nvSpPr>
+          <p:cNvPr id="11" name="Rectangle: Rounded Corners 10"/>
+          <p:cNvSpPr/>
+          <p:nvPr/>
+        </p:nvSpPr>
+        <p:spPr>
+          <a:xfrm>
+            <a:off x="2908302" y="4495800"/>
+            <a:ext cx="698500" cy="622300"/>
+          </a:xfrm>
+          <a:prstGeom prst="roundRect">
+            <a:avLst/>
+          </a:prstGeom>
+        </p:spPr>
+        <p:style>
+          <a:lnRef idx="2">
+            <a:schemeClr val="dk1"/>
+          </a:lnRef>
+          <a:fillRef idx="1">
+            <a:schemeClr val="lt1"/>
+          </a:fillRef>
+          <a:effectRef idx="0">
+            <a:schemeClr val="dk1"/>
+          </a:effectRef>
+          <a:fontRef idx="minor">
+            <a:schemeClr val="dk1"/>
+          </a:fontRef>
+        </p:style>
+        <p:txBody>
+          <a:bodyPr rtlCol="0" anchor="ctr"/>
+          <a:lstStyle/>
+          <a:p>
+            <a:pPr algn="ctr"/>
+            <a:r>
+              <a:rPr lang="en-US" dirty="0"/>
+              <a:t>A</a:t>
+            </a:r>
+          </a:p>
+        </p:txBody>
+      </p:sp>
+      <p:sp>
+        <p:nvSpPr>
+          <p:cNvPr id="12" name="Rectangle: Rounded Corners 11"/>
+          <p:cNvSpPr/>
+          <p:nvPr/>
+        </p:nvSpPr>
+        <p:spPr>
+          <a:xfrm>
+            <a:off x="3860800" y="4495800"/>
+            <a:ext cx="698500" cy="622300"/>
+          </a:xfrm>
+          <a:prstGeom prst="roundRect">
+            <a:avLst/>
+          </a:prstGeom>
+        </p:spPr>
+        <p:style>
+          <a:lnRef idx="2">
+            <a:schemeClr val="dk1"/>
+          </a:lnRef>
+          <a:fillRef idx="1">
+            <a:schemeClr val="lt1"/>
+          </a:fillRef>
+          <a:effectRef idx="0">
+            <a:schemeClr val="dk1"/>
+          </a:effectRef>
+          <a:fontRef idx="minor">
+            <a:schemeClr val="dk1"/>
+          </a:fontRef>
+        </p:style>
+        <p:txBody>
+          <a:bodyPr rtlCol="0" anchor="ctr"/>
+          <a:lstStyle/>
+          <a:p>
+            <a:pPr algn="ctr"/>
+            <a:r>
+              <a:rPr lang="en-US" dirty="0"/>
+              <a:t>D</a:t>
+            </a:r>
+          </a:p>
+        </p:txBody>
+      </p:sp>
+      <p:cxnSp>
+        <p:nvCxnSpPr>
+          <p:cNvPr id="14" name="Straight Connector 13"/>
+          <p:cNvCxnSpPr>
+            <a:stCxn id="4" idx="2"/>
+            <a:endCxn id="5" idx="0"/>
+          </p:cNvCxnSpPr>
+          <p:nvPr/>
+        </p:nvCxnSpPr>
+        <p:spPr>
+          <a:xfrm flipH="1">
+            <a:off x="4330700" y="1943100"/>
+            <a:ext cx="1136650" cy="520700"/>
+          </a:xfrm>
+          <a:prstGeom prst="line">
+            <a:avLst/>
+          </a:prstGeom>
+        </p:spPr>
+        <p:style>
+          <a:lnRef idx="1">
+            <a:schemeClr val="dk1"/>
+          </a:lnRef>
+          <a:fillRef idx="0">
+            <a:schemeClr val="dk1"/>
+          </a:fillRef>
+          <a:effectRef idx="0">
+            <a:schemeClr val="dk1"/>
+          </a:effectRef>
+          <a:fontRef idx="minor">
+            <a:schemeClr val="tx1"/>
+          </a:fontRef>
+        </p:style>
+      </p:cxnSp>
+      <p:cxnSp>
+        <p:nvCxnSpPr>
+          <p:cNvPr id="16" name="Straight Connector 15"/>
+          <p:cNvCxnSpPr>
+            <a:stCxn id="4" idx="2"/>
+            <a:endCxn id="6" idx="0"/>
+          </p:cNvCxnSpPr>
+          <p:nvPr/>
+        </p:nvCxnSpPr>
+        <p:spPr>
+          <a:xfrm>
+            <a:off x="5467350" y="1943100"/>
+            <a:ext cx="1123950" cy="520700"/>
+          </a:xfrm>
+          <a:prstGeom prst="line">
+            <a:avLst/>
+          </a:prstGeom>
+        </p:spPr>
+        <p:style>
+          <a:lnRef idx="1">
+            <a:schemeClr val="dk1"/>
+          </a:lnRef>
+          <a:fillRef idx="0">
+            <a:schemeClr val="dk1"/>
+          </a:fillRef>
+          <a:effectRef idx="0">
+            <a:schemeClr val="dk1"/>
+          </a:effectRef>
+          <a:fontRef idx="minor">
+            <a:schemeClr val="tx1"/>
+          </a:fontRef>
+        </p:style>
+      </p:cxnSp>
+      <p:cxnSp>
+        <p:nvCxnSpPr>
+          <p:cNvPr id="18" name="Straight Connector 17"/>
+          <p:cNvCxnSpPr>
+            <a:stCxn id="5" idx="2"/>
+            <a:endCxn id="7" idx="0"/>
+          </p:cNvCxnSpPr>
+          <p:nvPr/>
+        </p:nvCxnSpPr>
+        <p:spPr>
+          <a:xfrm flipH="1">
+            <a:off x="3727450" y="3086100"/>
+            <a:ext cx="603250" cy="406400"/>
+          </a:xfrm>
+          <a:prstGeom prst="line">
+            <a:avLst/>
+          </a:prstGeom>
+        </p:spPr>
+        <p:style>
+          <a:lnRef idx="1">
+            <a:schemeClr val="dk1"/>
+          </a:lnRef>
+          <a:fillRef idx="0">
+            <a:schemeClr val="dk1"/>
+          </a:fillRef>
+          <a:effectRef idx="0">
+            <a:schemeClr val="dk1"/>
+          </a:effectRef>
+          <a:fontRef idx="minor">
+            <a:schemeClr val="tx1"/>
+          </a:fontRef>
+        </p:style>
+      </p:cxnSp>
+      <p:cxnSp>
+        <p:nvCxnSpPr>
+          <p:cNvPr id="20" name="Straight Connector 19"/>
+          <p:cNvCxnSpPr>
+            <a:cxnSpLocks/>
+            <a:stCxn id="5" idx="2"/>
+            <a:endCxn id="8" idx="0"/>
+          </p:cNvCxnSpPr>
+          <p:nvPr/>
+        </p:nvCxnSpPr>
+        <p:spPr>
+          <a:xfrm>
+            <a:off x="4330700" y="3086100"/>
+            <a:ext cx="830262" cy="1409700"/>
+          </a:xfrm>
+          <a:prstGeom prst="line">
+            <a:avLst/>
+          </a:prstGeom>
+        </p:spPr>
+        <p:style>
+          <a:lnRef idx="1">
+            <a:schemeClr val="dk1"/>
+          </a:lnRef>
+          <a:fillRef idx="0">
+            <a:schemeClr val="dk1"/>
+          </a:fillRef>
+          <a:effectRef idx="0">
+            <a:schemeClr val="dk1"/>
+          </a:effectRef>
+          <a:fontRef idx="minor">
+            <a:schemeClr val="tx1"/>
+          </a:fontRef>
+        </p:style>
+      </p:cxnSp>
+      <p:cxnSp>
+        <p:nvCxnSpPr>
+          <p:cNvPr id="22" name="Straight Connector 21"/>
+          <p:cNvCxnSpPr>
+            <a:stCxn id="6" idx="2"/>
+            <a:endCxn id="9" idx="0"/>
+          </p:cNvCxnSpPr>
+          <p:nvPr/>
+        </p:nvCxnSpPr>
+        <p:spPr>
+          <a:xfrm flipH="1">
+            <a:off x="6111874" y="3086100"/>
+            <a:ext cx="479426" cy="1409700"/>
+          </a:xfrm>
+          <a:prstGeom prst="line">
+            <a:avLst/>
+          </a:prstGeom>
+        </p:spPr>
+        <p:style>
+          <a:lnRef idx="1">
+            <a:schemeClr val="dk1"/>
+          </a:lnRef>
+          <a:fillRef idx="0">
+            <a:schemeClr val="dk1"/>
+          </a:fillRef>
+          <a:effectRef idx="0">
+            <a:schemeClr val="dk1"/>
+          </a:effectRef>
+          <a:fontRef idx="minor">
+            <a:schemeClr val="tx1"/>
+          </a:fontRef>
+        </p:style>
+      </p:cxnSp>
+      <p:cxnSp>
+        <p:nvCxnSpPr>
+          <p:cNvPr id="24" name="Straight Connector 23"/>
+          <p:cNvCxnSpPr>
+            <a:stCxn id="6" idx="2"/>
+            <a:endCxn id="10" idx="0"/>
+          </p:cNvCxnSpPr>
+          <p:nvPr/>
+        </p:nvCxnSpPr>
+        <p:spPr>
+          <a:xfrm>
+            <a:off x="6591300" y="3086100"/>
+            <a:ext cx="471486" cy="1409700"/>
+          </a:xfrm>
+          <a:prstGeom prst="line">
+            <a:avLst/>
+          </a:prstGeom>
+        </p:spPr>
+        <p:style>
+          <a:lnRef idx="1">
+            <a:schemeClr val="dk1"/>
+          </a:lnRef>
+          <a:fillRef idx="0">
+            <a:schemeClr val="dk1"/>
+          </a:fillRef>
+          <a:effectRef idx="0">
+            <a:schemeClr val="dk1"/>
+          </a:effectRef>
+          <a:fontRef idx="minor">
+            <a:schemeClr val="tx1"/>
+          </a:fontRef>
+        </p:style>
+      </p:cxnSp>
+      <p:cxnSp>
+        <p:nvCxnSpPr>
+          <p:cNvPr id="26" name="Straight Connector 25"/>
+          <p:cNvCxnSpPr>
+            <a:stCxn id="7" idx="2"/>
+            <a:endCxn id="11" idx="0"/>
+          </p:cNvCxnSpPr>
+          <p:nvPr/>
+        </p:nvCxnSpPr>
+        <p:spPr>
+          <a:xfrm flipH="1">
+            <a:off x="3257552" y="4114800"/>
+            <a:ext cx="469898" cy="381000"/>
+          </a:xfrm>
+          <a:prstGeom prst="line">
+            <a:avLst/>
+          </a:prstGeom>
+        </p:spPr>
+        <p:style>
+          <a:lnRef idx="1">
+            <a:schemeClr val="dk1"/>
+          </a:lnRef>
+          <a:fillRef idx="0">
+            <a:schemeClr val="dk1"/>
+          </a:fillRef>
+          <a:effectRef idx="0">
+            <a:schemeClr val="dk1"/>
+          </a:effectRef>
+          <a:fontRef idx="minor">
+            <a:schemeClr val="tx1"/>
+          </a:fontRef>
+        </p:style>
+      </p:cxnSp>
+      <p:cxnSp>
+        <p:nvCxnSpPr>
+          <p:cNvPr id="28" name="Straight Connector 27"/>
+          <p:cNvCxnSpPr>
+            <a:cxnSpLocks/>
+            <a:stCxn id="7" idx="2"/>
+            <a:endCxn id="12" idx="0"/>
+          </p:cNvCxnSpPr>
+          <p:nvPr/>
+        </p:nvCxnSpPr>
+        <p:spPr>
+          <a:xfrm>
+            <a:off x="3727450" y="4114800"/>
+            <a:ext cx="482600" cy="381000"/>
+          </a:xfrm>
+          <a:prstGeom prst="line">
+            <a:avLst/>
+          </a:prstGeom>
+        </p:spPr>
+        <p:style>
+          <a:lnRef idx="1">
+            <a:schemeClr val="dk1"/>
+          </a:lnRef>
+          <a:fillRef idx="0">
+            <a:schemeClr val="dk1"/>
+          </a:fillRef>
+          <a:effectRef idx="0">
+            <a:schemeClr val="dk1"/>
+          </a:effectRef>
+          <a:fontRef idx="minor">
+            <a:schemeClr val="tx1"/>
+          </a:fontRef>
+        </p:style>
+      </p:cxnSp>
+    </p:spTree>
+    <p:extLst>
+      <p:ext uri="{BB962C8B-B14F-4D97-AF65-F5344CB8AC3E}">
+        <p14:creationId xmlns:p14="http://schemas.microsoft.com/office/powerpoint/2010/main" val="2910901921"/>
       </p:ext>
     </p:extLst>
   </p:cSld>
@@ -11278,7 +11937,7 @@
                               <a:solidFill>
                                 <a:schemeClr val="bg1"/>
                               </a:solidFill>
-                              <a:latin typeface="Cambria Math" charset="0"/>
+                              <a:latin typeface="Cambria Math" panose="02040503050406030204" pitchFamily="18" charset="0"/>
                             </a:rPr>
                           </m:ctrlPr>
                         </m:sSubPr>
@@ -11408,7 +12067,7 @@
                               <a:solidFill>
                                 <a:schemeClr val="bg1"/>
                               </a:solidFill>
-                              <a:latin typeface="Cambria Math" charset="0"/>
+                              <a:latin typeface="Cambria Math" panose="02040503050406030204" pitchFamily="18" charset="0"/>
                             </a:rPr>
                           </m:ctrlPr>
                         </m:sSubPr>
@@ -11538,7 +12197,7 @@
                               <a:solidFill>
                                 <a:schemeClr val="bg1"/>
                               </a:solidFill>
-                              <a:latin typeface="Cambria Math" charset="0"/>
+                              <a:latin typeface="Cambria Math" panose="02040503050406030204" pitchFamily="18" charset="0"/>
                             </a:rPr>
                           </m:ctrlPr>
                         </m:sSubPr>
@@ -17921,7 +18580,7 @@
                               <a:solidFill>
                                 <a:schemeClr val="tx1"/>
                               </a:solidFill>
-                              <a:latin typeface="Cambria Math" charset="0"/>
+                              <a:latin typeface="Cambria Math" panose="02040503050406030204" pitchFamily="18" charset="0"/>
                             </a:rPr>
                           </m:ctrlPr>
                         </m:sSubPr>
@@ -18050,7 +18709,7 @@
                               <a:solidFill>
                                 <a:schemeClr val="tx1"/>
                               </a:solidFill>
-                              <a:latin typeface="Cambria Math" charset="0"/>
+                              <a:latin typeface="Cambria Math" panose="02040503050406030204" pitchFamily="18" charset="0"/>
                             </a:rPr>
                           </m:ctrlPr>
                         </m:sSubPr>
@@ -18179,7 +18838,7 @@
                               <a:solidFill>
                                 <a:schemeClr val="tx1"/>
                               </a:solidFill>
-                              <a:latin typeface="Cambria Math" charset="0"/>
+                              <a:latin typeface="Cambria Math" panose="02040503050406030204" pitchFamily="18" charset="0"/>
                             </a:rPr>
                           </m:ctrlPr>
                         </m:sSubPr>
@@ -18308,7 +18967,7 @@
                               <a:solidFill>
                                 <a:schemeClr val="tx1"/>
                               </a:solidFill>
-                              <a:latin typeface="Cambria Math" charset="0"/>
+                              <a:latin typeface="Cambria Math" panose="02040503050406030204" pitchFamily="18" charset="0"/>
                             </a:rPr>
                           </m:ctrlPr>
                         </m:sSubPr>
@@ -18437,7 +19096,7 @@
                               <a:solidFill>
                                 <a:schemeClr val="tx1"/>
                               </a:solidFill>
-                              <a:latin typeface="Cambria Math" charset="0"/>
+                              <a:latin typeface="Cambria Math" panose="02040503050406030204" pitchFamily="18" charset="0"/>
                             </a:rPr>
                           </m:ctrlPr>
                         </m:sSubPr>
@@ -18566,7 +19225,7 @@
                               <a:solidFill>
                                 <a:schemeClr val="tx1"/>
                               </a:solidFill>
-                              <a:latin typeface="Cambria Math" charset="0"/>
+                              <a:latin typeface="Cambria Math" panose="02040503050406030204" pitchFamily="18" charset="0"/>
                             </a:rPr>
                           </m:ctrlPr>
                         </m:sSubPr>
@@ -18695,7 +19354,7 @@
                               <a:solidFill>
                                 <a:schemeClr val="tx1"/>
                               </a:solidFill>
-                              <a:latin typeface="Cambria Math" charset="0"/>
+                              <a:latin typeface="Cambria Math" panose="02040503050406030204" pitchFamily="18" charset="0"/>
                             </a:rPr>
                           </m:ctrlPr>
                         </m:sSubPr>
@@ -18824,7 +19483,7 @@
                               <a:solidFill>
                                 <a:schemeClr val="tx1"/>
                               </a:solidFill>
-                              <a:latin typeface="Cambria Math" charset="0"/>
+                              <a:latin typeface="Cambria Math" panose="02040503050406030204" pitchFamily="18" charset="0"/>
                             </a:rPr>
                           </m:ctrlPr>
                         </m:sSubPr>

--- a/Document/graphic.pptx
+++ b/Document/graphic.pptx
@@ -18,10 +18,11 @@
     <p:sldId id="265" r:id="rId12"/>
     <p:sldId id="266" r:id="rId13"/>
     <p:sldId id="267" r:id="rId14"/>
-    <p:sldId id="268" r:id="rId15"/>
-    <p:sldId id="269" r:id="rId16"/>
-    <p:sldId id="270" r:id="rId17"/>
-    <p:sldId id="271" r:id="rId18"/>
+    <p:sldId id="274" r:id="rId15"/>
+    <p:sldId id="268" r:id="rId16"/>
+    <p:sldId id="269" r:id="rId17"/>
+    <p:sldId id="270" r:id="rId18"/>
+    <p:sldId id="271" r:id="rId19"/>
   </p:sldIdLst>
   <p:sldSz cx="12192000" cy="6858000"/>
   <p:notesSz cx="6858000" cy="9144000"/>
@@ -586,11 +587,11 @@
           </c:spPr>
         </c:hiLowLines>
         <c:smooth val="0"/>
-        <c:axId val="-1559132368"/>
-        <c:axId val="-1559130320"/>
+        <c:axId val="-1315934768"/>
+        <c:axId val="-1343065648"/>
       </c:lineChart>
       <c:catAx>
-        <c:axId val="-1559132368"/>
+        <c:axId val="-1315934768"/>
         <c:scaling>
           <c:orientation val="minMax"/>
         </c:scaling>
@@ -614,7 +615,7 @@
         <c:majorTickMark val="none"/>
         <c:minorTickMark val="none"/>
         <c:tickLblPos val="nextTo"/>
-        <c:crossAx val="-1559130320"/>
+        <c:crossAx val="-1343065648"/>
         <c:crosses val="autoZero"/>
         <c:auto val="1"/>
         <c:lblAlgn val="ctr"/>
@@ -622,7 +623,7 @@
         <c:noMultiLvlLbl val="0"/>
       </c:catAx>
       <c:valAx>
-        <c:axId val="-1559130320"/>
+        <c:axId val="-1343065648"/>
         <c:scaling>
           <c:orientation val="minMax"/>
           <c:max val="4.0"/>
@@ -634,7 +635,7 @@
         <c:majorTickMark val="none"/>
         <c:minorTickMark val="none"/>
         <c:tickLblPos val="nextTo"/>
-        <c:crossAx val="-1559132368"/>
+        <c:crossAx val="-1315934768"/>
         <c:crosses val="autoZero"/>
         <c:crossBetween val="between"/>
       </c:valAx>
@@ -872,11 +873,11 @@
         </c:hiLowLines>
         <c:marker val="1"/>
         <c:smooth val="0"/>
-        <c:axId val="-1558860544"/>
-        <c:axId val="-1558858064"/>
+        <c:axId val="-1315666816"/>
+        <c:axId val="-1315664064"/>
       </c:lineChart>
       <c:catAx>
-        <c:axId val="-1558860544"/>
+        <c:axId val="-1315666816"/>
         <c:scaling>
           <c:orientation val="minMax"/>
         </c:scaling>
@@ -900,7 +901,7 @@
         <c:majorTickMark val="none"/>
         <c:minorTickMark val="none"/>
         <c:tickLblPos val="nextTo"/>
-        <c:crossAx val="-1558858064"/>
+        <c:crossAx val="-1315664064"/>
         <c:crosses val="autoZero"/>
         <c:auto val="1"/>
         <c:lblAlgn val="ctr"/>
@@ -908,7 +909,7 @@
         <c:noMultiLvlLbl val="0"/>
       </c:catAx>
       <c:valAx>
-        <c:axId val="-1558858064"/>
+        <c:axId val="-1315664064"/>
         <c:scaling>
           <c:orientation val="minMax"/>
           <c:max val="4.0"/>
@@ -920,7 +921,7 @@
         <c:majorTickMark val="none"/>
         <c:minorTickMark val="none"/>
         <c:tickLblPos val="nextTo"/>
-        <c:crossAx val="-1558860544"/>
+        <c:crossAx val="-1315666816"/>
         <c:crosses val="autoZero"/>
         <c:crossBetween val="between"/>
       </c:valAx>
@@ -1126,11 +1127,11 @@
         </c:hiLowLines>
         <c:marker val="1"/>
         <c:smooth val="0"/>
-        <c:axId val="-1636096672"/>
-        <c:axId val="-1637912336"/>
+        <c:axId val="-1315622816"/>
+        <c:axId val="-1315620064"/>
       </c:lineChart>
       <c:catAx>
-        <c:axId val="-1636096672"/>
+        <c:axId val="-1315622816"/>
         <c:scaling>
           <c:orientation val="minMax"/>
         </c:scaling>
@@ -1154,7 +1155,7 @@
         <c:majorTickMark val="none"/>
         <c:minorTickMark val="none"/>
         <c:tickLblPos val="nextTo"/>
-        <c:crossAx val="-1637912336"/>
+        <c:crossAx val="-1315620064"/>
         <c:crosses val="autoZero"/>
         <c:auto val="1"/>
         <c:lblAlgn val="ctr"/>
@@ -1162,7 +1163,7 @@
         <c:noMultiLvlLbl val="0"/>
       </c:catAx>
       <c:valAx>
-        <c:axId val="-1637912336"/>
+        <c:axId val="-1315620064"/>
         <c:scaling>
           <c:orientation val="minMax"/>
           <c:max val="4.0"/>
@@ -1174,7 +1175,7 @@
         <c:majorTickMark val="none"/>
         <c:minorTickMark val="none"/>
         <c:tickLblPos val="nextTo"/>
-        <c:crossAx val="-1636096672"/>
+        <c:crossAx val="-1315622816"/>
         <c:crosses val="autoZero"/>
         <c:crossBetween val="between"/>
       </c:valAx>
@@ -1509,11 +1510,11 @@
           <c:showBubbleSize val="0"/>
         </c:dLbls>
         <c:smooth val="0"/>
-        <c:axId val="-1557666304"/>
-        <c:axId val="-1557663552"/>
+        <c:axId val="-1314812016"/>
+        <c:axId val="-1387476928"/>
       </c:lineChart>
       <c:catAx>
-        <c:axId val="-1557666304"/>
+        <c:axId val="-1314812016"/>
         <c:scaling>
           <c:orientation val="minMax"/>
         </c:scaling>
@@ -1556,7 +1557,7 @@
             <a:endParaRPr lang="en-US"/>
           </a:p>
         </c:txPr>
-        <c:crossAx val="-1557663552"/>
+        <c:crossAx val="-1387476928"/>
         <c:crosses val="autoZero"/>
         <c:auto val="1"/>
         <c:lblAlgn val="ctr"/>
@@ -1564,7 +1565,7 @@
         <c:noMultiLvlLbl val="0"/>
       </c:catAx>
       <c:valAx>
-        <c:axId val="-1557663552"/>
+        <c:axId val="-1387476928"/>
         <c:scaling>
           <c:orientation val="minMax"/>
         </c:scaling>
@@ -1615,7 +1616,7 @@
             <a:endParaRPr lang="en-US"/>
           </a:p>
         </c:txPr>
-        <c:crossAx val="-1557666304"/>
+        <c:crossAx val="-1314812016"/>
         <c:crosses val="autoZero"/>
         <c:crossBetween val="between"/>
       </c:valAx>
@@ -2162,11 +2163,11 @@
           </c:downBars>
         </c:upDownBars>
         <c:smooth val="0"/>
-        <c:axId val="-1558257808"/>
-        <c:axId val="-1558255056"/>
+        <c:axId val="-1342540016"/>
+        <c:axId val="-1315370720"/>
       </c:lineChart>
       <c:catAx>
-        <c:axId val="-1558257808"/>
+        <c:axId val="-1342540016"/>
         <c:scaling>
           <c:orientation val="minMax"/>
         </c:scaling>
@@ -2176,7 +2177,7 @@
         <c:majorTickMark val="none"/>
         <c:minorTickMark val="none"/>
         <c:tickLblPos val="nextTo"/>
-        <c:crossAx val="-1558255056"/>
+        <c:crossAx val="-1315370720"/>
         <c:crosses val="autoZero"/>
         <c:auto val="1"/>
         <c:lblAlgn val="ctr"/>
@@ -2184,7 +2185,7 @@
         <c:noMultiLvlLbl val="0"/>
       </c:catAx>
       <c:valAx>
-        <c:axId val="-1558255056"/>
+        <c:axId val="-1315370720"/>
         <c:scaling>
           <c:orientation val="minMax"/>
         </c:scaling>
@@ -2208,7 +2209,7 @@
         <c:majorTickMark val="out"/>
         <c:minorTickMark val="none"/>
         <c:tickLblPos val="nextTo"/>
-        <c:crossAx val="-1558257808"/>
+        <c:crossAx val="-1342540016"/>
         <c:crosses val="autoZero"/>
         <c:crossBetween val="between"/>
       </c:valAx>
@@ -5166,7 +5167,7 @@
           <a:p>
             <a:fld id="{7AB7A67C-34C4-4220-9C1B-5040709E815C}" type="datetimeFigureOut">
               <a:rPr lang="en-US" smtClean="0"/>
-              <a:t>5/29/17</a:t>
+              <a:t>6/8/17</a:t>
             </a:fld>
             <a:endParaRPr lang="en-US"/>
           </a:p>
@@ -5334,7 +5335,7 @@
           <a:p>
             <a:fld id="{7AB7A67C-34C4-4220-9C1B-5040709E815C}" type="datetimeFigureOut">
               <a:rPr lang="en-US" smtClean="0"/>
-              <a:t>5/29/17</a:t>
+              <a:t>6/8/17</a:t>
             </a:fld>
             <a:endParaRPr lang="en-US"/>
           </a:p>
@@ -5512,7 +5513,7 @@
           <a:p>
             <a:fld id="{7AB7A67C-34C4-4220-9C1B-5040709E815C}" type="datetimeFigureOut">
               <a:rPr lang="en-US" smtClean="0"/>
-              <a:t>5/29/17</a:t>
+              <a:t>6/8/17</a:t>
             </a:fld>
             <a:endParaRPr lang="en-US"/>
           </a:p>
@@ -5680,7 +5681,7 @@
           <a:p>
             <a:fld id="{7AB7A67C-34C4-4220-9C1B-5040709E815C}" type="datetimeFigureOut">
               <a:rPr lang="en-US" smtClean="0"/>
-              <a:t>5/29/17</a:t>
+              <a:t>6/8/17</a:t>
             </a:fld>
             <a:endParaRPr lang="en-US"/>
           </a:p>
@@ -5925,7 +5926,7 @@
           <a:p>
             <a:fld id="{7AB7A67C-34C4-4220-9C1B-5040709E815C}" type="datetimeFigureOut">
               <a:rPr lang="en-US" smtClean="0"/>
-              <a:t>5/29/17</a:t>
+              <a:t>6/8/17</a:t>
             </a:fld>
             <a:endParaRPr lang="en-US"/>
           </a:p>
@@ -6154,7 +6155,7 @@
           <a:p>
             <a:fld id="{7AB7A67C-34C4-4220-9C1B-5040709E815C}" type="datetimeFigureOut">
               <a:rPr lang="en-US" smtClean="0"/>
-              <a:t>5/29/17</a:t>
+              <a:t>6/8/17</a:t>
             </a:fld>
             <a:endParaRPr lang="en-US"/>
           </a:p>
@@ -6518,7 +6519,7 @@
           <a:p>
             <a:fld id="{7AB7A67C-34C4-4220-9C1B-5040709E815C}" type="datetimeFigureOut">
               <a:rPr lang="en-US" smtClean="0"/>
-              <a:t>5/29/17</a:t>
+              <a:t>6/8/17</a:t>
             </a:fld>
             <a:endParaRPr lang="en-US"/>
           </a:p>
@@ -6635,7 +6636,7 @@
           <a:p>
             <a:fld id="{7AB7A67C-34C4-4220-9C1B-5040709E815C}" type="datetimeFigureOut">
               <a:rPr lang="en-US" smtClean="0"/>
-              <a:t>5/29/17</a:t>
+              <a:t>6/8/17</a:t>
             </a:fld>
             <a:endParaRPr lang="en-US"/>
           </a:p>
@@ -6730,7 +6731,7 @@
           <a:p>
             <a:fld id="{7AB7A67C-34C4-4220-9C1B-5040709E815C}" type="datetimeFigureOut">
               <a:rPr lang="en-US" smtClean="0"/>
-              <a:t>5/29/17</a:t>
+              <a:t>6/8/17</a:t>
             </a:fld>
             <a:endParaRPr lang="en-US"/>
           </a:p>
@@ -7005,7 +7006,7 @@
           <a:p>
             <a:fld id="{7AB7A67C-34C4-4220-9C1B-5040709E815C}" type="datetimeFigureOut">
               <a:rPr lang="en-US" smtClean="0"/>
-              <a:t>5/29/17</a:t>
+              <a:t>6/8/17</a:t>
             </a:fld>
             <a:endParaRPr lang="en-US"/>
           </a:p>
@@ -7257,7 +7258,7 @@
           <a:p>
             <a:fld id="{7AB7A67C-34C4-4220-9C1B-5040709E815C}" type="datetimeFigureOut">
               <a:rPr lang="en-US" smtClean="0"/>
-              <a:t>5/29/17</a:t>
+              <a:t>6/8/17</a:t>
             </a:fld>
             <a:endParaRPr lang="en-US"/>
           </a:p>
@@ -7468,7 +7469,7 @@
           <a:p>
             <a:fld id="{7AB7A67C-34C4-4220-9C1B-5040709E815C}" type="datetimeFigureOut">
               <a:rPr lang="en-US" smtClean="0"/>
-              <a:t>5/29/17</a:t>
+              <a:t>6/8/17</a:t>
             </a:fld>
             <a:endParaRPr lang="en-US"/>
           </a:p>
@@ -12296,312 +12297,171 @@
           <a:chExt cx="0" cy="0"/>
         </a:xfrm>
       </p:grpSpPr>
-      <p:sp>
-        <p:nvSpPr>
-          <p:cNvPr id="10" name="Flowchart: Alternate Process 9"/>
-          <p:cNvSpPr/>
-          <p:nvPr/>
-        </p:nvSpPr>
-        <p:spPr>
-          <a:xfrm>
-            <a:off x="3924300" y="1260478"/>
-            <a:ext cx="1320800" cy="476250"/>
-          </a:xfrm>
-          <a:prstGeom prst="flowChartAlternateProcess">
-            <a:avLst/>
-          </a:prstGeom>
-        </p:spPr>
-        <p:style>
-          <a:lnRef idx="2">
-            <a:schemeClr val="dk1"/>
-          </a:lnRef>
-          <a:fillRef idx="1">
-            <a:schemeClr val="lt1"/>
-          </a:fillRef>
-          <a:effectRef idx="0">
-            <a:schemeClr val="dk1"/>
-          </a:effectRef>
-          <a:fontRef idx="minor">
-            <a:schemeClr val="dk1"/>
-          </a:fontRef>
-        </p:style>
-        <p:txBody>
-          <a:bodyPr rtlCol="0" anchor="ctr"/>
-          <a:lstStyle/>
-          <a:p>
-            <a:pPr algn="ctr"/>
-            <a:r>
-              <a:rPr lang="en-US" dirty="0"/>
-              <a:t>E-step</a:t>
-            </a:r>
-          </a:p>
-        </p:txBody>
-      </p:sp>
-      <p:sp>
-        <p:nvSpPr>
-          <p:cNvPr id="11" name="Flowchart: Terminator 10"/>
-          <p:cNvSpPr/>
-          <p:nvPr/>
-        </p:nvSpPr>
-        <p:spPr>
-          <a:xfrm>
-            <a:off x="4152900" y="234954"/>
-            <a:ext cx="863600" cy="520700"/>
-          </a:xfrm>
-          <a:prstGeom prst="flowChartTerminator">
-            <a:avLst/>
-          </a:prstGeom>
-        </p:spPr>
-        <p:style>
-          <a:lnRef idx="2">
-            <a:schemeClr val="dk1"/>
-          </a:lnRef>
-          <a:fillRef idx="1">
-            <a:schemeClr val="lt1"/>
-          </a:fillRef>
-          <a:effectRef idx="0">
-            <a:schemeClr val="dk1"/>
-          </a:effectRef>
-          <a:fontRef idx="minor">
-            <a:schemeClr val="dk1"/>
-          </a:fontRef>
-        </p:style>
-        <p:txBody>
-          <a:bodyPr rtlCol="0" anchor="ctr"/>
-          <a:lstStyle/>
-          <a:p>
-            <a:pPr algn="ctr"/>
-            <a:r>
-              <a:rPr lang="en-US" dirty="0"/>
-              <a:t>Start</a:t>
-            </a:r>
-          </a:p>
-        </p:txBody>
-      </p:sp>
-      <p:sp>
-        <p:nvSpPr>
-          <p:cNvPr id="12" name="Flowchart: Terminator 11"/>
-          <p:cNvSpPr/>
-          <p:nvPr/>
-        </p:nvSpPr>
-        <p:spPr>
-          <a:xfrm>
-            <a:off x="4152900" y="6076949"/>
-            <a:ext cx="863600" cy="520700"/>
-          </a:xfrm>
-          <a:prstGeom prst="flowChartTerminator">
-            <a:avLst/>
-          </a:prstGeom>
-        </p:spPr>
-        <p:style>
-          <a:lnRef idx="2">
-            <a:schemeClr val="dk1"/>
-          </a:lnRef>
-          <a:fillRef idx="1">
-            <a:schemeClr val="lt1"/>
-          </a:fillRef>
-          <a:effectRef idx="0">
-            <a:schemeClr val="dk1"/>
-          </a:effectRef>
-          <a:fontRef idx="minor">
-            <a:schemeClr val="dk1"/>
-          </a:fontRef>
-        </p:style>
-        <p:txBody>
-          <a:bodyPr rtlCol="0" anchor="ctr"/>
-          <a:lstStyle/>
-          <a:p>
-            <a:pPr algn="ctr"/>
-            <a:r>
-              <a:rPr lang="en-US" dirty="0"/>
-              <a:t>End</a:t>
-            </a:r>
-          </a:p>
-        </p:txBody>
-      </p:sp>
-      <p:sp>
-        <p:nvSpPr>
-          <p:cNvPr id="13" name="Flowchart: Alternate Process 12"/>
-          <p:cNvSpPr/>
-          <p:nvPr/>
-        </p:nvSpPr>
-        <p:spPr>
-          <a:xfrm>
-            <a:off x="3924300" y="4003675"/>
-            <a:ext cx="1320800" cy="476250"/>
-          </a:xfrm>
-          <a:prstGeom prst="flowChartAlternateProcess">
-            <a:avLst/>
-          </a:prstGeom>
-        </p:spPr>
-        <p:style>
-          <a:lnRef idx="2">
-            <a:schemeClr val="dk1"/>
-          </a:lnRef>
-          <a:fillRef idx="1">
-            <a:schemeClr val="lt1"/>
-          </a:fillRef>
-          <a:effectRef idx="0">
-            <a:schemeClr val="dk1"/>
-          </a:effectRef>
-          <a:fontRef idx="minor">
-            <a:schemeClr val="dk1"/>
-          </a:fontRef>
-        </p:style>
-        <p:txBody>
-          <a:bodyPr rtlCol="0" anchor="ctr"/>
-          <a:lstStyle/>
-          <a:p>
-            <a:pPr algn="ctr"/>
-            <a:r>
-              <a:rPr lang="en-US" dirty="0"/>
-              <a:t>M-step</a:t>
-            </a:r>
-          </a:p>
-        </p:txBody>
-      </p:sp>
-      <p:sp>
-        <p:nvSpPr>
-          <p:cNvPr id="14" name="Flowchart: Alternate Process 13"/>
-          <p:cNvSpPr/>
-          <p:nvPr/>
-        </p:nvSpPr>
-        <p:spPr>
-          <a:xfrm>
-            <a:off x="5156200" y="2095500"/>
-            <a:ext cx="1320800" cy="476250"/>
-          </a:xfrm>
-          <a:prstGeom prst="flowChartAlternateProcess">
-            <a:avLst/>
-          </a:prstGeom>
-        </p:spPr>
-        <p:style>
-          <a:lnRef idx="2">
-            <a:schemeClr val="dk1"/>
-          </a:lnRef>
-          <a:fillRef idx="1">
-            <a:schemeClr val="lt1"/>
-          </a:fillRef>
-          <a:effectRef idx="0">
-            <a:schemeClr val="dk1"/>
-          </a:effectRef>
-          <a:fontRef idx="minor">
-            <a:schemeClr val="dk1"/>
-          </a:fontRef>
-        </p:style>
-        <p:txBody>
-          <a:bodyPr rtlCol="0" anchor="ctr"/>
-          <a:lstStyle/>
-          <a:p>
-            <a:pPr algn="ctr"/>
-            <a:r>
-              <a:rPr lang="en-US" dirty="0"/>
-              <a:t>Filtering</a:t>
-            </a:r>
-          </a:p>
-        </p:txBody>
-      </p:sp>
-      <p:sp>
-        <p:nvSpPr>
-          <p:cNvPr id="15" name="Flowchart: Alternate Process 14"/>
-          <p:cNvSpPr/>
-          <p:nvPr/>
-        </p:nvSpPr>
-        <p:spPr>
-          <a:xfrm>
-            <a:off x="5156200" y="3114677"/>
-            <a:ext cx="1320800" cy="476250"/>
-          </a:xfrm>
-          <a:prstGeom prst="flowChartAlternateProcess">
-            <a:avLst/>
-          </a:prstGeom>
-        </p:spPr>
-        <p:style>
-          <a:lnRef idx="2">
-            <a:schemeClr val="dk1"/>
-          </a:lnRef>
-          <a:fillRef idx="1">
-            <a:schemeClr val="lt1"/>
-          </a:fillRef>
-          <a:effectRef idx="0">
-            <a:schemeClr val="dk1"/>
-          </a:effectRef>
-          <a:fontRef idx="minor">
-            <a:schemeClr val="dk1"/>
-          </a:fontRef>
-        </p:style>
-        <p:txBody>
-          <a:bodyPr rtlCol="0" anchor="ctr"/>
-          <a:lstStyle/>
-          <a:p>
-            <a:pPr algn="ctr"/>
-            <a:r>
-              <a:rPr lang="en-US" dirty="0"/>
-              <a:t>Smoothing</a:t>
-            </a:r>
-          </a:p>
-        </p:txBody>
-      </p:sp>
-      <p:sp>
-        <p:nvSpPr>
-          <p:cNvPr id="16" name="Flowchart: Decision 15"/>
-          <p:cNvSpPr/>
-          <p:nvPr/>
-        </p:nvSpPr>
-        <p:spPr>
-          <a:xfrm>
-            <a:off x="3810000" y="4762500"/>
-            <a:ext cx="1549400" cy="889000"/>
-          </a:xfrm>
-          <a:prstGeom prst="flowChartDecision">
-            <a:avLst/>
-          </a:prstGeom>
-        </p:spPr>
-        <p:style>
-          <a:lnRef idx="2">
-            <a:schemeClr val="dk1"/>
-          </a:lnRef>
-          <a:fillRef idx="1">
-            <a:schemeClr val="lt1"/>
-          </a:fillRef>
-          <a:effectRef idx="0">
-            <a:schemeClr val="dk1"/>
-          </a:effectRef>
-          <a:fontRef idx="minor">
-            <a:schemeClr val="dk1"/>
-          </a:fontRef>
-        </p:style>
-        <p:txBody>
-          <a:bodyPr rtlCol="0" anchor="ctr"/>
-          <a:lstStyle/>
-          <a:p>
-            <a:pPr algn="ctr"/>
-            <a:r>
-              <a:rPr lang="en-US" dirty="0"/>
-              <a:t>Converged</a:t>
-            </a:r>
-          </a:p>
-        </p:txBody>
-      </p:sp>
+      <mc:AlternateContent xmlns:mc="http://schemas.openxmlformats.org/markup-compatibility/2006">
+        <mc:Choice xmlns:a14="http://schemas.microsoft.com/office/drawing/2010/main" Requires="a14">
+          <p:sp>
+            <p:nvSpPr>
+              <p:cNvPr id="4" name="Oval 3"/>
+              <p:cNvSpPr/>
+              <p:nvPr/>
+            </p:nvSpPr>
+            <p:spPr>
+              <a:xfrm>
+                <a:off x="4876799" y="2845082"/>
+                <a:ext cx="984732" cy="946114"/>
+              </a:xfrm>
+              <a:prstGeom prst="ellipse">
+                <a:avLst/>
+              </a:prstGeom>
+              <a:ln w="19050">
+                <a:solidFill>
+                  <a:schemeClr val="tx1"/>
+                </a:solidFill>
+              </a:ln>
+            </p:spPr>
+            <p:style>
+              <a:lnRef idx="2">
+                <a:schemeClr val="accent1"/>
+              </a:lnRef>
+              <a:fillRef idx="1">
+                <a:schemeClr val="lt1"/>
+              </a:fillRef>
+              <a:effectRef idx="0">
+                <a:schemeClr val="accent1"/>
+              </a:effectRef>
+              <a:fontRef idx="minor">
+                <a:schemeClr val="dk1"/>
+              </a:fontRef>
+            </p:style>
+            <p:txBody>
+              <a:bodyPr rtlCol="0" anchor="ctr"/>
+              <a:lstStyle/>
+              <a:p>
+                <a:pPr algn="ctr"/>
+                <a14:m>
+                  <m:oMathPara xmlns:m="http://schemas.openxmlformats.org/officeDocument/2006/math">
+                    <m:oMathParaPr>
+                      <m:jc m:val="centerGroup"/>
+                    </m:oMathParaPr>
+                    <m:oMath xmlns:m="http://schemas.openxmlformats.org/officeDocument/2006/math">
+                      <m:sSub>
+                        <m:sSubPr>
+                          <m:ctrlPr>
+                            <a:rPr lang="en-US" sz="1400" i="1" smtClean="0">
+                              <a:solidFill>
+                                <a:schemeClr val="tx1"/>
+                              </a:solidFill>
+                              <a:latin typeface="Cambria Math" charset="0"/>
+                            </a:rPr>
+                          </m:ctrlPr>
+                        </m:sSubPr>
+                        <m:e>
+                          <m:r>
+                            <a:rPr lang="sv-SE" sz="1400" b="0" i="1" smtClean="0">
+                              <a:solidFill>
+                                <a:schemeClr val="tx1"/>
+                              </a:solidFill>
+                              <a:latin typeface="Cambria Math" panose="02040503050406030204" pitchFamily="18" charset="0"/>
+                            </a:rPr>
+                            <m:t>𝑆</m:t>
+                          </m:r>
+                        </m:e>
+                        <m:sub>
+                          <m:r>
+                            <a:rPr lang="en-US" sz="1400" b="0" i="1" smtClean="0">
+                              <a:solidFill>
+                                <a:schemeClr val="tx1"/>
+                              </a:solidFill>
+                              <a:latin typeface="Cambria Math" charset="0"/>
+                            </a:rPr>
+                            <m:t>𝑡</m:t>
+                          </m:r>
+                        </m:sub>
+                      </m:sSub>
+                      <m:r>
+                        <a:rPr lang="en-US" sz="1400" b="0" i="1" smtClean="0">
+                          <a:solidFill>
+                            <a:schemeClr val="tx1"/>
+                          </a:solidFill>
+                          <a:latin typeface="Cambria Math" charset="0"/>
+                        </a:rPr>
+                        <m:t>=1</m:t>
+                      </m:r>
+                    </m:oMath>
+                  </m:oMathPara>
+                </a14:m>
+                <a:endParaRPr lang="en-US" sz="1400" dirty="0">
+                  <a:solidFill>
+                    <a:schemeClr val="tx1"/>
+                  </a:solidFill>
+                </a:endParaRPr>
+              </a:p>
+            </p:txBody>
+          </p:sp>
+        </mc:Choice>
+        <mc:Fallback>
+          <p:sp>
+            <p:nvSpPr>
+              <p:cNvPr id="4" name="Oval 3"/>
+              <p:cNvSpPr>
+                <a:spLocks noRot="1" noChangeAspect="1" noMove="1" noResize="1" noEditPoints="1" noAdjustHandles="1" noChangeArrowheads="1" noChangeShapeType="1" noTextEdit="1"/>
+              </p:cNvSpPr>
+              <p:nvPr/>
+            </p:nvSpPr>
+            <p:spPr>
+              <a:xfrm>
+                <a:off x="4876799" y="2845082"/>
+                <a:ext cx="984732" cy="946114"/>
+              </a:xfrm>
+              <a:prstGeom prst="ellipse">
+                <a:avLst/>
+              </a:prstGeom>
+              <a:blipFill rotWithShape="0">
+                <a:blip r:embed="rId2"/>
+                <a:stretch>
+                  <a:fillRect/>
+                </a:stretch>
+              </a:blipFill>
+              <a:ln w="19050">
+                <a:solidFill>
+                  <a:schemeClr val="tx1"/>
+                </a:solidFill>
+              </a:ln>
+            </p:spPr>
+            <p:txBody>
+              <a:bodyPr/>
+              <a:lstStyle/>
+              <a:p>
+                <a:r>
+                  <a:rPr lang="en-US">
+                    <a:noFill/>
+                  </a:rPr>
+                  <a:t> </a:t>
+                </a:r>
+              </a:p>
+            </p:txBody>
+          </p:sp>
+        </mc:Fallback>
+      </mc:AlternateContent>
       <p:cxnSp>
         <p:nvCxnSpPr>
-          <p:cNvPr id="20" name="Straight Arrow Connector 19"/>
+          <p:cNvPr id="6" name="Connector: Curved 4"/>
           <p:cNvCxnSpPr>
-            <a:cxnSpLocks/>
-            <a:stCxn id="14" idx="2"/>
-            <a:endCxn id="15" idx="0"/>
+            <a:endCxn id="6" idx="0"/>
           </p:cNvCxnSpPr>
           <p:nvPr/>
         </p:nvCxnSpPr>
         <p:spPr>
-          <a:xfrm>
-            <a:off x="5816600" y="2571750"/>
-            <a:ext cx="0" cy="542927"/>
-          </a:xfrm>
-          <a:prstGeom prst="straightConnector1">
-            <a:avLst/>
-          </a:prstGeom>
-          <a:ln>
+          <a:xfrm rot="16200000" flipH="1">
+            <a:off x="6090689" y="2202168"/>
+            <a:ext cx="1889" cy="1280160"/>
+          </a:xfrm>
+          <a:prstGeom prst="curvedConnector3">
+            <a:avLst>
+              <a:gd name="adj1" fmla="val -12101641"/>
+            </a:avLst>
+          </a:prstGeom>
+          <a:ln w="19050">
             <a:tailEnd type="triangle"/>
           </a:ln>
         </p:spPr>
@@ -12622,22 +12482,21 @@
       </p:cxnSp>
       <p:cxnSp>
         <p:nvCxnSpPr>
-          <p:cNvPr id="24" name="Straight Arrow Connector 23"/>
-          <p:cNvCxnSpPr>
-            <a:stCxn id="13" idx="2"/>
-            <a:endCxn id="16" idx="0"/>
-          </p:cNvCxnSpPr>
+          <p:cNvPr id="7" name="Connector: Curved 6"/>
+          <p:cNvCxnSpPr/>
           <p:nvPr/>
         </p:nvCxnSpPr>
         <p:spPr>
-          <a:xfrm>
-            <a:off x="4584700" y="4479925"/>
-            <a:ext cx="0" cy="282575"/>
-          </a:xfrm>
-          <a:prstGeom prst="straightConnector1">
-            <a:avLst/>
-          </a:prstGeom>
-          <a:ln>
+          <a:xfrm rot="5400000" flipH="1">
+            <a:off x="6024618" y="3152061"/>
+            <a:ext cx="1889" cy="1280160"/>
+          </a:xfrm>
+          <a:prstGeom prst="curvedConnector3">
+            <a:avLst>
+              <a:gd name="adj1" fmla="val -12101641"/>
+            </a:avLst>
+          </a:prstGeom>
+          <a:ln w="19050">
             <a:tailEnd type="triangle"/>
           </a:ln>
         </p:spPr>
@@ -12658,20 +12517,25 @@
       </p:cxnSp>
       <p:cxnSp>
         <p:nvCxnSpPr>
-          <p:cNvPr id="31" name="Straight Connector 30"/>
-          <p:cNvCxnSpPr>
-            <a:stCxn id="16" idx="1"/>
-          </p:cNvCxnSpPr>
+          <p:cNvPr id="8" name="Connector: Curved 10"/>
+          <p:cNvCxnSpPr/>
           <p:nvPr/>
         </p:nvCxnSpPr>
         <p:spPr>
-          <a:xfrm flipH="1">
-            <a:off x="3238500" y="5207000"/>
-            <a:ext cx="571500" cy="0"/>
-          </a:xfrm>
-          <a:prstGeom prst="line">
-            <a:avLst/>
-          </a:prstGeom>
+          <a:xfrm rot="5400000" flipH="1">
+            <a:off x="4705226" y="3325488"/>
+            <a:ext cx="446448" cy="12700"/>
+          </a:xfrm>
+          <a:prstGeom prst="curvedConnector5">
+            <a:avLst>
+              <a:gd name="adj1" fmla="val -51204"/>
+              <a:gd name="adj2" fmla="val 6216591"/>
+              <a:gd name="adj3" fmla="val 151204"/>
+            </a:avLst>
+          </a:prstGeom>
+          <a:ln w="19050">
+            <a:tailEnd type="triangle"/>
+          </a:ln>
         </p:spPr>
         <p:style>
           <a:lnRef idx="1">
@@ -12690,20 +12554,25 @@
       </p:cxnSp>
       <p:cxnSp>
         <p:nvCxnSpPr>
-          <p:cNvPr id="33" name="Straight Connector 32"/>
-          <p:cNvCxnSpPr>
-            <a:cxnSpLocks/>
-          </p:cNvCxnSpPr>
+          <p:cNvPr id="9" name="Connector: Curved 12"/>
+          <p:cNvCxnSpPr/>
           <p:nvPr/>
         </p:nvCxnSpPr>
         <p:spPr>
-          <a:xfrm flipV="1">
-            <a:off x="3238500" y="1498603"/>
-            <a:ext cx="0" cy="3708398"/>
-          </a:xfrm>
-          <a:prstGeom prst="line">
-            <a:avLst/>
-          </a:prstGeom>
+          <a:xfrm rot="16200000" flipH="1">
+            <a:off x="7021472" y="3325488"/>
+            <a:ext cx="446448" cy="12700"/>
+          </a:xfrm>
+          <a:prstGeom prst="curvedConnector5">
+            <a:avLst>
+              <a:gd name="adj1" fmla="val -51204"/>
+              <a:gd name="adj2" fmla="val 6216591"/>
+              <a:gd name="adj3" fmla="val 151204"/>
+            </a:avLst>
+          </a:prstGeom>
+          <a:ln w="19050">
+            <a:tailEnd type="triangle"/>
+          </a:ln>
         </p:spPr>
         <p:style>
           <a:lnRef idx="1">
@@ -12720,364 +12589,620 @@
           </a:fontRef>
         </p:style>
       </p:cxnSp>
-      <p:cxnSp>
-        <p:nvCxnSpPr>
-          <p:cNvPr id="38" name="Straight Arrow Connector 37"/>
-          <p:cNvCxnSpPr>
-            <a:stCxn id="16" idx="2"/>
-            <a:endCxn id="12" idx="0"/>
-          </p:cNvCxnSpPr>
-          <p:nvPr/>
-        </p:nvCxnSpPr>
-        <p:spPr>
-          <a:xfrm>
-            <a:off x="4584700" y="5651500"/>
-            <a:ext cx="0" cy="425449"/>
-          </a:xfrm>
-          <a:prstGeom prst="straightConnector1">
-            <a:avLst/>
-          </a:prstGeom>
-          <a:ln>
-            <a:tailEnd type="triangle"/>
-          </a:ln>
-        </p:spPr>
-        <p:style>
-          <a:lnRef idx="1">
-            <a:schemeClr val="dk1"/>
-          </a:lnRef>
-          <a:fillRef idx="0">
-            <a:schemeClr val="dk1"/>
-          </a:fillRef>
-          <a:effectRef idx="0">
-            <a:schemeClr val="dk1"/>
-          </a:effectRef>
-          <a:fontRef idx="minor">
-            <a:schemeClr val="tx1"/>
-          </a:fontRef>
-        </p:style>
-      </p:cxnSp>
-      <p:sp>
-        <p:nvSpPr>
-          <p:cNvPr id="45" name="Flowchart: Alternate Process 44"/>
-          <p:cNvSpPr/>
-          <p:nvPr/>
-        </p:nvSpPr>
-        <p:spPr>
-          <a:xfrm>
-            <a:off x="7975600" y="1619250"/>
-            <a:ext cx="977900" cy="476250"/>
-          </a:xfrm>
-          <a:prstGeom prst="flowChartAlternateProcess">
-            <a:avLst/>
-          </a:prstGeom>
-        </p:spPr>
-        <p:style>
-          <a:lnRef idx="2">
-            <a:schemeClr val="dk1"/>
-          </a:lnRef>
-          <a:fillRef idx="1">
-            <a:schemeClr val="lt1"/>
-          </a:fillRef>
-          <a:effectRef idx="0">
-            <a:schemeClr val="dk1"/>
-          </a:effectRef>
-          <a:fontRef idx="minor">
-            <a:schemeClr val="dk1"/>
-          </a:fontRef>
-        </p:style>
-        <p:txBody>
-          <a:bodyPr rtlCol="0" anchor="ctr"/>
-          <a:lstStyle/>
-          <a:p>
-            <a:pPr algn="ctr"/>
-            <a:r>
-              <a:rPr lang="en-US" dirty="0"/>
-              <a:t>1 to T</a:t>
-            </a:r>
-          </a:p>
-        </p:txBody>
-      </p:sp>
-      <p:sp>
-        <p:nvSpPr>
-          <p:cNvPr id="46" name="Flowchart: Alternate Process 45"/>
-          <p:cNvSpPr/>
-          <p:nvPr/>
-        </p:nvSpPr>
-        <p:spPr>
-          <a:xfrm>
-            <a:off x="7975600" y="2393950"/>
-            <a:ext cx="977900" cy="476250"/>
-          </a:xfrm>
-          <a:prstGeom prst="flowChartAlternateProcess">
-            <a:avLst/>
-          </a:prstGeom>
-        </p:spPr>
-        <p:style>
-          <a:lnRef idx="2">
-            <a:schemeClr val="dk1"/>
-          </a:lnRef>
-          <a:fillRef idx="1">
-            <a:schemeClr val="lt1"/>
-          </a:fillRef>
-          <a:effectRef idx="0">
-            <a:schemeClr val="dk1"/>
-          </a:effectRef>
-          <a:fontRef idx="minor">
-            <a:schemeClr val="dk1"/>
-          </a:fontRef>
-        </p:style>
-        <p:txBody>
-          <a:bodyPr rtlCol="0" anchor="ctr"/>
-          <a:lstStyle/>
-          <a:p>
-            <a:pPr algn="ctr"/>
-            <a:r>
-              <a:rPr lang="en-US" dirty="0"/>
-              <a:t>T to 1</a:t>
-            </a:r>
-          </a:p>
-        </p:txBody>
-      </p:sp>
-      <p:cxnSp>
-        <p:nvCxnSpPr>
-          <p:cNvPr id="56" name="Straight Arrow Connector 55"/>
-          <p:cNvCxnSpPr>
-            <a:endCxn id="10" idx="1"/>
-          </p:cNvCxnSpPr>
-          <p:nvPr/>
-        </p:nvCxnSpPr>
-        <p:spPr>
-          <a:xfrm>
-            <a:off x="3238500" y="1498603"/>
-            <a:ext cx="685800" cy="0"/>
-          </a:xfrm>
-          <a:prstGeom prst="straightConnector1">
-            <a:avLst/>
-          </a:prstGeom>
-          <a:ln>
-            <a:tailEnd type="triangle"/>
-          </a:ln>
-        </p:spPr>
-        <p:style>
-          <a:lnRef idx="1">
-            <a:schemeClr val="dk1"/>
-          </a:lnRef>
-          <a:fillRef idx="0">
-            <a:schemeClr val="dk1"/>
-          </a:fillRef>
-          <a:effectRef idx="0">
-            <a:schemeClr val="dk1"/>
-          </a:effectRef>
-          <a:fontRef idx="minor">
-            <a:schemeClr val="tx1"/>
-          </a:fontRef>
-        </p:style>
-      </p:cxnSp>
-      <p:cxnSp>
-        <p:nvCxnSpPr>
-          <p:cNvPr id="58" name="Straight Arrow Connector 57"/>
-          <p:cNvCxnSpPr>
-            <a:stCxn id="11" idx="2"/>
-            <a:endCxn id="10" idx="0"/>
-          </p:cNvCxnSpPr>
-          <p:nvPr/>
-        </p:nvCxnSpPr>
-        <p:spPr>
-          <a:xfrm>
-            <a:off x="4584700" y="755654"/>
-            <a:ext cx="0" cy="504824"/>
-          </a:xfrm>
-          <a:prstGeom prst="straightConnector1">
-            <a:avLst/>
-          </a:prstGeom>
-          <a:ln>
-            <a:tailEnd type="triangle"/>
-          </a:ln>
-        </p:spPr>
-        <p:style>
-          <a:lnRef idx="1">
-            <a:schemeClr val="dk1"/>
-          </a:lnRef>
-          <a:fillRef idx="0">
-            <a:schemeClr val="dk1"/>
-          </a:fillRef>
-          <a:effectRef idx="0">
-            <a:schemeClr val="dk1"/>
-          </a:effectRef>
-          <a:fontRef idx="minor">
-            <a:schemeClr val="tx1"/>
-          </a:fontRef>
-        </p:style>
-      </p:cxnSp>
-      <p:cxnSp>
-        <p:nvCxnSpPr>
-          <p:cNvPr id="66" name="Straight Connector 65"/>
-          <p:cNvCxnSpPr>
-            <a:cxnSpLocks/>
-            <a:stCxn id="10" idx="3"/>
-          </p:cNvCxnSpPr>
-          <p:nvPr/>
-        </p:nvCxnSpPr>
-        <p:spPr>
-          <a:xfrm>
-            <a:off x="5245100" y="1498603"/>
-            <a:ext cx="571500" cy="0"/>
-          </a:xfrm>
-          <a:prstGeom prst="line">
-            <a:avLst/>
-          </a:prstGeom>
-        </p:spPr>
-        <p:style>
-          <a:lnRef idx="1">
-            <a:schemeClr val="dk1"/>
-          </a:lnRef>
-          <a:fillRef idx="0">
-            <a:schemeClr val="dk1"/>
-          </a:fillRef>
-          <a:effectRef idx="0">
-            <a:schemeClr val="dk1"/>
-          </a:effectRef>
-          <a:fontRef idx="minor">
-            <a:schemeClr val="tx1"/>
-          </a:fontRef>
-        </p:style>
-      </p:cxnSp>
-      <p:cxnSp>
-        <p:nvCxnSpPr>
-          <p:cNvPr id="68" name="Straight Arrow Connector 67"/>
-          <p:cNvCxnSpPr>
-            <a:endCxn id="14" idx="0"/>
-          </p:cNvCxnSpPr>
-          <p:nvPr/>
-        </p:nvCxnSpPr>
-        <p:spPr>
-          <a:xfrm>
-            <a:off x="5816600" y="1498603"/>
-            <a:ext cx="0" cy="596897"/>
-          </a:xfrm>
-          <a:prstGeom prst="straightConnector1">
-            <a:avLst/>
-          </a:prstGeom>
-          <a:ln>
-            <a:tailEnd type="triangle"/>
-          </a:ln>
-        </p:spPr>
-        <p:style>
-          <a:lnRef idx="1">
-            <a:schemeClr val="dk1"/>
-          </a:lnRef>
-          <a:fillRef idx="0">
-            <a:schemeClr val="dk1"/>
-          </a:fillRef>
-          <a:effectRef idx="0">
-            <a:schemeClr val="dk1"/>
-          </a:effectRef>
-          <a:fontRef idx="minor">
-            <a:schemeClr val="tx1"/>
-          </a:fontRef>
-        </p:style>
-      </p:cxnSp>
-      <p:cxnSp>
-        <p:nvCxnSpPr>
-          <p:cNvPr id="70" name="Straight Connector 69"/>
-          <p:cNvCxnSpPr>
-            <a:stCxn id="15" idx="2"/>
-          </p:cNvCxnSpPr>
-          <p:nvPr/>
-        </p:nvCxnSpPr>
-        <p:spPr>
-          <a:xfrm>
-            <a:off x="5816600" y="3590927"/>
-            <a:ext cx="0" cy="650873"/>
-          </a:xfrm>
-          <a:prstGeom prst="line">
-            <a:avLst/>
-          </a:prstGeom>
-        </p:spPr>
-        <p:style>
-          <a:lnRef idx="1">
-            <a:schemeClr val="dk1"/>
-          </a:lnRef>
-          <a:fillRef idx="0">
-            <a:schemeClr val="dk1"/>
-          </a:fillRef>
-          <a:effectRef idx="0">
-            <a:schemeClr val="dk1"/>
-          </a:effectRef>
-          <a:fontRef idx="minor">
-            <a:schemeClr val="tx1"/>
-          </a:fontRef>
-        </p:style>
-      </p:cxnSp>
-      <p:cxnSp>
-        <p:nvCxnSpPr>
-          <p:cNvPr id="72" name="Straight Arrow Connector 71"/>
-          <p:cNvCxnSpPr>
-            <a:cxnSpLocks/>
-            <a:endCxn id="13" idx="3"/>
-          </p:cNvCxnSpPr>
-          <p:nvPr/>
-        </p:nvCxnSpPr>
-        <p:spPr>
-          <a:xfrm flipH="1">
-            <a:off x="5245100" y="4241800"/>
-            <a:ext cx="571500" cy="0"/>
-          </a:xfrm>
-          <a:prstGeom prst="straightConnector1">
-            <a:avLst/>
-          </a:prstGeom>
-          <a:ln>
-            <a:tailEnd type="triangle"/>
-          </a:ln>
-        </p:spPr>
-        <p:style>
-          <a:lnRef idx="1">
-            <a:schemeClr val="dk1"/>
-          </a:lnRef>
-          <a:fillRef idx="0">
-            <a:schemeClr val="dk1"/>
-          </a:fillRef>
-          <a:effectRef idx="0">
-            <a:schemeClr val="dk1"/>
-          </a:effectRef>
-          <a:fontRef idx="minor">
-            <a:schemeClr val="tx1"/>
-          </a:fontRef>
-        </p:style>
-      </p:cxnSp>
-      <p:sp>
-        <p:nvSpPr>
-          <p:cNvPr id="77" name="TextBox 76"/>
-          <p:cNvSpPr txBox="1"/>
-          <p:nvPr/>
-        </p:nvSpPr>
-        <p:spPr>
-          <a:xfrm>
-            <a:off x="4612651" y="825540"/>
-            <a:ext cx="1264898" cy="369332"/>
-          </a:xfrm>
-          <a:prstGeom prst="rect">
-            <a:avLst/>
-          </a:prstGeom>
-          <a:noFill/>
-        </p:spPr>
-        <p:txBody>
-          <a:bodyPr wrap="none" rtlCol="0">
-            <a:spAutoFit/>
-          </a:bodyPr>
-          <a:lstStyle/>
-          <a:p>
-            <a:r>
-              <a:rPr lang="en-US" dirty="0"/>
-              <a:t>Initial value</a:t>
-            </a:r>
-          </a:p>
-        </p:txBody>
-      </p:sp>
+      <mc:AlternateContent xmlns:mc="http://schemas.openxmlformats.org/markup-compatibility/2006">
+        <mc:Choice xmlns:a14="http://schemas.microsoft.com/office/drawing/2010/main" Requires="a14">
+          <p:sp>
+            <p:nvSpPr>
+              <p:cNvPr id="10" name="TextBox 9"/>
+              <p:cNvSpPr txBox="1"/>
+              <p:nvPr/>
+            </p:nvSpPr>
+            <p:spPr>
+              <a:xfrm>
+                <a:off x="3598031" y="3064670"/>
+                <a:ext cx="558293" cy="369332"/>
+              </a:xfrm>
+              <a:prstGeom prst="rect">
+                <a:avLst/>
+              </a:prstGeom>
+              <a:noFill/>
+            </p:spPr>
+            <p:txBody>
+              <a:bodyPr wrap="none" rtlCol="0">
+                <a:spAutoFit/>
+              </a:bodyPr>
+              <a:lstStyle/>
+              <a:p>
+                <a:pPr/>
+                <a14:m>
+                  <m:oMathPara xmlns:m="http://schemas.openxmlformats.org/officeDocument/2006/math">
+                    <m:oMathParaPr>
+                      <m:jc m:val="centerGroup"/>
+                    </m:oMathParaPr>
+                    <m:oMath xmlns:m="http://schemas.openxmlformats.org/officeDocument/2006/math">
+                      <m:sSub>
+                        <m:sSubPr>
+                          <m:ctrlPr>
+                            <a:rPr lang="en-US" i="1" smtClean="0">
+                              <a:solidFill>
+                                <a:schemeClr val="tx1"/>
+                              </a:solidFill>
+                              <a:latin typeface="Cambria Math" charset="0"/>
+                            </a:rPr>
+                          </m:ctrlPr>
+                        </m:sSubPr>
+                        <m:e>
+                          <m:r>
+                            <a:rPr lang="sv-SE" b="0" i="1" smtClean="0">
+                              <a:solidFill>
+                                <a:schemeClr val="tx1"/>
+                              </a:solidFill>
+                              <a:latin typeface="Cambria Math" panose="02040503050406030204" pitchFamily="18" charset="0"/>
+                            </a:rPr>
+                            <m:t>𝑝</m:t>
+                          </m:r>
+                        </m:e>
+                        <m:sub>
+                          <m:r>
+                            <a:rPr lang="sv-SE" b="0" i="1" smtClean="0">
+                              <a:solidFill>
+                                <a:schemeClr val="tx1"/>
+                              </a:solidFill>
+                              <a:latin typeface="Cambria Math" panose="02040503050406030204" pitchFamily="18" charset="0"/>
+                            </a:rPr>
+                            <m:t>11</m:t>
+                          </m:r>
+                        </m:sub>
+                      </m:sSub>
+                    </m:oMath>
+                  </m:oMathPara>
+                </a14:m>
+                <a:endParaRPr lang="en-US" dirty="0">
+                  <a:solidFill>
+                    <a:schemeClr val="tx1"/>
+                  </a:solidFill>
+                </a:endParaRPr>
+              </a:p>
+            </p:txBody>
+          </p:sp>
+        </mc:Choice>
+        <mc:Fallback>
+          <p:sp>
+            <p:nvSpPr>
+              <p:cNvPr id="10" name="TextBox 9"/>
+              <p:cNvSpPr txBox="1">
+                <a:spLocks noRot="1" noChangeAspect="1" noMove="1" noResize="1" noEditPoints="1" noAdjustHandles="1" noChangeArrowheads="1" noChangeShapeType="1" noTextEdit="1"/>
+              </p:cNvSpPr>
+              <p:nvPr/>
+            </p:nvSpPr>
+            <p:spPr>
+              <a:xfrm>
+                <a:off x="3598031" y="3064670"/>
+                <a:ext cx="558293" cy="369332"/>
+              </a:xfrm>
+              <a:prstGeom prst="rect">
+                <a:avLst/>
+              </a:prstGeom>
+              <a:blipFill rotWithShape="0">
+                <a:blip r:embed="rId3"/>
+                <a:stretch>
+                  <a:fillRect b="-6667"/>
+                </a:stretch>
+              </a:blipFill>
+            </p:spPr>
+            <p:txBody>
+              <a:bodyPr/>
+              <a:lstStyle/>
+              <a:p>
+                <a:r>
+                  <a:rPr lang="en-US">
+                    <a:noFill/>
+                  </a:rPr>
+                  <a:t> </a:t>
+                </a:r>
+              </a:p>
+            </p:txBody>
+          </p:sp>
+        </mc:Fallback>
+      </mc:AlternateContent>
+      <mc:AlternateContent xmlns:mc="http://schemas.openxmlformats.org/markup-compatibility/2006">
+        <mc:Choice xmlns:a14="http://schemas.microsoft.com/office/drawing/2010/main" Requires="a14">
+          <p:sp>
+            <p:nvSpPr>
+              <p:cNvPr id="11" name="TextBox 10"/>
+              <p:cNvSpPr txBox="1"/>
+              <p:nvPr/>
+            </p:nvSpPr>
+            <p:spPr>
+              <a:xfrm>
+                <a:off x="5787977" y="2191867"/>
+                <a:ext cx="558293" cy="369332"/>
+              </a:xfrm>
+              <a:prstGeom prst="rect">
+                <a:avLst/>
+              </a:prstGeom>
+              <a:noFill/>
+            </p:spPr>
+            <p:txBody>
+              <a:bodyPr wrap="none" rtlCol="0">
+                <a:spAutoFit/>
+              </a:bodyPr>
+              <a:lstStyle/>
+              <a:p>
+                <a:pPr/>
+                <a14:m>
+                  <m:oMathPara xmlns:m="http://schemas.openxmlformats.org/officeDocument/2006/math">
+                    <m:oMathParaPr>
+                      <m:jc m:val="centerGroup"/>
+                    </m:oMathParaPr>
+                    <m:oMath xmlns:m="http://schemas.openxmlformats.org/officeDocument/2006/math">
+                      <m:sSub>
+                        <m:sSubPr>
+                          <m:ctrlPr>
+                            <a:rPr lang="en-US" i="1" smtClean="0">
+                              <a:solidFill>
+                                <a:schemeClr val="tx1"/>
+                              </a:solidFill>
+                              <a:latin typeface="Cambria Math" charset="0"/>
+                            </a:rPr>
+                          </m:ctrlPr>
+                        </m:sSubPr>
+                        <m:e>
+                          <m:r>
+                            <a:rPr lang="sv-SE" b="0" i="1" smtClean="0">
+                              <a:solidFill>
+                                <a:schemeClr val="tx1"/>
+                              </a:solidFill>
+                              <a:latin typeface="Cambria Math" panose="02040503050406030204" pitchFamily="18" charset="0"/>
+                            </a:rPr>
+                            <m:t>𝑝</m:t>
+                          </m:r>
+                        </m:e>
+                        <m:sub>
+                          <m:r>
+                            <a:rPr lang="sv-SE" b="0" i="1" smtClean="0">
+                              <a:solidFill>
+                                <a:schemeClr val="tx1"/>
+                              </a:solidFill>
+                              <a:latin typeface="Cambria Math" panose="02040503050406030204" pitchFamily="18" charset="0"/>
+                            </a:rPr>
+                            <m:t>12</m:t>
+                          </m:r>
+                        </m:sub>
+                      </m:sSub>
+                    </m:oMath>
+                  </m:oMathPara>
+                </a14:m>
+                <a:endParaRPr lang="en-US" dirty="0">
+                  <a:solidFill>
+                    <a:schemeClr val="tx1"/>
+                  </a:solidFill>
+                </a:endParaRPr>
+              </a:p>
+            </p:txBody>
+          </p:sp>
+        </mc:Choice>
+        <mc:Fallback>
+          <p:sp>
+            <p:nvSpPr>
+              <p:cNvPr id="11" name="TextBox 10"/>
+              <p:cNvSpPr txBox="1">
+                <a:spLocks noRot="1" noChangeAspect="1" noMove="1" noResize="1" noEditPoints="1" noAdjustHandles="1" noChangeArrowheads="1" noChangeShapeType="1" noTextEdit="1"/>
+              </p:cNvSpPr>
+              <p:nvPr/>
+            </p:nvSpPr>
+            <p:spPr>
+              <a:xfrm>
+                <a:off x="5787977" y="2191867"/>
+                <a:ext cx="558293" cy="369332"/>
+              </a:xfrm>
+              <a:prstGeom prst="rect">
+                <a:avLst/>
+              </a:prstGeom>
+              <a:blipFill rotWithShape="0">
+                <a:blip r:embed="rId4"/>
+                <a:stretch>
+                  <a:fillRect b="-6667"/>
+                </a:stretch>
+              </a:blipFill>
+            </p:spPr>
+            <p:txBody>
+              <a:bodyPr/>
+              <a:lstStyle/>
+              <a:p>
+                <a:r>
+                  <a:rPr lang="en-US">
+                    <a:noFill/>
+                  </a:rPr>
+                  <a:t> </a:t>
+                </a:r>
+              </a:p>
+            </p:txBody>
+          </p:sp>
+        </mc:Fallback>
+      </mc:AlternateContent>
+      <mc:AlternateContent xmlns:mc="http://schemas.openxmlformats.org/markup-compatibility/2006">
+        <mc:Choice xmlns:a14="http://schemas.microsoft.com/office/drawing/2010/main" Requires="a14">
+          <p:sp>
+            <p:nvSpPr>
+              <p:cNvPr id="12" name="TextBox 11"/>
+              <p:cNvSpPr txBox="1"/>
+              <p:nvPr/>
+            </p:nvSpPr>
+            <p:spPr>
+              <a:xfrm>
+                <a:off x="8059283" y="3081340"/>
+                <a:ext cx="563616" cy="369332"/>
+              </a:xfrm>
+              <a:prstGeom prst="rect">
+                <a:avLst/>
+              </a:prstGeom>
+              <a:noFill/>
+            </p:spPr>
+            <p:txBody>
+              <a:bodyPr wrap="none" rtlCol="0">
+                <a:spAutoFit/>
+              </a:bodyPr>
+              <a:lstStyle/>
+              <a:p>
+                <a:pPr/>
+                <a14:m>
+                  <m:oMathPara xmlns:m="http://schemas.openxmlformats.org/officeDocument/2006/math">
+                    <m:oMathParaPr>
+                      <m:jc m:val="centerGroup"/>
+                    </m:oMathParaPr>
+                    <m:oMath xmlns:m="http://schemas.openxmlformats.org/officeDocument/2006/math">
+                      <m:sSub>
+                        <m:sSubPr>
+                          <m:ctrlPr>
+                            <a:rPr lang="en-US" i="1" smtClean="0">
+                              <a:solidFill>
+                                <a:schemeClr val="tx1"/>
+                              </a:solidFill>
+                              <a:latin typeface="Cambria Math" charset="0"/>
+                            </a:rPr>
+                          </m:ctrlPr>
+                        </m:sSubPr>
+                        <m:e>
+                          <m:r>
+                            <a:rPr lang="sv-SE" b="0" i="1" smtClean="0">
+                              <a:solidFill>
+                                <a:schemeClr val="tx1"/>
+                              </a:solidFill>
+                              <a:latin typeface="Cambria Math" panose="02040503050406030204" pitchFamily="18" charset="0"/>
+                            </a:rPr>
+                            <m:t>𝑝</m:t>
+                          </m:r>
+                        </m:e>
+                        <m:sub>
+                          <m:r>
+                            <a:rPr lang="sv-SE" b="0" i="1" smtClean="0">
+                              <a:solidFill>
+                                <a:schemeClr val="tx1"/>
+                              </a:solidFill>
+                              <a:latin typeface="Cambria Math" panose="02040503050406030204" pitchFamily="18" charset="0"/>
+                            </a:rPr>
+                            <m:t>22</m:t>
+                          </m:r>
+                        </m:sub>
+                      </m:sSub>
+                    </m:oMath>
+                  </m:oMathPara>
+                </a14:m>
+                <a:endParaRPr lang="en-US" dirty="0">
+                  <a:solidFill>
+                    <a:schemeClr val="tx1"/>
+                  </a:solidFill>
+                </a:endParaRPr>
+              </a:p>
+            </p:txBody>
+          </p:sp>
+        </mc:Choice>
+        <mc:Fallback>
+          <p:sp>
+            <p:nvSpPr>
+              <p:cNvPr id="12" name="TextBox 11"/>
+              <p:cNvSpPr txBox="1">
+                <a:spLocks noRot="1" noChangeAspect="1" noMove="1" noResize="1" noEditPoints="1" noAdjustHandles="1" noChangeArrowheads="1" noChangeShapeType="1" noTextEdit="1"/>
+              </p:cNvSpPr>
+              <p:nvPr/>
+            </p:nvSpPr>
+            <p:spPr>
+              <a:xfrm>
+                <a:off x="8059283" y="3081340"/>
+                <a:ext cx="563616" cy="369332"/>
+              </a:xfrm>
+              <a:prstGeom prst="rect">
+                <a:avLst/>
+              </a:prstGeom>
+              <a:blipFill rotWithShape="0">
+                <a:blip r:embed="rId5"/>
+                <a:stretch>
+                  <a:fillRect b="-4918"/>
+                </a:stretch>
+              </a:blipFill>
+            </p:spPr>
+            <p:txBody>
+              <a:bodyPr/>
+              <a:lstStyle/>
+              <a:p>
+                <a:r>
+                  <a:rPr lang="en-US">
+                    <a:noFill/>
+                  </a:rPr>
+                  <a:t> </a:t>
+                </a:r>
+              </a:p>
+            </p:txBody>
+          </p:sp>
+        </mc:Fallback>
+      </mc:AlternateContent>
+      <mc:AlternateContent xmlns:mc="http://schemas.openxmlformats.org/markup-compatibility/2006">
+        <mc:Choice xmlns:a14="http://schemas.microsoft.com/office/drawing/2010/main" Requires="a14">
+          <p:sp>
+            <p:nvSpPr>
+              <p:cNvPr id="13" name="TextBox 12"/>
+              <p:cNvSpPr txBox="1"/>
+              <p:nvPr/>
+            </p:nvSpPr>
+            <p:spPr>
+              <a:xfrm>
+                <a:off x="5787977" y="4039382"/>
+                <a:ext cx="558293" cy="369332"/>
+              </a:xfrm>
+              <a:prstGeom prst="rect">
+                <a:avLst/>
+              </a:prstGeom>
+              <a:noFill/>
+            </p:spPr>
+            <p:txBody>
+              <a:bodyPr wrap="none" rtlCol="0">
+                <a:spAutoFit/>
+              </a:bodyPr>
+              <a:lstStyle/>
+              <a:p>
+                <a:pPr/>
+                <a14:m>
+                  <m:oMathPara xmlns:m="http://schemas.openxmlformats.org/officeDocument/2006/math">
+                    <m:oMathParaPr>
+                      <m:jc m:val="centerGroup"/>
+                    </m:oMathParaPr>
+                    <m:oMath xmlns:m="http://schemas.openxmlformats.org/officeDocument/2006/math">
+                      <m:sSub>
+                        <m:sSubPr>
+                          <m:ctrlPr>
+                            <a:rPr lang="en-US" i="1" smtClean="0">
+                              <a:solidFill>
+                                <a:schemeClr val="tx1"/>
+                              </a:solidFill>
+                              <a:latin typeface="Cambria Math" charset="0"/>
+                            </a:rPr>
+                          </m:ctrlPr>
+                        </m:sSubPr>
+                        <m:e>
+                          <m:r>
+                            <a:rPr lang="sv-SE" b="0" i="1" smtClean="0">
+                              <a:solidFill>
+                                <a:schemeClr val="tx1"/>
+                              </a:solidFill>
+                              <a:latin typeface="Cambria Math" panose="02040503050406030204" pitchFamily="18" charset="0"/>
+                            </a:rPr>
+                            <m:t>𝑝</m:t>
+                          </m:r>
+                        </m:e>
+                        <m:sub>
+                          <m:r>
+                            <a:rPr lang="sv-SE" b="0" i="1" smtClean="0">
+                              <a:solidFill>
+                                <a:schemeClr val="tx1"/>
+                              </a:solidFill>
+                              <a:latin typeface="Cambria Math" panose="02040503050406030204" pitchFamily="18" charset="0"/>
+                            </a:rPr>
+                            <m:t>21</m:t>
+                          </m:r>
+                        </m:sub>
+                      </m:sSub>
+                    </m:oMath>
+                  </m:oMathPara>
+                </a14:m>
+                <a:endParaRPr lang="en-US" dirty="0">
+                  <a:solidFill>
+                    <a:schemeClr val="tx1"/>
+                  </a:solidFill>
+                </a:endParaRPr>
+              </a:p>
+            </p:txBody>
+          </p:sp>
+        </mc:Choice>
+        <mc:Fallback>
+          <p:sp>
+            <p:nvSpPr>
+              <p:cNvPr id="13" name="TextBox 12"/>
+              <p:cNvSpPr txBox="1">
+                <a:spLocks noRot="1" noChangeAspect="1" noMove="1" noResize="1" noEditPoints="1" noAdjustHandles="1" noChangeArrowheads="1" noChangeShapeType="1" noTextEdit="1"/>
+              </p:cNvSpPr>
+              <p:nvPr/>
+            </p:nvSpPr>
+            <p:spPr>
+              <a:xfrm>
+                <a:off x="5787977" y="4039382"/>
+                <a:ext cx="558293" cy="369332"/>
+              </a:xfrm>
+              <a:prstGeom prst="rect">
+                <a:avLst/>
+              </a:prstGeom>
+              <a:blipFill rotWithShape="0">
+                <a:blip r:embed="rId6"/>
+                <a:stretch>
+                  <a:fillRect b="-6667"/>
+                </a:stretch>
+              </a:blipFill>
+            </p:spPr>
+            <p:txBody>
+              <a:bodyPr/>
+              <a:lstStyle/>
+              <a:p>
+                <a:r>
+                  <a:rPr lang="en-US">
+                    <a:noFill/>
+                  </a:rPr>
+                  <a:t> </a:t>
+                </a:r>
+              </a:p>
+            </p:txBody>
+          </p:sp>
+        </mc:Fallback>
+      </mc:AlternateContent>
+      <mc:AlternateContent xmlns:mc="http://schemas.openxmlformats.org/markup-compatibility/2006">
+        <mc:Choice xmlns:a14="http://schemas.microsoft.com/office/drawing/2010/main" Requires="a14">
+          <p:sp>
+            <p:nvSpPr>
+              <p:cNvPr id="29" name="Oval 28"/>
+              <p:cNvSpPr/>
+              <p:nvPr/>
+            </p:nvSpPr>
+            <p:spPr>
+              <a:xfrm>
+                <a:off x="6321734" y="2845082"/>
+                <a:ext cx="984732" cy="946114"/>
+              </a:xfrm>
+              <a:prstGeom prst="ellipse">
+                <a:avLst/>
+              </a:prstGeom>
+              <a:ln w="19050">
+                <a:solidFill>
+                  <a:schemeClr val="tx1"/>
+                </a:solidFill>
+              </a:ln>
+            </p:spPr>
+            <p:style>
+              <a:lnRef idx="2">
+                <a:schemeClr val="accent1"/>
+              </a:lnRef>
+              <a:fillRef idx="1">
+                <a:schemeClr val="lt1"/>
+              </a:fillRef>
+              <a:effectRef idx="0">
+                <a:schemeClr val="accent1"/>
+              </a:effectRef>
+              <a:fontRef idx="minor">
+                <a:schemeClr val="dk1"/>
+              </a:fontRef>
+            </p:style>
+            <p:txBody>
+              <a:bodyPr rtlCol="0" anchor="ctr"/>
+              <a:lstStyle/>
+              <a:p>
+                <a:pPr algn="ctr"/>
+                <a14:m>
+                  <m:oMathPara xmlns:m="http://schemas.openxmlformats.org/officeDocument/2006/math">
+                    <m:oMathParaPr>
+                      <m:jc m:val="centerGroup"/>
+                    </m:oMathParaPr>
+                    <m:oMath xmlns:m="http://schemas.openxmlformats.org/officeDocument/2006/math">
+                      <m:sSub>
+                        <m:sSubPr>
+                          <m:ctrlPr>
+                            <a:rPr lang="en-US" sz="1400" i="1" smtClean="0">
+                              <a:solidFill>
+                                <a:schemeClr val="tx1"/>
+                              </a:solidFill>
+                              <a:latin typeface="Cambria Math" charset="0"/>
+                            </a:rPr>
+                          </m:ctrlPr>
+                        </m:sSubPr>
+                        <m:e>
+                          <m:r>
+                            <a:rPr lang="sv-SE" sz="1400" b="0" i="1" smtClean="0">
+                              <a:solidFill>
+                                <a:schemeClr val="tx1"/>
+                              </a:solidFill>
+                              <a:latin typeface="Cambria Math" panose="02040503050406030204" pitchFamily="18" charset="0"/>
+                            </a:rPr>
+                            <m:t>𝑆</m:t>
+                          </m:r>
+                        </m:e>
+                        <m:sub>
+                          <m:r>
+                            <a:rPr lang="en-US" sz="1400" b="0" i="1" smtClean="0">
+                              <a:solidFill>
+                                <a:schemeClr val="tx1"/>
+                              </a:solidFill>
+                              <a:latin typeface="Cambria Math" charset="0"/>
+                            </a:rPr>
+                            <m:t>𝑡</m:t>
+                          </m:r>
+                        </m:sub>
+                      </m:sSub>
+                      <m:r>
+                        <a:rPr lang="en-US" sz="1400" b="0" i="1" smtClean="0">
+                          <a:solidFill>
+                            <a:schemeClr val="tx1"/>
+                          </a:solidFill>
+                          <a:latin typeface="Cambria Math" charset="0"/>
+                        </a:rPr>
+                        <m:t>=2</m:t>
+                      </m:r>
+                    </m:oMath>
+                  </m:oMathPara>
+                </a14:m>
+                <a:endParaRPr lang="en-US" sz="1400" dirty="0">
+                  <a:solidFill>
+                    <a:schemeClr val="tx1"/>
+                  </a:solidFill>
+                </a:endParaRPr>
+              </a:p>
+            </p:txBody>
+          </p:sp>
+        </mc:Choice>
+        <mc:Fallback>
+          <p:sp>
+            <p:nvSpPr>
+              <p:cNvPr id="29" name="Oval 28"/>
+              <p:cNvSpPr>
+                <a:spLocks noRot="1" noChangeAspect="1" noMove="1" noResize="1" noEditPoints="1" noAdjustHandles="1" noChangeArrowheads="1" noChangeShapeType="1" noTextEdit="1"/>
+              </p:cNvSpPr>
+              <p:nvPr/>
+            </p:nvSpPr>
+            <p:spPr>
+              <a:xfrm>
+                <a:off x="6321734" y="2845082"/>
+                <a:ext cx="984732" cy="946114"/>
+              </a:xfrm>
+              <a:prstGeom prst="ellipse">
+                <a:avLst/>
+              </a:prstGeom>
+              <a:blipFill rotWithShape="0">
+                <a:blip r:embed="rId7"/>
+                <a:stretch>
+                  <a:fillRect/>
+                </a:stretch>
+              </a:blipFill>
+              <a:ln w="19050">
+                <a:solidFill>
+                  <a:schemeClr val="tx1"/>
+                </a:solidFill>
+              </a:ln>
+            </p:spPr>
+            <p:txBody>
+              <a:bodyPr/>
+              <a:lstStyle/>
+              <a:p>
+                <a:r>
+                  <a:rPr lang="en-US">
+                    <a:noFill/>
+                  </a:rPr>
+                  <a:t> </a:t>
+                </a:r>
+              </a:p>
+            </p:txBody>
+          </p:sp>
+        </mc:Fallback>
+      </mc:AlternateContent>
     </p:spTree>
     <p:extLst>
       <p:ext uri="{BB962C8B-B14F-4D97-AF65-F5344CB8AC3E}">
-        <p14:creationId xmlns:p14="http://schemas.microsoft.com/office/powerpoint/2010/main" val="713304210"/>
+        <p14:creationId xmlns:p14="http://schemas.microsoft.com/office/powerpoint/2010/main" val="582885011"/>
       </p:ext>
     </p:extLst>
   </p:cSld>
@@ -13112,6 +13237,814 @@
         </p:nvSpPr>
         <p:spPr>
           <a:xfrm>
+            <a:off x="3924300" y="1260478"/>
+            <a:ext cx="1320800" cy="476250"/>
+          </a:xfrm>
+          <a:prstGeom prst="flowChartAlternateProcess">
+            <a:avLst/>
+          </a:prstGeom>
+        </p:spPr>
+        <p:style>
+          <a:lnRef idx="2">
+            <a:schemeClr val="dk1"/>
+          </a:lnRef>
+          <a:fillRef idx="1">
+            <a:schemeClr val="lt1"/>
+          </a:fillRef>
+          <a:effectRef idx="0">
+            <a:schemeClr val="dk1"/>
+          </a:effectRef>
+          <a:fontRef idx="minor">
+            <a:schemeClr val="dk1"/>
+          </a:fontRef>
+        </p:style>
+        <p:txBody>
+          <a:bodyPr rtlCol="0" anchor="ctr"/>
+          <a:lstStyle/>
+          <a:p>
+            <a:pPr algn="ctr"/>
+            <a:r>
+              <a:rPr lang="en-US" dirty="0"/>
+              <a:t>E-step</a:t>
+            </a:r>
+          </a:p>
+        </p:txBody>
+      </p:sp>
+      <p:sp>
+        <p:nvSpPr>
+          <p:cNvPr id="11" name="Flowchart: Terminator 10"/>
+          <p:cNvSpPr/>
+          <p:nvPr/>
+        </p:nvSpPr>
+        <p:spPr>
+          <a:xfrm>
+            <a:off x="4152900" y="234954"/>
+            <a:ext cx="863600" cy="520700"/>
+          </a:xfrm>
+          <a:prstGeom prst="flowChartTerminator">
+            <a:avLst/>
+          </a:prstGeom>
+        </p:spPr>
+        <p:style>
+          <a:lnRef idx="2">
+            <a:schemeClr val="dk1"/>
+          </a:lnRef>
+          <a:fillRef idx="1">
+            <a:schemeClr val="lt1"/>
+          </a:fillRef>
+          <a:effectRef idx="0">
+            <a:schemeClr val="dk1"/>
+          </a:effectRef>
+          <a:fontRef idx="minor">
+            <a:schemeClr val="dk1"/>
+          </a:fontRef>
+        </p:style>
+        <p:txBody>
+          <a:bodyPr rtlCol="0" anchor="ctr"/>
+          <a:lstStyle/>
+          <a:p>
+            <a:pPr algn="ctr"/>
+            <a:r>
+              <a:rPr lang="en-US" dirty="0"/>
+              <a:t>Start</a:t>
+            </a:r>
+          </a:p>
+        </p:txBody>
+      </p:sp>
+      <p:sp>
+        <p:nvSpPr>
+          <p:cNvPr id="12" name="Flowchart: Terminator 11"/>
+          <p:cNvSpPr/>
+          <p:nvPr/>
+        </p:nvSpPr>
+        <p:spPr>
+          <a:xfrm>
+            <a:off x="4152900" y="6076949"/>
+            <a:ext cx="863600" cy="520700"/>
+          </a:xfrm>
+          <a:prstGeom prst="flowChartTerminator">
+            <a:avLst/>
+          </a:prstGeom>
+        </p:spPr>
+        <p:style>
+          <a:lnRef idx="2">
+            <a:schemeClr val="dk1"/>
+          </a:lnRef>
+          <a:fillRef idx="1">
+            <a:schemeClr val="lt1"/>
+          </a:fillRef>
+          <a:effectRef idx="0">
+            <a:schemeClr val="dk1"/>
+          </a:effectRef>
+          <a:fontRef idx="minor">
+            <a:schemeClr val="dk1"/>
+          </a:fontRef>
+        </p:style>
+        <p:txBody>
+          <a:bodyPr rtlCol="0" anchor="ctr"/>
+          <a:lstStyle/>
+          <a:p>
+            <a:pPr algn="ctr"/>
+            <a:r>
+              <a:rPr lang="en-US" dirty="0"/>
+              <a:t>End</a:t>
+            </a:r>
+          </a:p>
+        </p:txBody>
+      </p:sp>
+      <p:sp>
+        <p:nvSpPr>
+          <p:cNvPr id="13" name="Flowchart: Alternate Process 12"/>
+          <p:cNvSpPr/>
+          <p:nvPr/>
+        </p:nvSpPr>
+        <p:spPr>
+          <a:xfrm>
+            <a:off x="3924300" y="4003675"/>
+            <a:ext cx="1320800" cy="476250"/>
+          </a:xfrm>
+          <a:prstGeom prst="flowChartAlternateProcess">
+            <a:avLst/>
+          </a:prstGeom>
+        </p:spPr>
+        <p:style>
+          <a:lnRef idx="2">
+            <a:schemeClr val="dk1"/>
+          </a:lnRef>
+          <a:fillRef idx="1">
+            <a:schemeClr val="lt1"/>
+          </a:fillRef>
+          <a:effectRef idx="0">
+            <a:schemeClr val="dk1"/>
+          </a:effectRef>
+          <a:fontRef idx="minor">
+            <a:schemeClr val="dk1"/>
+          </a:fontRef>
+        </p:style>
+        <p:txBody>
+          <a:bodyPr rtlCol="0" anchor="ctr"/>
+          <a:lstStyle/>
+          <a:p>
+            <a:pPr algn="ctr"/>
+            <a:r>
+              <a:rPr lang="en-US" dirty="0"/>
+              <a:t>M-step</a:t>
+            </a:r>
+          </a:p>
+        </p:txBody>
+      </p:sp>
+      <p:sp>
+        <p:nvSpPr>
+          <p:cNvPr id="14" name="Flowchart: Alternate Process 13"/>
+          <p:cNvSpPr/>
+          <p:nvPr/>
+        </p:nvSpPr>
+        <p:spPr>
+          <a:xfrm>
+            <a:off x="5156200" y="2095500"/>
+            <a:ext cx="1320800" cy="476250"/>
+          </a:xfrm>
+          <a:prstGeom prst="flowChartAlternateProcess">
+            <a:avLst/>
+          </a:prstGeom>
+        </p:spPr>
+        <p:style>
+          <a:lnRef idx="2">
+            <a:schemeClr val="dk1"/>
+          </a:lnRef>
+          <a:fillRef idx="1">
+            <a:schemeClr val="lt1"/>
+          </a:fillRef>
+          <a:effectRef idx="0">
+            <a:schemeClr val="dk1"/>
+          </a:effectRef>
+          <a:fontRef idx="minor">
+            <a:schemeClr val="dk1"/>
+          </a:fontRef>
+        </p:style>
+        <p:txBody>
+          <a:bodyPr rtlCol="0" anchor="ctr"/>
+          <a:lstStyle/>
+          <a:p>
+            <a:pPr algn="ctr"/>
+            <a:r>
+              <a:rPr lang="en-US" dirty="0"/>
+              <a:t>Filtering</a:t>
+            </a:r>
+          </a:p>
+        </p:txBody>
+      </p:sp>
+      <p:sp>
+        <p:nvSpPr>
+          <p:cNvPr id="15" name="Flowchart: Alternate Process 14"/>
+          <p:cNvSpPr/>
+          <p:nvPr/>
+        </p:nvSpPr>
+        <p:spPr>
+          <a:xfrm>
+            <a:off x="5156200" y="3114677"/>
+            <a:ext cx="1320800" cy="476250"/>
+          </a:xfrm>
+          <a:prstGeom prst="flowChartAlternateProcess">
+            <a:avLst/>
+          </a:prstGeom>
+        </p:spPr>
+        <p:style>
+          <a:lnRef idx="2">
+            <a:schemeClr val="dk1"/>
+          </a:lnRef>
+          <a:fillRef idx="1">
+            <a:schemeClr val="lt1"/>
+          </a:fillRef>
+          <a:effectRef idx="0">
+            <a:schemeClr val="dk1"/>
+          </a:effectRef>
+          <a:fontRef idx="minor">
+            <a:schemeClr val="dk1"/>
+          </a:fontRef>
+        </p:style>
+        <p:txBody>
+          <a:bodyPr rtlCol="0" anchor="ctr"/>
+          <a:lstStyle/>
+          <a:p>
+            <a:pPr algn="ctr"/>
+            <a:r>
+              <a:rPr lang="en-US" dirty="0"/>
+              <a:t>Smoothing</a:t>
+            </a:r>
+          </a:p>
+        </p:txBody>
+      </p:sp>
+      <p:sp>
+        <p:nvSpPr>
+          <p:cNvPr id="16" name="Flowchart: Decision 15"/>
+          <p:cNvSpPr/>
+          <p:nvPr/>
+        </p:nvSpPr>
+        <p:spPr>
+          <a:xfrm>
+            <a:off x="3810000" y="4762500"/>
+            <a:ext cx="1549400" cy="889000"/>
+          </a:xfrm>
+          <a:prstGeom prst="flowChartDecision">
+            <a:avLst/>
+          </a:prstGeom>
+        </p:spPr>
+        <p:style>
+          <a:lnRef idx="2">
+            <a:schemeClr val="dk1"/>
+          </a:lnRef>
+          <a:fillRef idx="1">
+            <a:schemeClr val="lt1"/>
+          </a:fillRef>
+          <a:effectRef idx="0">
+            <a:schemeClr val="dk1"/>
+          </a:effectRef>
+          <a:fontRef idx="minor">
+            <a:schemeClr val="dk1"/>
+          </a:fontRef>
+        </p:style>
+        <p:txBody>
+          <a:bodyPr rtlCol="0" anchor="ctr"/>
+          <a:lstStyle/>
+          <a:p>
+            <a:pPr algn="ctr"/>
+            <a:r>
+              <a:rPr lang="en-US" dirty="0"/>
+              <a:t>Converged</a:t>
+            </a:r>
+          </a:p>
+        </p:txBody>
+      </p:sp>
+      <p:cxnSp>
+        <p:nvCxnSpPr>
+          <p:cNvPr id="20" name="Straight Arrow Connector 19"/>
+          <p:cNvCxnSpPr>
+            <a:cxnSpLocks/>
+            <a:stCxn id="14" idx="2"/>
+            <a:endCxn id="15" idx="0"/>
+          </p:cNvCxnSpPr>
+          <p:nvPr/>
+        </p:nvCxnSpPr>
+        <p:spPr>
+          <a:xfrm>
+            <a:off x="5816600" y="2571750"/>
+            <a:ext cx="0" cy="542927"/>
+          </a:xfrm>
+          <a:prstGeom prst="straightConnector1">
+            <a:avLst/>
+          </a:prstGeom>
+          <a:ln>
+            <a:tailEnd type="triangle"/>
+          </a:ln>
+        </p:spPr>
+        <p:style>
+          <a:lnRef idx="1">
+            <a:schemeClr val="dk1"/>
+          </a:lnRef>
+          <a:fillRef idx="0">
+            <a:schemeClr val="dk1"/>
+          </a:fillRef>
+          <a:effectRef idx="0">
+            <a:schemeClr val="dk1"/>
+          </a:effectRef>
+          <a:fontRef idx="minor">
+            <a:schemeClr val="tx1"/>
+          </a:fontRef>
+        </p:style>
+      </p:cxnSp>
+      <p:cxnSp>
+        <p:nvCxnSpPr>
+          <p:cNvPr id="24" name="Straight Arrow Connector 23"/>
+          <p:cNvCxnSpPr>
+            <a:stCxn id="13" idx="2"/>
+            <a:endCxn id="16" idx="0"/>
+          </p:cNvCxnSpPr>
+          <p:nvPr/>
+        </p:nvCxnSpPr>
+        <p:spPr>
+          <a:xfrm>
+            <a:off x="4584700" y="4479925"/>
+            <a:ext cx="0" cy="282575"/>
+          </a:xfrm>
+          <a:prstGeom prst="straightConnector1">
+            <a:avLst/>
+          </a:prstGeom>
+          <a:ln>
+            <a:tailEnd type="triangle"/>
+          </a:ln>
+        </p:spPr>
+        <p:style>
+          <a:lnRef idx="1">
+            <a:schemeClr val="dk1"/>
+          </a:lnRef>
+          <a:fillRef idx="0">
+            <a:schemeClr val="dk1"/>
+          </a:fillRef>
+          <a:effectRef idx="0">
+            <a:schemeClr val="dk1"/>
+          </a:effectRef>
+          <a:fontRef idx="minor">
+            <a:schemeClr val="tx1"/>
+          </a:fontRef>
+        </p:style>
+      </p:cxnSp>
+      <p:cxnSp>
+        <p:nvCxnSpPr>
+          <p:cNvPr id="31" name="Straight Connector 30"/>
+          <p:cNvCxnSpPr>
+            <a:stCxn id="16" idx="1"/>
+          </p:cNvCxnSpPr>
+          <p:nvPr/>
+        </p:nvCxnSpPr>
+        <p:spPr>
+          <a:xfrm flipH="1">
+            <a:off x="3238500" y="5207000"/>
+            <a:ext cx="571500" cy="0"/>
+          </a:xfrm>
+          <a:prstGeom prst="line">
+            <a:avLst/>
+          </a:prstGeom>
+        </p:spPr>
+        <p:style>
+          <a:lnRef idx="1">
+            <a:schemeClr val="dk1"/>
+          </a:lnRef>
+          <a:fillRef idx="0">
+            <a:schemeClr val="dk1"/>
+          </a:fillRef>
+          <a:effectRef idx="0">
+            <a:schemeClr val="dk1"/>
+          </a:effectRef>
+          <a:fontRef idx="minor">
+            <a:schemeClr val="tx1"/>
+          </a:fontRef>
+        </p:style>
+      </p:cxnSp>
+      <p:cxnSp>
+        <p:nvCxnSpPr>
+          <p:cNvPr id="33" name="Straight Connector 32"/>
+          <p:cNvCxnSpPr>
+            <a:cxnSpLocks/>
+          </p:cNvCxnSpPr>
+          <p:nvPr/>
+        </p:nvCxnSpPr>
+        <p:spPr>
+          <a:xfrm flipV="1">
+            <a:off x="3238500" y="1498603"/>
+            <a:ext cx="0" cy="3708398"/>
+          </a:xfrm>
+          <a:prstGeom prst="line">
+            <a:avLst/>
+          </a:prstGeom>
+        </p:spPr>
+        <p:style>
+          <a:lnRef idx="1">
+            <a:schemeClr val="dk1"/>
+          </a:lnRef>
+          <a:fillRef idx="0">
+            <a:schemeClr val="dk1"/>
+          </a:fillRef>
+          <a:effectRef idx="0">
+            <a:schemeClr val="dk1"/>
+          </a:effectRef>
+          <a:fontRef idx="minor">
+            <a:schemeClr val="tx1"/>
+          </a:fontRef>
+        </p:style>
+      </p:cxnSp>
+      <p:cxnSp>
+        <p:nvCxnSpPr>
+          <p:cNvPr id="38" name="Straight Arrow Connector 37"/>
+          <p:cNvCxnSpPr>
+            <a:stCxn id="16" idx="2"/>
+            <a:endCxn id="12" idx="0"/>
+          </p:cNvCxnSpPr>
+          <p:nvPr/>
+        </p:nvCxnSpPr>
+        <p:spPr>
+          <a:xfrm>
+            <a:off x="4584700" y="5651500"/>
+            <a:ext cx="0" cy="425449"/>
+          </a:xfrm>
+          <a:prstGeom prst="straightConnector1">
+            <a:avLst/>
+          </a:prstGeom>
+          <a:ln>
+            <a:tailEnd type="triangle"/>
+          </a:ln>
+        </p:spPr>
+        <p:style>
+          <a:lnRef idx="1">
+            <a:schemeClr val="dk1"/>
+          </a:lnRef>
+          <a:fillRef idx="0">
+            <a:schemeClr val="dk1"/>
+          </a:fillRef>
+          <a:effectRef idx="0">
+            <a:schemeClr val="dk1"/>
+          </a:effectRef>
+          <a:fontRef idx="minor">
+            <a:schemeClr val="tx1"/>
+          </a:fontRef>
+        </p:style>
+      </p:cxnSp>
+      <p:sp>
+        <p:nvSpPr>
+          <p:cNvPr id="45" name="Flowchart: Alternate Process 44"/>
+          <p:cNvSpPr/>
+          <p:nvPr/>
+        </p:nvSpPr>
+        <p:spPr>
+          <a:xfrm>
+            <a:off x="7975600" y="1619250"/>
+            <a:ext cx="977900" cy="476250"/>
+          </a:xfrm>
+          <a:prstGeom prst="flowChartAlternateProcess">
+            <a:avLst/>
+          </a:prstGeom>
+        </p:spPr>
+        <p:style>
+          <a:lnRef idx="2">
+            <a:schemeClr val="dk1"/>
+          </a:lnRef>
+          <a:fillRef idx="1">
+            <a:schemeClr val="lt1"/>
+          </a:fillRef>
+          <a:effectRef idx="0">
+            <a:schemeClr val="dk1"/>
+          </a:effectRef>
+          <a:fontRef idx="minor">
+            <a:schemeClr val="dk1"/>
+          </a:fontRef>
+        </p:style>
+        <p:txBody>
+          <a:bodyPr rtlCol="0" anchor="ctr"/>
+          <a:lstStyle/>
+          <a:p>
+            <a:pPr algn="ctr"/>
+            <a:r>
+              <a:rPr lang="en-US" dirty="0"/>
+              <a:t>1 to T</a:t>
+            </a:r>
+          </a:p>
+        </p:txBody>
+      </p:sp>
+      <p:sp>
+        <p:nvSpPr>
+          <p:cNvPr id="46" name="Flowchart: Alternate Process 45"/>
+          <p:cNvSpPr/>
+          <p:nvPr/>
+        </p:nvSpPr>
+        <p:spPr>
+          <a:xfrm>
+            <a:off x="7975600" y="2393950"/>
+            <a:ext cx="977900" cy="476250"/>
+          </a:xfrm>
+          <a:prstGeom prst="flowChartAlternateProcess">
+            <a:avLst/>
+          </a:prstGeom>
+        </p:spPr>
+        <p:style>
+          <a:lnRef idx="2">
+            <a:schemeClr val="dk1"/>
+          </a:lnRef>
+          <a:fillRef idx="1">
+            <a:schemeClr val="lt1"/>
+          </a:fillRef>
+          <a:effectRef idx="0">
+            <a:schemeClr val="dk1"/>
+          </a:effectRef>
+          <a:fontRef idx="minor">
+            <a:schemeClr val="dk1"/>
+          </a:fontRef>
+        </p:style>
+        <p:txBody>
+          <a:bodyPr rtlCol="0" anchor="ctr"/>
+          <a:lstStyle/>
+          <a:p>
+            <a:pPr algn="ctr"/>
+            <a:r>
+              <a:rPr lang="en-US" dirty="0"/>
+              <a:t>T to 1</a:t>
+            </a:r>
+          </a:p>
+        </p:txBody>
+      </p:sp>
+      <p:cxnSp>
+        <p:nvCxnSpPr>
+          <p:cNvPr id="56" name="Straight Arrow Connector 55"/>
+          <p:cNvCxnSpPr>
+            <a:endCxn id="10" idx="1"/>
+          </p:cNvCxnSpPr>
+          <p:nvPr/>
+        </p:nvCxnSpPr>
+        <p:spPr>
+          <a:xfrm>
+            <a:off x="3238500" y="1498603"/>
+            <a:ext cx="685800" cy="0"/>
+          </a:xfrm>
+          <a:prstGeom prst="straightConnector1">
+            <a:avLst/>
+          </a:prstGeom>
+          <a:ln>
+            <a:tailEnd type="triangle"/>
+          </a:ln>
+        </p:spPr>
+        <p:style>
+          <a:lnRef idx="1">
+            <a:schemeClr val="dk1"/>
+          </a:lnRef>
+          <a:fillRef idx="0">
+            <a:schemeClr val="dk1"/>
+          </a:fillRef>
+          <a:effectRef idx="0">
+            <a:schemeClr val="dk1"/>
+          </a:effectRef>
+          <a:fontRef idx="minor">
+            <a:schemeClr val="tx1"/>
+          </a:fontRef>
+        </p:style>
+      </p:cxnSp>
+      <p:cxnSp>
+        <p:nvCxnSpPr>
+          <p:cNvPr id="58" name="Straight Arrow Connector 57"/>
+          <p:cNvCxnSpPr>
+            <a:stCxn id="11" idx="2"/>
+            <a:endCxn id="10" idx="0"/>
+          </p:cNvCxnSpPr>
+          <p:nvPr/>
+        </p:nvCxnSpPr>
+        <p:spPr>
+          <a:xfrm>
+            <a:off x="4584700" y="755654"/>
+            <a:ext cx="0" cy="504824"/>
+          </a:xfrm>
+          <a:prstGeom prst="straightConnector1">
+            <a:avLst/>
+          </a:prstGeom>
+          <a:ln>
+            <a:tailEnd type="triangle"/>
+          </a:ln>
+        </p:spPr>
+        <p:style>
+          <a:lnRef idx="1">
+            <a:schemeClr val="dk1"/>
+          </a:lnRef>
+          <a:fillRef idx="0">
+            <a:schemeClr val="dk1"/>
+          </a:fillRef>
+          <a:effectRef idx="0">
+            <a:schemeClr val="dk1"/>
+          </a:effectRef>
+          <a:fontRef idx="minor">
+            <a:schemeClr val="tx1"/>
+          </a:fontRef>
+        </p:style>
+      </p:cxnSp>
+      <p:cxnSp>
+        <p:nvCxnSpPr>
+          <p:cNvPr id="66" name="Straight Connector 65"/>
+          <p:cNvCxnSpPr>
+            <a:cxnSpLocks/>
+            <a:stCxn id="10" idx="3"/>
+          </p:cNvCxnSpPr>
+          <p:nvPr/>
+        </p:nvCxnSpPr>
+        <p:spPr>
+          <a:xfrm>
+            <a:off x="5245100" y="1498603"/>
+            <a:ext cx="571500" cy="0"/>
+          </a:xfrm>
+          <a:prstGeom prst="line">
+            <a:avLst/>
+          </a:prstGeom>
+        </p:spPr>
+        <p:style>
+          <a:lnRef idx="1">
+            <a:schemeClr val="dk1"/>
+          </a:lnRef>
+          <a:fillRef idx="0">
+            <a:schemeClr val="dk1"/>
+          </a:fillRef>
+          <a:effectRef idx="0">
+            <a:schemeClr val="dk1"/>
+          </a:effectRef>
+          <a:fontRef idx="minor">
+            <a:schemeClr val="tx1"/>
+          </a:fontRef>
+        </p:style>
+      </p:cxnSp>
+      <p:cxnSp>
+        <p:nvCxnSpPr>
+          <p:cNvPr id="68" name="Straight Arrow Connector 67"/>
+          <p:cNvCxnSpPr>
+            <a:endCxn id="14" idx="0"/>
+          </p:cNvCxnSpPr>
+          <p:nvPr/>
+        </p:nvCxnSpPr>
+        <p:spPr>
+          <a:xfrm>
+            <a:off x="5816600" y="1498603"/>
+            <a:ext cx="0" cy="596897"/>
+          </a:xfrm>
+          <a:prstGeom prst="straightConnector1">
+            <a:avLst/>
+          </a:prstGeom>
+          <a:ln>
+            <a:tailEnd type="triangle"/>
+          </a:ln>
+        </p:spPr>
+        <p:style>
+          <a:lnRef idx="1">
+            <a:schemeClr val="dk1"/>
+          </a:lnRef>
+          <a:fillRef idx="0">
+            <a:schemeClr val="dk1"/>
+          </a:fillRef>
+          <a:effectRef idx="0">
+            <a:schemeClr val="dk1"/>
+          </a:effectRef>
+          <a:fontRef idx="minor">
+            <a:schemeClr val="tx1"/>
+          </a:fontRef>
+        </p:style>
+      </p:cxnSp>
+      <p:cxnSp>
+        <p:nvCxnSpPr>
+          <p:cNvPr id="70" name="Straight Connector 69"/>
+          <p:cNvCxnSpPr>
+            <a:stCxn id="15" idx="2"/>
+          </p:cNvCxnSpPr>
+          <p:nvPr/>
+        </p:nvCxnSpPr>
+        <p:spPr>
+          <a:xfrm>
+            <a:off x="5816600" y="3590927"/>
+            <a:ext cx="0" cy="650873"/>
+          </a:xfrm>
+          <a:prstGeom prst="line">
+            <a:avLst/>
+          </a:prstGeom>
+        </p:spPr>
+        <p:style>
+          <a:lnRef idx="1">
+            <a:schemeClr val="dk1"/>
+          </a:lnRef>
+          <a:fillRef idx="0">
+            <a:schemeClr val="dk1"/>
+          </a:fillRef>
+          <a:effectRef idx="0">
+            <a:schemeClr val="dk1"/>
+          </a:effectRef>
+          <a:fontRef idx="minor">
+            <a:schemeClr val="tx1"/>
+          </a:fontRef>
+        </p:style>
+      </p:cxnSp>
+      <p:cxnSp>
+        <p:nvCxnSpPr>
+          <p:cNvPr id="72" name="Straight Arrow Connector 71"/>
+          <p:cNvCxnSpPr>
+            <a:cxnSpLocks/>
+            <a:endCxn id="13" idx="3"/>
+          </p:cNvCxnSpPr>
+          <p:nvPr/>
+        </p:nvCxnSpPr>
+        <p:spPr>
+          <a:xfrm flipH="1">
+            <a:off x="5245100" y="4241800"/>
+            <a:ext cx="571500" cy="0"/>
+          </a:xfrm>
+          <a:prstGeom prst="straightConnector1">
+            <a:avLst/>
+          </a:prstGeom>
+          <a:ln>
+            <a:tailEnd type="triangle"/>
+          </a:ln>
+        </p:spPr>
+        <p:style>
+          <a:lnRef idx="1">
+            <a:schemeClr val="dk1"/>
+          </a:lnRef>
+          <a:fillRef idx="0">
+            <a:schemeClr val="dk1"/>
+          </a:fillRef>
+          <a:effectRef idx="0">
+            <a:schemeClr val="dk1"/>
+          </a:effectRef>
+          <a:fontRef idx="minor">
+            <a:schemeClr val="tx1"/>
+          </a:fontRef>
+        </p:style>
+      </p:cxnSp>
+      <p:sp>
+        <p:nvSpPr>
+          <p:cNvPr id="77" name="TextBox 76"/>
+          <p:cNvSpPr txBox="1"/>
+          <p:nvPr/>
+        </p:nvSpPr>
+        <p:spPr>
+          <a:xfrm>
+            <a:off x="4612651" y="825540"/>
+            <a:ext cx="1264898" cy="369332"/>
+          </a:xfrm>
+          <a:prstGeom prst="rect">
+            <a:avLst/>
+          </a:prstGeom>
+          <a:noFill/>
+        </p:spPr>
+        <p:txBody>
+          <a:bodyPr wrap="none" rtlCol="0">
+            <a:spAutoFit/>
+          </a:bodyPr>
+          <a:lstStyle/>
+          <a:p>
+            <a:r>
+              <a:rPr lang="en-US" dirty="0"/>
+              <a:t>Initial value</a:t>
+            </a:r>
+          </a:p>
+        </p:txBody>
+      </p:sp>
+    </p:spTree>
+    <p:extLst>
+      <p:ext uri="{BB962C8B-B14F-4D97-AF65-F5344CB8AC3E}">
+        <p14:creationId xmlns:p14="http://schemas.microsoft.com/office/powerpoint/2010/main" val="713304210"/>
+      </p:ext>
+    </p:extLst>
+  </p:cSld>
+  <p:clrMapOvr>
+    <a:masterClrMapping/>
+  </p:clrMapOvr>
+</p:sld>
+</file>
+
+<file path=ppt/slides/slide16.xml><?xml version="1.0" encoding="utf-8"?>
+<p:sld xmlns:a="http://schemas.openxmlformats.org/drawingml/2006/main" xmlns:r="http://schemas.openxmlformats.org/officeDocument/2006/relationships" xmlns:p="http://schemas.openxmlformats.org/presentationml/2006/main">
+  <p:cSld>
+    <p:spTree>
+      <p:nvGrpSpPr>
+        <p:cNvPr id="1" name=""/>
+        <p:cNvGrpSpPr/>
+        <p:nvPr/>
+      </p:nvGrpSpPr>
+      <p:grpSpPr>
+        <a:xfrm>
+          <a:off x="0" y="0"/>
+          <a:ext cx="0" cy="0"/>
+          <a:chOff x="0" y="0"/>
+          <a:chExt cx="0" cy="0"/>
+        </a:xfrm>
+      </p:grpSpPr>
+      <p:sp>
+        <p:nvSpPr>
+          <p:cNvPr id="10" name="Flowchart: Alternate Process 9"/>
+          <p:cNvSpPr/>
+          <p:nvPr/>
+        </p:nvSpPr>
+        <p:spPr>
+          <a:xfrm>
             <a:off x="2222498" y="2676528"/>
             <a:ext cx="1320800" cy="476250"/>
           </a:xfrm>
@@ -13880,7 +14813,7 @@
 </p:sld>
 </file>
 
-<file path=ppt/slides/slide16.xml><?xml version="1.0" encoding="utf-8"?>
+<file path=ppt/slides/slide17.xml><?xml version="1.0" encoding="utf-8"?>
 <p:sld xmlns:a="http://schemas.openxmlformats.org/drawingml/2006/main" xmlns:r="http://schemas.openxmlformats.org/officeDocument/2006/relationships" xmlns:p="http://schemas.openxmlformats.org/presentationml/2006/main">
   <p:cSld>
     <p:spTree>
@@ -14704,7 +15637,7 @@
 </p:sld>
 </file>
 
-<file path=ppt/slides/slide17.xml><?xml version="1.0" encoding="utf-8"?>
+<file path=ppt/slides/slide18.xml><?xml version="1.0" encoding="utf-8"?>
 <p:sld xmlns:a="http://schemas.openxmlformats.org/drawingml/2006/main" xmlns:r="http://schemas.openxmlformats.org/officeDocument/2006/relationships" xmlns:p="http://schemas.openxmlformats.org/presentationml/2006/main">
   <p:cSld>
     <p:spTree>
